--- a/documents/Anguiano_Varshneya_LMU_Symposium_2015.pptx
+++ b/documents/Anguiano_Varshneya_LMU_Symposium_2015.pptx
@@ -1383,7 +1383,7 @@
               <a:buChar char="-"/>
             </a:pPr>
             <a:r>
-              <a:rPr lang="en-US" sz="1200" b="0" i="0" u="none" strike="noStrike" cap="none" baseline="0">
+              <a:rPr lang="en-US" sz="1200" b="0" i="0" u="none" strike="noStrike" cap="none" baseline="0" dirty="0">
                 <a:solidFill>
                   <a:schemeClr val="dk1"/>
                 </a:solidFill>
@@ -1408,7 +1408,7 @@
               <a:buChar char="-"/>
             </a:pPr>
             <a:r>
-              <a:rPr lang="en-US" sz="1200" b="0" i="0" u="none" strike="noStrike" cap="none" baseline="0">
+              <a:rPr lang="en-US" sz="1200" b="0" i="0" u="none" strike="noStrike" cap="none" baseline="0" dirty="0">
                 <a:solidFill>
                   <a:schemeClr val="dk1"/>
                 </a:solidFill>
@@ -1458,7 +1458,7 @@
               <a:buChar char="-"/>
             </a:pPr>
             <a:r>
-              <a:rPr lang="en-US" sz="1200" b="0" i="0" u="none" strike="noStrike" cap="none" baseline="0">
+              <a:rPr lang="en-US" sz="1200" b="0" i="0" u="none" strike="noStrike" cap="none" baseline="0" dirty="0">
                 <a:solidFill>
                   <a:schemeClr val="dk1"/>
                 </a:solidFill>
@@ -1483,7 +1483,7 @@
               <a:buChar char="-"/>
             </a:pPr>
             <a:r>
-              <a:rPr lang="en-US" sz="1200" b="0" i="0" u="none" strike="noStrike" cap="none" baseline="0">
+              <a:rPr lang="en-US" sz="1200" b="0" i="0" u="none" strike="noStrike" cap="none" baseline="0" dirty="0">
                 <a:solidFill>
                   <a:schemeClr val="dk1"/>
                 </a:solidFill>
@@ -1508,7 +1508,7 @@
               <a:buChar char="-"/>
             </a:pPr>
             <a:r>
-              <a:rPr lang="en-US" sz="1200" b="0" i="0" u="none" strike="noStrike" cap="none" baseline="0">
+              <a:rPr lang="en-US" sz="1200" b="0" i="0" u="none" strike="noStrike" cap="none" baseline="0" dirty="0">
                 <a:solidFill>
                   <a:schemeClr val="dk1"/>
                 </a:solidFill>
@@ -1533,7 +1533,7 @@
               <a:buChar char="-"/>
             </a:pPr>
             <a:r>
-              <a:rPr lang="en-US" sz="1200" b="0" i="0" u="none" strike="noStrike" cap="none" baseline="0">
+              <a:rPr lang="en-US" sz="1200" b="0" i="0" u="none" strike="noStrike" cap="none" baseline="0" dirty="0">
                 <a:solidFill>
                   <a:schemeClr val="dk1"/>
                 </a:solidFill>
@@ -1558,7 +1558,7 @@
               <a:buChar char="-"/>
             </a:pPr>
             <a:r>
-              <a:rPr lang="en-US" sz="1200" b="0" i="0" u="none" strike="noStrike" cap="none" baseline="0">
+              <a:rPr lang="en-US" sz="1200" b="0" i="0" u="none" strike="noStrike" cap="none" baseline="0" dirty="0">
                 <a:solidFill>
                   <a:schemeClr val="dk1"/>
                 </a:solidFill>
@@ -1583,7 +1583,7 @@
               <a:buChar char="-"/>
             </a:pPr>
             <a:r>
-              <a:rPr lang="en-US" sz="1200" b="0" i="0" u="none" strike="noStrike" cap="none" baseline="0">
+              <a:rPr lang="en-US" sz="1200" b="0" i="0" u="none" strike="noStrike" cap="none" baseline="0" dirty="0">
                 <a:solidFill>
                   <a:schemeClr val="dk1"/>
                 </a:solidFill>
@@ -1608,7 +1608,7 @@
               <a:buChar char="-"/>
             </a:pPr>
             <a:r>
-              <a:rPr lang="en-US" sz="1200" b="0" i="0" u="none" strike="noStrike" cap="none" baseline="0">
+              <a:rPr lang="en-US" sz="1200" b="0" i="0" u="none" strike="noStrike" cap="none" baseline="0" dirty="0">
                 <a:solidFill>
                   <a:schemeClr val="dk1"/>
                 </a:solidFill>
@@ -1633,7 +1633,7 @@
               <a:buChar char="-"/>
             </a:pPr>
             <a:r>
-              <a:rPr lang="en-US" sz="1200" b="0" i="0" u="none" strike="noStrike" cap="none" baseline="0">
+              <a:rPr lang="en-US" sz="1200" b="0" i="0" u="none" strike="noStrike" cap="none" baseline="0" dirty="0">
                 <a:solidFill>
                   <a:schemeClr val="dk1"/>
                 </a:solidFill>
@@ -1658,7 +1658,7 @@
               <a:buChar char="-"/>
             </a:pPr>
             <a:r>
-              <a:rPr lang="en-US" sz="1200" b="0" i="0" u="none" strike="noStrike" cap="none" baseline="0">
+              <a:rPr lang="en-US" sz="1200" b="0" i="0" u="none" strike="noStrike" cap="none" baseline="0" dirty="0">
                 <a:solidFill>
                   <a:schemeClr val="dk1"/>
                 </a:solidFill>
@@ -1683,7 +1683,7 @@
               <a:buChar char="-"/>
             </a:pPr>
             <a:r>
-              <a:rPr lang="en-US" sz="1200" b="0" i="0" u="none" strike="noStrike" cap="none" baseline="0">
+              <a:rPr lang="en-US" sz="1200" b="0" i="0" u="none" strike="noStrike" cap="none" baseline="0" dirty="0">
                 <a:solidFill>
                   <a:schemeClr val="dk1"/>
                 </a:solidFill>
@@ -1708,7 +1708,7 @@
               <a:buChar char="-"/>
             </a:pPr>
             <a:r>
-              <a:rPr lang="en-US" sz="1200" b="0" i="0" u="none" strike="noStrike" cap="none" baseline="0">
+              <a:rPr lang="en-US" sz="1200" b="0" i="0" u="none" strike="noStrike" cap="none" baseline="0" dirty="0">
                 <a:solidFill>
                   <a:schemeClr val="dk1"/>
                 </a:solidFill>
@@ -1733,7 +1733,7 @@
               <a:buChar char="-"/>
             </a:pPr>
             <a:r>
-              <a:rPr lang="en-US" sz="1200" b="0" i="0" u="none" strike="noStrike" cap="none" baseline="0">
+              <a:rPr lang="en-US" sz="1200" b="0" i="0" u="none" strike="noStrike" cap="none" baseline="0" dirty="0">
                 <a:solidFill>
                   <a:schemeClr val="dk1"/>
                 </a:solidFill>
@@ -1758,7 +1758,7 @@
               <a:buChar char="-"/>
             </a:pPr>
             <a:r>
-              <a:rPr lang="en-US" sz="1200" b="0" i="0" u="none" strike="noStrike" cap="none" baseline="0">
+              <a:rPr lang="en-US" sz="1200" b="0" i="0" u="none" strike="noStrike" cap="none" baseline="0" dirty="0">
                 <a:solidFill>
                   <a:schemeClr val="dk1"/>
                 </a:solidFill>
@@ -1783,7 +1783,7 @@
               <a:buChar char="-"/>
             </a:pPr>
             <a:r>
-              <a:rPr lang="en-US" sz="1200" b="0" i="0" u="none" strike="noStrike" cap="none" baseline="0">
+              <a:rPr lang="en-US" sz="1200" b="0" i="0" u="none" strike="noStrike" cap="none" baseline="0" dirty="0">
                 <a:solidFill>
                   <a:schemeClr val="dk1"/>
                 </a:solidFill>
@@ -1808,7 +1808,7 @@
               <a:buChar char="-"/>
             </a:pPr>
             <a:r>
-              <a:rPr lang="en-US" sz="1200" b="0" i="0" u="none" strike="noStrike" cap="none" baseline="0">
+              <a:rPr lang="en-US" sz="1200" b="0" i="0" u="none" strike="noStrike" cap="none" baseline="0" dirty="0" err="1">
                 <a:solidFill>
                   <a:schemeClr val="dk1"/>
                 </a:solidFill>
@@ -1817,7 +1817,19 @@
                 <a:cs typeface="Calibri"/>
                 <a:sym typeface="Calibri"/>
               </a:rPr>
-              <a:t>Mouseovers for edges screenshot</a:t>
+              <a:t>Mouseovers</a:t>
+            </a:r>
+            <a:r>
+              <a:rPr lang="en-US" sz="1200" b="0" i="0" u="none" strike="noStrike" cap="none" baseline="0" dirty="0">
+                <a:solidFill>
+                  <a:schemeClr val="dk1"/>
+                </a:solidFill>
+                <a:latin typeface="Calibri"/>
+                <a:ea typeface="Calibri"/>
+                <a:cs typeface="Calibri"/>
+                <a:sym typeface="Calibri"/>
+              </a:rPr>
+              <a:t> for edges screenshot</a:t>
             </a:r>
           </a:p>
         </p:txBody>
@@ -18218,7 +18230,7 @@
               <a:buChar char="•"/>
             </a:pPr>
             <a:r>
-              <a:rPr lang="en-US" sz="2200" b="0" i="0" u="none" strike="noStrike" cap="none" baseline="0">
+              <a:rPr lang="en-US" sz="2200" b="0" i="0" u="none" strike="noStrike" cap="none" baseline="0" dirty="0">
                 <a:solidFill>
                   <a:srgbClr val="000000"/>
                 </a:solidFill>
@@ -18250,7 +18262,7 @@
               <a:buChar char="•"/>
             </a:pPr>
             <a:r>
-              <a:rPr lang="en-US" sz="2200" b="0" i="0" u="none" strike="noStrike" cap="none" baseline="0">
+              <a:rPr lang="en-US" sz="2200" b="0" i="0" u="none" strike="noStrike" cap="none" baseline="0" dirty="0">
                 <a:solidFill>
                   <a:srgbClr val="000000"/>
                 </a:solidFill>
@@ -18260,8 +18272,34 @@
                 <a:sym typeface="Arial"/>
                 <a:rtl val="0"/>
               </a:rPr>
-              <a:t>Express Framework: http://expressjs.com/</a:t>
+              <a:t>Express Framework: http://</a:t>
             </a:r>
+            <a:r>
+              <a:rPr lang="en-US" sz="2200" b="0" i="0" u="none" strike="noStrike" cap="none" baseline="0" dirty="0" err="1">
+                <a:solidFill>
+                  <a:srgbClr val="000000"/>
+                </a:solidFill>
+                <a:latin typeface="Arial"/>
+                <a:ea typeface="Arial"/>
+                <a:cs typeface="Arial"/>
+                <a:sym typeface="Arial"/>
+                <a:rtl val="0"/>
+              </a:rPr>
+              <a:t>expressjs.com</a:t>
+            </a:r>
+            <a:r>
+              <a:rPr lang="en-US" sz="2200" b="0" i="0" u="none" strike="noStrike" cap="none" baseline="0" dirty="0">
+                <a:solidFill>
+                  <a:srgbClr val="000000"/>
+                </a:solidFill>
+                <a:latin typeface="Arial"/>
+                <a:ea typeface="Arial"/>
+                <a:cs typeface="Arial"/>
+                <a:sym typeface="Arial"/>
+                <a:rtl val="0"/>
+              </a:rPr>
+              <a:t>/</a:t>
+            </a:r>
           </a:p>
           <a:p>
             <a:pPr marL="342900" marR="0" lvl="0" indent="-342900" algn="l" rtl="0">
@@ -18282,7 +18320,7 @@
               <a:buChar char="•"/>
             </a:pPr>
             <a:r>
-              <a:rPr lang="en-US" sz="2200" b="0" i="0" u="none" strike="noStrike" cap="none" baseline="0">
+              <a:rPr lang="en-US" sz="2200" b="0" i="0" u="none" strike="noStrike" cap="none" baseline="0" dirty="0">
                 <a:solidFill>
                   <a:srgbClr val="000000"/>
                 </a:solidFill>
@@ -18314,7 +18352,7 @@
               <a:buChar char="•"/>
             </a:pPr>
             <a:r>
-              <a:rPr lang="en-US" sz="2200" b="0" i="0" u="none" strike="noStrike" cap="none" baseline="0">
+              <a:rPr lang="en-US" sz="2200" b="0" i="0" u="none" strike="noStrike" cap="none" baseline="0" dirty="0" err="1">
                 <a:solidFill>
                   <a:srgbClr val="000000"/>
                 </a:solidFill>
@@ -18324,29 +18362,10 @@
                 <a:sym typeface="Arial"/>
                 <a:rtl val="0"/>
               </a:rPr>
-              <a:t>GRNmap: http://kdahlquist.github.io/GRNmap/</a:t>
+              <a:t>GRNmap</a:t>
             </a:r>
-          </a:p>
-          <a:p>
-            <a:pPr marL="342900" marR="0" lvl="0" indent="-342900" algn="l" rtl="0">
-              <a:lnSpc>
-                <a:spcPct val="100000"/>
-              </a:lnSpc>
-              <a:spcBef>
-                <a:spcPts val="0"/>
-              </a:spcBef>
-              <a:spcAft>
-                <a:spcPts val="0"/>
-              </a:spcAft>
-              <a:buClr>
-                <a:srgbClr val="003700"/>
-              </a:buClr>
-              <a:buSzPct val="100000"/>
-              <a:buFont typeface="Arial"/>
-              <a:buChar char="•"/>
-            </a:pPr>
             <a:r>
-              <a:rPr lang="en-US" sz="2200" b="0" i="0" u="none" strike="noStrike" cap="none" baseline="0">
+              <a:rPr lang="en-US" sz="2200" b="0" i="0" u="none" strike="noStrike" cap="none" baseline="0" dirty="0">
                 <a:solidFill>
                   <a:srgbClr val="000000"/>
                 </a:solidFill>
@@ -18356,8 +18375,190 @@
                 <a:sym typeface="Arial"/>
                 <a:rtl val="0"/>
               </a:rPr>
-              <a:t>Node.js: http://nodejs.org/</a:t>
+              <a:t>: http://</a:t>
             </a:r>
+            <a:r>
+              <a:rPr lang="en-US" sz="2200" b="0" i="0" u="none" strike="noStrike" cap="none" baseline="0" dirty="0" err="1">
+                <a:solidFill>
+                  <a:srgbClr val="000000"/>
+                </a:solidFill>
+                <a:latin typeface="Arial"/>
+                <a:ea typeface="Arial"/>
+                <a:cs typeface="Arial"/>
+                <a:sym typeface="Arial"/>
+                <a:rtl val="0"/>
+              </a:rPr>
+              <a:t>kdahlquist.github.io</a:t>
+            </a:r>
+            <a:r>
+              <a:rPr lang="en-US" sz="2200" b="0" i="0" u="none" strike="noStrike" cap="none" baseline="0" dirty="0">
+                <a:solidFill>
+                  <a:srgbClr val="000000"/>
+                </a:solidFill>
+                <a:latin typeface="Arial"/>
+                <a:ea typeface="Arial"/>
+                <a:cs typeface="Arial"/>
+                <a:sym typeface="Arial"/>
+                <a:rtl val="0"/>
+              </a:rPr>
+              <a:t>/</a:t>
+            </a:r>
+            <a:r>
+              <a:rPr lang="en-US" sz="2200" b="0" i="0" u="none" strike="noStrike" cap="none" baseline="0" dirty="0" err="1">
+                <a:solidFill>
+                  <a:srgbClr val="000000"/>
+                </a:solidFill>
+                <a:latin typeface="Arial"/>
+                <a:ea typeface="Arial"/>
+                <a:cs typeface="Arial"/>
+                <a:sym typeface="Arial"/>
+                <a:rtl val="0"/>
+              </a:rPr>
+              <a:t>GRNmap</a:t>
+            </a:r>
+            <a:r>
+              <a:rPr lang="en-US" sz="2200" b="0" i="0" u="none" strike="noStrike" cap="none" baseline="0" dirty="0">
+                <a:solidFill>
+                  <a:srgbClr val="000000"/>
+                </a:solidFill>
+                <a:latin typeface="Arial"/>
+                <a:ea typeface="Arial"/>
+                <a:cs typeface="Arial"/>
+                <a:sym typeface="Arial"/>
+                <a:rtl val="0"/>
+              </a:rPr>
+              <a:t>/</a:t>
+            </a:r>
+          </a:p>
+          <a:p>
+            <a:pPr marL="342900" marR="0" lvl="0" indent="-342900" algn="l" rtl="0">
+              <a:lnSpc>
+                <a:spcPct val="100000"/>
+              </a:lnSpc>
+              <a:spcBef>
+                <a:spcPts val="0"/>
+              </a:spcBef>
+              <a:spcAft>
+                <a:spcPts val="0"/>
+              </a:spcAft>
+              <a:buClr>
+                <a:srgbClr val="003700"/>
+              </a:buClr>
+              <a:buSzPct val="100000"/>
+              <a:buFont typeface="Arial"/>
+              <a:buChar char="•"/>
+            </a:pPr>
+            <a:r>
+              <a:rPr lang="en-US" sz="2200" b="0" i="0" u="none" strike="noStrike" cap="none" baseline="0" dirty="0" err="1">
+                <a:solidFill>
+                  <a:srgbClr val="000000"/>
+                </a:solidFill>
+                <a:latin typeface="Arial"/>
+                <a:ea typeface="Arial"/>
+                <a:cs typeface="Arial"/>
+                <a:sym typeface="Arial"/>
+                <a:rtl val="0"/>
+              </a:rPr>
+              <a:t>Node.js</a:t>
+            </a:r>
+            <a:r>
+              <a:rPr lang="en-US" sz="2200" b="0" i="0" u="none" strike="noStrike" cap="none" baseline="0" dirty="0">
+                <a:solidFill>
+                  <a:srgbClr val="000000"/>
+                </a:solidFill>
+                <a:latin typeface="Arial"/>
+                <a:ea typeface="Arial"/>
+                <a:cs typeface="Arial"/>
+                <a:sym typeface="Arial"/>
+                <a:rtl val="0"/>
+              </a:rPr>
+              <a:t>: </a:t>
+            </a:r>
+            <a:r>
+              <a:rPr lang="en-US" sz="2200" b="0" i="0" u="none" strike="noStrike" cap="none" baseline="0" dirty="0">
+                <a:solidFill>
+                  <a:srgbClr val="000000"/>
+                </a:solidFill>
+                <a:latin typeface="Arial"/>
+                <a:ea typeface="Arial"/>
+                <a:cs typeface="Arial"/>
+                <a:sym typeface="Arial"/>
+                <a:hlinkClick r:id="rId7"/>
+                <a:rtl val="0"/>
+              </a:rPr>
+              <a:t>http://nodejs.org</a:t>
+            </a:r>
+            <a:r>
+              <a:rPr lang="en-US" sz="2200" b="0" i="0" u="none" strike="noStrike" cap="none" baseline="0" dirty="0" smtClean="0">
+                <a:solidFill>
+                  <a:srgbClr val="000000"/>
+                </a:solidFill>
+                <a:latin typeface="Arial"/>
+                <a:ea typeface="Arial"/>
+                <a:cs typeface="Arial"/>
+                <a:sym typeface="Arial"/>
+                <a:hlinkClick r:id="rId7"/>
+                <a:rtl val="0"/>
+              </a:rPr>
+              <a:t>/</a:t>
+            </a:r>
+            <a:endParaRPr lang="en-US" sz="2200" b="0" i="0" u="none" strike="noStrike" cap="none" baseline="0" dirty="0" smtClean="0">
+              <a:solidFill>
+                <a:srgbClr val="000000"/>
+              </a:solidFill>
+              <a:latin typeface="Arial"/>
+              <a:ea typeface="Arial"/>
+              <a:cs typeface="Arial"/>
+              <a:sym typeface="Arial"/>
+              <a:rtl val="0"/>
+            </a:endParaRPr>
+          </a:p>
+          <a:p>
+            <a:pPr marL="342900" lvl="0" indent="-342900">
+              <a:buClr>
+                <a:srgbClr val="003700"/>
+              </a:buClr>
+              <a:buSzPct val="100000"/>
+              <a:buFont typeface="Arial"/>
+              <a:buChar char="•"/>
+            </a:pPr>
+            <a:r>
+              <a:rPr lang="en-US" sz="2200" dirty="0"/>
+              <a:t>Mocha: </a:t>
+            </a:r>
+            <a:r>
+              <a:rPr lang="en-US" sz="2200" dirty="0">
+                <a:hlinkClick r:id="rId8"/>
+              </a:rPr>
+              <a:t>http://mochajs.org</a:t>
+            </a:r>
+            <a:r>
+              <a:rPr lang="en-US" sz="2200" dirty="0" smtClean="0">
+                <a:hlinkClick r:id="rId8"/>
+              </a:rPr>
+              <a:t>/</a:t>
+            </a:r>
+            <a:endParaRPr lang="en-US" sz="2200" dirty="0" smtClean="0"/>
+          </a:p>
+          <a:p>
+            <a:pPr marL="342900" lvl="0" indent="-342900">
+              <a:buClr>
+                <a:srgbClr val="003700"/>
+              </a:buClr>
+              <a:buSzPct val="100000"/>
+              <a:buFont typeface="Arial"/>
+              <a:buChar char="•"/>
+            </a:pPr>
+            <a:endParaRPr lang="en-US" sz="2200" b="0" i="0" u="none" strike="noStrike" cap="none" baseline="0" dirty="0">
+              <a:solidFill>
+                <a:srgbClr val="000000"/>
+              </a:solidFill>
+              <a:latin typeface="Arial"/>
+              <a:ea typeface="Arial"/>
+              <a:cs typeface="Arial"/>
+              <a:sym typeface="Arial"/>
+              <a:rtl val="0"/>
+            </a:endParaRPr>
           </a:p>
           <a:p>
             <a:pPr marL="0" marR="0" lvl="0" indent="0" algn="l" rtl="0">
@@ -18376,7 +18577,7 @@
               <a:buFont typeface="Arial"/>
               <a:buNone/>
             </a:pPr>
-            <a:endParaRPr sz="2200" b="0" i="0" u="none" strike="noStrike" cap="none" baseline="0">
+            <a:endParaRPr sz="2200" b="0" i="0" u="none" strike="noStrike" cap="none" baseline="0" dirty="0">
               <a:solidFill>
                 <a:srgbClr val="003700"/>
               </a:solidFill>
@@ -18396,7 +18597,7 @@
           <p:nvPr/>
         </p:nvPicPr>
         <p:blipFill rotWithShape="1">
-          <a:blip r:embed="rId7">
+          <a:blip r:embed="rId9">
             <a:alphaModFix/>
           </a:blip>
           <a:srcRect/>
@@ -18460,46 +18661,16 @@
               <a:buFont typeface="Arial"/>
               <a:buNone/>
             </a:pPr>
-            <a:r>
-              <a:rPr lang="en-US" sz="900" b="0" i="0" u="none" strike="noStrike" cap="none" baseline="0">
-                <a:solidFill>
-                  <a:srgbClr val="222222"/>
-                </a:solidFill>
-                <a:latin typeface="Arial"/>
-                <a:ea typeface="Arial"/>
-                <a:cs typeface="Arial"/>
-                <a:sym typeface="Arial"/>
-                <a:rtl val="0"/>
-              </a:rPr>
-              <a:t>MATLAB model available at </a:t>
-            </a:r>
-            <a:r>
-              <a:rPr lang="en-US" sz="900" b="0" i="0" u="sng" strike="noStrike" cap="none" baseline="0">
-                <a:solidFill>
-                  <a:schemeClr val="hlink"/>
-                </a:solidFill>
-                <a:latin typeface="Arial"/>
-                <a:ea typeface="Arial"/>
-                <a:cs typeface="Arial"/>
-                <a:sym typeface="Arial"/>
-                <a:hlinkClick r:id="rId8"/>
-                <a:rtl val="0"/>
-              </a:rPr>
-              <a:t>http://kdahlquist.github.io/GRNmap/</a:t>
-            </a:r>
-            <a:r>
-              <a:rPr lang="en-US" sz="2800" b="0" i="0" u="none" strike="noStrike" cap="none" baseline="0">
-                <a:solidFill>
-                  <a:schemeClr val="dk1"/>
-                </a:solidFill>
-                <a:latin typeface="Arial"/>
-                <a:ea typeface="Arial"/>
-                <a:cs typeface="Arial"/>
-                <a:sym typeface="Arial"/>
-                <a:rtl val="0"/>
-              </a:rPr>
-              <a:t> </a:t>
-            </a:r>
+            <a:endParaRPr lang="en-US" sz="2800" b="0" i="0" u="none" strike="noStrike" cap="none" baseline="0" dirty="0">
+              <a:solidFill>
+                <a:schemeClr val="dk1"/>
+              </a:solidFill>
+              <a:latin typeface="Arial"/>
+              <a:ea typeface="Arial"/>
+              <a:cs typeface="Arial"/>
+              <a:sym typeface="Arial"/>
+              <a:rtl val="0"/>
+            </a:endParaRPr>
           </a:p>
         </p:txBody>
       </p:sp>
@@ -18510,7 +18681,7 @@
           <p:nvPr/>
         </p:nvPicPr>
         <p:blipFill rotWithShape="1">
-          <a:blip r:embed="rId9">
+          <a:blip r:embed="rId10">
             <a:alphaModFix/>
           </a:blip>
           <a:srcRect l="8866" t="1807" r="7142" b="3158"/>
@@ -18537,7 +18708,7 @@
           <p:nvPr/>
         </p:nvPicPr>
         <p:blipFill rotWithShape="1">
-          <a:blip r:embed="rId10">
+          <a:blip r:embed="rId11">
             <a:alphaModFix/>
           </a:blip>
           <a:srcRect/>
@@ -18564,7 +18735,7 @@
           <p:nvPr/>
         </p:nvPicPr>
         <p:blipFill rotWithShape="1">
-          <a:blip r:embed="rId11">
+          <a:blip r:embed="rId12">
             <a:alphaModFix/>
           </a:blip>
           <a:srcRect r="10182"/>
@@ -18591,7 +18762,7 @@
           <p:nvPr/>
         </p:nvPicPr>
         <p:blipFill rotWithShape="1">
-          <a:blip r:embed="rId12">
+          <a:blip r:embed="rId13">
             <a:alphaModFix/>
           </a:blip>
           <a:srcRect l="27345" t="34020" b="29849"/>
@@ -19601,7 +19772,7 @@
           <p:nvPr/>
         </p:nvPicPr>
         <p:blipFill rotWithShape="1">
-          <a:blip r:embed="rId13">
+          <a:blip r:embed="rId14">
             <a:alphaModFix/>
           </a:blip>
           <a:srcRect t="35156"/>
@@ -19628,7 +19799,7 @@
           <p:nvPr/>
         </p:nvPicPr>
         <p:blipFill rotWithShape="1">
-          <a:blip r:embed="rId14">
+          <a:blip r:embed="rId15">
             <a:alphaModFix/>
           </a:blip>
           <a:srcRect/>
@@ -20122,7 +20293,7 @@
           <p:nvPr/>
         </p:nvPicPr>
         <p:blipFill rotWithShape="1">
-          <a:blip r:embed="rId15">
+          <a:blip r:embed="rId16">
             <a:alphaModFix/>
           </a:blip>
           <a:srcRect/>
@@ -20149,7 +20320,7 @@
           <p:nvPr/>
         </p:nvPicPr>
         <p:blipFill rotWithShape="1">
-          <a:blip r:embed="rId16">
+          <a:blip r:embed="rId17">
             <a:alphaModFix/>
           </a:blip>
           <a:srcRect/>
@@ -20718,7 +20889,7 @@
           <p:nvPr/>
         </p:nvPicPr>
         <p:blipFill rotWithShape="1">
-          <a:blip r:embed="rId17">
+          <a:blip r:embed="rId18">
             <a:alphaModFix/>
           </a:blip>
           <a:srcRect/>
@@ -20745,7 +20916,7 @@
           <p:nvPr/>
         </p:nvPicPr>
         <p:blipFill rotWithShape="1">
-          <a:blip r:embed="rId18">
+          <a:blip r:embed="rId19">
             <a:alphaModFix/>
           </a:blip>
           <a:srcRect/>
@@ -20809,7 +20980,7 @@
           <p:nvPr/>
         </p:nvPicPr>
         <p:blipFill>
-          <a:blip r:embed="rId19">
+          <a:blip r:embed="rId20">
             <a:alphaModFix/>
           </a:blip>
           <a:stretch>
@@ -20837,7 +21008,7 @@
           <p:nvPr/>
         </p:nvPicPr>
         <p:blipFill rotWithShape="1">
-          <a:blip r:embed="rId20">
+          <a:blip r:embed="rId21">
             <a:alphaModFix/>
           </a:blip>
           <a:srcRect b="48214"/>
@@ -20864,7 +21035,7 @@
           <p:nvPr/>
         </p:nvPicPr>
         <p:blipFill>
-          <a:blip r:embed="rId21">
+          <a:blip r:embed="rId22">
             <a:alphaModFix/>
           </a:blip>
           <a:stretch>
@@ -20894,7 +21065,7 @@
           <p:nvPr/>
         </p:nvPicPr>
         <p:blipFill>
-          <a:blip r:embed="rId22"/>
+          <a:blip r:embed="rId23"/>
           <a:stretch>
             <a:fillRect/>
           </a:stretch>

--- a/documents/Anguiano_Varshneya_LMU_Symposium_2015.pptx
+++ b/documents/Anguiano_Varshneya_LMU_Symposium_2015.pptx
@@ -23925,177 +23925,11 @@
                 <a:sym typeface="Arial"/>
                 <a:rtl val="0"/>
               </a:rPr>
-              <a:t> is a differential equations model of the changes in gene expression over time for a gene regulatory network.</a:t>
-            </a:r>
-          </a:p>
-          <a:p>
-            <a:pPr marL="342900" marR="0" lvl="0" indent="-342900" algn="l" rtl="0">
-              <a:lnSpc>
-                <a:spcPct val="100000"/>
-              </a:lnSpc>
-              <a:spcBef>
-                <a:spcPts val="0"/>
-              </a:spcBef>
-              <a:spcAft>
-                <a:spcPts val="0"/>
-              </a:spcAft>
-              <a:buClr>
-                <a:schemeClr val="dk1"/>
-              </a:buClr>
-              <a:buSzPct val="100000"/>
-              <a:buFont typeface="Arial"/>
-              <a:buChar char="•"/>
-            </a:pPr>
-            <a:r>
-              <a:rPr lang="en-US" sz="2200" b="0" i="0" u="none" strike="noStrike" cap="none" baseline="0" dirty="0">
-                <a:solidFill>
-                  <a:schemeClr val="dk1"/>
-                </a:solidFill>
-                <a:latin typeface="Arial"/>
-                <a:ea typeface="Arial"/>
-                <a:cs typeface="Arial"/>
-                <a:sym typeface="Arial"/>
-                <a:rtl val="0"/>
-              </a:rPr>
-              <a:t>Each gene (node) in the network has an equation.</a:t>
-            </a:r>
-          </a:p>
-          <a:p>
-            <a:pPr marL="342900" marR="0" lvl="0" indent="-342900" algn="l" rtl="0">
-              <a:lnSpc>
-                <a:spcPct val="100000"/>
-              </a:lnSpc>
-              <a:spcBef>
-                <a:spcPts val="0"/>
-              </a:spcBef>
-              <a:spcAft>
-                <a:spcPts val="0"/>
-              </a:spcAft>
-              <a:buClr>
-                <a:schemeClr val="dk1"/>
-              </a:buClr>
-              <a:buSzPct val="100000"/>
-              <a:buFont typeface="Arial"/>
-              <a:buChar char="•"/>
-            </a:pPr>
-            <a:r>
-              <a:rPr lang="en-US" sz="2200" b="0" i="0" u="none" strike="noStrike" cap="none" baseline="0" dirty="0">
-                <a:solidFill>
-                  <a:schemeClr val="dk1"/>
-                </a:solidFill>
-                <a:latin typeface="Arial"/>
-                <a:ea typeface="Arial"/>
-                <a:cs typeface="Arial"/>
-                <a:sym typeface="Arial"/>
-                <a:rtl val="0"/>
-              </a:rPr>
-              <a:t>The parameters in the model are estimated from laboratory data.</a:t>
-            </a:r>
-          </a:p>
-          <a:p>
-            <a:pPr marL="342900" marR="0" lvl="0" indent="-342900" algn="l" rtl="0">
-              <a:lnSpc>
-                <a:spcPct val="100000"/>
-              </a:lnSpc>
-              <a:spcBef>
-                <a:spcPts val="0"/>
-              </a:spcBef>
-              <a:spcAft>
-                <a:spcPts val="0"/>
-              </a:spcAft>
-              <a:buClr>
-                <a:schemeClr val="dk1"/>
-              </a:buClr>
-              <a:buSzPct val="100000"/>
-              <a:buFont typeface="Arial"/>
-              <a:buChar char="•"/>
-            </a:pPr>
-            <a:r>
-              <a:rPr lang="en-US" sz="2200" b="0" i="0" u="none" strike="noStrike" cap="none" baseline="0" dirty="0">
-                <a:solidFill>
-                  <a:schemeClr val="dk1"/>
-                </a:solidFill>
-                <a:latin typeface="Arial"/>
-                <a:ea typeface="Arial"/>
-                <a:cs typeface="Arial"/>
-                <a:sym typeface="Arial"/>
-                <a:rtl val="0"/>
-              </a:rPr>
-              <a:t>The weight parameter, </a:t>
-            </a:r>
-            <a:r>
-              <a:rPr lang="en-US" sz="2200" b="0" i="1" u="none" strike="noStrike" cap="none" baseline="0" dirty="0">
-                <a:solidFill>
-                  <a:schemeClr val="dk1"/>
-                </a:solidFill>
-                <a:latin typeface="Arial"/>
-                <a:ea typeface="Arial"/>
-                <a:cs typeface="Arial"/>
-                <a:sym typeface="Arial"/>
-                <a:rtl val="0"/>
-              </a:rPr>
-              <a:t>w</a:t>
-            </a:r>
-            <a:r>
-              <a:rPr lang="en-US" sz="2200" b="0" i="0" u="none" strike="noStrike" cap="none" baseline="0" dirty="0">
-                <a:solidFill>
-                  <a:schemeClr val="dk1"/>
-                </a:solidFill>
-                <a:latin typeface="Arial"/>
-                <a:ea typeface="Arial"/>
-                <a:cs typeface="Arial"/>
-                <a:sym typeface="Arial"/>
-                <a:rtl val="0"/>
-              </a:rPr>
-              <a:t>, gives the direction (activation or repression) and magnitude of </a:t>
-            </a:r>
-            <a:r>
-              <a:rPr lang="en-US" sz="2200" b="0" i="0" u="none" strike="noStrike" cap="none" baseline="0" dirty="0" smtClean="0">
-                <a:solidFill>
-                  <a:schemeClr val="dk1"/>
-                </a:solidFill>
-                <a:latin typeface="Arial"/>
-                <a:ea typeface="Arial"/>
-                <a:cs typeface="Arial"/>
-                <a:sym typeface="Arial"/>
-                <a:rtl val="0"/>
-              </a:rPr>
-              <a:t>the regulatory </a:t>
-            </a:r>
-            <a:r>
-              <a:rPr lang="en-US" sz="2200" b="0" i="0" u="none" strike="noStrike" cap="none" baseline="0" dirty="0">
-                <a:solidFill>
-                  <a:schemeClr val="dk1"/>
-                </a:solidFill>
-                <a:latin typeface="Arial"/>
-                <a:ea typeface="Arial"/>
-                <a:cs typeface="Arial"/>
-                <a:sym typeface="Arial"/>
-                <a:rtl val="0"/>
-              </a:rPr>
-              <a:t>relationship.</a:t>
-            </a:r>
-          </a:p>
-          <a:p>
-            <a:pPr marL="0" marR="0" lvl="0" indent="0" algn="l" rtl="0">
-              <a:lnSpc>
-                <a:spcPct val="100000"/>
-              </a:lnSpc>
-              <a:spcBef>
-                <a:spcPts val="0"/>
-              </a:spcBef>
-              <a:spcAft>
-                <a:spcPts val="0"/>
-              </a:spcAft>
-              <a:buClr>
-                <a:srgbClr val="000000"/>
-              </a:buClr>
-              <a:buFont typeface="Arial"/>
-              <a:buNone/>
-            </a:pPr>
-            <a:endParaRPr sz="2200" b="0" i="0" u="none" strike="noStrike" cap="none" baseline="0" dirty="0">
+              <a:t> is a differential equations model of the </a:t>
+            </a:r>
+            <a:endParaRPr lang="en-US" sz="2200" b="0" i="0" u="none" strike="noStrike" cap="none" baseline="0" dirty="0" smtClean="0">
               <a:solidFill>
-                <a:schemeClr val="dk1"/>
+                <a:srgbClr val="000000"/>
               </a:solidFill>
               <a:latin typeface="Arial"/>
               <a:ea typeface="Arial"/>
@@ -24105,27 +23939,37 @@
             </a:endParaRPr>
           </a:p>
           <a:p>
-            <a:pPr marL="0" marR="0" lvl="0" indent="0" algn="l" rtl="0">
-              <a:lnSpc>
-                <a:spcPct val="100000"/>
-              </a:lnSpc>
-              <a:spcBef>
-                <a:spcPts val="0"/>
-              </a:spcBef>
-              <a:spcAft>
-                <a:spcPts val="0"/>
-              </a:spcAft>
-              <a:buClr>
-                <a:schemeClr val="dk1"/>
-              </a:buClr>
-              <a:buSzPct val="25000"/>
-              <a:buFont typeface="Arial"/>
-              <a:buNone/>
-            </a:pPr>
-            <a:r>
-              <a:rPr lang="en-US" sz="2200" b="1" i="0" u="none" strike="noStrike" cap="none" baseline="0" dirty="0" err="1">
-                <a:solidFill>
-                  <a:schemeClr val="dk1"/>
+            <a:pPr marR="0" lvl="0" algn="l" rtl="0">
+              <a:lnSpc>
+                <a:spcPct val="100000"/>
+              </a:lnSpc>
+              <a:spcBef>
+                <a:spcPts val="0"/>
+              </a:spcBef>
+              <a:spcAft>
+                <a:spcPts val="0"/>
+              </a:spcAft>
+              <a:buClr>
+                <a:schemeClr val="dk1"/>
+              </a:buClr>
+              <a:buSzPct val="100000"/>
+            </a:pPr>
+            <a:r>
+              <a:rPr lang="en-US" sz="2200" dirty="0"/>
+              <a:t> </a:t>
+            </a:r>
+            <a:r>
+              <a:rPr lang="en-US" sz="2200" dirty="0" smtClean="0"/>
+              <a:t> </a:t>
+            </a:r>
+            <a:r>
+              <a:rPr lang="en-US" sz="800" dirty="0" smtClean="0"/>
+              <a:t>       </a:t>
+            </a:r>
+            <a:r>
+              <a:rPr lang="en-US" sz="2200" b="0" i="0" u="none" strike="noStrike" cap="none" baseline="0" dirty="0" smtClean="0">
+                <a:solidFill>
+                  <a:srgbClr val="000000"/>
                 </a:solidFill>
                 <a:latin typeface="Arial"/>
                 <a:ea typeface="Arial"/>
@@ -24133,12 +23977,12 @@
                 <a:sym typeface="Arial"/>
                 <a:rtl val="0"/>
               </a:rPr>
-              <a:t>GRNmap</a:t>
-            </a:r>
-            <a:r>
-              <a:rPr lang="en-US" sz="2200" b="1" i="0" u="none" strike="noStrike" cap="none" baseline="0" dirty="0">
-                <a:solidFill>
-                  <a:schemeClr val="dk1"/>
+              <a:t>changes </a:t>
+            </a:r>
+            <a:r>
+              <a:rPr lang="en-US" sz="2200" b="0" i="0" u="none" strike="noStrike" cap="none" baseline="0" dirty="0">
+                <a:solidFill>
+                  <a:srgbClr val="000000"/>
                 </a:solidFill>
                 <a:latin typeface="Arial"/>
                 <a:ea typeface="Arial"/>
@@ -24146,7 +23990,7 @@
                 <a:sym typeface="Arial"/>
                 <a:rtl val="0"/>
               </a:rPr>
-              <a:t> produces an Excel spreadsheet with an adjacency matrix representing the network</a:t>
+              <a:t>in gene expression over time for a gene regulatory network.</a:t>
             </a:r>
           </a:p>
           <a:p>
@@ -24178,7 +24022,7 @@
                 <a:sym typeface="Arial"/>
                 <a:rtl val="0"/>
               </a:rPr>
-              <a:t>0 represents no relationship.</a:t>
+              <a:t>Each gene (node) in the network has an equation.</a:t>
             </a:r>
           </a:p>
           <a:p>
@@ -24210,10 +24054,29 @@
                 <a:sym typeface="Arial"/>
                 <a:rtl val="0"/>
               </a:rPr>
-              <a:t>A positive </a:t>
-            </a:r>
-            <a:r>
-              <a:rPr lang="en-US" sz="2200" b="0" i="0" u="none" strike="noStrike" cap="none" baseline="0" dirty="0" smtClean="0">
+              <a:t>The parameters in the model are estimated from laboratory data.</a:t>
+            </a:r>
+          </a:p>
+          <a:p>
+            <a:pPr marL="342900" marR="0" lvl="0" indent="-342900" algn="l" rtl="0">
+              <a:lnSpc>
+                <a:spcPct val="100000"/>
+              </a:lnSpc>
+              <a:spcBef>
+                <a:spcPts val="0"/>
+              </a:spcBef>
+              <a:spcAft>
+                <a:spcPts val="0"/>
+              </a:spcAft>
+              <a:buClr>
+                <a:schemeClr val="dk1"/>
+              </a:buClr>
+              <a:buSzPct val="100000"/>
+              <a:buFont typeface="Arial"/>
+              <a:buChar char="•"/>
+            </a:pPr>
+            <a:r>
+              <a:rPr lang="en-US" sz="2200" b="0" i="0" u="none" strike="noStrike" cap="none" baseline="0" dirty="0">
                 <a:solidFill>
                   <a:schemeClr val="dk1"/>
                 </a:solidFill>
@@ -24223,10 +24086,10 @@
                 <a:sym typeface="Arial"/>
                 <a:rtl val="0"/>
               </a:rPr>
-              <a:t>weight</a:t>
-            </a:r>
-            <a:r>
-              <a:rPr lang="en-US" sz="2200" b="0" i="0" u="none" strike="noStrike" cap="none" dirty="0" smtClean="0">
+              <a:t>The weight parameter, </a:t>
+            </a:r>
+            <a:r>
+              <a:rPr lang="en-US" sz="2200" b="0" i="1" u="none" strike="noStrike" cap="none" baseline="0" dirty="0">
                 <a:solidFill>
                   <a:schemeClr val="dk1"/>
                 </a:solidFill>
@@ -24236,10 +24099,10 @@
                 <a:sym typeface="Arial"/>
                 <a:rtl val="0"/>
               </a:rPr>
-              <a:t> value</a:t>
-            </a:r>
-            <a:r>
-              <a:rPr lang="en-US" sz="2200" b="0" i="0" u="none" strike="noStrike" cap="none" baseline="0" dirty="0" smtClean="0">
+              <a:t>w</a:t>
+            </a:r>
+            <a:r>
+              <a:rPr lang="en-US" sz="2200" b="0" i="0" u="none" strike="noStrike" cap="none" baseline="0" dirty="0">
                 <a:solidFill>
                   <a:schemeClr val="dk1"/>
                 </a:solidFill>
@@ -24249,10 +24112,10 @@
                 <a:sym typeface="Arial"/>
                 <a:rtl val="0"/>
               </a:rPr>
-              <a:t> </a:t>
-            </a:r>
-            <a:r>
-              <a:rPr lang="en-US" sz="2200" b="0" i="0" u="none" strike="noStrike" cap="none" baseline="0" dirty="0">
+              <a:t>, gives the direction (activation or repression) and magnitude of </a:t>
+            </a:r>
+            <a:r>
+              <a:rPr lang="en-US" sz="2200" b="0" i="0" u="none" strike="noStrike" cap="none" baseline="0" dirty="0" smtClean="0">
                 <a:solidFill>
                   <a:schemeClr val="dk1"/>
                 </a:solidFill>
@@ -24262,27 +24125,8 @@
                 <a:sym typeface="Arial"/>
                 <a:rtl val="0"/>
               </a:rPr>
-              <a:t>indicates activation.</a:t>
-            </a:r>
-          </a:p>
-          <a:p>
-            <a:pPr marL="342900" marR="0" lvl="0" indent="-342900" algn="l" rtl="0">
-              <a:lnSpc>
-                <a:spcPct val="100000"/>
-              </a:lnSpc>
-              <a:spcBef>
-                <a:spcPts val="0"/>
-              </a:spcBef>
-              <a:spcAft>
-                <a:spcPts val="0"/>
-              </a:spcAft>
-              <a:buClr>
-                <a:schemeClr val="dk1"/>
-              </a:buClr>
-              <a:buSzPct val="100000"/>
-              <a:buFont typeface="Arial"/>
-              <a:buChar char="•"/>
-            </a:pPr>
+              <a:t>the regulatory </a:t>
+            </a:r>
             <a:r>
               <a:rPr lang="en-US" sz="2200" b="0" i="0" u="none" strike="noStrike" cap="none" baseline="0" dirty="0">
                 <a:solidFill>
@@ -24294,10 +24138,57 @@
                 <a:sym typeface="Arial"/>
                 <a:rtl val="0"/>
               </a:rPr>
-              <a:t>A negative </a:t>
-            </a:r>
-            <a:r>
-              <a:rPr lang="en-US" sz="2200" b="0" i="0" u="none" strike="noStrike" cap="none" baseline="0" dirty="0" smtClean="0">
+              <a:t>relationship.</a:t>
+            </a:r>
+          </a:p>
+          <a:p>
+            <a:pPr marL="0" marR="0" lvl="0" indent="0" algn="l" rtl="0">
+              <a:lnSpc>
+                <a:spcPct val="100000"/>
+              </a:lnSpc>
+              <a:spcBef>
+                <a:spcPts val="0"/>
+              </a:spcBef>
+              <a:spcAft>
+                <a:spcPts val="0"/>
+              </a:spcAft>
+              <a:buClr>
+                <a:srgbClr val="000000"/>
+              </a:buClr>
+              <a:buFont typeface="Arial"/>
+              <a:buNone/>
+            </a:pPr>
+            <a:endParaRPr sz="2200" b="0" i="0" u="none" strike="noStrike" cap="none" baseline="0" dirty="0" smtClean="0">
+              <a:solidFill>
+                <a:schemeClr val="dk1"/>
+              </a:solidFill>
+              <a:latin typeface="Arial"/>
+              <a:ea typeface="Arial"/>
+              <a:cs typeface="Arial"/>
+              <a:sym typeface="Arial"/>
+              <a:rtl val="0"/>
+            </a:endParaRPr>
+          </a:p>
+          <a:p>
+            <a:pPr marL="0" marR="0" lvl="0" indent="0" algn="l" rtl="0">
+              <a:lnSpc>
+                <a:spcPct val="100000"/>
+              </a:lnSpc>
+              <a:spcBef>
+                <a:spcPts val="0"/>
+              </a:spcBef>
+              <a:spcAft>
+                <a:spcPts val="0"/>
+              </a:spcAft>
+              <a:buClr>
+                <a:schemeClr val="dk1"/>
+              </a:buClr>
+              <a:buSzPct val="25000"/>
+              <a:buFont typeface="Arial"/>
+              <a:buNone/>
+            </a:pPr>
+            <a:r>
+              <a:rPr lang="en-US" sz="2200" b="1" i="0" u="none" strike="noStrike" cap="none" baseline="0" dirty="0" err="1" smtClean="0">
                 <a:solidFill>
                   <a:schemeClr val="dk1"/>
                 </a:solidFill>
@@ -24307,10 +24198,10 @@
                 <a:sym typeface="Arial"/>
                 <a:rtl val="0"/>
               </a:rPr>
-              <a:t>weight value </a:t>
-            </a:r>
-            <a:r>
-              <a:rPr lang="en-US" sz="2200" b="0" i="0" u="none" strike="noStrike" cap="none" baseline="0" dirty="0">
+              <a:t>GRNmap</a:t>
+            </a:r>
+            <a:r>
+              <a:rPr lang="en-US" sz="2200" b="1" i="0" u="none" strike="noStrike" cap="none" baseline="0" dirty="0" smtClean="0">
                 <a:solidFill>
                   <a:schemeClr val="dk1"/>
                 </a:solidFill>
@@ -24320,29 +24211,10 @@
                 <a:sym typeface="Arial"/>
                 <a:rtl val="0"/>
               </a:rPr>
-              <a:t>indicates repression.</a:t>
-            </a:r>
-          </a:p>
-          <a:p>
-            <a:pPr marL="342900" marR="0" lvl="0" indent="-342900" algn="l" rtl="0">
-              <a:lnSpc>
-                <a:spcPct val="100000"/>
-              </a:lnSpc>
-              <a:spcBef>
-                <a:spcPts val="0"/>
-              </a:spcBef>
-              <a:spcAft>
-                <a:spcPts val="0"/>
-              </a:spcAft>
-              <a:buClr>
-                <a:schemeClr val="dk1"/>
-              </a:buClr>
-              <a:buSzPct val="100000"/>
-              <a:buFont typeface="Arial"/>
-              <a:buChar char="•"/>
-            </a:pPr>
-            <a:r>
-              <a:rPr lang="en-US" sz="2200" b="0" i="0" u="none" strike="noStrike" cap="none" baseline="0" dirty="0">
+              <a:t> </a:t>
+            </a:r>
+            <a:r>
+              <a:rPr lang="en-US" sz="2200" b="1" i="0" u="none" strike="noStrike" cap="none" baseline="0" dirty="0">
                 <a:solidFill>
                   <a:schemeClr val="dk1"/>
                 </a:solidFill>
@@ -24352,7 +24224,7 @@
                 <a:sym typeface="Arial"/>
                 <a:rtl val="0"/>
               </a:rPr>
-              <a:t>The magnitude of the weight defines the strength of the relationship.</a:t>
+              <a:t>produces an Excel spreadsheet with an adjacency matrix representing the network</a:t>
             </a:r>
           </a:p>
           <a:p>
@@ -24384,10 +24256,29 @@
                 <a:sym typeface="Arial"/>
                 <a:rtl val="0"/>
               </a:rPr>
-              <a:t>However, </a:t>
-            </a:r>
-            <a:r>
-              <a:rPr lang="en-US" sz="2200" b="0" i="0" u="none" strike="noStrike" cap="none" baseline="0" dirty="0" err="1">
+              <a:t>0 represents no relationship.</a:t>
+            </a:r>
+          </a:p>
+          <a:p>
+            <a:pPr marL="342900" marR="0" lvl="0" indent="-342900" algn="l" rtl="0">
+              <a:lnSpc>
+                <a:spcPct val="100000"/>
+              </a:lnSpc>
+              <a:spcBef>
+                <a:spcPts val="0"/>
+              </a:spcBef>
+              <a:spcAft>
+                <a:spcPts val="0"/>
+              </a:spcAft>
+              <a:buClr>
+                <a:schemeClr val="dk1"/>
+              </a:buClr>
+              <a:buSzPct val="100000"/>
+              <a:buFont typeface="Arial"/>
+              <a:buChar char="•"/>
+            </a:pPr>
+            <a:r>
+              <a:rPr lang="en-US" sz="2200" b="0" i="0" u="none" strike="noStrike" cap="none" baseline="0" dirty="0">
                 <a:solidFill>
                   <a:schemeClr val="dk1"/>
                 </a:solidFill>
@@ -24397,10 +24288,10 @@
                 <a:sym typeface="Arial"/>
                 <a:rtl val="0"/>
               </a:rPr>
-              <a:t>GRNmap</a:t>
-            </a:r>
-            <a:r>
-              <a:rPr lang="en-US" sz="2200" b="0" i="0" u="none" strike="noStrike" cap="none" baseline="0" dirty="0">
+              <a:t>A positive </a:t>
+            </a:r>
+            <a:r>
+              <a:rPr lang="en-US" sz="2200" b="0" i="0" u="none" strike="noStrike" cap="none" baseline="0" dirty="0" smtClean="0">
                 <a:solidFill>
                   <a:schemeClr val="dk1"/>
                 </a:solidFill>
@@ -24410,10 +24301,10 @@
                 <a:sym typeface="Arial"/>
                 <a:rtl val="0"/>
               </a:rPr>
-              <a:t> does not generate </a:t>
-            </a:r>
-            <a:r>
-              <a:rPr lang="en-US" sz="2200" b="0" i="0" u="none" strike="noStrike" cap="none" baseline="0" dirty="0" smtClean="0">
+              <a:t>weight</a:t>
+            </a:r>
+            <a:r>
+              <a:rPr lang="en-US" sz="2200" b="0" i="0" u="none" strike="noStrike" cap="none" dirty="0" smtClean="0">
                 <a:solidFill>
                   <a:schemeClr val="dk1"/>
                 </a:solidFill>
@@ -24423,10 +24314,10 @@
                 <a:sym typeface="Arial"/>
                 <a:rtl val="0"/>
               </a:rPr>
-              <a:t>a </a:t>
-            </a:r>
-            <a:r>
-              <a:rPr lang="en-US" sz="2200" b="0" i="0" u="none" strike="noStrike" cap="none" baseline="0" dirty="0">
+              <a:t> value</a:t>
+            </a:r>
+            <a:r>
+              <a:rPr lang="en-US" sz="2200" b="0" i="0" u="none" strike="noStrike" cap="none" baseline="0" dirty="0" smtClean="0">
                 <a:solidFill>
                   <a:schemeClr val="dk1"/>
                 </a:solidFill>
@@ -24436,7 +24327,168 @@
                 <a:sym typeface="Arial"/>
                 <a:rtl val="0"/>
               </a:rPr>
-              <a:t>visual representation of the GRN.</a:t>
+              <a:t> </a:t>
+            </a:r>
+            <a:r>
+              <a:rPr lang="en-US" sz="2200" b="0" i="0" u="none" strike="noStrike" cap="none" baseline="0" dirty="0">
+                <a:solidFill>
+                  <a:schemeClr val="dk1"/>
+                </a:solidFill>
+                <a:latin typeface="Arial"/>
+                <a:ea typeface="Arial"/>
+                <a:cs typeface="Arial"/>
+                <a:sym typeface="Arial"/>
+                <a:rtl val="0"/>
+              </a:rPr>
+              <a:t>indicates activation.</a:t>
+            </a:r>
+          </a:p>
+          <a:p>
+            <a:pPr marL="342900" marR="0" lvl="0" indent="-342900" algn="l" rtl="0">
+              <a:lnSpc>
+                <a:spcPct val="100000"/>
+              </a:lnSpc>
+              <a:spcBef>
+                <a:spcPts val="0"/>
+              </a:spcBef>
+              <a:spcAft>
+                <a:spcPts val="0"/>
+              </a:spcAft>
+              <a:buClr>
+                <a:schemeClr val="dk1"/>
+              </a:buClr>
+              <a:buSzPct val="100000"/>
+              <a:buFont typeface="Arial"/>
+              <a:buChar char="•"/>
+            </a:pPr>
+            <a:r>
+              <a:rPr lang="en-US" sz="2200" b="0" i="0" u="none" strike="noStrike" cap="none" baseline="0" dirty="0">
+                <a:solidFill>
+                  <a:schemeClr val="dk1"/>
+                </a:solidFill>
+                <a:latin typeface="Arial"/>
+                <a:ea typeface="Arial"/>
+                <a:cs typeface="Arial"/>
+                <a:sym typeface="Arial"/>
+                <a:rtl val="0"/>
+              </a:rPr>
+              <a:t>A negative </a:t>
+            </a:r>
+            <a:r>
+              <a:rPr lang="en-US" sz="2200" b="0" i="0" u="none" strike="noStrike" cap="none" baseline="0" dirty="0" smtClean="0">
+                <a:solidFill>
+                  <a:schemeClr val="dk1"/>
+                </a:solidFill>
+                <a:latin typeface="Arial"/>
+                <a:ea typeface="Arial"/>
+                <a:cs typeface="Arial"/>
+                <a:sym typeface="Arial"/>
+                <a:rtl val="0"/>
+              </a:rPr>
+              <a:t>weight value </a:t>
+            </a:r>
+            <a:r>
+              <a:rPr lang="en-US" sz="2200" b="0" i="0" u="none" strike="noStrike" cap="none" baseline="0" dirty="0">
+                <a:solidFill>
+                  <a:schemeClr val="dk1"/>
+                </a:solidFill>
+                <a:latin typeface="Arial"/>
+                <a:ea typeface="Arial"/>
+                <a:cs typeface="Arial"/>
+                <a:sym typeface="Arial"/>
+                <a:rtl val="0"/>
+              </a:rPr>
+              <a:t>indicates repression.</a:t>
+            </a:r>
+          </a:p>
+          <a:p>
+            <a:pPr marL="342900" marR="0" lvl="0" indent="-342900" algn="l" rtl="0">
+              <a:lnSpc>
+                <a:spcPct val="100000"/>
+              </a:lnSpc>
+              <a:spcBef>
+                <a:spcPts val="0"/>
+              </a:spcBef>
+              <a:spcAft>
+                <a:spcPts val="0"/>
+              </a:spcAft>
+              <a:buClr>
+                <a:schemeClr val="dk1"/>
+              </a:buClr>
+              <a:buSzPct val="100000"/>
+              <a:buFont typeface="Arial"/>
+              <a:buChar char="•"/>
+            </a:pPr>
+            <a:r>
+              <a:rPr lang="en-US" sz="2200" b="0" i="0" u="none" strike="noStrike" cap="none" baseline="0" dirty="0" smtClean="0">
+                <a:solidFill>
+                  <a:schemeClr val="dk1"/>
+                </a:solidFill>
+                <a:latin typeface="Arial"/>
+                <a:ea typeface="Arial"/>
+                <a:cs typeface="Arial"/>
+                <a:sym typeface="Arial"/>
+                <a:rtl val="0"/>
+              </a:rPr>
+              <a:t>The magnitude of the weight defines the strength of the relationship.</a:t>
+            </a:r>
+          </a:p>
+          <a:p>
+            <a:pPr marL="342900" marR="0" lvl="0" indent="-342900" algn="l" rtl="0">
+              <a:lnSpc>
+                <a:spcPct val="100000"/>
+              </a:lnSpc>
+              <a:spcBef>
+                <a:spcPts val="0"/>
+              </a:spcBef>
+              <a:spcAft>
+                <a:spcPts val="0"/>
+              </a:spcAft>
+              <a:buClr>
+                <a:schemeClr val="dk1"/>
+              </a:buClr>
+              <a:buSzPct val="100000"/>
+              <a:buFont typeface="Arial"/>
+              <a:buChar char="•"/>
+            </a:pPr>
+            <a:r>
+              <a:rPr lang="en-US" sz="2200" b="0" i="0" u="none" strike="noStrike" cap="none" baseline="0" dirty="0" smtClean="0">
+                <a:solidFill>
+                  <a:schemeClr val="dk1"/>
+                </a:solidFill>
+                <a:latin typeface="Arial"/>
+                <a:ea typeface="Arial"/>
+                <a:cs typeface="Arial"/>
+                <a:sym typeface="Arial"/>
+                <a:rtl val="0"/>
+              </a:rPr>
+              <a:t>However, </a:t>
+            </a:r>
+            <a:r>
+              <a:rPr lang="en-US" sz="2200" b="0" i="0" u="none" strike="noStrike" cap="none" baseline="0" dirty="0" err="1" smtClean="0">
+                <a:solidFill>
+                  <a:schemeClr val="dk1"/>
+                </a:solidFill>
+                <a:latin typeface="Arial"/>
+                <a:ea typeface="Arial"/>
+                <a:cs typeface="Arial"/>
+                <a:sym typeface="Arial"/>
+                <a:rtl val="0"/>
+              </a:rPr>
+              <a:t>GRNmap</a:t>
+            </a:r>
+            <a:r>
+              <a:rPr lang="en-US" sz="2200" b="0" i="0" u="none" strike="noStrike" cap="none" baseline="0" dirty="0" smtClean="0">
+                <a:solidFill>
+                  <a:schemeClr val="dk1"/>
+                </a:solidFill>
+                <a:latin typeface="Arial"/>
+                <a:ea typeface="Arial"/>
+                <a:cs typeface="Arial"/>
+                <a:sym typeface="Arial"/>
+                <a:rtl val="0"/>
+              </a:rPr>
+              <a:t> does not generate a visual representation of the GRN.</a:t>
             </a:r>
           </a:p>
           <a:p>
@@ -24679,21 +24731,18 @@
                 <a:sym typeface="Arial"/>
                 <a:rtl val="0"/>
               </a:rPr>
-              <a:t> Spreadsheet </a:t>
-            </a:r>
-            <a:r>
-              <a:rPr lang="en-US" sz="3600" b="0" i="0" u="none" strike="noStrike" cap="none" baseline="0" dirty="0">
-                <a:solidFill>
-                  <a:srgbClr val="017C00"/>
-                </a:solidFill>
-                <a:latin typeface="Arial"/>
-                <a:ea typeface="Arial"/>
-                <a:cs typeface="Arial"/>
-                <a:sym typeface="Arial"/>
-                <a:rtl val="0"/>
-              </a:rPr>
-              <a:t>Requirements</a:t>
-            </a:r>
+              <a:t> Spreadsheet Requirements</a:t>
+            </a:r>
+            <a:endParaRPr lang="en-US" sz="3600" b="0" i="0" u="none" strike="noStrike" cap="none" baseline="0" dirty="0">
+              <a:solidFill>
+                <a:srgbClr val="017C00"/>
+              </a:solidFill>
+              <a:latin typeface="Arial"/>
+              <a:ea typeface="Arial"/>
+              <a:cs typeface="Arial"/>
+              <a:sym typeface="Arial"/>
+              <a:rtl val="0"/>
+            </a:endParaRPr>
           </a:p>
         </p:txBody>
       </p:sp>
@@ -24742,7 +24791,7 @@
               <a:buNone/>
             </a:pPr>
             <a:r>
-              <a:rPr lang="en-US" sz="2200" b="1" i="0" u="none" strike="noStrike" cap="none" baseline="0" dirty="0" err="1">
+              <a:rPr lang="en-US" sz="2200" b="1" i="0" u="none" strike="noStrike" cap="none" baseline="0" dirty="0" err="1" smtClean="0">
                 <a:solidFill>
                   <a:schemeClr val="dk1"/>
                 </a:solidFill>
@@ -24755,7 +24804,7 @@
               <a:t>GRNsight</a:t>
             </a:r>
             <a:r>
-              <a:rPr lang="en-US" sz="2200" b="1" i="0" u="none" strike="noStrike" cap="none" baseline="0" dirty="0">
+              <a:rPr lang="en-US" sz="2200" b="1" i="0" u="none" strike="noStrike" cap="none" baseline="0" dirty="0" smtClean="0">
                 <a:solidFill>
                   <a:schemeClr val="dk1"/>
                 </a:solidFill>
@@ -24765,10 +24814,10 @@
                 <a:sym typeface="Arial"/>
                 <a:rtl val="0"/>
               </a:rPr>
-              <a:t> Accepts </a:t>
-            </a:r>
-            <a:r>
-              <a:rPr lang="en-US" sz="2200" b="1" i="0" u="none" strike="noStrike" cap="none" baseline="0" dirty="0" smtClean="0">
+              <a:t> Accepts .</a:t>
+            </a:r>
+            <a:r>
+              <a:rPr lang="en-US" sz="2200" b="1" i="0" u="none" strike="noStrike" cap="none" baseline="0" dirty="0" err="1" smtClean="0">
                 <a:solidFill>
                   <a:schemeClr val="dk1"/>
                 </a:solidFill>
@@ -24778,10 +24827,10 @@
                 <a:sym typeface="Arial"/>
                 <a:rtl val="0"/>
               </a:rPr>
-              <a:t>.</a:t>
-            </a:r>
-            <a:r>
-              <a:rPr lang="en-US" sz="2200" b="1" i="0" u="none" strike="noStrike" cap="none" baseline="0" dirty="0" err="1" smtClean="0">
+              <a:t>xlsx</a:t>
+            </a:r>
+            <a:r>
+              <a:rPr lang="en-US" sz="2200" b="1" i="0" u="none" strike="noStrike" cap="none" baseline="0" dirty="0" smtClean="0">
                 <a:solidFill>
                   <a:schemeClr val="dk1"/>
                 </a:solidFill>
@@ -24791,10 +24840,29 @@
                 <a:sym typeface="Arial"/>
                 <a:rtl val="0"/>
               </a:rPr>
-              <a:t>xlsx</a:t>
-            </a:r>
-            <a:r>
-              <a:rPr lang="en-US" sz="2200" b="1" i="0" u="none" strike="noStrike" cap="none" baseline="0" dirty="0" smtClean="0">
+              <a:t> Files in the Proper Format</a:t>
+            </a:r>
+          </a:p>
+          <a:p>
+            <a:pPr marL="342900" marR="0" lvl="0" indent="-342900" algn="l" rtl="0">
+              <a:lnSpc>
+                <a:spcPct val="100000"/>
+              </a:lnSpc>
+              <a:spcBef>
+                <a:spcPts val="0"/>
+              </a:spcBef>
+              <a:spcAft>
+                <a:spcPts val="0"/>
+              </a:spcAft>
+              <a:buClr>
+                <a:schemeClr val="dk1"/>
+              </a:buClr>
+              <a:buSzPct val="100000"/>
+              <a:buFont typeface="Arial"/>
+              <a:buChar char="•"/>
+            </a:pPr>
+            <a:r>
+              <a:rPr lang="en-US" sz="2200" b="0" i="0" u="none" strike="noStrike" cap="none" baseline="0" dirty="0" smtClean="0">
                 <a:solidFill>
                   <a:schemeClr val="dk1"/>
                 </a:solidFill>
@@ -24804,10 +24872,10 @@
                 <a:sym typeface="Arial"/>
                 <a:rtl val="0"/>
               </a:rPr>
-              <a:t> </a:t>
-            </a:r>
-            <a:r>
-              <a:rPr lang="en-US" sz="2200" b="1" i="0" u="none" strike="noStrike" cap="none" baseline="0" dirty="0">
+              <a:t>Spreadsheets </a:t>
+            </a:r>
+            <a:r>
+              <a:rPr lang="en-US" sz="2200" b="0" i="0" u="none" strike="noStrike" cap="none" baseline="0" dirty="0">
                 <a:solidFill>
                   <a:schemeClr val="dk1"/>
                 </a:solidFill>
@@ -24817,39 +24885,7 @@
                 <a:sym typeface="Arial"/>
                 <a:rtl val="0"/>
               </a:rPr>
-              <a:t>Files in the Proper Format</a:t>
-            </a:r>
-          </a:p>
-          <a:p>
-            <a:pPr marL="342900" marR="0" lvl="0" indent="-342900" algn="l" rtl="0">
-              <a:lnSpc>
-                <a:spcPct val="100000"/>
-              </a:lnSpc>
-              <a:spcBef>
-                <a:spcPts val="0"/>
-              </a:spcBef>
-              <a:spcAft>
-                <a:spcPts val="0"/>
-              </a:spcAft>
-              <a:buClr>
-                <a:schemeClr val="dk1"/>
-              </a:buClr>
-              <a:buSzPct val="100000"/>
-              <a:buFont typeface="Arial"/>
-              <a:buChar char="•"/>
-            </a:pPr>
-            <a:r>
-              <a:rPr lang="en-US" sz="2200" b="0" i="0" u="none" strike="noStrike" cap="none" baseline="0" dirty="0">
-                <a:solidFill>
-                  <a:schemeClr val="dk1"/>
-                </a:solidFill>
-                <a:latin typeface="Arial"/>
-                <a:ea typeface="Arial"/>
-                <a:cs typeface="Arial"/>
-                <a:sym typeface="Arial"/>
-                <a:rtl val="0"/>
-              </a:rPr>
-              <a:t>Spreadsheets need a “network” or “</a:t>
+              <a:t>need a “network” or “</a:t>
             </a:r>
             <a:r>
               <a:rPr lang="en-US" sz="2200" b="0" i="0" u="none" strike="noStrike" cap="none" baseline="0" dirty="0" err="1">
@@ -27342,7 +27378,7 @@
         <p:spPr>
           <a:xfrm>
             <a:off x="22436130" y="25034949"/>
-            <a:ext cx="9419273" cy="6863416"/>
+            <a:ext cx="9419273" cy="2800766"/>
           </a:xfrm>
           <a:prstGeom prst="rect">
             <a:avLst/>
@@ -27452,166 +27488,35 @@
                   <a:schemeClr val="dk1"/>
                 </a:solidFill>
               </a:rPr>
-              <a:t>The web client receives the data from the server and generates the graph visualization.</a:t>
-            </a:r>
-          </a:p>
-          <a:p>
-            <a:pPr lvl="0">
-              <a:buClr>
-                <a:srgbClr val="000000"/>
-              </a:buClr>
-            </a:pPr>
-            <a:endParaRPr lang="en-US" sz="2200" dirty="0">
-              <a:solidFill>
-                <a:schemeClr val="dk1"/>
-              </a:solidFill>
-            </a:endParaRPr>
-          </a:p>
-          <a:p>
-            <a:pPr lvl="0">
-              <a:buClr>
-                <a:schemeClr val="dk1"/>
-              </a:buClr>
-              <a:buSzPct val="25000"/>
-            </a:pPr>
-            <a:r>
-              <a:rPr lang="en-US" sz="2200" b="1" dirty="0" err="1">
+              <a:t>The web client receives the data from the server and generates the graph visualization</a:t>
+            </a:r>
+            <a:r>
+              <a:rPr lang="en-US" sz="2200" dirty="0" smtClean="0">
                 <a:solidFill>
                   <a:schemeClr val="dk1"/>
                 </a:solidFill>
               </a:rPr>
-              <a:t>GRNsight</a:t>
-            </a:r>
-            <a:r>
-              <a:rPr lang="en-US" sz="2200" b="1" dirty="0">
+              <a:t>.</a:t>
+            </a:r>
+          </a:p>
+          <a:p>
+            <a:pPr marL="457200" lvl="0" indent="-457200">
+              <a:buClr>
+                <a:schemeClr val="dk1"/>
+              </a:buClr>
+              <a:buSzPct val="100000"/>
+              <a:buFont typeface="Arial"/>
+              <a:buChar char="•"/>
+            </a:pPr>
+            <a:r>
+              <a:rPr lang="en-US" sz="2200" dirty="0" smtClean="0">
                 <a:solidFill>
                   <a:schemeClr val="dk1"/>
                 </a:solidFill>
               </a:rPr>
-              <a:t> implementation takes advantage of other open source tools</a:t>
-            </a:r>
-          </a:p>
-          <a:p>
-            <a:pPr marL="457200" lvl="0" indent="-457200">
-              <a:buClr>
-                <a:schemeClr val="dk1"/>
-              </a:buClr>
-              <a:buSzPct val="100000"/>
-              <a:buFont typeface="Arial"/>
-              <a:buChar char="•"/>
-            </a:pPr>
-            <a:r>
-              <a:rPr lang="en-US" sz="2200" dirty="0" err="1">
-                <a:solidFill>
-                  <a:schemeClr val="dk1"/>
-                </a:solidFill>
-              </a:rPr>
-              <a:t>GRNsight</a:t>
-            </a:r>
-            <a:r>
-              <a:rPr lang="en-US" sz="2200" dirty="0">
-                <a:solidFill>
-                  <a:schemeClr val="dk1"/>
-                </a:solidFill>
-              </a:rPr>
-              <a:t> uses the Data-Driven Documents (D3) JavaScript library to generate a graph derived from input network data.</a:t>
-            </a:r>
-          </a:p>
-          <a:p>
-            <a:pPr marL="457200" lvl="0" indent="-457200">
-              <a:buClr>
-                <a:schemeClr val="dk1"/>
-              </a:buClr>
-              <a:buSzPct val="100000"/>
-              <a:buFont typeface="Arial"/>
-              <a:buChar char="•"/>
-            </a:pPr>
-            <a:r>
-              <a:rPr lang="en-US" sz="2200" dirty="0">
-                <a:solidFill>
-                  <a:schemeClr val="dk1"/>
-                </a:solidFill>
-              </a:rPr>
-              <a:t>D3 dynamically manipulates HTML and Scalable Vector Graphics (SVG) to form the elements of the graph.</a:t>
-            </a:r>
-          </a:p>
-          <a:p>
-            <a:pPr marL="1141413" lvl="1" indent="-455613">
-              <a:buClr>
-                <a:schemeClr val="dk1"/>
-              </a:buClr>
-              <a:buSzPct val="100000"/>
-              <a:buFont typeface="Arial"/>
-              <a:buChar char="•"/>
-            </a:pPr>
-            <a:r>
-              <a:rPr lang="en-US" sz="2200" dirty="0" err="1">
-                <a:solidFill>
-                  <a:schemeClr val="dk1"/>
-                </a:solidFill>
-              </a:rPr>
-              <a:t>GRNsight</a:t>
-            </a:r>
-            <a:r>
-              <a:rPr lang="en-US" sz="2200" dirty="0">
-                <a:solidFill>
-                  <a:schemeClr val="dk1"/>
-                </a:solidFill>
-              </a:rPr>
-              <a:t> implements D3’s force layout which applies a physics-based simulation to the graph.</a:t>
-            </a:r>
-          </a:p>
-          <a:p>
-            <a:pPr marL="457200" lvl="0" indent="-457200">
-              <a:buClr>
-                <a:schemeClr val="dk1"/>
-              </a:buClr>
-              <a:buSzPct val="100000"/>
-              <a:buFont typeface="Arial"/>
-              <a:buChar char="•"/>
-            </a:pPr>
-            <a:r>
-              <a:rPr lang="en-US" sz="2200" dirty="0">
-                <a:solidFill>
-                  <a:schemeClr val="dk1"/>
-                </a:solidFill>
-              </a:rPr>
-              <a:t>D3 also allows for the fine tuning of Cascading Style Sheets (CSS), the code that styles web pages</a:t>
-            </a:r>
-            <a:r>
-              <a:rPr lang="en-US" sz="2200" dirty="0" smtClean="0">
-                <a:solidFill>
-                  <a:schemeClr val="dk1"/>
-                </a:solidFill>
-              </a:rPr>
-              <a:t>.</a:t>
-            </a:r>
-          </a:p>
-          <a:p>
-            <a:pPr marL="457200" indent="-457200">
-              <a:buClr>
-                <a:schemeClr val="dk1"/>
-              </a:buClr>
-              <a:buSzPct val="100000"/>
-              <a:buFont typeface="Arial"/>
-              <a:buChar char="•"/>
-            </a:pPr>
-            <a:r>
-              <a:rPr lang="en-US" sz="2200" dirty="0" err="1"/>
-              <a:t>GRNsight</a:t>
-            </a:r>
-            <a:r>
-              <a:rPr lang="en-US" sz="2200" dirty="0"/>
-              <a:t> follows an open development model using an open source </a:t>
-            </a:r>
-            <a:r>
-              <a:rPr lang="en-US" sz="2200" dirty="0" err="1"/>
-              <a:t>github.com</a:t>
-            </a:r>
-            <a:r>
-              <a:rPr lang="en-US" sz="2200" dirty="0"/>
-              <a:t> code repository and issue tracking.</a:t>
-            </a:r>
+              <a:t>The user interface is compatible with Firefox and Chrome browsers.</a:t>
+            </a:r>
+            <a:endParaRPr lang="en-US" sz="2200" dirty="0"/>
           </a:p>
           <a:p>
             <a:pPr marL="457200" lvl="0" indent="-457200">
@@ -29092,21 +28997,22 @@
       </p:pic>
       <p:sp>
         <p:nvSpPr>
-          <p:cNvPr id="21" name="Rectangle 20"/>
-          <p:cNvSpPr/>
+          <p:cNvPr id="2" name="TextBox 1"/>
+          <p:cNvSpPr txBox="1"/>
           <p:nvPr/>
         </p:nvSpPr>
         <p:spPr>
           <a:xfrm>
-            <a:off x="28322711" y="14537514"/>
-            <a:ext cx="3528154" cy="2462212"/>
+            <a:off x="17754600" y="27937617"/>
+            <a:ext cx="13984937" cy="2800766"/>
           </a:xfrm>
           <a:prstGeom prst="rect">
             <a:avLst/>
           </a:prstGeom>
+          <a:noFill/>
         </p:spPr>
         <p:txBody>
-          <a:bodyPr wrap="square">
+          <a:bodyPr wrap="square" rtlCol="0">
             <a:spAutoFit/>
           </a:bodyPr>
           <a:lstStyle/>
@@ -29118,16 +29024,24 @@
               <a:buSzPct val="25000"/>
             </a:pPr>
             <a:r>
+              <a:rPr lang="en-US" sz="2200" b="1" dirty="0" err="1">
+                <a:solidFill>
+                  <a:schemeClr val="dk1"/>
+                </a:solidFill>
+              </a:rPr>
+              <a:t>GRNsight</a:t>
+            </a:r>
+            <a:r>
               <a:rPr lang="en-US" sz="2200" b="1" dirty="0">
                 <a:solidFill>
                   <a:schemeClr val="dk1"/>
                 </a:solidFill>
               </a:rPr>
-              <a:t>The User Interface is compatible with Firefox and Chrome browsers</a:t>
-            </a:r>
-          </a:p>
-          <a:p>
-            <a:pPr marL="342900" lvl="0" indent="-342900">
+              <a:t> implementation takes advantage of other open source tools</a:t>
+            </a:r>
+          </a:p>
+          <a:p>
+            <a:pPr marL="457200" lvl="0" indent="-457200">
               <a:buClr>
                 <a:schemeClr val="dk1"/>
               </a:buClr>
@@ -29136,47 +29050,110 @@
               <a:buChar char="•"/>
             </a:pPr>
             <a:r>
+              <a:rPr lang="en-US" sz="2200" dirty="0" err="1">
+                <a:solidFill>
+                  <a:schemeClr val="dk1"/>
+                </a:solidFill>
+              </a:rPr>
+              <a:t>GRNsight</a:t>
+            </a:r>
+            <a:r>
               <a:rPr lang="en-US" sz="2200" dirty="0">
                 <a:solidFill>
                   <a:schemeClr val="dk1"/>
                 </a:solidFill>
               </a:rPr>
-              <a:t>File upload is via simple HTML form element</a:t>
-            </a:r>
-            <a:r>
-              <a:rPr lang="en-US" sz="2200" dirty="0" smtClean="0">
+              <a:t> uses the Data-Driven Documents (D3) JavaScript library to generate a graph derived from input network data.</a:t>
+            </a:r>
+          </a:p>
+          <a:p>
+            <a:pPr marL="457200" lvl="0" indent="-457200">
+              <a:buClr>
+                <a:schemeClr val="dk1"/>
+              </a:buClr>
+              <a:buSzPct val="100000"/>
+              <a:buFont typeface="Arial"/>
+              <a:buChar char="•"/>
+            </a:pPr>
+            <a:r>
+              <a:rPr lang="en-US" sz="2200" dirty="0">
                 <a:solidFill>
                   <a:schemeClr val="dk1"/>
                 </a:solidFill>
               </a:rPr>
-              <a:t>.</a:t>
-            </a:r>
-          </a:p>
-          <a:p>
-            <a:pPr lvl="0">
+              <a:t>D3 dynamically manipulates HTML and Scalable Vector Graphics (SVG) to form the elements of the graph.</a:t>
+            </a:r>
+          </a:p>
+          <a:p>
+            <a:pPr marL="1141413" lvl="1" indent="-455613">
               <a:buClr>
                 <a:schemeClr val="dk1"/>
               </a:buClr>
               <a:buSzPct val="100000"/>
-            </a:pPr>
-            <a:endParaRPr lang="en-US" sz="2200" dirty="0">
-              <a:solidFill>
-                <a:schemeClr val="dk1"/>
-              </a:solidFill>
-            </a:endParaRPr>
-          </a:p>
-          <a:p>
-            <a:pPr lvl="0">
+              <a:buFont typeface="Arial"/>
+              <a:buChar char="•"/>
+            </a:pPr>
+            <a:r>
+              <a:rPr lang="en-US" sz="2200" dirty="0" err="1">
+                <a:solidFill>
+                  <a:schemeClr val="dk1"/>
+                </a:solidFill>
+              </a:rPr>
+              <a:t>GRNsight</a:t>
+            </a:r>
+            <a:r>
+              <a:rPr lang="en-US" sz="2200" dirty="0">
+                <a:solidFill>
+                  <a:schemeClr val="dk1"/>
+                </a:solidFill>
+              </a:rPr>
+              <a:t> implements D3’s force layout which applies a physics-based simulation to the graph.</a:t>
+            </a:r>
+          </a:p>
+          <a:p>
+            <a:pPr marL="457200" lvl="0" indent="-457200">
               <a:buClr>
                 <a:schemeClr val="dk1"/>
               </a:buClr>
               <a:buSzPct val="100000"/>
-            </a:pPr>
-            <a:endParaRPr lang="en-US" sz="2200" dirty="0">
-              <a:solidFill>
-                <a:schemeClr val="dk1"/>
-              </a:solidFill>
-            </a:endParaRPr>
+              <a:buFont typeface="Arial"/>
+              <a:buChar char="•"/>
+            </a:pPr>
+            <a:r>
+              <a:rPr lang="en-US" sz="2200" dirty="0">
+                <a:solidFill>
+                  <a:schemeClr val="dk1"/>
+                </a:solidFill>
+              </a:rPr>
+              <a:t>D3 also allows for the fine tuning of Cascading Style Sheets (CSS), the code that styles web pages.</a:t>
+            </a:r>
+          </a:p>
+          <a:p>
+            <a:pPr marL="457200" indent="-457200">
+              <a:buClr>
+                <a:schemeClr val="dk1"/>
+              </a:buClr>
+              <a:buSzPct val="100000"/>
+              <a:buFont typeface="Arial"/>
+              <a:buChar char="•"/>
+            </a:pPr>
+            <a:r>
+              <a:rPr lang="en-US" sz="2200" dirty="0" err="1"/>
+              <a:t>GRNsight</a:t>
+            </a:r>
+            <a:r>
+              <a:rPr lang="en-US" sz="2200" dirty="0"/>
+              <a:t> follows an open development model using an open source </a:t>
+            </a:r>
+            <a:r>
+              <a:rPr lang="en-US" sz="2200" dirty="0" err="1"/>
+              <a:t>github.com</a:t>
+            </a:r>
+            <a:r>
+              <a:rPr lang="en-US" sz="2200" dirty="0"/>
+              <a:t> code repository and issue tracking.</a:t>
+            </a:r>
+            <a:endParaRPr lang="en-US" dirty="0"/>
           </a:p>
         </p:txBody>
       </p:sp>

--- a/documents/Anguiano_Varshneya_LMU_Symposium_2015.pptx
+++ b/documents/Anguiano_Varshneya_LMU_Symposium_2015.pptx
@@ -22624,39 +22624,12 @@
       </p:sp>
       <p:pic>
         <p:nvPicPr>
-          <p:cNvPr id="86" name="Shape 86"/>
+          <p:cNvPr id="113" name="Shape 113"/>
           <p:cNvPicPr preferRelativeResize="0"/>
           <p:nvPr/>
         </p:nvPicPr>
         <p:blipFill rotWithShape="1">
           <a:blip r:embed="rId3">
-            <a:alphaModFix/>
-          </a:blip>
-          <a:srcRect/>
-          <a:stretch/>
-        </p:blipFill>
-        <p:spPr>
-          <a:xfrm>
-            <a:off x="1743591" y="1186383"/>
-            <a:ext cx="5099868" cy="3008923"/>
-          </a:xfrm>
-          <a:prstGeom prst="rect">
-            <a:avLst/>
-          </a:prstGeom>
-          <a:noFill/>
-          <a:ln>
-            <a:noFill/>
-          </a:ln>
-        </p:spPr>
-      </p:pic>
-      <p:pic>
-        <p:nvPicPr>
-          <p:cNvPr id="113" name="Shape 113"/>
-          <p:cNvPicPr preferRelativeResize="0"/>
-          <p:nvPr/>
-        </p:nvPicPr>
-        <p:blipFill rotWithShape="1">
-          <a:blip r:embed="rId4">
             <a:alphaModFix/>
           </a:blip>
           <a:srcRect/>
@@ -22720,46 +22693,16 @@
               <a:buFont typeface="Arial"/>
               <a:buNone/>
             </a:pPr>
-            <a:r>
-              <a:rPr lang="en-US" sz="900" b="0" i="0" u="none" strike="noStrike" cap="none" baseline="0" dirty="0">
-                <a:solidFill>
-                  <a:srgbClr val="222222"/>
-                </a:solidFill>
-                <a:latin typeface="Arial"/>
-                <a:ea typeface="Arial"/>
-                <a:cs typeface="Arial"/>
-                <a:sym typeface="Arial"/>
-                <a:rtl val="0"/>
-              </a:rPr>
-              <a:t>MATLAB model available at </a:t>
-            </a:r>
-            <a:r>
-              <a:rPr lang="en-US" sz="900" b="0" i="0" u="sng" strike="noStrike" cap="none" baseline="0" dirty="0">
-                <a:solidFill>
-                  <a:schemeClr val="hlink"/>
-                </a:solidFill>
-                <a:latin typeface="Arial"/>
-                <a:ea typeface="Arial"/>
-                <a:cs typeface="Arial"/>
-                <a:sym typeface="Arial"/>
-                <a:hlinkClick r:id="rId5"/>
-                <a:rtl val="0"/>
-              </a:rPr>
-              <a:t>http://kdahlquist.github.io/GRNmap/</a:t>
-            </a:r>
-            <a:r>
-              <a:rPr lang="en-US" sz="2800" b="0" i="0" u="none" strike="noStrike" cap="none" baseline="0" dirty="0">
-                <a:solidFill>
-                  <a:schemeClr val="dk1"/>
-                </a:solidFill>
-                <a:latin typeface="Arial"/>
-                <a:ea typeface="Arial"/>
-                <a:cs typeface="Arial"/>
-                <a:sym typeface="Arial"/>
-                <a:rtl val="0"/>
-              </a:rPr>
-              <a:t> </a:t>
-            </a:r>
+            <a:endParaRPr lang="en-US" sz="2800" b="0" i="0" u="none" strike="noStrike" cap="none" baseline="0" dirty="0">
+              <a:solidFill>
+                <a:schemeClr val="dk1"/>
+              </a:solidFill>
+              <a:latin typeface="Arial"/>
+              <a:ea typeface="Arial"/>
+              <a:cs typeface="Arial"/>
+              <a:sym typeface="Arial"/>
+              <a:rtl val="0"/>
+            </a:endParaRPr>
           </a:p>
         </p:txBody>
       </p:sp>
@@ -23570,7 +23513,7 @@
           <p:nvPr/>
         </p:nvPicPr>
         <p:blipFill rotWithShape="1">
-          <a:blip r:embed="rId6">
+          <a:blip r:embed="rId4">
             <a:alphaModFix/>
           </a:blip>
           <a:srcRect/>
@@ -23597,7 +23540,7 @@
           <p:nvPr/>
         </p:nvPicPr>
         <p:blipFill rotWithShape="1">
-          <a:blip r:embed="rId7">
+          <a:blip r:embed="rId5">
             <a:alphaModFix/>
           </a:blip>
           <a:srcRect r="10182"/>
@@ -23624,7 +23567,7 @@
           <p:nvPr/>
         </p:nvPicPr>
         <p:blipFill rotWithShape="1">
-          <a:blip r:embed="rId8">
+          <a:blip r:embed="rId6">
             <a:alphaModFix/>
           </a:blip>
           <a:srcRect l="27345" t="34020" b="29849"/>
@@ -23653,7 +23596,7 @@
         <p:spPr>
           <a:xfrm>
             <a:off x="835487" y="18196790"/>
-            <a:ext cx="9754534" cy="9991790"/>
+            <a:ext cx="9754534" cy="6492010"/>
           </a:xfrm>
           <a:prstGeom prst="rect">
             <a:avLst/>
@@ -24246,7 +24189,7 @@
               <a:buChar char="•"/>
             </a:pPr>
             <a:r>
-              <a:rPr lang="en-US" sz="2200" b="0" i="0" u="none" strike="noStrike" cap="none" baseline="0" dirty="0">
+              <a:rPr lang="en-US" sz="2200" b="0" i="0" u="none" strike="noStrike" cap="none" baseline="0" dirty="0" smtClean="0">
                 <a:solidFill>
                   <a:schemeClr val="dk1"/>
                 </a:solidFill>
@@ -24256,29 +24199,10 @@
                 <a:sym typeface="Arial"/>
                 <a:rtl val="0"/>
               </a:rPr>
-              <a:t>0 represents no relationship.</a:t>
-            </a:r>
-          </a:p>
-          <a:p>
-            <a:pPr marL="342900" marR="0" lvl="0" indent="-342900" algn="l" rtl="0">
-              <a:lnSpc>
-                <a:spcPct val="100000"/>
-              </a:lnSpc>
-              <a:spcBef>
-                <a:spcPts val="0"/>
-              </a:spcBef>
-              <a:spcAft>
-                <a:spcPts val="0"/>
-              </a:spcAft>
-              <a:buClr>
-                <a:schemeClr val="dk1"/>
-              </a:buClr>
-              <a:buSzPct val="100000"/>
-              <a:buFont typeface="Arial"/>
-              <a:buChar char="•"/>
-            </a:pPr>
-            <a:r>
-              <a:rPr lang="en-US" sz="2200" b="0" i="0" u="none" strike="noStrike" cap="none" baseline="0" dirty="0">
+              <a:t>The </a:t>
+            </a:r>
+            <a:r>
+              <a:rPr lang="en-US" sz="2200" b="0" i="0" u="none" strike="noStrike" cap="none" baseline="0" dirty="0" smtClean="0">
                 <a:solidFill>
                   <a:schemeClr val="dk1"/>
                 </a:solidFill>
@@ -24288,149 +24212,7 @@
                 <a:sym typeface="Arial"/>
                 <a:rtl val="0"/>
               </a:rPr>
-              <a:t>A positive </a:t>
-            </a:r>
-            <a:r>
-              <a:rPr lang="en-US" sz="2200" b="0" i="0" u="none" strike="noStrike" cap="none" baseline="0" dirty="0" smtClean="0">
-                <a:solidFill>
-                  <a:schemeClr val="dk1"/>
-                </a:solidFill>
-                <a:latin typeface="Arial"/>
-                <a:ea typeface="Arial"/>
-                <a:cs typeface="Arial"/>
-                <a:sym typeface="Arial"/>
-                <a:rtl val="0"/>
-              </a:rPr>
-              <a:t>weight</a:t>
-            </a:r>
-            <a:r>
-              <a:rPr lang="en-US" sz="2200" b="0" i="0" u="none" strike="noStrike" cap="none" dirty="0" smtClean="0">
-                <a:solidFill>
-                  <a:schemeClr val="dk1"/>
-                </a:solidFill>
-                <a:latin typeface="Arial"/>
-                <a:ea typeface="Arial"/>
-                <a:cs typeface="Arial"/>
-                <a:sym typeface="Arial"/>
-                <a:rtl val="0"/>
-              </a:rPr>
-              <a:t> value</a:t>
-            </a:r>
-            <a:r>
-              <a:rPr lang="en-US" sz="2200" b="0" i="0" u="none" strike="noStrike" cap="none" baseline="0" dirty="0" smtClean="0">
-                <a:solidFill>
-                  <a:schemeClr val="dk1"/>
-                </a:solidFill>
-                <a:latin typeface="Arial"/>
-                <a:ea typeface="Arial"/>
-                <a:cs typeface="Arial"/>
-                <a:sym typeface="Arial"/>
-                <a:rtl val="0"/>
-              </a:rPr>
-              <a:t> </a:t>
-            </a:r>
-            <a:r>
-              <a:rPr lang="en-US" sz="2200" b="0" i="0" u="none" strike="noStrike" cap="none" baseline="0" dirty="0">
-                <a:solidFill>
-                  <a:schemeClr val="dk1"/>
-                </a:solidFill>
-                <a:latin typeface="Arial"/>
-                <a:ea typeface="Arial"/>
-                <a:cs typeface="Arial"/>
-                <a:sym typeface="Arial"/>
-                <a:rtl val="0"/>
-              </a:rPr>
-              <a:t>indicates activation.</a:t>
-            </a:r>
-          </a:p>
-          <a:p>
-            <a:pPr marL="342900" marR="0" lvl="0" indent="-342900" algn="l" rtl="0">
-              <a:lnSpc>
-                <a:spcPct val="100000"/>
-              </a:lnSpc>
-              <a:spcBef>
-                <a:spcPts val="0"/>
-              </a:spcBef>
-              <a:spcAft>
-                <a:spcPts val="0"/>
-              </a:spcAft>
-              <a:buClr>
-                <a:schemeClr val="dk1"/>
-              </a:buClr>
-              <a:buSzPct val="100000"/>
-              <a:buFont typeface="Arial"/>
-              <a:buChar char="•"/>
-            </a:pPr>
-            <a:r>
-              <a:rPr lang="en-US" sz="2200" b="0" i="0" u="none" strike="noStrike" cap="none" baseline="0" dirty="0">
-                <a:solidFill>
-                  <a:schemeClr val="dk1"/>
-                </a:solidFill>
-                <a:latin typeface="Arial"/>
-                <a:ea typeface="Arial"/>
-                <a:cs typeface="Arial"/>
-                <a:sym typeface="Arial"/>
-                <a:rtl val="0"/>
-              </a:rPr>
-              <a:t>A negative </a:t>
-            </a:r>
-            <a:r>
-              <a:rPr lang="en-US" sz="2200" b="0" i="0" u="none" strike="noStrike" cap="none" baseline="0" dirty="0" smtClean="0">
-                <a:solidFill>
-                  <a:schemeClr val="dk1"/>
-                </a:solidFill>
-                <a:latin typeface="Arial"/>
-                <a:ea typeface="Arial"/>
-                <a:cs typeface="Arial"/>
-                <a:sym typeface="Arial"/>
-                <a:rtl val="0"/>
-              </a:rPr>
-              <a:t>weight value </a:t>
-            </a:r>
-            <a:r>
-              <a:rPr lang="en-US" sz="2200" b="0" i="0" u="none" strike="noStrike" cap="none" baseline="0" dirty="0">
-                <a:solidFill>
-                  <a:schemeClr val="dk1"/>
-                </a:solidFill>
-                <a:latin typeface="Arial"/>
-                <a:ea typeface="Arial"/>
-                <a:cs typeface="Arial"/>
-                <a:sym typeface="Arial"/>
-                <a:rtl val="0"/>
-              </a:rPr>
-              <a:t>indicates repression.</a:t>
-            </a:r>
-          </a:p>
-          <a:p>
-            <a:pPr marL="342900" marR="0" lvl="0" indent="-342900" algn="l" rtl="0">
-              <a:lnSpc>
-                <a:spcPct val="100000"/>
-              </a:lnSpc>
-              <a:spcBef>
-                <a:spcPts val="0"/>
-              </a:spcBef>
-              <a:spcAft>
-                <a:spcPts val="0"/>
-              </a:spcAft>
-              <a:buClr>
-                <a:schemeClr val="dk1"/>
-              </a:buClr>
-              <a:buSzPct val="100000"/>
-              <a:buFont typeface="Arial"/>
-              <a:buChar char="•"/>
-            </a:pPr>
-            <a:r>
-              <a:rPr lang="en-US" sz="2200" b="0" i="0" u="none" strike="noStrike" cap="none" baseline="0" dirty="0" smtClean="0">
-                <a:solidFill>
-                  <a:schemeClr val="dk1"/>
-                </a:solidFill>
-                <a:latin typeface="Arial"/>
-                <a:ea typeface="Arial"/>
-                <a:cs typeface="Arial"/>
-                <a:sym typeface="Arial"/>
-                <a:rtl val="0"/>
-              </a:rPr>
-              <a:t>The magnitude of the weight defines the strength of the relationship.</a:t>
+              <a:t>magnitude of the weight defines the strength of the relationship.</a:t>
             </a:r>
           </a:p>
           <a:p>
@@ -24669,8 +24451,8 @@
         </p:nvSpPr>
         <p:spPr>
           <a:xfrm>
-            <a:off x="835483" y="28470371"/>
-            <a:ext cx="9754534" cy="935205"/>
+            <a:off x="835490" y="25133301"/>
+            <a:ext cx="9754534" cy="1109976"/>
           </a:xfrm>
           <a:prstGeom prst="rect">
             <a:avLst/>
@@ -24731,7 +24513,46 @@
                 <a:sym typeface="Arial"/>
                 <a:rtl val="0"/>
               </a:rPr>
-              <a:t> Spreadsheet Requirements</a:t>
+              <a:t> </a:t>
+            </a:r>
+            <a:r>
+              <a:rPr lang="en-US" sz="3600" b="0" i="0" u="none" strike="noStrike" cap="none" baseline="0" dirty="0" smtClean="0">
+                <a:solidFill>
+                  <a:srgbClr val="017C00"/>
+                </a:solidFill>
+                <a:latin typeface="Arial"/>
+                <a:ea typeface="Arial"/>
+                <a:cs typeface="Arial"/>
+                <a:sym typeface="Arial"/>
+                <a:rtl val="0"/>
+              </a:rPr>
+              <a:t>Accepts .</a:t>
+            </a:r>
+            <a:r>
+              <a:rPr lang="en-US" sz="3600" b="0" i="0" u="none" strike="noStrike" cap="none" baseline="0" dirty="0" err="1" smtClean="0">
+                <a:solidFill>
+                  <a:srgbClr val="017C00"/>
+                </a:solidFill>
+                <a:latin typeface="Arial"/>
+                <a:ea typeface="Arial"/>
+                <a:cs typeface="Arial"/>
+                <a:sym typeface="Arial"/>
+                <a:rtl val="0"/>
+              </a:rPr>
+              <a:t>xlsx</a:t>
+            </a:r>
+            <a:r>
+              <a:rPr lang="en-US" sz="3600" b="0" i="0" u="none" strike="noStrike" cap="none" baseline="0" dirty="0" smtClean="0">
+                <a:solidFill>
+                  <a:srgbClr val="017C00"/>
+                </a:solidFill>
+                <a:latin typeface="Arial"/>
+                <a:ea typeface="Arial"/>
+                <a:cs typeface="Arial"/>
+                <a:sym typeface="Arial"/>
+                <a:rtl val="0"/>
+              </a:rPr>
+              <a:t> Files in the Proper Format</a:t>
             </a:r>
             <a:endParaRPr lang="en-US" sz="3600" b="0" i="0" u="none" strike="noStrike" cap="none" baseline="0" dirty="0">
               <a:solidFill>
@@ -24754,8 +24575,8 @@
         </p:nvSpPr>
         <p:spPr>
           <a:xfrm>
-            <a:off x="835486" y="29405578"/>
-            <a:ext cx="9754534" cy="2675921"/>
+            <a:off x="835493" y="26243278"/>
+            <a:ext cx="9754534" cy="5838221"/>
           </a:xfrm>
           <a:prstGeom prst="rect">
             <a:avLst/>
@@ -24957,10 +24778,111 @@
               </a:rPr>
               <a:t>adjacency matrix. </a:t>
             </a:r>
-            <a:r>
-              <a:rPr lang="en-US" sz="2200" b="0" i="0" u="none" strike="noStrike" cap="none" baseline="0" dirty="0" err="1">
-                <a:solidFill>
-                  <a:srgbClr val="000000"/>
+            <a:endParaRPr lang="en-US" sz="2200" b="0" i="0" u="none" strike="noStrike" cap="none" baseline="0" dirty="0" smtClean="0">
+              <a:solidFill>
+                <a:schemeClr val="dk1"/>
+              </a:solidFill>
+              <a:latin typeface="Arial"/>
+              <a:ea typeface="Arial"/>
+              <a:cs typeface="Arial"/>
+              <a:sym typeface="Arial"/>
+              <a:rtl val="0"/>
+            </a:endParaRPr>
+          </a:p>
+          <a:p>
+            <a:pPr marL="342900" lvl="0" indent="-342900">
+              <a:buClr>
+                <a:schemeClr val="dk1"/>
+              </a:buClr>
+              <a:buSzPct val="100000"/>
+              <a:buFont typeface="Arial"/>
+              <a:buChar char="•"/>
+            </a:pPr>
+            <a:r>
+              <a:rPr lang="en-US" sz="2200" dirty="0">
+                <a:solidFill>
+                  <a:schemeClr val="dk1"/>
+                </a:solidFill>
+              </a:rPr>
+              <a:t>0 represents no relationship.</a:t>
+            </a:r>
+          </a:p>
+          <a:p>
+            <a:pPr marL="342900" lvl="0" indent="-342900">
+              <a:buClr>
+                <a:schemeClr val="dk1"/>
+              </a:buClr>
+              <a:buSzPct val="100000"/>
+              <a:buFont typeface="Arial"/>
+              <a:buChar char="•"/>
+            </a:pPr>
+            <a:r>
+              <a:rPr lang="en-US" sz="2200" dirty="0">
+                <a:solidFill>
+                  <a:schemeClr val="dk1"/>
+                </a:solidFill>
+              </a:rPr>
+              <a:t>A positive weight value indicates activation.</a:t>
+            </a:r>
+          </a:p>
+          <a:p>
+            <a:pPr marL="342900" lvl="0" indent="-342900">
+              <a:buClr>
+                <a:schemeClr val="dk1"/>
+              </a:buClr>
+              <a:buSzPct val="100000"/>
+              <a:buFont typeface="Arial"/>
+              <a:buChar char="•"/>
+            </a:pPr>
+            <a:r>
+              <a:rPr lang="en-US" sz="2200" dirty="0">
+                <a:solidFill>
+                  <a:schemeClr val="dk1"/>
+                </a:solidFill>
+              </a:rPr>
+              <a:t>A negative weight value indicates repression</a:t>
+            </a:r>
+            <a:r>
+              <a:rPr lang="en-US" sz="2200" dirty="0" smtClean="0">
+                <a:solidFill>
+                  <a:schemeClr val="dk1"/>
+                </a:solidFill>
+              </a:rPr>
+              <a:t>.</a:t>
+            </a:r>
+            <a:endParaRPr lang="en-US" sz="2200" b="0" i="0" u="none" strike="noStrike" cap="none" baseline="0" dirty="0" smtClean="0">
+              <a:solidFill>
+                <a:schemeClr val="dk1"/>
+              </a:solidFill>
+              <a:latin typeface="Arial"/>
+              <a:ea typeface="Arial"/>
+              <a:cs typeface="Arial"/>
+              <a:sym typeface="Arial"/>
+              <a:rtl val="0"/>
+            </a:endParaRPr>
+          </a:p>
+          <a:p>
+            <a:pPr marL="342900" marR="0" lvl="0" indent="-342900" algn="l" rtl="0">
+              <a:lnSpc>
+                <a:spcPct val="100000"/>
+              </a:lnSpc>
+              <a:spcBef>
+                <a:spcPts val="0"/>
+              </a:spcBef>
+              <a:spcAft>
+                <a:spcPts val="0"/>
+              </a:spcAft>
+              <a:buClr>
+                <a:schemeClr val="dk1"/>
+              </a:buClr>
+              <a:buSzPct val="100000"/>
+              <a:buFont typeface="Arial"/>
+              <a:buChar char="•"/>
+            </a:pPr>
+            <a:r>
+              <a:rPr lang="en-US" sz="2200" b="0" i="0" u="none" strike="noStrike" cap="none" baseline="0" dirty="0" err="1" smtClean="0">
+                <a:solidFill>
+                  <a:schemeClr val="dk1"/>
                 </a:solidFill>
                 <a:latin typeface="Arial"/>
                 <a:ea typeface="Arial"/>
@@ -24968,12 +24890,12 @@
                 <a:sym typeface="Arial"/>
                 <a:rtl val="0"/>
               </a:rPr>
-              <a:t>GRNsight</a:t>
-            </a:r>
-            <a:r>
-              <a:rPr lang="en-US" sz="2200" b="0" i="0" u="none" strike="noStrike" cap="none" baseline="0" dirty="0">
-                <a:solidFill>
-                  <a:srgbClr val="000000"/>
+              <a:t>GRNmap</a:t>
+            </a:r>
+            <a:r>
+              <a:rPr lang="en-US" sz="2200" b="0" i="0" u="none" strike="noStrike" cap="none" baseline="0" dirty="0" smtClean="0">
+                <a:solidFill>
+                  <a:schemeClr val="dk1"/>
                 </a:solidFill>
                 <a:latin typeface="Arial"/>
                 <a:ea typeface="Arial"/>
@@ -24984,9 +24906,9 @@
               <a:t> </a:t>
             </a:r>
             <a:r>
-              <a:rPr lang="en-US" sz="2200" b="0" i="0" u="none" strike="noStrike" cap="none" baseline="0" dirty="0" smtClean="0">
-                <a:solidFill>
-                  <a:srgbClr val="000000"/>
+              <a:rPr lang="en-US" sz="2200" b="0" i="0" u="none" strike="noStrike" cap="none" baseline="0" dirty="0">
+                <a:solidFill>
+                  <a:schemeClr val="dk1"/>
                 </a:solidFill>
                 <a:latin typeface="Arial"/>
                 <a:ea typeface="Arial"/>
@@ -24994,12 +24916,31 @@
                 <a:sym typeface="Arial"/>
                 <a:rtl val="0"/>
               </a:rPr>
-              <a:t>can then </a:t>
-            </a:r>
+              <a:t>input and output spreadsheets are accepted without adjustment.</a:t>
+            </a:r>
+          </a:p>
+          <a:p>
+            <a:pPr marL="342900" marR="0" lvl="0" indent="-342900" algn="l" rtl="0">
+              <a:lnSpc>
+                <a:spcPct val="100000"/>
+              </a:lnSpc>
+              <a:spcBef>
+                <a:spcPts val="0"/>
+              </a:spcBef>
+              <a:spcAft>
+                <a:spcPts val="0"/>
+              </a:spcAft>
+              <a:buClr>
+                <a:schemeClr val="dk1"/>
+              </a:buClr>
+              <a:buSzPct val="100000"/>
+              <a:buFont typeface="Arial"/>
+              <a:buChar char="•"/>
+            </a:pPr>
             <a:r>
               <a:rPr lang="en-US" sz="2200" b="0" i="0" u="none" strike="noStrike" cap="none" baseline="0" dirty="0">
                 <a:solidFill>
-                  <a:srgbClr val="000000"/>
+                  <a:schemeClr val="dk1"/>
                 </a:solidFill>
                 <a:latin typeface="Arial"/>
                 <a:ea typeface="Arial"/>
@@ -25007,115 +24948,11 @@
                 <a:sym typeface="Arial"/>
                 <a:rtl val="0"/>
               </a:rPr>
-              <a:t>automatically lay out the graph based on the adjacency matrix.</a:t>
-            </a:r>
-          </a:p>
-          <a:p>
-            <a:pPr marL="342900" marR="0" lvl="0" indent="-342900" algn="l" rtl="0">
-              <a:lnSpc>
-                <a:spcPct val="100000"/>
-              </a:lnSpc>
-              <a:spcBef>
-                <a:spcPts val="0"/>
-              </a:spcBef>
-              <a:spcAft>
-                <a:spcPts val="0"/>
-              </a:spcAft>
-              <a:buClr>
-                <a:schemeClr val="dk1"/>
-              </a:buClr>
-              <a:buSzPct val="100000"/>
-              <a:buFont typeface="Arial"/>
-              <a:buChar char="•"/>
-            </a:pPr>
-            <a:r>
-              <a:rPr lang="en-US" sz="2200" b="0" i="0" u="none" strike="noStrike" cap="none" baseline="0" dirty="0" err="1">
-                <a:solidFill>
-                  <a:schemeClr val="dk1"/>
-                </a:solidFill>
-                <a:latin typeface="Arial"/>
-                <a:ea typeface="Arial"/>
-                <a:cs typeface="Arial"/>
-                <a:sym typeface="Arial"/>
-                <a:rtl val="0"/>
-              </a:rPr>
-              <a:t>GRNmap</a:t>
-            </a:r>
-            <a:r>
-              <a:rPr lang="en-US" sz="2200" b="0" i="0" u="none" strike="noStrike" cap="none" baseline="0" dirty="0">
-                <a:solidFill>
-                  <a:schemeClr val="dk1"/>
-                </a:solidFill>
-                <a:latin typeface="Arial"/>
-                <a:ea typeface="Arial"/>
-                <a:cs typeface="Arial"/>
-                <a:sym typeface="Arial"/>
-                <a:rtl val="0"/>
-              </a:rPr>
-              <a:t> input and output spreadsheets are accepted without adjustment.</a:t>
-            </a:r>
-          </a:p>
-          <a:p>
-            <a:pPr marL="342900" marR="0" lvl="0" indent="-342900" algn="l" rtl="0">
-              <a:lnSpc>
-                <a:spcPct val="100000"/>
-              </a:lnSpc>
-              <a:spcBef>
-                <a:spcPts val="0"/>
-              </a:spcBef>
-              <a:spcAft>
-                <a:spcPts val="0"/>
-              </a:spcAft>
-              <a:buClr>
-                <a:schemeClr val="dk1"/>
-              </a:buClr>
-              <a:buSzPct val="100000"/>
-              <a:buFont typeface="Arial"/>
-              <a:buChar char="•"/>
-            </a:pPr>
-            <a:r>
-              <a:rPr lang="en-US" sz="2200" b="0" i="0" u="none" strike="noStrike" cap="none" baseline="0" dirty="0">
-                <a:solidFill>
-                  <a:schemeClr val="dk1"/>
-                </a:solidFill>
-                <a:latin typeface="Arial"/>
-                <a:ea typeface="Arial"/>
-                <a:cs typeface="Arial"/>
-                <a:sym typeface="Arial"/>
-                <a:rtl val="0"/>
-              </a:rPr>
               <a:t>Spreadsheets from databases such as YEASTRACT can be used with some modification.</a:t>
             </a:r>
           </a:p>
         </p:txBody>
       </p:sp>
-      <p:pic>
-        <p:nvPicPr>
-          <p:cNvPr id="66" name="Shape 107"/>
-          <p:cNvPicPr preferRelativeResize="0"/>
-          <p:nvPr/>
-        </p:nvPicPr>
-        <p:blipFill rotWithShape="1">
-          <a:blip r:embed="rId9">
-            <a:alphaModFix/>
-          </a:blip>
-          <a:srcRect/>
-          <a:stretch/>
-        </p:blipFill>
-        <p:spPr>
-          <a:xfrm>
-            <a:off x="997579" y="25940401"/>
-            <a:ext cx="9430342" cy="2178162"/>
-          </a:xfrm>
-          <a:prstGeom prst="rect">
-            <a:avLst/>
-          </a:prstGeom>
-          <a:noFill/>
-          <a:ln>
-            <a:noFill/>
-          </a:ln>
-        </p:spPr>
-      </p:pic>
       <p:pic>
         <p:nvPicPr>
           <p:cNvPr id="67" name="Shape 115"/>
@@ -25123,7 +24960,7 @@
           <p:nvPr/>
         </p:nvPicPr>
         <p:blipFill rotWithShape="1">
-          <a:blip r:embed="rId10">
+          <a:blip r:embed="rId7">
             <a:alphaModFix/>
           </a:blip>
           <a:srcRect l="8866" t="1807" r="7142" b="3158"/>
@@ -25152,7 +24989,7 @@
           <p:nvPr/>
         </p:nvPicPr>
         <p:blipFill>
-          <a:blip r:embed="rId11"/>
+          <a:blip r:embed="rId8"/>
           <a:stretch>
             <a:fillRect/>
           </a:stretch>
@@ -25607,7 +25444,7 @@
               <a:buChar char="•"/>
             </a:pPr>
             <a:r>
-              <a:rPr lang="en-US" sz="2200" b="0" i="0" u="none" strike="noStrike" cap="none" baseline="0">
+              <a:rPr lang="en-US" sz="2200" b="0" i="0" u="none" strike="noStrike" cap="none" baseline="0" dirty="0" err="1">
                 <a:solidFill>
                   <a:schemeClr val="dk1"/>
                 </a:solidFill>
@@ -25617,7 +25454,143 @@
                 <a:sym typeface="Arial"/>
                 <a:rtl val="0"/>
               </a:rPr>
-              <a:t>GRNsight is free and open to all users and there is no login requirement.  Web site content is available under the Creative Commons Attribution Non-Commercial Share Alike license. GRNsight code is available under the open source BSD license.</a:t>
+              <a:t>GRNsight</a:t>
+            </a:r>
+            <a:r>
+              <a:rPr lang="en-US" sz="2200" b="0" i="0" u="none" strike="noStrike" cap="none" baseline="0" dirty="0">
+                <a:solidFill>
+                  <a:schemeClr val="dk1"/>
+                </a:solidFill>
+                <a:latin typeface="Arial"/>
+                <a:ea typeface="Arial"/>
+                <a:cs typeface="Arial"/>
+                <a:sym typeface="Arial"/>
+                <a:rtl val="0"/>
+              </a:rPr>
+              <a:t> is free and open to all users and there is no login requirement.  </a:t>
+            </a:r>
+            <a:endParaRPr lang="en-US" sz="2200" b="0" i="0" u="none" strike="noStrike" cap="none" baseline="0" dirty="0" smtClean="0">
+              <a:solidFill>
+                <a:schemeClr val="dk1"/>
+              </a:solidFill>
+              <a:latin typeface="Arial"/>
+              <a:ea typeface="Arial"/>
+              <a:cs typeface="Arial"/>
+              <a:sym typeface="Arial"/>
+              <a:rtl val="0"/>
+            </a:endParaRPr>
+          </a:p>
+          <a:p>
+            <a:pPr marL="457200" marR="0" lvl="0" indent="-342900" algn="l" rtl="0">
+              <a:lnSpc>
+                <a:spcPct val="100000"/>
+              </a:lnSpc>
+              <a:spcBef>
+                <a:spcPts val="0"/>
+              </a:spcBef>
+              <a:spcAft>
+                <a:spcPts val="0"/>
+              </a:spcAft>
+              <a:buClr>
+                <a:srgbClr val="333333"/>
+              </a:buClr>
+              <a:buSzPct val="100000"/>
+              <a:buFont typeface="Arial"/>
+              <a:buChar char="•"/>
+            </a:pPr>
+            <a:r>
+              <a:rPr lang="en-US" sz="2200" b="0" i="0" u="none" strike="noStrike" cap="none" baseline="0" dirty="0" smtClean="0">
+                <a:solidFill>
+                  <a:schemeClr val="dk1"/>
+                </a:solidFill>
+                <a:latin typeface="Arial"/>
+                <a:ea typeface="Arial"/>
+                <a:cs typeface="Arial"/>
+                <a:sym typeface="Arial"/>
+                <a:rtl val="0"/>
+              </a:rPr>
+              <a:t>Web </a:t>
+            </a:r>
+            <a:r>
+              <a:rPr lang="en-US" sz="2200" b="0" i="0" u="none" strike="noStrike" cap="none" baseline="0" dirty="0">
+                <a:solidFill>
+                  <a:schemeClr val="dk1"/>
+                </a:solidFill>
+                <a:latin typeface="Arial"/>
+                <a:ea typeface="Arial"/>
+                <a:cs typeface="Arial"/>
+                <a:sym typeface="Arial"/>
+                <a:rtl val="0"/>
+              </a:rPr>
+              <a:t>site content is available under the Creative Commons Attribution Non-Commercial Share Alike license. </a:t>
+            </a:r>
+            <a:endParaRPr lang="en-US" sz="2200" b="0" i="0" u="none" strike="noStrike" cap="none" baseline="0" dirty="0" smtClean="0">
+              <a:solidFill>
+                <a:schemeClr val="dk1"/>
+              </a:solidFill>
+              <a:latin typeface="Arial"/>
+              <a:ea typeface="Arial"/>
+              <a:cs typeface="Arial"/>
+              <a:sym typeface="Arial"/>
+              <a:rtl val="0"/>
+            </a:endParaRPr>
+          </a:p>
+          <a:p>
+            <a:pPr marL="457200" marR="0" lvl="0" indent="-342900" algn="l" rtl="0">
+              <a:lnSpc>
+                <a:spcPct val="100000"/>
+              </a:lnSpc>
+              <a:spcBef>
+                <a:spcPts val="0"/>
+              </a:spcBef>
+              <a:spcAft>
+                <a:spcPts val="0"/>
+              </a:spcAft>
+              <a:buClr>
+                <a:srgbClr val="333333"/>
+              </a:buClr>
+              <a:buSzPct val="100000"/>
+              <a:buFont typeface="Arial"/>
+              <a:buChar char="•"/>
+            </a:pPr>
+            <a:r>
+              <a:rPr lang="en-US" sz="2200" b="0" i="0" u="none" strike="noStrike" cap="none" baseline="0" dirty="0" err="1" smtClean="0">
+                <a:solidFill>
+                  <a:schemeClr val="dk1"/>
+                </a:solidFill>
+                <a:latin typeface="Arial"/>
+                <a:ea typeface="Arial"/>
+                <a:cs typeface="Arial"/>
+                <a:sym typeface="Arial"/>
+                <a:rtl val="0"/>
+              </a:rPr>
+              <a:t>GRNsight</a:t>
+            </a:r>
+            <a:r>
+              <a:rPr lang="en-US" sz="2200" b="0" i="0" u="none" strike="noStrike" cap="none" baseline="0" dirty="0" smtClean="0">
+                <a:solidFill>
+                  <a:schemeClr val="dk1"/>
+                </a:solidFill>
+                <a:latin typeface="Arial"/>
+                <a:ea typeface="Arial"/>
+                <a:cs typeface="Arial"/>
+                <a:sym typeface="Arial"/>
+                <a:rtl val="0"/>
+              </a:rPr>
+              <a:t> </a:t>
+            </a:r>
+            <a:r>
+              <a:rPr lang="en-US" sz="2200" b="0" i="0" u="none" strike="noStrike" cap="none" baseline="0" dirty="0">
+                <a:solidFill>
+                  <a:schemeClr val="dk1"/>
+                </a:solidFill>
+                <a:latin typeface="Arial"/>
+                <a:ea typeface="Arial"/>
+                <a:cs typeface="Arial"/>
+                <a:sym typeface="Arial"/>
+                <a:rtl val="0"/>
+              </a:rPr>
+              <a:t>code is available under the open source BSD license.</a:t>
             </a:r>
           </a:p>
         </p:txBody>
@@ -26685,7 +26658,7 @@
           <p:nvPr/>
         </p:nvPicPr>
         <p:blipFill>
-          <a:blip r:embed="rId12">
+          <a:blip r:embed="rId9">
             <a:alphaModFix/>
           </a:blip>
           <a:stretch>
@@ -27322,7 +27295,7 @@
           <p:nvPr/>
         </p:nvPicPr>
         <p:blipFill rotWithShape="1">
-          <a:blip r:embed="rId13">
+          <a:blip r:embed="rId10">
             <a:alphaModFix/>
           </a:blip>
           <a:srcRect t="4724"/>
@@ -27349,7 +27322,7 @@
           <p:nvPr/>
         </p:nvPicPr>
         <p:blipFill rotWithShape="1">
-          <a:blip r:embed="rId14">
+          <a:blip r:embed="rId11">
             <a:alphaModFix/>
           </a:blip>
           <a:srcRect/>
@@ -27537,29 +27510,6 @@
       </p:sp>
       <p:pic>
         <p:nvPicPr>
-          <p:cNvPr id="4" name="Picture 3"/>
-          <p:cNvPicPr>
-            <a:picLocks noChangeAspect="1"/>
-          </p:cNvPicPr>
-          <p:nvPr/>
-        </p:nvPicPr>
-        <p:blipFill rotWithShape="1">
-          <a:blip r:embed="rId15"/>
-          <a:srcRect t="2820" b="8677"/>
-          <a:stretch/>
-        </p:blipFill>
-        <p:spPr>
-          <a:xfrm>
-            <a:off x="11889093" y="8217635"/>
-            <a:ext cx="3455514" cy="1911406"/>
-          </a:xfrm>
-          <a:prstGeom prst="rect">
-            <a:avLst/>
-          </a:prstGeom>
-        </p:spPr>
-      </p:pic>
-      <p:pic>
-        <p:nvPicPr>
           <p:cNvPr id="6" name="Picture 5"/>
           <p:cNvPicPr>
             <a:picLocks noChangeAspect="1"/>
@@ -27567,7 +27517,7 @@
           <p:nvPr/>
         </p:nvPicPr>
         <p:blipFill rotWithShape="1">
-          <a:blip r:embed="rId16"/>
+          <a:blip r:embed="rId12"/>
           <a:srcRect l="19671" t="8977" r="944" b="10451"/>
           <a:stretch/>
         </p:blipFill>
@@ -27588,7 +27538,7 @@
           <p:nvPr/>
         </p:nvPicPr>
         <p:blipFill rotWithShape="1">
-          <a:blip r:embed="rId6">
+          <a:blip r:embed="rId4">
             <a:alphaModFix/>
           </a:blip>
           <a:srcRect/>
@@ -27617,7 +27567,7 @@
           <p:nvPr/>
         </p:nvPicPr>
         <p:blipFill>
-          <a:blip r:embed="rId17"/>
+          <a:blip r:embed="rId13"/>
           <a:stretch>
             <a:fillRect/>
           </a:stretch>
@@ -27635,9 +27585,7 @@
       <p:cxnSp>
         <p:nvCxnSpPr>
           <p:cNvPr id="9" name="Straight Arrow Connector 8"/>
-          <p:cNvCxnSpPr>
-            <a:stCxn id="4" idx="3"/>
-          </p:cNvCxnSpPr>
+          <p:cNvCxnSpPr/>
           <p:nvPr/>
         </p:nvCxnSpPr>
         <p:spPr>
@@ -27869,7 +27817,7 @@
         </p:nvSpPr>
         <p:spPr>
           <a:xfrm>
-            <a:off x="20242099" y="14020127"/>
+            <a:off x="20242099" y="13994054"/>
             <a:ext cx="4388061" cy="430887"/>
           </a:xfrm>
           <a:prstGeom prst="rect">
@@ -28079,7 +28027,7 @@
         <p:spPr>
           <a:xfrm>
             <a:off x="11589048" y="14535829"/>
-            <a:ext cx="4585456" cy="3816429"/>
+            <a:ext cx="4585456" cy="4154983"/>
           </a:xfrm>
           <a:prstGeom prst="rect">
             <a:avLst/>
@@ -28099,19 +28047,90 @@
             </a:pPr>
             <a:r>
               <a:rPr lang="en-US" sz="2200" b="1" dirty="0" smtClean="0"/>
-              <a:t>2. Users </a:t>
+              <a:t>2. </a:t>
             </a:r>
             <a:r>
               <a:rPr lang="en-US" sz="2200" b="1" dirty="0"/>
-              <a:t>can utilize force graph parameter sliders to refine the automatic </a:t>
-            </a:r>
-            <a:r>
-              <a:rPr lang="en-US" sz="2200" b="1" dirty="0" smtClean="0">
+              <a:t>F</a:t>
+            </a:r>
+            <a:r>
+              <a:rPr lang="en-US" sz="2200" b="1" dirty="0" smtClean="0"/>
+              <a:t>orce </a:t>
+            </a:r>
+            <a:r>
+              <a:rPr lang="en-US" sz="2200" b="1" dirty="0"/>
+              <a:t>G</a:t>
+            </a:r>
+            <a:r>
+              <a:rPr lang="en-US" sz="2200" b="1" dirty="0" smtClean="0"/>
+              <a:t>raph </a:t>
+            </a:r>
+            <a:r>
+              <a:rPr lang="en-US" sz="2200" b="1" dirty="0" smtClean="0"/>
+              <a:t>P</a:t>
+            </a:r>
+            <a:r>
+              <a:rPr lang="en-US" sz="2200" b="1" dirty="0" smtClean="0"/>
+              <a:t>arameter  </a:t>
+            </a:r>
+          </a:p>
+          <a:p>
+            <a:pPr lvl="0">
+              <a:buClr>
+                <a:schemeClr val="dk1"/>
+              </a:buClr>
+              <a:buSzPct val="100000"/>
+            </a:pPr>
+            <a:r>
+              <a:rPr lang="en-US" sz="2200" b="1" dirty="0"/>
+              <a:t> </a:t>
+            </a:r>
+            <a:r>
+              <a:rPr lang="en-US" sz="2200" b="1" dirty="0" smtClean="0"/>
+              <a:t>   </a:t>
+            </a:r>
+            <a:r>
+              <a:rPr lang="en-US" sz="2200" b="1" dirty="0" smtClean="0"/>
+              <a:t>Sliders </a:t>
+            </a:r>
+            <a:endParaRPr lang="en-US" sz="2200" b="1" dirty="0" smtClean="0">
+              <a:solidFill>
+                <a:schemeClr val="dk1"/>
+              </a:solidFill>
+            </a:endParaRPr>
+          </a:p>
+          <a:p>
+            <a:pPr marL="342900" lvl="0" indent="-342900">
+              <a:buClr>
+                <a:schemeClr val="dk1"/>
+              </a:buClr>
+              <a:buSzPct val="100000"/>
+              <a:buFont typeface="Arial"/>
+              <a:buChar char="•"/>
+            </a:pPr>
+            <a:r>
+              <a:rPr lang="en-US" sz="2200" dirty="0" smtClean="0">
                 <a:solidFill>
                   <a:schemeClr val="dk1"/>
                 </a:solidFill>
               </a:rPr>
-              <a:t>layout.</a:t>
+              <a:t>The </a:t>
+            </a:r>
+            <a:r>
+              <a:rPr lang="en-US" sz="2200" dirty="0">
+                <a:solidFill>
+                  <a:schemeClr val="dk1"/>
+                </a:solidFill>
+              </a:rPr>
+              <a:t>link distance determines the minimum distance maintained between </a:t>
+            </a:r>
+            <a:r>
+              <a:rPr lang="en-US" sz="2200" dirty="0" smtClean="0">
+                <a:solidFill>
+                  <a:schemeClr val="dk1"/>
+                </a:solidFill>
+              </a:rPr>
+              <a:t>nodes.</a:t>
             </a:r>
           </a:p>
           <a:p>
@@ -28129,6 +28148,40 @@
                   <a:schemeClr val="dk1"/>
                 </a:solidFill>
               </a:rPr>
+              <a:t>Nodes </a:t>
+            </a:r>
+            <a:r>
+              <a:rPr lang="en-US" sz="2200" dirty="0">
+                <a:solidFill>
+                  <a:schemeClr val="dk1"/>
+                </a:solidFill>
+              </a:rPr>
+              <a:t>have a charge, which repels or attracts other </a:t>
+            </a:r>
+            <a:r>
+              <a:rPr lang="en-US" sz="2200" dirty="0" smtClean="0">
+                <a:solidFill>
+                  <a:schemeClr val="dk1"/>
+                </a:solidFill>
+              </a:rPr>
+              <a:t>nodes.</a:t>
+            </a:r>
+          </a:p>
+          <a:p>
+            <a:pPr marL="342900" lvl="0" indent="-342900">
+              <a:buClr>
+                <a:schemeClr val="dk1"/>
+              </a:buClr>
+              <a:buSzPct val="100000"/>
+              <a:buFont typeface="Arial"/>
+              <a:buChar char="•"/>
+            </a:pPr>
+            <a:r>
+              <a:rPr lang="en-US" sz="2200" dirty="0" smtClean="0">
+                <a:solidFill>
+                  <a:schemeClr val="dk1"/>
+                </a:solidFill>
+              </a:rPr>
               <a:t>The </a:t>
             </a:r>
             <a:r>
@@ -28137,7 +28190,7 @@
                   <a:schemeClr val="dk1"/>
                 </a:solidFill>
               </a:rPr>
-              <a:t>link distance determines the minimum distance maintained between </a:t>
+              <a:t>charge distance determines </a:t>
             </a:r>
             <a:r>
               <a:rPr lang="en-US" sz="2200" dirty="0" smtClean="0">
@@ -28145,7 +28198,23 @@
                   <a:schemeClr val="dk1"/>
                 </a:solidFill>
               </a:rPr>
-              <a:t>nodes.</a:t>
+              <a:t>at what range </a:t>
+            </a:r>
+            <a:r>
+              <a:rPr lang="en-US" sz="2200" dirty="0">
+                <a:solidFill>
+                  <a:schemeClr val="dk1"/>
+                </a:solidFill>
+              </a:rPr>
+              <a:t>a node’s charge will affect other nodes</a:t>
+            </a:r>
+            <a:r>
+              <a:rPr lang="en-US" sz="2200" dirty="0" smtClean="0">
+                <a:solidFill>
+                  <a:schemeClr val="dk1"/>
+                </a:solidFill>
+              </a:rPr>
+              <a:t>.</a:t>
             </a:r>
           </a:p>
           <a:p>
@@ -28163,73 +28232,7 @@
                   <a:schemeClr val="dk1"/>
                 </a:solidFill>
               </a:rPr>
-              <a:t>Nodes </a:t>
-            </a:r>
-            <a:r>
-              <a:rPr lang="en-US" sz="2200" dirty="0">
-                <a:solidFill>
-                  <a:schemeClr val="dk1"/>
-                </a:solidFill>
-              </a:rPr>
-              <a:t>have a charge, which repels or attracts other </a:t>
-            </a:r>
-            <a:r>
-              <a:rPr lang="en-US" sz="2200" dirty="0" smtClean="0">
-                <a:solidFill>
-                  <a:schemeClr val="dk1"/>
-                </a:solidFill>
-              </a:rPr>
-              <a:t>nodes.</a:t>
-            </a:r>
-          </a:p>
-          <a:p>
-            <a:pPr marL="342900" lvl="0" indent="-342900">
-              <a:buClr>
-                <a:schemeClr val="dk1"/>
-              </a:buClr>
-              <a:buSzPct val="100000"/>
-              <a:buFont typeface="Arial"/>
-              <a:buChar char="•"/>
-            </a:pPr>
-            <a:r>
-              <a:rPr lang="en-US" sz="2200" dirty="0" smtClean="0">
-                <a:solidFill>
-                  <a:schemeClr val="dk1"/>
-                </a:solidFill>
-              </a:rPr>
-              <a:t>The </a:t>
-            </a:r>
-            <a:r>
-              <a:rPr lang="en-US" sz="2200" dirty="0">
-                <a:solidFill>
-                  <a:schemeClr val="dk1"/>
-                </a:solidFill>
-              </a:rPr>
-              <a:t>charge distance determines </a:t>
-            </a:r>
-            <a:r>
-              <a:rPr lang="en-US" sz="2200" dirty="0" smtClean="0">
-                <a:solidFill>
-                  <a:schemeClr val="dk1"/>
-                </a:solidFill>
-              </a:rPr>
-              <a:t>at what range </a:t>
-            </a:r>
-            <a:r>
-              <a:rPr lang="en-US" sz="2200" dirty="0">
-                <a:solidFill>
-                  <a:schemeClr val="dk1"/>
-                </a:solidFill>
-              </a:rPr>
-              <a:t>a node’s charge will affect other nodes</a:t>
-            </a:r>
-            <a:r>
-              <a:rPr lang="en-US" sz="2200" dirty="0" smtClean="0">
-                <a:solidFill>
-                  <a:schemeClr val="dk1"/>
-                </a:solidFill>
-              </a:rPr>
-              <a:t>.</a:t>
+              <a:t>The force graph parameters can be locked or reset.</a:t>
             </a:r>
             <a:endParaRPr lang="en-US" sz="2200" dirty="0">
               <a:solidFill>
@@ -28248,7 +28251,7 @@
         <p:spPr>
           <a:xfrm>
             <a:off x="11515923" y="10363853"/>
-            <a:ext cx="4623304" cy="4832092"/>
+            <a:ext cx="4623304" cy="4493537"/>
           </a:xfrm>
           <a:prstGeom prst="rect">
             <a:avLst/>
@@ -28268,12 +28271,13 @@
             </a:pPr>
             <a:r>
               <a:rPr lang="en-US" sz="2200" b="1" dirty="0" smtClean="0"/>
-              <a:t>1. A </a:t>
-            </a:r>
-            <a:r>
-              <a:rPr lang="en-US" sz="2200" b="1" dirty="0"/>
-              <a:t>Menu Bar was Introduced </a:t>
-            </a:r>
+              <a:t>1. </a:t>
+            </a:r>
+            <a:r>
+              <a:rPr lang="en-US" sz="2200" b="1" dirty="0" smtClean="0"/>
+              <a:t>Menu Bar</a:t>
+            </a:r>
+            <a:endParaRPr lang="en-US" sz="2200" b="1" dirty="0"/>
           </a:p>
           <a:p>
             <a:pPr marL="342900" lvl="0" indent="-342900">
@@ -28290,7 +28294,15 @@
             </a:r>
             <a:r>
               <a:rPr lang="en-US" sz="2200" dirty="0"/>
-              <a:t>demo files were added to the “</a:t>
+              <a:t>demo files </a:t>
+            </a:r>
+            <a:r>
+              <a:rPr lang="en-US" sz="2200" dirty="0" smtClean="0"/>
+              <a:t>are contained in </a:t>
+            </a:r>
+            <a:r>
+              <a:rPr lang="en-US" sz="2200" dirty="0"/>
+              <a:t>the “</a:t>
             </a:r>
             <a:r>
               <a:rPr lang="en-US" sz="2200" dirty="0" smtClean="0"/>
@@ -28309,7 +28321,15 @@
             </a:pPr>
             <a:r>
               <a:rPr lang="en-US" sz="2200" dirty="0"/>
-              <a:t>Print functionality was enabled in the “File” menu option</a:t>
+              <a:t>Print functionality </a:t>
+            </a:r>
+            <a:r>
+              <a:rPr lang="en-US" sz="2200" dirty="0" smtClean="0"/>
+              <a:t>is enabled </a:t>
+            </a:r>
+            <a:r>
+              <a:rPr lang="en-US" sz="2200" dirty="0"/>
+              <a:t>in the “File” menu option</a:t>
             </a:r>
             <a:r>
               <a:rPr lang="en-US" sz="2200" dirty="0" smtClean="0"/>
@@ -28421,18 +28441,16 @@
                   <a:schemeClr val="dk1"/>
                 </a:solidFill>
               </a:rPr>
-              <a:t> graphs.</a:t>
-            </a:r>
-          </a:p>
-          <a:p>
-            <a:pPr marL="342900" indent="-342900">
-              <a:buClr>
-                <a:srgbClr val="000000"/>
-              </a:buClr>
-              <a:buSzPct val="100000"/>
-              <a:buFont typeface="Arial"/>
-              <a:buChar char="•"/>
-            </a:pPr>
+              <a:t> graphs</a:t>
+            </a:r>
+            <a:r>
+              <a:rPr lang="en-US" sz="2200" dirty="0" smtClean="0">
+                <a:solidFill>
+                  <a:schemeClr val="dk1"/>
+                </a:solidFill>
+              </a:rPr>
+              <a:t>.</a:t>
+            </a:r>
             <a:endParaRPr lang="en-US" sz="2200" dirty="0">
               <a:solidFill>
                 <a:schemeClr val="dk1"/>
@@ -28460,8 +28478,8 @@
         </p:nvSpPr>
         <p:spPr>
           <a:xfrm>
-            <a:off x="16277164" y="14451014"/>
-            <a:ext cx="12045548" cy="4157107"/>
+            <a:off x="16277164" y="14338300"/>
+            <a:ext cx="12045548" cy="4365362"/>
           </a:xfrm>
           <a:prstGeom prst="rect">
             <a:avLst/>
@@ -28601,24 +28619,44 @@
             </a:endParaRPr>
           </a:p>
           <a:p>
-            <a:pPr marL="0" marR="0" lvl="0" indent="0" algn="l" rtl="0">
-              <a:lnSpc>
-                <a:spcPct val="100000"/>
-              </a:lnSpc>
-              <a:spcBef>
-                <a:spcPts val="0"/>
-              </a:spcBef>
-              <a:spcAft>
-                <a:spcPts val="0"/>
-              </a:spcAft>
-              <a:buClr>
-                <a:srgbClr val="FF0000"/>
-              </a:buClr>
-              <a:buSzPct val="25000"/>
-              <a:buFont typeface="Arial"/>
-              <a:buNone/>
-            </a:pPr>
-            <a:endParaRPr lang="en-US" sz="2200" b="1" i="0" u="none" strike="noStrike" cap="none" baseline="0" dirty="0">
+            <a:pPr marR="0" lvl="0" algn="l" rtl="0">
+              <a:lnSpc>
+                <a:spcPct val="100000"/>
+              </a:lnSpc>
+              <a:spcBef>
+                <a:spcPts val="0"/>
+              </a:spcBef>
+              <a:spcAft>
+                <a:spcPts val="0"/>
+              </a:spcAft>
+              <a:buClr>
+                <a:schemeClr val="dk1"/>
+              </a:buClr>
+              <a:buSzPct val="100000"/>
+            </a:pPr>
+            <a:endParaRPr lang="en-US" sz="2200" b="1" dirty="0">
+              <a:solidFill>
+                <a:schemeClr val="dk1"/>
+              </a:solidFill>
+            </a:endParaRPr>
+          </a:p>
+          <a:p>
+            <a:pPr marR="0" lvl="0" algn="l" rtl="0">
+              <a:lnSpc>
+                <a:spcPct val="100000"/>
+              </a:lnSpc>
+              <a:spcBef>
+                <a:spcPts val="0"/>
+              </a:spcBef>
+              <a:spcAft>
+                <a:spcPts val="0"/>
+              </a:spcAft>
+              <a:buClr>
+                <a:schemeClr val="dk1"/>
+              </a:buClr>
+              <a:buSzPct val="100000"/>
+            </a:pPr>
+            <a:endParaRPr lang="en-US" sz="1000" b="0" i="0" u="none" strike="noStrike" cap="none" baseline="0" dirty="0" smtClean="0">
               <a:solidFill>
                 <a:schemeClr val="dk1"/>
               </a:solidFill>
@@ -28648,7 +28686,7 @@
               <a:buChar char="•"/>
             </a:pPr>
             <a:r>
-              <a:rPr lang="en-US" sz="2200" b="0" i="0" u="none" strike="noStrike" cap="none" baseline="0" dirty="0">
+              <a:rPr lang="en-US" sz="2200" b="0" i="0" u="none" strike="noStrike" cap="none" baseline="0" dirty="0" smtClean="0">
                 <a:solidFill>
                   <a:schemeClr val="dk1"/>
                 </a:solidFill>
@@ -28658,12 +28696,12 @@
                 <a:sym typeface="Arial"/>
                 <a:rtl val="0"/>
               </a:rPr>
-              <a:t>Edge thickness was changed to be based on a linear scale instead of four quartiles.</a:t>
+              <a:t>Edge </a:t>
             </a:r>
             <a:r>
               <a:rPr lang="en-US" sz="2200" b="0" i="0" u="none" strike="noStrike" cap="none" baseline="0" dirty="0">
                 <a:solidFill>
-                  <a:srgbClr val="000000"/>
+                  <a:schemeClr val="dk1"/>
                 </a:solidFill>
                 <a:latin typeface="Arial"/>
                 <a:ea typeface="Arial"/>
@@ -28671,31 +28709,12 @@
                 <a:sym typeface="Arial"/>
                 <a:rtl val="0"/>
               </a:rPr>
-              <a:t> </a:t>
-            </a:r>
-          </a:p>
-          <a:p>
-            <a:pPr marL="968375" marR="0" lvl="1" indent="-523875" algn="l" rtl="0">
-              <a:lnSpc>
-                <a:spcPct val="100000"/>
-              </a:lnSpc>
-              <a:spcBef>
-                <a:spcPts val="0"/>
-              </a:spcBef>
-              <a:spcAft>
-                <a:spcPts val="0"/>
-              </a:spcAft>
-              <a:buClr>
-                <a:schemeClr val="dk1"/>
-              </a:buClr>
-              <a:buSzPct val="100000"/>
-              <a:buFont typeface="Arial"/>
-              <a:buChar char="•"/>
-            </a:pPr>
-            <a:r>
-              <a:rPr lang="en-US" sz="2200" b="0" i="0" u="none" strike="noStrike" cap="none" baseline="0" dirty="0">
-                <a:solidFill>
-                  <a:srgbClr val="000000"/>
+              <a:t>thickness </a:t>
+            </a:r>
+            <a:r>
+              <a:rPr lang="en-US" sz="2200" b="0" i="0" u="none" strike="noStrike" cap="none" baseline="0" dirty="0" smtClean="0">
+                <a:solidFill>
+                  <a:schemeClr val="dk1"/>
                 </a:solidFill>
                 <a:latin typeface="Arial"/>
                 <a:ea typeface="Arial"/>
@@ -28703,27 +28722,8 @@
                 <a:sym typeface="Arial"/>
                 <a:rtl val="0"/>
               </a:rPr>
-              <a:t>The weight values are normalized to between 0 and 1, then the thicknesses of the lines are adjusted to vary continuously from the minimum thickness (for normalized weights near zero) to the maximum thickness (weights of 1). </a:t>
-            </a:r>
-          </a:p>
-          <a:p>
-            <a:pPr marL="342900" marR="0" lvl="0" indent="-342900" algn="l" rtl="0">
-              <a:lnSpc>
-                <a:spcPct val="100000"/>
-              </a:lnSpc>
-              <a:spcBef>
-                <a:spcPts val="0"/>
-              </a:spcBef>
-              <a:spcAft>
-                <a:spcPts val="0"/>
-              </a:spcAft>
-              <a:buClr>
-                <a:schemeClr val="dk1"/>
-              </a:buClr>
-              <a:buSzPct val="100000"/>
-              <a:buFont typeface="Arial"/>
-              <a:buChar char="•"/>
-            </a:pPr>
+              <a:t>is based </a:t>
+            </a:r>
             <a:r>
               <a:rPr lang="en-US" sz="2200" b="0" i="0" u="none" strike="noStrike" cap="none" baseline="0" dirty="0">
                 <a:solidFill>
@@ -28735,7 +28735,7 @@
                 <a:sym typeface="Arial"/>
                 <a:rtl val="0"/>
               </a:rPr>
-              <a:t>Edges were changed to curves with control points to prevent </a:t>
+              <a:t>on a linear </a:t>
             </a:r>
             <a:r>
               <a:rPr lang="en-US" sz="2200" b="0" i="0" u="none" strike="noStrike" cap="none" baseline="0" dirty="0" smtClean="0">
@@ -28748,12 +28748,12 @@
                 <a:sym typeface="Arial"/>
                 <a:rtl val="0"/>
               </a:rPr>
-              <a:t>curves </a:t>
-            </a:r>
-            <a:r>
-              <a:rPr lang="en-US" sz="2200" b="0" i="0" u="none" strike="noStrike" cap="none" baseline="0" dirty="0">
-                <a:solidFill>
-                  <a:schemeClr val="dk1"/>
+              <a:t>scale.</a:t>
+            </a:r>
+            <a:r>
+              <a:rPr lang="en-US" sz="2200" b="0" i="0" u="none" strike="noStrike" cap="none" baseline="0" dirty="0" smtClean="0">
+                <a:solidFill>
+                  <a:srgbClr val="000000"/>
                 </a:solidFill>
                 <a:latin typeface="Arial"/>
                 <a:ea typeface="Arial"/>
@@ -28761,50 +28761,11 @@
                 <a:sym typeface="Arial"/>
                 <a:rtl val="0"/>
               </a:rPr>
-              <a:t>from </a:t>
-            </a:r>
-            <a:r>
-              <a:rPr lang="en-US" sz="2200" b="0" i="0" u="none" strike="noStrike" cap="none" baseline="0" dirty="0" smtClean="0">
-                <a:solidFill>
-                  <a:schemeClr val="dk1"/>
-                </a:solidFill>
-                <a:latin typeface="Arial"/>
-                <a:ea typeface="Arial"/>
-                <a:cs typeface="Arial"/>
-                <a:sym typeface="Arial"/>
-                <a:rtl val="0"/>
-              </a:rPr>
-              <a:t>leaving the </a:t>
-            </a:r>
-            <a:r>
-              <a:rPr lang="en-US" sz="2200" b="0" i="0" u="none" strike="noStrike" cap="none" baseline="0" dirty="0">
-                <a:solidFill>
-                  <a:schemeClr val="dk1"/>
-                </a:solidFill>
-                <a:latin typeface="Arial"/>
-                <a:ea typeface="Arial"/>
-                <a:cs typeface="Arial"/>
-                <a:sym typeface="Arial"/>
-                <a:rtl val="0"/>
-              </a:rPr>
-              <a:t>bounding box</a:t>
-            </a:r>
-            <a:r>
-              <a:rPr lang="en-US" sz="2200" b="0" i="0" u="none" strike="noStrike" cap="none" baseline="0" dirty="0" smtClean="0">
-                <a:solidFill>
-                  <a:schemeClr val="dk1"/>
-                </a:solidFill>
-                <a:latin typeface="Arial"/>
-                <a:ea typeface="Arial"/>
-                <a:cs typeface="Arial"/>
-                <a:sym typeface="Arial"/>
-                <a:rtl val="0"/>
-              </a:rPr>
-              <a:t>.</a:t>
-            </a:r>
-            <a:endParaRPr sz="2200" b="0" i="0" u="none" strike="noStrike" cap="none" baseline="0" dirty="0">
+              <a:t> </a:t>
+            </a:r>
+            <a:endParaRPr lang="en-US" sz="2200" b="0" i="0" u="none" strike="noStrike" cap="none" baseline="0" dirty="0">
               <a:solidFill>
-                <a:schemeClr val="dk1"/>
+                <a:srgbClr val="000000"/>
               </a:solidFill>
               <a:latin typeface="Arial"/>
               <a:ea typeface="Arial"/>
@@ -28814,7 +28775,16 @@
             </a:endParaRPr>
           </a:p>
           <a:p>
-            <a:pPr marL="342900" indent="-342900">
+            <a:pPr marL="968375" marR="0" lvl="1" indent="-523875" algn="l" rtl="0">
+              <a:lnSpc>
+                <a:spcPct val="100000"/>
+              </a:lnSpc>
+              <a:spcBef>
+                <a:spcPts val="0"/>
+              </a:spcBef>
+              <a:spcAft>
+                <a:spcPts val="0"/>
+              </a:spcAft>
               <a:buClr>
                 <a:schemeClr val="dk1"/>
               </a:buClr>
@@ -28823,12 +28793,86 @@
               <a:buChar char="•"/>
             </a:pPr>
             <a:r>
+              <a:rPr lang="en-US" sz="2200" b="0" i="0" u="none" strike="noStrike" cap="none" baseline="0" dirty="0">
+                <a:solidFill>
+                  <a:srgbClr val="000000"/>
+                </a:solidFill>
+                <a:latin typeface="Arial"/>
+                <a:ea typeface="Arial"/>
+                <a:cs typeface="Arial"/>
+                <a:sym typeface="Arial"/>
+                <a:rtl val="0"/>
+              </a:rPr>
+              <a:t>The weight values are normalized to between 0 and 1, then the thicknesses of the lines are adjusted to vary continuously from the minimum thickness </a:t>
+            </a:r>
+            <a:r>
+              <a:rPr lang="en-US" sz="2200" b="0" i="0" u="none" strike="noStrike" cap="none" baseline="0" dirty="0" smtClean="0">
+                <a:solidFill>
+                  <a:srgbClr val="000000"/>
+                </a:solidFill>
+                <a:latin typeface="Arial"/>
+                <a:ea typeface="Arial"/>
+                <a:cs typeface="Arial"/>
+                <a:sym typeface="Arial"/>
+                <a:rtl val="0"/>
+              </a:rPr>
+              <a:t>(normalized</a:t>
+            </a:r>
+            <a:r>
+              <a:rPr lang="en-US" sz="2200" b="0" i="0" u="none" strike="noStrike" cap="none" dirty="0" smtClean="0">
+                <a:solidFill>
+                  <a:srgbClr val="000000"/>
+                </a:solidFill>
+                <a:latin typeface="Arial"/>
+                <a:ea typeface="Arial"/>
+                <a:cs typeface="Arial"/>
+                <a:sym typeface="Arial"/>
+                <a:rtl val="0"/>
+              </a:rPr>
+              <a:t> </a:t>
+            </a:r>
+            <a:r>
+              <a:rPr lang="en-US" sz="2200" b="0" i="0" u="none" strike="noStrike" cap="none" baseline="0" dirty="0" smtClean="0">
+                <a:solidFill>
+                  <a:srgbClr val="000000"/>
+                </a:solidFill>
+                <a:latin typeface="Arial"/>
+                <a:ea typeface="Arial"/>
+                <a:cs typeface="Arial"/>
+                <a:sym typeface="Arial"/>
+                <a:rtl val="0"/>
+              </a:rPr>
+              <a:t>weights </a:t>
+            </a:r>
+            <a:r>
+              <a:rPr lang="en-US" sz="2200" b="0" i="0" u="none" strike="noStrike" cap="none" baseline="0" dirty="0">
+                <a:solidFill>
+                  <a:srgbClr val="000000"/>
+                </a:solidFill>
+                <a:latin typeface="Arial"/>
+                <a:ea typeface="Arial"/>
+                <a:cs typeface="Arial"/>
+                <a:sym typeface="Arial"/>
+                <a:rtl val="0"/>
+              </a:rPr>
+              <a:t>near zero) to the maximum thickness (weights of 1). </a:t>
+            </a:r>
+          </a:p>
+          <a:p>
+            <a:pPr marL="342900" lvl="0" indent="-342900">
+              <a:buClr>
+                <a:srgbClr val="000000"/>
+              </a:buClr>
+              <a:buFont typeface="Arial"/>
+              <a:buChar char="•"/>
+            </a:pPr>
+            <a:r>
               <a:rPr lang="en-US" sz="2200" dirty="0" smtClean="0">
                 <a:solidFill>
                   <a:schemeClr val="dk1"/>
                 </a:solidFill>
               </a:rPr>
-              <a:t>A </a:t>
+              <a:t>Edges </a:t>
             </a:r>
             <a:r>
               <a:rPr lang="en-US" sz="2200" dirty="0">
@@ -28836,7 +28880,7 @@
                   <a:schemeClr val="dk1"/>
                 </a:solidFill>
               </a:rPr>
-              <a:t>special case was added to add a looping edge if a node regulated itself</a:t>
+              <a:t>with </a:t>
             </a:r>
             <a:r>
               <a:rPr lang="en-US" sz="2200" dirty="0" smtClean="0">
@@ -28844,37 +28888,41 @@
                   <a:schemeClr val="dk1"/>
                 </a:solidFill>
               </a:rPr>
-              <a:t>.</a:t>
-            </a:r>
-            <a:endParaRPr sz="2200" b="0" i="0" u="none" strike="noStrike" cap="none" baseline="0" dirty="0">
-              <a:solidFill>
-                <a:schemeClr val="dk1"/>
-              </a:solidFill>
-              <a:latin typeface="Arial"/>
-              <a:ea typeface="Arial"/>
-              <a:cs typeface="Arial"/>
-              <a:sym typeface="Arial"/>
-              <a:rtl val="0"/>
-            </a:endParaRPr>
-          </a:p>
-          <a:p>
-            <a:pPr marL="0" marR="0" lvl="0" indent="0" algn="l" rtl="0">
-              <a:lnSpc>
-                <a:spcPct val="100000"/>
-              </a:lnSpc>
-              <a:spcBef>
-                <a:spcPts val="0"/>
-              </a:spcBef>
-              <a:spcAft>
-                <a:spcPts val="0"/>
-              </a:spcAft>
-              <a:buClr>
-                <a:srgbClr val="000000"/>
-              </a:buClr>
-              <a:buFont typeface="Arial"/>
-              <a:buNone/>
-            </a:pPr>
-            <a:endParaRPr sz="2200" b="1" i="0" u="none" strike="noStrike" cap="none" baseline="0" dirty="0">
+              <a:t>normalized </a:t>
+            </a:r>
+            <a:r>
+              <a:rPr lang="en-US" sz="2200" dirty="0">
+                <a:solidFill>
+                  <a:schemeClr val="dk1"/>
+                </a:solidFill>
+              </a:rPr>
+              <a:t>weight values from 0.05 to 1 are colored magenta; edges with </a:t>
+            </a:r>
+            <a:r>
+              <a:rPr lang="en-US" sz="2200" dirty="0" smtClean="0">
+                <a:solidFill>
+                  <a:schemeClr val="dk1"/>
+                </a:solidFill>
+              </a:rPr>
+              <a:t>normalized </a:t>
+            </a:r>
+            <a:r>
+              <a:rPr lang="en-US" sz="2200" dirty="0">
+                <a:solidFill>
+                  <a:schemeClr val="dk1"/>
+                </a:solidFill>
+              </a:rPr>
+              <a:t>weight values from -0.05 to -1 are colored cyan. Edges with normalized weight values between -0.05 and 0.05 are </a:t>
+            </a:r>
+            <a:r>
+              <a:rPr lang="en-US" sz="2200" dirty="0" smtClean="0">
+                <a:solidFill>
+                  <a:schemeClr val="dk1"/>
+                </a:solidFill>
+              </a:rPr>
+              <a:t>colored grey.</a:t>
+            </a:r>
+            <a:endParaRPr sz="2200" i="0" u="none" strike="noStrike" cap="none" baseline="0" dirty="0">
               <a:solidFill>
                 <a:schemeClr val="dk1"/>
               </a:solidFill>
@@ -28894,7 +28942,7 @@
           <p:nvPr/>
         </p:nvPicPr>
         <p:blipFill rotWithShape="1">
-          <a:blip r:embed="rId18">
+          <a:blip r:embed="rId14">
             <a:alphaModFix/>
           </a:blip>
           <a:srcRect l="51219" t="35156" b="33193"/>
@@ -28921,7 +28969,7 @@
           <p:nvPr/>
         </p:nvPicPr>
         <p:blipFill rotWithShape="1">
-          <a:blip r:embed="rId18">
+          <a:blip r:embed="rId14">
             <a:alphaModFix/>
           </a:blip>
           <a:srcRect t="68506" r="36449"/>
@@ -28943,12 +28991,39 @@
       </p:pic>
       <p:pic>
         <p:nvPicPr>
+          <p:cNvPr id="164" name="Shape 123"/>
+          <p:cNvPicPr preferRelativeResize="0"/>
+          <p:nvPr/>
+        </p:nvPicPr>
+        <p:blipFill rotWithShape="1">
+          <a:blip r:embed="rId14">
+            <a:alphaModFix/>
+          </a:blip>
+          <a:srcRect t="35156" r="56613" b="33193"/>
+          <a:stretch/>
+        </p:blipFill>
+        <p:spPr>
+          <a:xfrm>
+            <a:off x="16060542" y="14781755"/>
+            <a:ext cx="2867225" cy="1384145"/>
+          </a:xfrm>
+          <a:prstGeom prst="rect">
+            <a:avLst/>
+          </a:prstGeom>
+          <a:noFill/>
+          <a:ln>
+            <a:noFill/>
+          </a:ln>
+        </p:spPr>
+      </p:pic>
+      <p:pic>
+        <p:nvPicPr>
           <p:cNvPr id="163" name="Shape 123"/>
           <p:cNvPicPr preferRelativeResize="0"/>
           <p:nvPr/>
         </p:nvPicPr>
         <p:blipFill rotWithShape="1">
-          <a:blip r:embed="rId18">
+          <a:blip r:embed="rId14">
             <a:alphaModFix/>
           </a:blip>
           <a:srcRect l="66784" t="68506"/>
@@ -28968,33 +29043,6 @@
           </a:ln>
         </p:spPr>
       </p:pic>
-      <p:pic>
-        <p:nvPicPr>
-          <p:cNvPr id="164" name="Shape 123"/>
-          <p:cNvPicPr preferRelativeResize="0"/>
-          <p:nvPr/>
-        </p:nvPicPr>
-        <p:blipFill rotWithShape="1">
-          <a:blip r:embed="rId18">
-            <a:alphaModFix/>
-          </a:blip>
-          <a:srcRect t="35156" r="56613" b="33193"/>
-          <a:stretch/>
-        </p:blipFill>
-        <p:spPr>
-          <a:xfrm>
-            <a:off x="16060542" y="14781755"/>
-            <a:ext cx="2867225" cy="1384145"/>
-          </a:xfrm>
-          <a:prstGeom prst="rect">
-            <a:avLst/>
-          </a:prstGeom>
-          <a:noFill/>
-          <a:ln>
-            <a:noFill/>
-          </a:ln>
-        </p:spPr>
-      </p:pic>
       <p:sp>
         <p:nvSpPr>
           <p:cNvPr id="2" name="TextBox 1"/>
@@ -29003,8 +29051,8 @@
         </p:nvSpPr>
         <p:spPr>
           <a:xfrm>
-            <a:off x="17754600" y="27937617"/>
-            <a:ext cx="13984937" cy="2800766"/>
+            <a:off x="18047352" y="27937617"/>
+            <a:ext cx="13692185" cy="3139321"/>
           </a:xfrm>
           <a:prstGeom prst="rect">
             <a:avLst/>
@@ -29157,6 +29205,89 @@
           </a:p>
         </p:txBody>
       </p:sp>
+      <p:pic>
+        <p:nvPicPr>
+          <p:cNvPr id="10" name="Picture 9" descr="GRNsight_logo_20140710_main.jpg"/>
+          <p:cNvPicPr>
+            <a:picLocks noChangeAspect="1"/>
+          </p:cNvPicPr>
+          <p:nvPr/>
+        </p:nvPicPr>
+        <p:blipFill>
+          <a:blip r:embed="rId15">
+            <a:extLst>
+              <a:ext uri="{28A0092B-C50C-407E-A947-70E740481C1C}">
+                <a14:useLocalDpi xmlns:a14="http://schemas.microsoft.com/office/drawing/2010/main" val="0"/>
+              </a:ext>
+            </a:extLst>
+          </a:blip>
+          <a:stretch>
+            <a:fillRect/>
+          </a:stretch>
+        </p:blipFill>
+        <p:spPr>
+          <a:xfrm>
+            <a:off x="1563125" y="1629906"/>
+            <a:ext cx="5415186" cy="2324701"/>
+          </a:xfrm>
+          <a:prstGeom prst="rect">
+            <a:avLst/>
+          </a:prstGeom>
+        </p:spPr>
+      </p:pic>
+      <p:pic>
+        <p:nvPicPr>
+          <p:cNvPr id="78" name="Picture 77" descr="Sample_network_worksheet.jpg"/>
+          <p:cNvPicPr>
+            <a:picLocks noChangeAspect="1"/>
+          </p:cNvPicPr>
+          <p:nvPr/>
+        </p:nvPicPr>
+        <p:blipFill>
+          <a:blip r:embed="rId16">
+            <a:extLst>
+              <a:ext uri="{28A0092B-C50C-407E-A947-70E740481C1C}">
+                <a14:useLocalDpi xmlns:a14="http://schemas.microsoft.com/office/drawing/2010/main" val="0"/>
+              </a:ext>
+            </a:extLst>
+          </a:blip>
+          <a:stretch>
+            <a:fillRect/>
+          </a:stretch>
+        </p:blipFill>
+        <p:spPr>
+          <a:xfrm>
+            <a:off x="2155888" y="29494918"/>
+            <a:ext cx="7013512" cy="2448271"/>
+          </a:xfrm>
+          <a:prstGeom prst="rect">
+            <a:avLst/>
+          </a:prstGeom>
+        </p:spPr>
+      </p:pic>
+      <p:pic>
+        <p:nvPicPr>
+          <p:cNvPr id="79" name="Picture 78"/>
+          <p:cNvPicPr>
+            <a:picLocks noChangeAspect="1"/>
+          </p:cNvPicPr>
+          <p:nvPr/>
+        </p:nvPicPr>
+        <p:blipFill rotWithShape="1">
+          <a:blip r:embed="rId17"/>
+          <a:srcRect t="2820" b="8677"/>
+          <a:stretch/>
+        </p:blipFill>
+        <p:spPr>
+          <a:xfrm>
+            <a:off x="11734243" y="8290338"/>
+            <a:ext cx="3455514" cy="1911406"/>
+          </a:xfrm>
+          <a:prstGeom prst="rect">
+            <a:avLst/>
+          </a:prstGeom>
+        </p:spPr>
+      </p:pic>
     </p:spTree>
     <p:extLst>
       <p:ext uri="{BB962C8B-B14F-4D97-AF65-F5344CB8AC3E}">

--- a/documents/Anguiano_Varshneya_LMU_Symposium_2015.pptx
+++ b/documents/Anguiano_Varshneya_LMU_Symposium_2015.pptx
@@ -11,7 +11,7 @@
     <p:sldId id="257" r:id="rId2"/>
   </p:sldIdLst>
   <p:sldSz cx="43891200" cy="32918400"/>
-  <p:notesSz cx="6858000" cy="9144000"/>
+  <p:notesSz cx="7010400" cy="9296400"/>
   <p:defaultTextStyle>
     <a:defPPr marR="0" algn="l" rtl="0">
       <a:lnSpc>
@@ -263,8 +263,8 @@
         </p:nvSpPr>
         <p:spPr>
           <a:xfrm>
-            <a:off x="0" y="0"/>
-            <a:ext cx="2971799" cy="457200"/>
+            <a:off x="1" y="0"/>
+            <a:ext cx="3037839" cy="464820"/>
           </a:xfrm>
           <a:prstGeom prst="rect">
             <a:avLst/>
@@ -275,7 +275,7 @@
           </a:ln>
         </p:spPr>
         <p:txBody>
-          <a:bodyPr lIns="91425" tIns="91425" rIns="91425" bIns="91425" anchor="t" anchorCtr="0"/>
+          <a:bodyPr lIns="93162" tIns="93162" rIns="93162" bIns="93162" anchor="t" anchorCtr="0"/>
           <a:lstStyle>
             <a:lvl1pPr marL="0" marR="0" indent="0" algn="l" rtl="0">
               <a:lnSpc>
@@ -294,7 +294,7 @@
               <a:buNone/>
               <a:defRPr/>
             </a:lvl1pPr>
-            <a:lvl2pPr marL="2403546" marR="0" indent="-3245" algn="l" rtl="0">
+            <a:lvl2pPr marL="2449213" marR="0" indent="-3307" algn="l" rtl="0">
               <a:lnSpc>
                 <a:spcPct val="100000"/>
               </a:lnSpc>
@@ -311,7 +311,7 @@
               <a:buNone/>
               <a:defRPr/>
             </a:lvl2pPr>
-            <a:lvl3pPr marL="4807092" marR="0" indent="-6491" algn="l" rtl="0">
+            <a:lvl3pPr marL="4898427" marR="0" indent="-6614" algn="l" rtl="0">
               <a:lnSpc>
                 <a:spcPct val="100000"/>
               </a:lnSpc>
@@ -328,7 +328,7 @@
               <a:buNone/>
               <a:defRPr/>
             </a:lvl3pPr>
-            <a:lvl4pPr marL="7210638" marR="0" indent="-9738" algn="l" rtl="0">
+            <a:lvl4pPr marL="7347640" marR="0" indent="-9923" algn="l" rtl="0">
               <a:lnSpc>
                 <a:spcPct val="100000"/>
               </a:lnSpc>
@@ -345,7 +345,7 @@
               <a:buNone/>
               <a:defRPr/>
             </a:lvl4pPr>
-            <a:lvl5pPr marL="9614184" marR="0" indent="-283" algn="l" rtl="0">
+            <a:lvl5pPr marL="9796853" marR="0" indent="-288" algn="l" rtl="0">
               <a:lnSpc>
                 <a:spcPct val="100000"/>
               </a:lnSpc>
@@ -362,7 +362,7 @@
               <a:buNone/>
               <a:defRPr/>
             </a:lvl5pPr>
-            <a:lvl6pPr marL="12017731" marR="0" indent="-3530" algn="l" rtl="0">
+            <a:lvl6pPr marL="12246068" marR="0" indent="-3597" algn="l" rtl="0">
               <a:lnSpc>
                 <a:spcPct val="100000"/>
               </a:lnSpc>
@@ -379,7 +379,7 @@
               <a:buNone/>
               <a:defRPr/>
             </a:lvl6pPr>
-            <a:lvl7pPr marL="14421276" marR="0" indent="-6776" algn="l" rtl="0">
+            <a:lvl7pPr marL="14695280" marR="0" indent="-6905" algn="l" rtl="0">
               <a:lnSpc>
                 <a:spcPct val="100000"/>
               </a:lnSpc>
@@ -396,7 +396,7 @@
               <a:buNone/>
               <a:defRPr/>
             </a:lvl7pPr>
-            <a:lvl8pPr marL="16824824" marR="0" indent="-10024" algn="l" rtl="0">
+            <a:lvl8pPr marL="17144496" marR="0" indent="-10214" algn="l" rtl="0">
               <a:lnSpc>
                 <a:spcPct val="100000"/>
               </a:lnSpc>
@@ -413,7 +413,7 @@
               <a:buNone/>
               <a:defRPr/>
             </a:lvl8pPr>
-            <a:lvl9pPr marL="19228368" marR="0" indent="-567" algn="l" rtl="0">
+            <a:lvl9pPr marL="19593707" marR="0" indent="-578" algn="l" rtl="0">
               <a:lnSpc>
                 <a:spcPct val="100000"/>
               </a:lnSpc>
@@ -448,8 +448,8 @@
         </p:nvSpPr>
         <p:spPr>
           <a:xfrm>
-            <a:off x="3884612" y="0"/>
-            <a:ext cx="2971799" cy="457200"/>
+            <a:off x="3970937" y="0"/>
+            <a:ext cx="3037839" cy="464820"/>
           </a:xfrm>
           <a:prstGeom prst="rect">
             <a:avLst/>
@@ -460,7 +460,7 @@
           </a:ln>
         </p:spPr>
         <p:txBody>
-          <a:bodyPr lIns="91425" tIns="91425" rIns="91425" bIns="91425" anchor="t" anchorCtr="0"/>
+          <a:bodyPr lIns="93162" tIns="93162" rIns="93162" bIns="93162" anchor="t" anchorCtr="0"/>
           <a:lstStyle>
             <a:lvl1pPr marL="0" marR="0" indent="0" algn="r" rtl="0">
               <a:lnSpc>
@@ -479,7 +479,7 @@
               <a:buNone/>
               <a:defRPr/>
             </a:lvl1pPr>
-            <a:lvl2pPr marL="2403546" marR="0" indent="-3245" algn="l" rtl="0">
+            <a:lvl2pPr marL="2449213" marR="0" indent="-3307" algn="l" rtl="0">
               <a:lnSpc>
                 <a:spcPct val="100000"/>
               </a:lnSpc>
@@ -496,7 +496,7 @@
               <a:buNone/>
               <a:defRPr/>
             </a:lvl2pPr>
-            <a:lvl3pPr marL="4807092" marR="0" indent="-6491" algn="l" rtl="0">
+            <a:lvl3pPr marL="4898427" marR="0" indent="-6614" algn="l" rtl="0">
               <a:lnSpc>
                 <a:spcPct val="100000"/>
               </a:lnSpc>
@@ -513,7 +513,7 @@
               <a:buNone/>
               <a:defRPr/>
             </a:lvl3pPr>
-            <a:lvl4pPr marL="7210638" marR="0" indent="-9738" algn="l" rtl="0">
+            <a:lvl4pPr marL="7347640" marR="0" indent="-9923" algn="l" rtl="0">
               <a:lnSpc>
                 <a:spcPct val="100000"/>
               </a:lnSpc>
@@ -530,7 +530,7 @@
               <a:buNone/>
               <a:defRPr/>
             </a:lvl4pPr>
-            <a:lvl5pPr marL="9614184" marR="0" indent="-283" algn="l" rtl="0">
+            <a:lvl5pPr marL="9796853" marR="0" indent="-288" algn="l" rtl="0">
               <a:lnSpc>
                 <a:spcPct val="100000"/>
               </a:lnSpc>
@@ -547,7 +547,7 @@
               <a:buNone/>
               <a:defRPr/>
             </a:lvl5pPr>
-            <a:lvl6pPr marL="12017731" marR="0" indent="-3530" algn="l" rtl="0">
+            <a:lvl6pPr marL="12246068" marR="0" indent="-3597" algn="l" rtl="0">
               <a:lnSpc>
                 <a:spcPct val="100000"/>
               </a:lnSpc>
@@ -564,7 +564,7 @@
               <a:buNone/>
               <a:defRPr/>
             </a:lvl6pPr>
-            <a:lvl7pPr marL="14421276" marR="0" indent="-6776" algn="l" rtl="0">
+            <a:lvl7pPr marL="14695280" marR="0" indent="-6905" algn="l" rtl="0">
               <a:lnSpc>
                 <a:spcPct val="100000"/>
               </a:lnSpc>
@@ -581,7 +581,7 @@
               <a:buNone/>
               <a:defRPr/>
             </a:lvl7pPr>
-            <a:lvl8pPr marL="16824824" marR="0" indent="-10024" algn="l" rtl="0">
+            <a:lvl8pPr marL="17144496" marR="0" indent="-10214" algn="l" rtl="0">
               <a:lnSpc>
                 <a:spcPct val="100000"/>
               </a:lnSpc>
@@ -598,7 +598,7 @@
               <a:buNone/>
               <a:defRPr/>
             </a:lvl8pPr>
-            <a:lvl9pPr marL="19228368" marR="0" indent="-567" algn="l" rtl="0">
+            <a:lvl9pPr marL="19593707" marR="0" indent="-578" algn="l" rtl="0">
               <a:lnSpc>
                 <a:spcPct val="100000"/>
               </a:lnSpc>
@@ -633,8 +633,8 @@
         </p:nvSpPr>
         <p:spPr>
           <a:xfrm>
-            <a:off x="1143000" y="685800"/>
-            <a:ext cx="4572000" cy="3429000"/>
+            <a:off x="1181100" y="696913"/>
+            <a:ext cx="4648200" cy="3486150"/>
           </a:xfrm>
           <a:custGeom>
             <a:avLst/>
@@ -684,8 +684,8 @@
         </p:nvSpPr>
         <p:spPr>
           <a:xfrm>
-            <a:off x="685800" y="4343400"/>
-            <a:ext cx="5486399" cy="4114800"/>
+            <a:off x="701041" y="4415790"/>
+            <a:ext cx="5608319" cy="4183380"/>
           </a:xfrm>
           <a:prstGeom prst="rect">
             <a:avLst/>
@@ -696,7 +696,7 @@
           </a:ln>
         </p:spPr>
         <p:txBody>
-          <a:bodyPr lIns="91425" tIns="91425" rIns="91425" bIns="91425" anchor="t" anchorCtr="0"/>
+          <a:bodyPr lIns="93162" tIns="93162" rIns="93162" bIns="93162" anchor="t" anchorCtr="0"/>
           <a:lstStyle>
             <a:lvl1pPr marL="0" marR="0" indent="0" algn="l" rtl="0">
               <a:spcBef>
@@ -770,8 +770,8 @@
         </p:nvSpPr>
         <p:spPr>
           <a:xfrm>
-            <a:off x="0" y="8685213"/>
-            <a:ext cx="2971799" cy="457200"/>
+            <a:off x="1" y="8829967"/>
+            <a:ext cx="3037839" cy="464820"/>
           </a:xfrm>
           <a:prstGeom prst="rect">
             <a:avLst/>
@@ -782,7 +782,7 @@
           </a:ln>
         </p:spPr>
         <p:txBody>
-          <a:bodyPr lIns="91425" tIns="91425" rIns="91425" bIns="91425" anchor="b" anchorCtr="0"/>
+          <a:bodyPr lIns="93162" tIns="93162" rIns="93162" bIns="93162" anchor="b" anchorCtr="0"/>
           <a:lstStyle>
             <a:lvl1pPr marL="0" marR="0" indent="0" algn="l" rtl="0">
               <a:lnSpc>
@@ -801,7 +801,7 @@
               <a:buNone/>
               <a:defRPr/>
             </a:lvl1pPr>
-            <a:lvl2pPr marL="2403546" marR="0" indent="-3245" algn="l" rtl="0">
+            <a:lvl2pPr marL="2449213" marR="0" indent="-3307" algn="l" rtl="0">
               <a:lnSpc>
                 <a:spcPct val="100000"/>
               </a:lnSpc>
@@ -818,7 +818,7 @@
               <a:buNone/>
               <a:defRPr/>
             </a:lvl2pPr>
-            <a:lvl3pPr marL="4807092" marR="0" indent="-6491" algn="l" rtl="0">
+            <a:lvl3pPr marL="4898427" marR="0" indent="-6614" algn="l" rtl="0">
               <a:lnSpc>
                 <a:spcPct val="100000"/>
               </a:lnSpc>
@@ -835,7 +835,7 @@
               <a:buNone/>
               <a:defRPr/>
             </a:lvl3pPr>
-            <a:lvl4pPr marL="7210638" marR="0" indent="-9738" algn="l" rtl="0">
+            <a:lvl4pPr marL="7347640" marR="0" indent="-9923" algn="l" rtl="0">
               <a:lnSpc>
                 <a:spcPct val="100000"/>
               </a:lnSpc>
@@ -852,7 +852,7 @@
               <a:buNone/>
               <a:defRPr/>
             </a:lvl4pPr>
-            <a:lvl5pPr marL="9614184" marR="0" indent="-283" algn="l" rtl="0">
+            <a:lvl5pPr marL="9796853" marR="0" indent="-288" algn="l" rtl="0">
               <a:lnSpc>
                 <a:spcPct val="100000"/>
               </a:lnSpc>
@@ -869,7 +869,7 @@
               <a:buNone/>
               <a:defRPr/>
             </a:lvl5pPr>
-            <a:lvl6pPr marL="12017731" marR="0" indent="-3530" algn="l" rtl="0">
+            <a:lvl6pPr marL="12246068" marR="0" indent="-3597" algn="l" rtl="0">
               <a:lnSpc>
                 <a:spcPct val="100000"/>
               </a:lnSpc>
@@ -886,7 +886,7 @@
               <a:buNone/>
               <a:defRPr/>
             </a:lvl6pPr>
-            <a:lvl7pPr marL="14421276" marR="0" indent="-6776" algn="l" rtl="0">
+            <a:lvl7pPr marL="14695280" marR="0" indent="-6905" algn="l" rtl="0">
               <a:lnSpc>
                 <a:spcPct val="100000"/>
               </a:lnSpc>
@@ -903,7 +903,7 @@
               <a:buNone/>
               <a:defRPr/>
             </a:lvl7pPr>
-            <a:lvl8pPr marL="16824824" marR="0" indent="-10024" algn="l" rtl="0">
+            <a:lvl8pPr marL="17144496" marR="0" indent="-10214" algn="l" rtl="0">
               <a:lnSpc>
                 <a:spcPct val="100000"/>
               </a:lnSpc>
@@ -920,7 +920,7 @@
               <a:buNone/>
               <a:defRPr/>
             </a:lvl8pPr>
-            <a:lvl9pPr marL="19228368" marR="0" indent="-567" algn="l" rtl="0">
+            <a:lvl9pPr marL="19593707" marR="0" indent="-578" algn="l" rtl="0">
               <a:lnSpc>
                 <a:spcPct val="100000"/>
               </a:lnSpc>
@@ -955,8 +955,8 @@
         </p:nvSpPr>
         <p:spPr>
           <a:xfrm>
-            <a:off x="3884612" y="8685213"/>
-            <a:ext cx="2971799" cy="457200"/>
+            <a:off x="3970937" y="8829967"/>
+            <a:ext cx="3037839" cy="464820"/>
           </a:xfrm>
           <a:prstGeom prst="rect">
             <a:avLst/>
@@ -967,207 +967,97 @@
           </a:ln>
         </p:spPr>
         <p:txBody>
-          <a:bodyPr lIns="91425" tIns="91425" rIns="91425" bIns="91425" anchor="b" anchorCtr="0">
+          <a:bodyPr lIns="93162" tIns="93162" rIns="93162" bIns="93162" anchor="b" anchorCtr="0">
             <a:noAutofit/>
           </a:bodyPr>
           <a:lstStyle/>
           <a:p>
-            <a:pPr marL="0" lvl="0" indent="0">
-              <a:spcBef>
-                <a:spcPts val="0"/>
-              </a:spcBef>
-              <a:buClr>
-                <a:srgbClr val="000000"/>
-              </a:buClr>
-              <a:buFont typeface="Arial"/>
-              <a:buNone/>
-            </a:pPr>
-            <a:endParaRPr sz="1400" b="0" i="0" u="none" strike="noStrike" cap="none" baseline="0">
-              <a:solidFill>
-                <a:srgbClr val="000000"/>
-              </a:solidFill>
-              <a:latin typeface="Arial"/>
-              <a:ea typeface="Arial"/>
-              <a:cs typeface="Arial"/>
-              <a:sym typeface="Arial"/>
-              <a:rtl val="0"/>
-            </a:endParaRPr>
-          </a:p>
-          <a:p>
-            <a:pPr marL="0" lvl="1" indent="0">
-              <a:spcBef>
-                <a:spcPts val="0"/>
-              </a:spcBef>
-              <a:buClr>
-                <a:srgbClr val="000000"/>
-              </a:buClr>
-              <a:buFont typeface="Arial"/>
-              <a:buNone/>
-            </a:pPr>
-            <a:endParaRPr sz="1400" b="0" i="0" u="none" strike="noStrike" cap="none" baseline="0">
-              <a:solidFill>
-                <a:srgbClr val="000000"/>
-              </a:solidFill>
-              <a:latin typeface="Arial"/>
-              <a:ea typeface="Arial"/>
-              <a:cs typeface="Arial"/>
-              <a:sym typeface="Arial"/>
-              <a:rtl val="0"/>
-            </a:endParaRPr>
-          </a:p>
-          <a:p>
-            <a:pPr marL="0" lvl="2" indent="0">
-              <a:spcBef>
-                <a:spcPts val="0"/>
-              </a:spcBef>
-              <a:buClr>
-                <a:srgbClr val="000000"/>
-              </a:buClr>
-              <a:buFont typeface="Arial"/>
-              <a:buNone/>
-            </a:pPr>
-            <a:endParaRPr sz="1400" b="0" i="0" u="none" strike="noStrike" cap="none" baseline="0">
-              <a:solidFill>
-                <a:srgbClr val="000000"/>
-              </a:solidFill>
-              <a:latin typeface="Arial"/>
-              <a:ea typeface="Arial"/>
-              <a:cs typeface="Arial"/>
-              <a:sym typeface="Arial"/>
-              <a:rtl val="0"/>
-            </a:endParaRPr>
-          </a:p>
-          <a:p>
-            <a:pPr marL="0" lvl="3" indent="0">
-              <a:spcBef>
-                <a:spcPts val="0"/>
-              </a:spcBef>
-              <a:buClr>
-                <a:srgbClr val="000000"/>
-              </a:buClr>
-              <a:buFont typeface="Arial"/>
-              <a:buNone/>
-            </a:pPr>
-            <a:endParaRPr sz="1400" b="0" i="0" u="none" strike="noStrike" cap="none" baseline="0">
-              <a:solidFill>
-                <a:srgbClr val="000000"/>
-              </a:solidFill>
-              <a:latin typeface="Arial"/>
-              <a:ea typeface="Arial"/>
-              <a:cs typeface="Arial"/>
-              <a:sym typeface="Arial"/>
-              <a:rtl val="0"/>
-            </a:endParaRPr>
-          </a:p>
-          <a:p>
-            <a:pPr marL="0" lvl="4" indent="0">
-              <a:spcBef>
-                <a:spcPts val="0"/>
-              </a:spcBef>
-              <a:buClr>
-                <a:srgbClr val="000000"/>
-              </a:buClr>
-              <a:buFont typeface="Arial"/>
-              <a:buNone/>
-            </a:pPr>
-            <a:endParaRPr sz="1400" b="0" i="0" u="none" strike="noStrike" cap="none" baseline="0">
-              <a:solidFill>
-                <a:srgbClr val="000000"/>
-              </a:solidFill>
-              <a:latin typeface="Arial"/>
-              <a:ea typeface="Arial"/>
-              <a:cs typeface="Arial"/>
-              <a:sym typeface="Arial"/>
-              <a:rtl val="0"/>
-            </a:endParaRPr>
-          </a:p>
-          <a:p>
-            <a:pPr marL="0" lvl="5" indent="0">
-              <a:spcBef>
-                <a:spcPts val="0"/>
-              </a:spcBef>
-              <a:buClr>
-                <a:srgbClr val="000000"/>
-              </a:buClr>
-              <a:buFont typeface="Arial"/>
-              <a:buNone/>
-            </a:pPr>
-            <a:endParaRPr sz="1400" b="0" i="0" u="none" strike="noStrike" cap="none" baseline="0">
-              <a:solidFill>
-                <a:srgbClr val="000000"/>
-              </a:solidFill>
-              <a:latin typeface="Arial"/>
-              <a:ea typeface="Arial"/>
-              <a:cs typeface="Arial"/>
-              <a:sym typeface="Arial"/>
-              <a:rtl val="0"/>
-            </a:endParaRPr>
-          </a:p>
-          <a:p>
-            <a:pPr marL="0" lvl="6" indent="0">
-              <a:spcBef>
-                <a:spcPts val="0"/>
-              </a:spcBef>
-              <a:buClr>
-                <a:srgbClr val="000000"/>
-              </a:buClr>
-              <a:buFont typeface="Arial"/>
-              <a:buNone/>
-            </a:pPr>
-            <a:endParaRPr sz="1400" b="0" i="0" u="none" strike="noStrike" cap="none" baseline="0">
-              <a:solidFill>
-                <a:srgbClr val="000000"/>
-              </a:solidFill>
-              <a:latin typeface="Arial"/>
-              <a:ea typeface="Arial"/>
-              <a:cs typeface="Arial"/>
-              <a:sym typeface="Arial"/>
-              <a:rtl val="0"/>
-            </a:endParaRPr>
-          </a:p>
-          <a:p>
-            <a:pPr marL="0" lvl="7" indent="0">
-              <a:spcBef>
-                <a:spcPts val="0"/>
-              </a:spcBef>
-              <a:buClr>
-                <a:srgbClr val="000000"/>
-              </a:buClr>
-              <a:buFont typeface="Arial"/>
-              <a:buNone/>
-            </a:pPr>
-            <a:endParaRPr sz="1400" b="0" i="0" u="none" strike="noStrike" cap="none" baseline="0">
-              <a:solidFill>
-                <a:srgbClr val="000000"/>
-              </a:solidFill>
-              <a:latin typeface="Arial"/>
-              <a:ea typeface="Arial"/>
-              <a:cs typeface="Arial"/>
-              <a:sym typeface="Arial"/>
-              <a:rtl val="0"/>
-            </a:endParaRPr>
-          </a:p>
-          <a:p>
-            <a:pPr marL="0" lvl="8" indent="0">
-              <a:spcBef>
-                <a:spcPts val="0"/>
-              </a:spcBef>
-              <a:buClr>
-                <a:srgbClr val="000000"/>
-              </a:buClr>
-              <a:buFont typeface="Arial"/>
-              <a:buNone/>
-            </a:pPr>
-            <a:endParaRPr sz="1400" b="0" i="0" u="none" strike="noStrike" cap="none" baseline="0">
-              <a:solidFill>
-                <a:srgbClr val="000000"/>
-              </a:solidFill>
-              <a:latin typeface="Arial"/>
-              <a:ea typeface="Arial"/>
-              <a:cs typeface="Arial"/>
-              <a:sym typeface="Arial"/>
-              <a:rtl val="0"/>
-            </a:endParaRPr>
+            <a:pPr>
+              <a:buClr>
+                <a:srgbClr val="000000"/>
+              </a:buClr>
+            </a:pPr>
+            <a:endParaRPr lang="en-US" smtClean="0"/>
+          </a:p>
+          <a:p>
+            <a:pPr lvl="1">
+              <a:buClr>
+                <a:srgbClr val="000000"/>
+              </a:buClr>
+              <a:buFont typeface="Arial"/>
+              <a:buNone/>
+            </a:pPr>
+            <a:endParaRPr lang="en-US" smtClean="0"/>
+          </a:p>
+          <a:p>
+            <a:pPr lvl="2">
+              <a:buClr>
+                <a:srgbClr val="000000"/>
+              </a:buClr>
+              <a:buFont typeface="Arial"/>
+              <a:buNone/>
+            </a:pPr>
+            <a:endParaRPr lang="en-US" smtClean="0"/>
+          </a:p>
+          <a:p>
+            <a:pPr lvl="3">
+              <a:buClr>
+                <a:srgbClr val="000000"/>
+              </a:buClr>
+              <a:buFont typeface="Arial"/>
+              <a:buNone/>
+            </a:pPr>
+            <a:endParaRPr lang="en-US" smtClean="0"/>
+          </a:p>
+          <a:p>
+            <a:pPr lvl="4">
+              <a:buClr>
+                <a:srgbClr val="000000"/>
+              </a:buClr>
+              <a:buFont typeface="Arial"/>
+              <a:buNone/>
+            </a:pPr>
+            <a:endParaRPr lang="en-US" smtClean="0"/>
+          </a:p>
+          <a:p>
+            <a:pPr lvl="5">
+              <a:buClr>
+                <a:srgbClr val="000000"/>
+              </a:buClr>
+              <a:buFont typeface="Arial"/>
+              <a:buNone/>
+            </a:pPr>
+            <a:endParaRPr lang="en-US" smtClean="0"/>
+          </a:p>
+          <a:p>
+            <a:pPr lvl="6">
+              <a:buClr>
+                <a:srgbClr val="000000"/>
+              </a:buClr>
+              <a:buFont typeface="Arial"/>
+              <a:buNone/>
+            </a:pPr>
+            <a:endParaRPr lang="en-US" smtClean="0"/>
+          </a:p>
+          <a:p>
+            <a:pPr lvl="7">
+              <a:buClr>
+                <a:srgbClr val="000000"/>
+              </a:buClr>
+              <a:buFont typeface="Arial"/>
+              <a:buNone/>
+            </a:pPr>
+            <a:endParaRPr lang="en-US" smtClean="0"/>
+          </a:p>
+          <a:p>
+            <a:pPr lvl="8">
+              <a:buClr>
+                <a:srgbClr val="000000"/>
+              </a:buClr>
+              <a:buFont typeface="Arial"/>
+              <a:buNone/>
+            </a:pPr>
+            <a:endParaRPr lang="en-US"/>
           </a:p>
         </p:txBody>
       </p:sp>
@@ -1303,8 +1193,8 @@
         </p:nvSpPr>
         <p:spPr>
           <a:xfrm>
-            <a:off x="1143000" y="685800"/>
-            <a:ext cx="4572000" cy="3429000"/>
+            <a:off x="1181100" y="696913"/>
+            <a:ext cx="4648200" cy="3486150"/>
           </a:xfrm>
           <a:custGeom>
             <a:avLst/>
@@ -1354,8 +1244,8 @@
         </p:nvSpPr>
         <p:spPr>
           <a:xfrm>
-            <a:off x="685800" y="4343400"/>
-            <a:ext cx="5486399" cy="4114800"/>
+            <a:off x="701041" y="4415790"/>
+            <a:ext cx="5608319" cy="4183380"/>
           </a:xfrm>
           <a:prstGeom prst="rect">
             <a:avLst/>
@@ -1366,15 +1256,12 @@
           </a:ln>
         </p:spPr>
         <p:txBody>
-          <a:bodyPr lIns="91425" tIns="45700" rIns="91425" bIns="45700" anchor="t" anchorCtr="0">
+          <a:bodyPr lIns="93162" tIns="46568" rIns="93162" bIns="46568" anchor="t" anchorCtr="0">
             <a:noAutofit/>
           </a:bodyPr>
           <a:lstStyle/>
           <a:p>
-            <a:pPr marL="171450" marR="0" lvl="0" indent="-171450" algn="l" rtl="0">
-              <a:spcBef>
-                <a:spcPts val="0"/>
-              </a:spcBef>
+            <a:pPr marL="174708" indent="-174708">
               <a:buClr>
                 <a:schemeClr val="dk1"/>
               </a:buClr>
@@ -1383,7 +1270,7 @@
               <a:buChar char="-"/>
             </a:pPr>
             <a:r>
-              <a:rPr lang="en-US" sz="1200" b="0" i="0" u="none" strike="noStrike" cap="none" baseline="0">
+              <a:rPr lang="en-US">
                 <a:solidFill>
                   <a:schemeClr val="dk1"/>
                 </a:solidFill>
@@ -1396,10 +1283,7 @@
             </a:r>
           </a:p>
           <a:p>
-            <a:pPr marL="171450" marR="0" lvl="0" indent="-171450" algn="l" rtl="0">
-              <a:spcBef>
-                <a:spcPts val="0"/>
-              </a:spcBef>
+            <a:pPr marL="174708" indent="-174708">
               <a:buClr>
                 <a:schemeClr val="dk1"/>
               </a:buClr>
@@ -1408,7 +1292,7 @@
               <a:buChar char="-"/>
             </a:pPr>
             <a:r>
-              <a:rPr lang="en-US" sz="1200" b="0" i="0" u="none" strike="noStrike" cap="none" baseline="0">
+              <a:rPr lang="en-US">
                 <a:solidFill>
                   <a:schemeClr val="dk1"/>
                 </a:solidFill>
@@ -1421,10 +1305,7 @@
             </a:r>
           </a:p>
           <a:p>
-            <a:pPr marL="171450" marR="0" lvl="0" indent="-171450" algn="l" rtl="0">
-              <a:spcBef>
-                <a:spcPts val="0"/>
-              </a:spcBef>
+            <a:pPr marL="174708" indent="-174708">
               <a:buClr>
                 <a:schemeClr val="dk1"/>
               </a:buClr>
@@ -1433,7 +1314,7 @@
               <a:buChar char="-"/>
             </a:pPr>
             <a:r>
-              <a:rPr lang="en-US" sz="1200" b="0" i="0" u="none" strike="noStrike" cap="none" baseline="0">
+              <a:rPr lang="en-US">
                 <a:solidFill>
                   <a:schemeClr val="dk1"/>
                 </a:solidFill>
@@ -1446,10 +1327,7 @@
             </a:r>
           </a:p>
           <a:p>
-            <a:pPr marL="171450" marR="0" lvl="0" indent="-171450" algn="l" rtl="0">
-              <a:spcBef>
-                <a:spcPts val="0"/>
-              </a:spcBef>
+            <a:pPr marL="174708" indent="-174708">
               <a:buClr>
                 <a:schemeClr val="dk1"/>
               </a:buClr>
@@ -1458,7 +1336,7 @@
               <a:buChar char="-"/>
             </a:pPr>
             <a:r>
-              <a:rPr lang="en-US" sz="1200" b="0" i="0" u="none" strike="noStrike" cap="none" baseline="0">
+              <a:rPr lang="en-US">
                 <a:solidFill>
                   <a:schemeClr val="dk1"/>
                 </a:solidFill>
@@ -1471,10 +1349,7 @@
             </a:r>
           </a:p>
           <a:p>
-            <a:pPr marL="171450" marR="0" lvl="0" indent="-171450" algn="l" rtl="0">
-              <a:spcBef>
-                <a:spcPts val="0"/>
-              </a:spcBef>
+            <a:pPr marL="174708" indent="-174708">
               <a:buClr>
                 <a:schemeClr val="dk1"/>
               </a:buClr>
@@ -1483,7 +1358,7 @@
               <a:buChar char="-"/>
             </a:pPr>
             <a:r>
-              <a:rPr lang="en-US" sz="1200" b="0" i="0" u="none" strike="noStrike" cap="none" baseline="0">
+              <a:rPr lang="en-US">
                 <a:solidFill>
                   <a:schemeClr val="dk1"/>
                 </a:solidFill>
@@ -1496,10 +1371,7 @@
             </a:r>
           </a:p>
           <a:p>
-            <a:pPr marL="171450" marR="0" lvl="0" indent="-171450" algn="l" rtl="0">
-              <a:spcBef>
-                <a:spcPts val="0"/>
-              </a:spcBef>
+            <a:pPr marL="174708" indent="-174708">
               <a:buClr>
                 <a:schemeClr val="dk1"/>
               </a:buClr>
@@ -1508,7 +1380,7 @@
               <a:buChar char="-"/>
             </a:pPr>
             <a:r>
-              <a:rPr lang="en-US" sz="1200" b="0" i="0" u="none" strike="noStrike" cap="none" baseline="0">
+              <a:rPr lang="en-US">
                 <a:solidFill>
                   <a:schemeClr val="dk1"/>
                 </a:solidFill>
@@ -1521,10 +1393,7 @@
             </a:r>
           </a:p>
           <a:p>
-            <a:pPr marL="171450" marR="0" lvl="0" indent="-171450" algn="l" rtl="0">
-              <a:spcBef>
-                <a:spcPts val="0"/>
-              </a:spcBef>
+            <a:pPr marL="174708" indent="-174708">
               <a:buClr>
                 <a:schemeClr val="dk1"/>
               </a:buClr>
@@ -1533,7 +1402,7 @@
               <a:buChar char="-"/>
             </a:pPr>
             <a:r>
-              <a:rPr lang="en-US" sz="1200" b="0" i="0" u="none" strike="noStrike" cap="none" baseline="0">
+              <a:rPr lang="en-US">
                 <a:solidFill>
                   <a:schemeClr val="dk1"/>
                 </a:solidFill>
@@ -1546,10 +1415,7 @@
             </a:r>
           </a:p>
           <a:p>
-            <a:pPr marL="171450" marR="0" lvl="0" indent="-171450" algn="l" rtl="0">
-              <a:spcBef>
-                <a:spcPts val="0"/>
-              </a:spcBef>
+            <a:pPr marL="174708" indent="-174708">
               <a:buClr>
                 <a:schemeClr val="dk1"/>
               </a:buClr>
@@ -1558,7 +1424,7 @@
               <a:buChar char="-"/>
             </a:pPr>
             <a:r>
-              <a:rPr lang="en-US" sz="1200" b="0" i="0" u="none" strike="noStrike" cap="none" baseline="0">
+              <a:rPr lang="en-US">
                 <a:solidFill>
                   <a:schemeClr val="dk1"/>
                 </a:solidFill>
@@ -1571,10 +1437,7 @@
             </a:r>
           </a:p>
           <a:p>
-            <a:pPr marL="171450" marR="0" lvl="0" indent="-171450" algn="l" rtl="0">
-              <a:spcBef>
-                <a:spcPts val="0"/>
-              </a:spcBef>
+            <a:pPr marL="174708" indent="-174708">
               <a:buClr>
                 <a:schemeClr val="dk1"/>
               </a:buClr>
@@ -1583,7 +1446,7 @@
               <a:buChar char="-"/>
             </a:pPr>
             <a:r>
-              <a:rPr lang="en-US" sz="1200" b="0" i="0" u="none" strike="noStrike" cap="none" baseline="0">
+              <a:rPr lang="en-US">
                 <a:solidFill>
                   <a:schemeClr val="dk1"/>
                 </a:solidFill>
@@ -1596,10 +1459,7 @@
             </a:r>
           </a:p>
           <a:p>
-            <a:pPr marL="171450" marR="0" lvl="0" indent="-171450" algn="l" rtl="0">
-              <a:spcBef>
-                <a:spcPts val="0"/>
-              </a:spcBef>
+            <a:pPr marL="174708" indent="-174708">
               <a:buClr>
                 <a:schemeClr val="dk1"/>
               </a:buClr>
@@ -1608,7 +1468,7 @@
               <a:buChar char="-"/>
             </a:pPr>
             <a:r>
-              <a:rPr lang="en-US" sz="1200" b="0" i="0" u="none" strike="noStrike" cap="none" baseline="0">
+              <a:rPr lang="en-US">
                 <a:solidFill>
                   <a:schemeClr val="dk1"/>
                 </a:solidFill>
@@ -1621,10 +1481,7 @@
             </a:r>
           </a:p>
           <a:p>
-            <a:pPr marL="171450" marR="0" lvl="0" indent="-171450" algn="l" rtl="0">
-              <a:spcBef>
-                <a:spcPts val="0"/>
-              </a:spcBef>
+            <a:pPr marL="174708" indent="-174708">
               <a:buClr>
                 <a:schemeClr val="dk1"/>
               </a:buClr>
@@ -1633,7 +1490,7 @@
               <a:buChar char="-"/>
             </a:pPr>
             <a:r>
-              <a:rPr lang="en-US" sz="1200" b="0" i="0" u="none" strike="noStrike" cap="none" baseline="0">
+              <a:rPr lang="en-US">
                 <a:solidFill>
                   <a:schemeClr val="dk1"/>
                 </a:solidFill>
@@ -1646,10 +1503,7 @@
             </a:r>
           </a:p>
           <a:p>
-            <a:pPr marL="171450" marR="0" lvl="0" indent="-171450" algn="l" rtl="0">
-              <a:spcBef>
-                <a:spcPts val="0"/>
-              </a:spcBef>
+            <a:pPr marL="174708" indent="-174708">
               <a:buClr>
                 <a:schemeClr val="dk1"/>
               </a:buClr>
@@ -1658,7 +1512,7 @@
               <a:buChar char="-"/>
             </a:pPr>
             <a:r>
-              <a:rPr lang="en-US" sz="1200" b="0" i="0" u="none" strike="noStrike" cap="none" baseline="0">
+              <a:rPr lang="en-US">
                 <a:solidFill>
                   <a:schemeClr val="dk1"/>
                 </a:solidFill>
@@ -1671,10 +1525,7 @@
             </a:r>
           </a:p>
           <a:p>
-            <a:pPr marL="171450" marR="0" lvl="0" indent="-171450" algn="l" rtl="0">
-              <a:spcBef>
-                <a:spcPts val="0"/>
-              </a:spcBef>
+            <a:pPr marL="174708" indent="-174708">
               <a:buClr>
                 <a:schemeClr val="dk1"/>
               </a:buClr>
@@ -1683,7 +1534,7 @@
               <a:buChar char="-"/>
             </a:pPr>
             <a:r>
-              <a:rPr lang="en-US" sz="1200" b="0" i="0" u="none" strike="noStrike" cap="none" baseline="0">
+              <a:rPr lang="en-US">
                 <a:solidFill>
                   <a:schemeClr val="dk1"/>
                 </a:solidFill>
@@ -1696,10 +1547,7 @@
             </a:r>
           </a:p>
           <a:p>
-            <a:pPr marL="171450" marR="0" lvl="0" indent="-171450" algn="l" rtl="0">
-              <a:spcBef>
-                <a:spcPts val="0"/>
-              </a:spcBef>
+            <a:pPr marL="174708" indent="-174708">
               <a:buClr>
                 <a:schemeClr val="dk1"/>
               </a:buClr>
@@ -1708,7 +1556,7 @@
               <a:buChar char="-"/>
             </a:pPr>
             <a:r>
-              <a:rPr lang="en-US" sz="1200" b="0" i="0" u="none" strike="noStrike" cap="none" baseline="0">
+              <a:rPr lang="en-US">
                 <a:solidFill>
                   <a:schemeClr val="dk1"/>
                 </a:solidFill>
@@ -1721,10 +1569,7 @@
             </a:r>
           </a:p>
           <a:p>
-            <a:pPr marL="171450" marR="0" lvl="0" indent="-171450" algn="l" rtl="0">
-              <a:spcBef>
-                <a:spcPts val="0"/>
-              </a:spcBef>
+            <a:pPr marL="174708" indent="-174708">
               <a:buClr>
                 <a:schemeClr val="dk1"/>
               </a:buClr>
@@ -1733,7 +1578,7 @@
               <a:buChar char="-"/>
             </a:pPr>
             <a:r>
-              <a:rPr lang="en-US" sz="1200" b="0" i="0" u="none" strike="noStrike" cap="none" baseline="0">
+              <a:rPr lang="en-US">
                 <a:solidFill>
                   <a:schemeClr val="dk1"/>
                 </a:solidFill>
@@ -1746,10 +1591,7 @@
             </a:r>
           </a:p>
           <a:p>
-            <a:pPr marL="171450" marR="0" lvl="0" indent="-171450" algn="l" rtl="0">
-              <a:spcBef>
-                <a:spcPts val="0"/>
-              </a:spcBef>
+            <a:pPr marL="174708" indent="-174708">
               <a:buClr>
                 <a:schemeClr val="dk1"/>
               </a:buClr>
@@ -1758,7 +1600,7 @@
               <a:buChar char="-"/>
             </a:pPr>
             <a:r>
-              <a:rPr lang="en-US" sz="1200" b="0" i="0" u="none" strike="noStrike" cap="none" baseline="0">
+              <a:rPr lang="en-US">
                 <a:solidFill>
                   <a:schemeClr val="dk1"/>
                 </a:solidFill>
@@ -1771,10 +1613,7 @@
             </a:r>
           </a:p>
           <a:p>
-            <a:pPr marL="171450" marR="0" lvl="0" indent="-171450" algn="l" rtl="0">
-              <a:spcBef>
-                <a:spcPts val="0"/>
-              </a:spcBef>
+            <a:pPr marL="174708" indent="-174708">
               <a:buClr>
                 <a:schemeClr val="dk1"/>
               </a:buClr>
@@ -1783,7 +1622,7 @@
               <a:buChar char="-"/>
             </a:pPr>
             <a:r>
-              <a:rPr lang="en-US" sz="1200" b="0" i="0" u="none" strike="noStrike" cap="none" baseline="0">
+              <a:rPr lang="en-US">
                 <a:solidFill>
                   <a:schemeClr val="dk1"/>
                 </a:solidFill>
@@ -1796,10 +1635,7 @@
             </a:r>
           </a:p>
           <a:p>
-            <a:pPr marL="171450" marR="0" lvl="0" indent="-171450" algn="l" rtl="0">
-              <a:spcBef>
-                <a:spcPts val="0"/>
-              </a:spcBef>
+            <a:pPr marL="174708" indent="-174708">
               <a:buClr>
                 <a:schemeClr val="dk1"/>
               </a:buClr>
@@ -1808,7 +1644,7 @@
               <a:buChar char="-"/>
             </a:pPr>
             <a:r>
-              <a:rPr lang="en-US" sz="1200" b="0" i="0" u="none" strike="noStrike" cap="none" baseline="0">
+              <a:rPr lang="en-US">
                 <a:solidFill>
                   <a:schemeClr val="dk1"/>
                 </a:solidFill>
@@ -1834,8 +1670,8 @@
         </p:nvSpPr>
         <p:spPr>
           <a:xfrm>
-            <a:off x="3884612" y="8685213"/>
-            <a:ext cx="2971799" cy="457200"/>
+            <a:off x="3970937" y="8829967"/>
+            <a:ext cx="3037839" cy="464820"/>
           </a:xfrm>
           <a:prstGeom prst="rect">
             <a:avLst/>
@@ -1846,39 +1682,19 @@
           </a:ln>
         </p:spPr>
         <p:txBody>
-          <a:bodyPr lIns="91425" tIns="45700" rIns="91425" bIns="45700" anchor="b" anchorCtr="0">
+          <a:bodyPr lIns="93162" tIns="46568" rIns="93162" bIns="46568" anchor="b" anchorCtr="0">
             <a:noAutofit/>
           </a:bodyPr>
           <a:lstStyle/>
           <a:p>
-            <a:pPr marL="0" marR="0" lvl="0" indent="0" algn="r" rtl="0">
-              <a:lnSpc>
-                <a:spcPct val="100000"/>
-              </a:lnSpc>
-              <a:spcBef>
-                <a:spcPts val="0"/>
-              </a:spcBef>
-              <a:spcAft>
-                <a:spcPts val="0"/>
-              </a:spcAft>
+            <a:pPr algn="r">
               <a:buClr>
                 <a:srgbClr val="000000"/>
               </a:buClr>
               <a:buSzPct val="25000"/>
-              <a:buFont typeface="Arial"/>
-              <a:buNone/>
-            </a:pPr>
-            <a:r>
-              <a:rPr lang="en-US" sz="1400" b="0" i="0" u="none" strike="noStrike" cap="none" baseline="0">
-                <a:solidFill>
-                  <a:srgbClr val="000000"/>
-                </a:solidFill>
-                <a:latin typeface="Arial"/>
-                <a:ea typeface="Arial"/>
-                <a:cs typeface="Arial"/>
-                <a:sym typeface="Arial"/>
-                <a:rtl val="0"/>
-              </a:rPr>
+            </a:pPr>
+            <a:r>
+              <a:rPr lang="en-US"/>
               <a:t> </a:t>
             </a:r>
           </a:p>
@@ -13235,7 +13051,7 @@
           </a:bodyPr>
           <a:lstStyle/>
           <a:p>
-            <a:pPr marL="342900" marR="0" lvl="0" indent="-342900" algn="l" rtl="0">
+            <a:pPr marL="236538" marR="0" lvl="0" indent="-236538" algn="l" rtl="0">
               <a:lnSpc>
                 <a:spcPct val="100000"/>
               </a:lnSpc>
@@ -13267,7 +13083,7 @@
             </a:r>
           </a:p>
           <a:p>
-            <a:pPr marL="342900" marR="0" lvl="0" indent="-342900" algn="l" rtl="0">
+            <a:pPr marL="236538" marR="0" lvl="0" indent="-236538" algn="l" rtl="0">
               <a:lnSpc>
                 <a:spcPct val="100000"/>
               </a:lnSpc>
@@ -13299,7 +13115,7 @@
             </a:r>
           </a:p>
           <a:p>
-            <a:pPr marL="342900" marR="0" lvl="0" indent="-342900" algn="l" rtl="0">
+            <a:pPr marL="236538" marR="0" lvl="0" indent="-236538" algn="l" rtl="0">
               <a:lnSpc>
                 <a:spcPct val="100000"/>
               </a:lnSpc>
@@ -13331,7 +13147,7 @@
             </a:r>
           </a:p>
           <a:p>
-            <a:pPr marL="342900" marR="0" lvl="0" indent="-342900" algn="l" rtl="0">
+            <a:pPr marL="236538" marR="0" lvl="0" indent="-236538" algn="l" rtl="0">
               <a:lnSpc>
                 <a:spcPct val="100000"/>
               </a:lnSpc>
@@ -13363,7 +13179,7 @@
             </a:r>
           </a:p>
           <a:p>
-            <a:pPr marL="342900" marR="0" lvl="0" indent="-342900" algn="l" rtl="0">
+            <a:pPr marL="236538" marR="0" lvl="0" indent="-236538" algn="l" rtl="0">
               <a:lnSpc>
                 <a:spcPct val="100000"/>
               </a:lnSpc>
@@ -13395,7 +13211,7 @@
             </a:r>
           </a:p>
           <a:p>
-            <a:pPr marL="342900" marR="0" lvl="0" indent="-203200" algn="l" rtl="0">
+            <a:pPr marL="236538" marR="0" lvl="0" indent="-236538" algn="l" rtl="0">
               <a:lnSpc>
                 <a:spcPct val="100000"/>
               </a:lnSpc>
@@ -13423,7 +13239,7 @@
             </a:endParaRPr>
           </a:p>
           <a:p>
-            <a:pPr marL="342900" marR="0" lvl="0" indent="-203200" algn="l" rtl="0">
+            <a:pPr marL="236538" marR="0" lvl="0" indent="-236538" algn="l" rtl="0">
               <a:lnSpc>
                 <a:spcPct val="100000"/>
               </a:lnSpc>
@@ -13451,7 +13267,7 @@
             </a:endParaRPr>
           </a:p>
           <a:p>
-            <a:pPr marL="342900" marR="0" lvl="0" indent="-203200" algn="l" rtl="0">
+            <a:pPr marL="236538" marR="0" lvl="0" indent="-236538" algn="l" rtl="0">
               <a:lnSpc>
                 <a:spcPct val="100000"/>
               </a:lnSpc>
@@ -13479,7 +13295,7 @@
             </a:endParaRPr>
           </a:p>
           <a:p>
-            <a:pPr marL="342900" marR="0" lvl="0" indent="-203200" algn="l" rtl="0">
+            <a:pPr marL="236538" marR="0" lvl="0" indent="-236538" algn="l" rtl="0">
               <a:lnSpc>
                 <a:spcPct val="100000"/>
               </a:lnSpc>
@@ -13507,7 +13323,7 @@
             </a:endParaRPr>
           </a:p>
           <a:p>
-            <a:pPr marL="342900" marR="0" lvl="0" indent="-203200" algn="l" rtl="0">
+            <a:pPr marL="236538" marR="0" lvl="0" indent="-236538" algn="l" rtl="0">
               <a:lnSpc>
                 <a:spcPct val="100000"/>
               </a:lnSpc>
@@ -13535,7 +13351,7 @@
             </a:endParaRPr>
           </a:p>
           <a:p>
-            <a:pPr marL="342900" marR="0" lvl="0" indent="-203200" algn="l" rtl="0">
+            <a:pPr marL="236538" marR="0" lvl="0" indent="-236538" algn="l" rtl="0">
               <a:lnSpc>
                 <a:spcPct val="100000"/>
               </a:lnSpc>
@@ -13563,7 +13379,7 @@
             </a:endParaRPr>
           </a:p>
           <a:p>
-            <a:pPr marL="342900" marR="0" lvl="0" indent="-203200" algn="l" rtl="0">
+            <a:pPr marL="236538" marR="0" lvl="0" indent="-236538" algn="l" rtl="0">
               <a:lnSpc>
                 <a:spcPct val="100000"/>
               </a:lnSpc>
@@ -13591,7 +13407,7 @@
             </a:endParaRPr>
           </a:p>
           <a:p>
-            <a:pPr marL="342900" marR="0" lvl="0" indent="-203200" algn="l" rtl="0">
+            <a:pPr marL="236538" marR="0" lvl="0" indent="-236538" algn="l" rtl="0">
               <a:lnSpc>
                 <a:spcPct val="100000"/>
               </a:lnSpc>
@@ -13636,7 +13452,7 @@
             </a:r>
           </a:p>
           <a:p>
-            <a:pPr marL="342900" marR="0" lvl="0" indent="-342900" algn="l" rtl="0">
+            <a:pPr marL="236538" marR="0" lvl="0" indent="-236538" algn="l" rtl="0">
               <a:lnSpc>
                 <a:spcPct val="100000"/>
               </a:lnSpc>
@@ -13681,7 +13497,7 @@
             </a:r>
           </a:p>
           <a:p>
-            <a:pPr marL="342900" marR="0" lvl="0" indent="-203200" algn="l" rtl="0">
+            <a:pPr marL="236538" marR="0" lvl="0" indent="-236538" algn="l" rtl="0">
               <a:lnSpc>
                 <a:spcPct val="100000"/>
               </a:lnSpc>
@@ -13709,7 +13525,7 @@
             </a:endParaRPr>
           </a:p>
           <a:p>
-            <a:pPr marL="342900" marR="0" lvl="0" indent="-203200" algn="l" rtl="0">
+            <a:pPr marL="236538" marR="0" lvl="0" indent="-236538" algn="l" rtl="0">
               <a:lnSpc>
                 <a:spcPct val="100000"/>
               </a:lnSpc>
@@ -13737,7 +13553,7 @@
             </a:endParaRPr>
           </a:p>
           <a:p>
-            <a:pPr marL="0" marR="0" lvl="0" indent="0" algn="l" rtl="0">
+            <a:pPr marL="236538" marR="0" lvl="0" indent="-236538" algn="l" rtl="0">
               <a:lnSpc>
                 <a:spcPct val="100000"/>
               </a:lnSpc>
@@ -13765,7 +13581,7 @@
             </a:endParaRPr>
           </a:p>
           <a:p>
-            <a:pPr marL="0" marR="0" lvl="0" indent="0" algn="l" rtl="0">
+            <a:pPr marL="236538" marR="0" lvl="0" indent="-236538" algn="l" rtl="0">
               <a:lnSpc>
                 <a:spcPct val="100000"/>
               </a:lnSpc>
@@ -13793,7 +13609,7 @@
             </a:endParaRPr>
           </a:p>
           <a:p>
-            <a:pPr marL="342900" marR="0" lvl="0" indent="-203200" algn="l" rtl="0">
+            <a:pPr marL="236538" marR="0" lvl="0" indent="-236538" algn="l" rtl="0">
               <a:lnSpc>
                 <a:spcPct val="100000"/>
               </a:lnSpc>
@@ -13821,7 +13637,7 @@
             </a:endParaRPr>
           </a:p>
           <a:p>
-            <a:pPr marL="342900" marR="0" lvl="0" indent="-203200" algn="l" rtl="0">
+            <a:pPr marL="236538" marR="0" lvl="0" indent="-236538" algn="l" rtl="0">
               <a:lnSpc>
                 <a:spcPct val="100000"/>
               </a:lnSpc>
@@ -13849,7 +13665,7 @@
             </a:endParaRPr>
           </a:p>
           <a:p>
-            <a:pPr marL="342900" marR="0" lvl="0" indent="-342900" algn="l" rtl="0">
+            <a:pPr marL="236538" marR="0" lvl="0" indent="-236538" algn="l" rtl="0">
               <a:lnSpc>
                 <a:spcPct val="100000"/>
               </a:lnSpc>
@@ -13881,7 +13697,7 @@
             </a:r>
           </a:p>
           <a:p>
-            <a:pPr marL="342900" marR="0" lvl="0" indent="-342900" algn="l" rtl="0">
+            <a:pPr marL="236538" marR="0" lvl="0" indent="-236538" algn="l" rtl="0">
               <a:lnSpc>
                 <a:spcPct val="100000"/>
               </a:lnSpc>
@@ -13913,7 +13729,7 @@
             </a:r>
           </a:p>
           <a:p>
-            <a:pPr marL="342900" marR="0" lvl="0" indent="-342900" algn="l" rtl="0">
+            <a:pPr marL="236538" marR="0" lvl="0" indent="-236538" algn="l" rtl="0">
               <a:lnSpc>
                 <a:spcPct val="100000"/>
               </a:lnSpc>
@@ -14116,7 +13932,7 @@
           </a:bodyPr>
           <a:lstStyle/>
           <a:p>
-            <a:pPr marL="342900" marR="0" lvl="0" indent="-342900" algn="l" rtl="0">
+            <a:pPr marL="236538" marR="0" lvl="0" indent="-236538" algn="l" rtl="0">
               <a:lnSpc>
                 <a:spcPct val="100000"/>
               </a:lnSpc>
@@ -14161,7 +13977,7 @@
             </a:r>
           </a:p>
           <a:p>
-            <a:pPr marL="342900" marR="0" lvl="0" indent="-203200" algn="l" rtl="0">
+            <a:pPr marL="236538" marR="0" lvl="0" indent="-236538" algn="l" rtl="0">
               <a:lnSpc>
                 <a:spcPct val="100000"/>
               </a:lnSpc>
@@ -14189,7 +14005,7 @@
             </a:endParaRPr>
           </a:p>
           <a:p>
-            <a:pPr marL="342900" marR="0" lvl="0" indent="-203200" algn="l" rtl="0">
+            <a:pPr marL="236538" marR="0" lvl="0" indent="-236538" algn="l" rtl="0">
               <a:lnSpc>
                 <a:spcPct val="100000"/>
               </a:lnSpc>
@@ -14217,7 +14033,7 @@
             </a:endParaRPr>
           </a:p>
           <a:p>
-            <a:pPr marL="342900" marR="0" lvl="0" indent="-203200" algn="l" rtl="0">
+            <a:pPr marL="236538" marR="0" lvl="0" indent="-236538" algn="l" rtl="0">
               <a:lnSpc>
                 <a:spcPct val="100000"/>
               </a:lnSpc>
@@ -14245,7 +14061,7 @@
             </a:endParaRPr>
           </a:p>
           <a:p>
-            <a:pPr marL="342900" marR="0" lvl="0" indent="-203200" algn="l" rtl="0">
+            <a:pPr marL="236538" marR="0" lvl="0" indent="-236538" algn="l" rtl="0">
               <a:lnSpc>
                 <a:spcPct val="100000"/>
               </a:lnSpc>
@@ -14273,7 +14089,7 @@
             </a:endParaRPr>
           </a:p>
           <a:p>
-            <a:pPr marL="342900" marR="0" lvl="0" indent="-203200" algn="l" rtl="0">
+            <a:pPr marL="236538" marR="0" lvl="0" indent="-236538" algn="l" rtl="0">
               <a:lnSpc>
                 <a:spcPct val="100000"/>
               </a:lnSpc>
@@ -14301,7 +14117,7 @@
             </a:endParaRPr>
           </a:p>
           <a:p>
-            <a:pPr marL="0" marR="0" lvl="0" indent="0" algn="l" rtl="0">
+            <a:pPr marL="236538" marR="0" lvl="0" indent="-236538" algn="l" rtl="0">
               <a:lnSpc>
                 <a:spcPct val="100000"/>
               </a:lnSpc>
@@ -14329,7 +14145,7 @@
             </a:endParaRPr>
           </a:p>
           <a:p>
-            <a:pPr marL="342900" marR="0" lvl="0" indent="-342900" algn="l" rtl="0">
+            <a:pPr marL="236538" marR="0" lvl="0" indent="-236538" algn="l" rtl="0">
               <a:lnSpc>
                 <a:spcPct val="100000"/>
               </a:lnSpc>
@@ -14374,7 +14190,7 @@
             </a:r>
           </a:p>
           <a:p>
-            <a:pPr marL="342900" marR="0" lvl="0" indent="-342900" algn="l" rtl="0">
+            <a:pPr marL="236538" marR="0" lvl="0" indent="-236538" algn="l" rtl="0">
               <a:lnSpc>
                 <a:spcPct val="100000"/>
               </a:lnSpc>
@@ -14406,7 +14222,7 @@
             </a:r>
           </a:p>
           <a:p>
-            <a:pPr marL="342900" marR="0" lvl="0" indent="-342900" algn="l" rtl="0">
+            <a:pPr marL="236538" marR="0" lvl="0" indent="-236538" algn="l" rtl="0">
               <a:lnSpc>
                 <a:spcPct val="100000"/>
               </a:lnSpc>
@@ -14438,7 +14254,7 @@
             </a:r>
           </a:p>
           <a:p>
-            <a:pPr marL="342900" marR="0" lvl="0" indent="-342900" algn="l" rtl="0">
+            <a:pPr marL="236538" marR="0" lvl="0" indent="-236538" algn="l" rtl="0">
               <a:lnSpc>
                 <a:spcPct val="100000"/>
               </a:lnSpc>
@@ -14535,7 +14351,7 @@
             </a:r>
           </a:p>
           <a:p>
-            <a:pPr marL="342900" marR="0" lvl="0" indent="-342900" algn="l" rtl="0">
+            <a:pPr marL="236538" marR="0" lvl="0" indent="-236538" algn="l" rtl="0">
               <a:lnSpc>
                 <a:spcPct val="100000"/>
               </a:lnSpc>
@@ -14566,355 +14382,8 @@
                   <a:schemeClr val="dk1"/>
                 </a:solidFill>
               </a:rPr>
-              <a:t> produces an Excel spreadsheet with an adjacency matrix representing the network</a:t>
-            </a:r>
-            <a:endParaRPr lang="en-US" sz="2200" b="0" i="0" u="none" strike="noStrike" cap="none" baseline="0" dirty="0">
-              <a:solidFill>
-                <a:schemeClr val="dk1"/>
-              </a:solidFill>
-              <a:latin typeface="Arial"/>
-              <a:ea typeface="Arial"/>
-              <a:cs typeface="Arial"/>
-              <a:sym typeface="Arial"/>
-              <a:rtl val="0"/>
-            </a:endParaRPr>
-          </a:p>
-          <a:p>
-            <a:pPr marL="342900" marR="0" lvl="0" indent="-342900" algn="l" rtl="0">
-              <a:lnSpc>
-                <a:spcPct val="100000"/>
-              </a:lnSpc>
-              <a:spcBef>
-                <a:spcPts val="0"/>
-              </a:spcBef>
-              <a:spcAft>
-                <a:spcPts val="0"/>
-              </a:spcAft>
-              <a:buClr>
-                <a:schemeClr val="dk1"/>
-              </a:buClr>
-              <a:buSzPct val="100000"/>
-              <a:buFont typeface="Arial"/>
-              <a:buChar char="•"/>
-            </a:pPr>
-            <a:endParaRPr lang="en-US" sz="2200" b="0" i="0" u="none" strike="noStrike" cap="none" baseline="0" dirty="0" smtClean="0">
-              <a:solidFill>
-                <a:schemeClr val="dk1"/>
-              </a:solidFill>
-              <a:latin typeface="Arial"/>
-              <a:ea typeface="Arial"/>
-              <a:cs typeface="Arial"/>
-              <a:sym typeface="Arial"/>
-              <a:rtl val="0"/>
-            </a:endParaRPr>
-          </a:p>
-          <a:p>
-            <a:pPr marR="0" lvl="0" algn="l" rtl="0">
-              <a:lnSpc>
-                <a:spcPct val="100000"/>
-              </a:lnSpc>
-              <a:spcBef>
-                <a:spcPts val="0"/>
-              </a:spcBef>
-              <a:spcAft>
-                <a:spcPts val="0"/>
-              </a:spcAft>
-              <a:buClr>
-                <a:schemeClr val="dk1"/>
-              </a:buClr>
-              <a:buSzPct val="100000"/>
-            </a:pPr>
-            <a:r>
-              <a:rPr lang="en-US" sz="2200" b="1" dirty="0" smtClean="0">
-                <a:solidFill>
-                  <a:schemeClr val="dk1"/>
-                </a:solidFill>
-              </a:rPr>
-              <a:t>However, </a:t>
-            </a:r>
-            <a:r>
-              <a:rPr lang="en-US" sz="2200" b="1" dirty="0" err="1" smtClean="0">
-                <a:solidFill>
-                  <a:schemeClr val="dk1"/>
-                </a:solidFill>
-              </a:rPr>
-              <a:t>GRNmap</a:t>
-            </a:r>
-            <a:r>
-              <a:rPr lang="en-US" sz="2200" b="1" dirty="0" smtClean="0">
-                <a:solidFill>
-                  <a:schemeClr val="dk1"/>
-                </a:solidFill>
-              </a:rPr>
-              <a:t> does not generate a visual representation of GRNs</a:t>
-            </a:r>
-            <a:endParaRPr lang="en-US" sz="2200" b="1" i="0" u="none" strike="noStrike" cap="none" baseline="0" dirty="0" smtClean="0">
-              <a:solidFill>
-                <a:schemeClr val="dk1"/>
-              </a:solidFill>
-              <a:sym typeface="Arial"/>
-              <a:rtl val="0"/>
-            </a:endParaRPr>
-          </a:p>
-          <a:p>
-            <a:pPr marL="342900" marR="0" lvl="0" indent="-342900" algn="l" rtl="0">
-              <a:lnSpc>
-                <a:spcPct val="100000"/>
-              </a:lnSpc>
-              <a:spcBef>
-                <a:spcPts val="0"/>
-              </a:spcBef>
-              <a:spcAft>
-                <a:spcPts val="0"/>
-              </a:spcAft>
-              <a:buClr>
-                <a:schemeClr val="dk1"/>
-              </a:buClr>
-              <a:buSzPct val="100000"/>
-              <a:buFont typeface="Arial"/>
-              <a:buChar char="•"/>
-            </a:pPr>
-            <a:r>
-              <a:rPr lang="en-US" sz="2200" b="0" i="0" u="none" strike="noStrike" cap="none" baseline="0" dirty="0" smtClean="0">
-                <a:solidFill>
-                  <a:schemeClr val="dk1"/>
-                </a:solidFill>
-                <a:latin typeface="Arial"/>
-                <a:ea typeface="Arial"/>
-                <a:cs typeface="Arial"/>
-                <a:sym typeface="Arial"/>
-                <a:rtl val="0"/>
-              </a:rPr>
-              <a:t>0 </a:t>
-            </a:r>
-            <a:r>
-              <a:rPr lang="en-US" sz="2200" b="0" i="0" u="none" strike="noStrike" cap="none" baseline="0" dirty="0">
-                <a:solidFill>
-                  <a:schemeClr val="dk1"/>
-                </a:solidFill>
-                <a:latin typeface="Arial"/>
-                <a:ea typeface="Arial"/>
-                <a:cs typeface="Arial"/>
-                <a:sym typeface="Arial"/>
-                <a:rtl val="0"/>
-              </a:rPr>
-              <a:t>represents no relationship.</a:t>
-            </a:r>
-          </a:p>
-          <a:p>
-            <a:pPr marL="342900" marR="0" lvl="0" indent="-342900" algn="l" rtl="0">
-              <a:lnSpc>
-                <a:spcPct val="100000"/>
-              </a:lnSpc>
-              <a:spcBef>
-                <a:spcPts val="0"/>
-              </a:spcBef>
-              <a:spcAft>
-                <a:spcPts val="0"/>
-              </a:spcAft>
-              <a:buClr>
-                <a:schemeClr val="dk1"/>
-              </a:buClr>
-              <a:buSzPct val="100000"/>
-              <a:buFont typeface="Arial"/>
-              <a:buChar char="•"/>
-            </a:pPr>
-            <a:r>
-              <a:rPr lang="en-US" sz="2200" b="0" i="0" u="none" strike="noStrike" cap="none" baseline="0" dirty="0">
-                <a:solidFill>
-                  <a:schemeClr val="dk1"/>
-                </a:solidFill>
-                <a:latin typeface="Arial"/>
-                <a:ea typeface="Arial"/>
-                <a:cs typeface="Arial"/>
-                <a:sym typeface="Arial"/>
-                <a:rtl val="0"/>
-              </a:rPr>
-              <a:t>A positive </a:t>
-            </a:r>
-            <a:r>
-              <a:rPr lang="en-US" sz="2200" b="0" i="0" u="none" strike="noStrike" cap="none" baseline="0" dirty="0" smtClean="0">
-                <a:solidFill>
-                  <a:schemeClr val="dk1"/>
-                </a:solidFill>
-                <a:latin typeface="Arial"/>
-                <a:ea typeface="Arial"/>
-                <a:cs typeface="Arial"/>
-                <a:sym typeface="Arial"/>
-                <a:rtl val="0"/>
-              </a:rPr>
-              <a:t>weight</a:t>
-            </a:r>
-            <a:r>
-              <a:rPr lang="en-US" sz="2200" b="0" i="0" u="none" strike="noStrike" cap="none" dirty="0" smtClean="0">
-                <a:solidFill>
-                  <a:schemeClr val="dk1"/>
-                </a:solidFill>
-                <a:latin typeface="Arial"/>
-                <a:ea typeface="Arial"/>
-                <a:cs typeface="Arial"/>
-                <a:sym typeface="Arial"/>
-                <a:rtl val="0"/>
-              </a:rPr>
-              <a:t> value</a:t>
-            </a:r>
-            <a:r>
-              <a:rPr lang="en-US" sz="2200" b="0" i="0" u="none" strike="noStrike" cap="none" baseline="0" dirty="0" smtClean="0">
-                <a:solidFill>
-                  <a:schemeClr val="dk1"/>
-                </a:solidFill>
-                <a:latin typeface="Arial"/>
-                <a:ea typeface="Arial"/>
-                <a:cs typeface="Arial"/>
-                <a:sym typeface="Arial"/>
-                <a:rtl val="0"/>
-              </a:rPr>
-              <a:t> </a:t>
-            </a:r>
-            <a:r>
-              <a:rPr lang="en-US" sz="2200" b="0" i="0" u="none" strike="noStrike" cap="none" baseline="0" dirty="0">
-                <a:solidFill>
-                  <a:schemeClr val="dk1"/>
-                </a:solidFill>
-                <a:latin typeface="Arial"/>
-                <a:ea typeface="Arial"/>
-                <a:cs typeface="Arial"/>
-                <a:sym typeface="Arial"/>
-                <a:rtl val="0"/>
-              </a:rPr>
-              <a:t>indicates activation.</a:t>
-            </a:r>
-          </a:p>
-          <a:p>
-            <a:pPr marL="342900" marR="0" lvl="0" indent="-342900" algn="l" rtl="0">
-              <a:lnSpc>
-                <a:spcPct val="100000"/>
-              </a:lnSpc>
-              <a:spcBef>
-                <a:spcPts val="0"/>
-              </a:spcBef>
-              <a:spcAft>
-                <a:spcPts val="0"/>
-              </a:spcAft>
-              <a:buClr>
-                <a:schemeClr val="dk1"/>
-              </a:buClr>
-              <a:buSzPct val="100000"/>
-              <a:buFont typeface="Arial"/>
-              <a:buChar char="•"/>
-            </a:pPr>
-            <a:r>
-              <a:rPr lang="en-US" sz="2200" b="0" i="0" u="none" strike="noStrike" cap="none" baseline="0" dirty="0">
-                <a:solidFill>
-                  <a:schemeClr val="dk1"/>
-                </a:solidFill>
-                <a:latin typeface="Arial"/>
-                <a:ea typeface="Arial"/>
-                <a:cs typeface="Arial"/>
-                <a:sym typeface="Arial"/>
-                <a:rtl val="0"/>
-              </a:rPr>
-              <a:t>A negative </a:t>
-            </a:r>
-            <a:r>
-              <a:rPr lang="en-US" sz="2200" b="0" i="0" u="none" strike="noStrike" cap="none" baseline="0" dirty="0" smtClean="0">
-                <a:solidFill>
-                  <a:schemeClr val="dk1"/>
-                </a:solidFill>
-                <a:latin typeface="Arial"/>
-                <a:ea typeface="Arial"/>
-                <a:cs typeface="Arial"/>
-                <a:sym typeface="Arial"/>
-                <a:rtl val="0"/>
-              </a:rPr>
-              <a:t>weight value </a:t>
-            </a:r>
-            <a:r>
-              <a:rPr lang="en-US" sz="2200" b="0" i="0" u="none" strike="noStrike" cap="none" baseline="0" dirty="0">
-                <a:solidFill>
-                  <a:schemeClr val="dk1"/>
-                </a:solidFill>
-                <a:latin typeface="Arial"/>
-                <a:ea typeface="Arial"/>
-                <a:cs typeface="Arial"/>
-                <a:sym typeface="Arial"/>
-                <a:rtl val="0"/>
-              </a:rPr>
-              <a:t>indicates repression.</a:t>
-            </a:r>
-          </a:p>
-          <a:p>
-            <a:pPr marL="342900" marR="0" lvl="0" indent="-342900" algn="l" rtl="0">
-              <a:lnSpc>
-                <a:spcPct val="100000"/>
-              </a:lnSpc>
-              <a:spcBef>
-                <a:spcPts val="0"/>
-              </a:spcBef>
-              <a:spcAft>
-                <a:spcPts val="0"/>
-              </a:spcAft>
-              <a:buClr>
-                <a:schemeClr val="dk1"/>
-              </a:buClr>
-              <a:buSzPct val="100000"/>
-              <a:buFont typeface="Arial"/>
-              <a:buChar char="•"/>
-            </a:pPr>
-            <a:r>
-              <a:rPr lang="en-US" sz="2200" b="0" i="0" u="none" strike="noStrike" cap="none" baseline="0" dirty="0">
-                <a:solidFill>
-                  <a:schemeClr val="dk1"/>
-                </a:solidFill>
-                <a:latin typeface="Arial"/>
-                <a:ea typeface="Arial"/>
-                <a:cs typeface="Arial"/>
-                <a:sym typeface="Arial"/>
-                <a:rtl val="0"/>
-              </a:rPr>
-              <a:t>The magnitude of the weight defines the strength of the relationship</a:t>
-            </a:r>
-            <a:r>
-              <a:rPr lang="en-US" sz="2200" b="0" i="0" u="none" strike="noStrike" cap="none" baseline="0" dirty="0" smtClean="0">
-                <a:solidFill>
-                  <a:schemeClr val="dk1"/>
-                </a:solidFill>
-                <a:latin typeface="Arial"/>
-                <a:ea typeface="Arial"/>
-                <a:cs typeface="Arial"/>
-                <a:sym typeface="Arial"/>
-                <a:rtl val="0"/>
-              </a:rPr>
-              <a:t>.</a:t>
-            </a:r>
-            <a:endParaRPr sz="2200" b="0" i="0" u="none" strike="noStrike" cap="none" baseline="0" dirty="0">
-              <a:solidFill>
-                <a:schemeClr val="dk1"/>
-              </a:solidFill>
-              <a:latin typeface="Arial"/>
-              <a:ea typeface="Arial"/>
-              <a:cs typeface="Arial"/>
-              <a:sym typeface="Arial"/>
-              <a:rtl val="0"/>
-            </a:endParaRPr>
-          </a:p>
-          <a:p>
-            <a:pPr marL="0" marR="0" lvl="0" indent="0" algn="l" rtl="0">
-              <a:lnSpc>
-                <a:spcPct val="100000"/>
-              </a:lnSpc>
-              <a:spcBef>
-                <a:spcPts val="0"/>
-              </a:spcBef>
-              <a:spcAft>
-                <a:spcPts val="0"/>
-              </a:spcAft>
-              <a:buClr>
-                <a:srgbClr val="000000"/>
-              </a:buClr>
-              <a:buFont typeface="Arial"/>
-              <a:buNone/>
-            </a:pPr>
+              <a:t> produces an Excel spreadsheet with an adjacency matrix representing the network.</a:t>
+            </a:r>
             <a:endParaRPr sz="2200" b="0" i="0" u="none" strike="noStrike" cap="none" baseline="0" dirty="0">
               <a:solidFill>
                 <a:schemeClr val="dk1"/>
@@ -15069,22 +14538,11 @@
           </a:bodyPr>
           <a:lstStyle/>
           <a:p>
-            <a:pPr marL="0" marR="0" lvl="0" indent="0" algn="ctr" rtl="0">
-              <a:lnSpc>
-                <a:spcPct val="100000"/>
-              </a:lnSpc>
-              <a:spcBef>
-                <a:spcPts val="0"/>
-              </a:spcBef>
-              <a:spcAft>
-                <a:spcPts val="0"/>
-              </a:spcAft>
+            <a:pPr lvl="0" algn="ctr">
               <a:buClr>
                 <a:srgbClr val="017C00"/>
               </a:buClr>
               <a:buSzPct val="25000"/>
-              <a:buFont typeface="Arial"/>
-              <a:buNone/>
             </a:pPr>
             <a:r>
               <a:rPr lang="en-US" sz="3600" b="0" i="0" u="none" strike="noStrike" cap="none" baseline="0" dirty="0" err="1" smtClean="0">
@@ -15110,10 +14568,10 @@
                 <a:sym typeface="Arial"/>
                 <a:rtl val="0"/>
               </a:rPr>
-              <a:t> </a:t>
-            </a:r>
-            <a:r>
-              <a:rPr lang="en-US" sz="3600" b="0" i="0" u="none" strike="noStrike" cap="none" baseline="0" dirty="0" err="1" smtClean="0">
+              <a:t> Accepts</a:t>
+            </a:r>
+            <a:r>
+              <a:rPr lang="en-US" sz="3600" b="0" i="0" u="none" strike="noStrike" cap="none" dirty="0" smtClean="0">
                 <a:solidFill>
                   <a:srgbClr val="017C00"/>
                 </a:solidFill>
@@ -15123,7 +14581,31 @@
                 <a:sym typeface="Arial"/>
                 <a:rtl val="0"/>
               </a:rPr>
-              <a:t>Accpets</a:t>
+              <a:t> Microsoft </a:t>
+            </a:r>
+            <a:r>
+              <a:rPr lang="en-US" sz="3600" dirty="0">
+                <a:solidFill>
+                  <a:srgbClr val="017C00"/>
+                </a:solidFill>
+              </a:rPr>
+              <a:t>Excel Files (.</a:t>
+            </a:r>
+            <a:r>
+              <a:rPr lang="en-US" sz="3600" dirty="0" err="1">
+                <a:solidFill>
+                  <a:srgbClr val="017C00"/>
+                </a:solidFill>
+              </a:rPr>
+              <a:t>xlsx</a:t>
+            </a:r>
+            <a:r>
+              <a:rPr lang="en-US" sz="3600" dirty="0">
+                <a:solidFill>
+                  <a:srgbClr val="017C00"/>
+                </a:solidFill>
+              </a:rPr>
+              <a:t>) in </a:t>
             </a:r>
             <a:r>
               <a:rPr lang="en-US" sz="3600" b="0" i="0" u="none" strike="noStrike" cap="none" dirty="0" smtClean="0">
@@ -15136,33 +14618,7 @@
                 <a:sym typeface="Arial"/>
                 <a:rtl val="0"/>
               </a:rPr>
-              <a:t> .</a:t>
-            </a:r>
-            <a:r>
-              <a:rPr lang="en-US" sz="3600" b="0" i="0" u="none" strike="noStrike" cap="none" dirty="0" err="1" smtClean="0">
-                <a:solidFill>
-                  <a:srgbClr val="017C00"/>
-                </a:solidFill>
-                <a:latin typeface="Arial"/>
-                <a:ea typeface="Arial"/>
-                <a:cs typeface="Arial"/>
-                <a:sym typeface="Arial"/>
-                <a:rtl val="0"/>
-              </a:rPr>
-              <a:t>xlsx</a:t>
-            </a:r>
-            <a:r>
-              <a:rPr lang="en-US" sz="3600" b="0" i="0" u="none" strike="noStrike" cap="none" dirty="0" smtClean="0">
-                <a:solidFill>
-                  <a:srgbClr val="017C00"/>
-                </a:solidFill>
-                <a:latin typeface="Arial"/>
-                <a:ea typeface="Arial"/>
-                <a:cs typeface="Arial"/>
-                <a:sym typeface="Arial"/>
-                <a:rtl val="0"/>
-              </a:rPr>
-              <a:t> Files in the Proper Format</a:t>
+              <a:t>the Proper Format</a:t>
             </a:r>
             <a:endParaRPr lang="en-US" sz="3600" b="0" i="0" u="none" strike="noStrike" cap="none" baseline="0" dirty="0">
               <a:solidFill>
@@ -15204,7 +14660,7 @@
           </a:bodyPr>
           <a:lstStyle/>
           <a:p>
-            <a:pPr marL="342900" marR="0" lvl="0" indent="-342900" algn="l" rtl="0">
+            <a:pPr marL="236538" marR="0" lvl="0" indent="-236538" algn="l" rtl="0">
               <a:lnSpc>
                 <a:spcPct val="100000"/>
               </a:lnSpc>
@@ -15232,7 +14688,7 @@
                 <a:sym typeface="Arial"/>
                 <a:rtl val="0"/>
               </a:rPr>
-              <a:t>Spreadsheets </a:t>
+              <a:t>Excel workbooks </a:t>
             </a:r>
             <a:r>
               <a:rPr lang="en-US" sz="2200" b="0" i="0" u="none" strike="noStrike" cap="none" baseline="0" dirty="0">
@@ -15245,10 +14701,10 @@
                 <a:sym typeface="Arial"/>
                 <a:rtl val="0"/>
               </a:rPr>
-              <a:t>need a “network” or “</a:t>
-            </a:r>
-            <a:r>
-              <a:rPr lang="en-US" sz="2200" b="0" i="0" u="none" strike="noStrike" cap="none" baseline="0" dirty="0" err="1">
+              <a:t>need a “network” </a:t>
+            </a:r>
+            <a:r>
+              <a:rPr lang="en-US" sz="2200" b="0" i="0" u="none" strike="noStrike" cap="none" baseline="0" dirty="0" smtClean="0">
                 <a:solidFill>
                   <a:schemeClr val="dk1"/>
                 </a:solidFill>
@@ -15258,10 +14714,10 @@
                 <a:sym typeface="Arial"/>
                 <a:rtl val="0"/>
               </a:rPr>
-              <a:t>network_optimized_weights</a:t>
-            </a:r>
-            <a:r>
-              <a:rPr lang="en-US" sz="2200" b="0" i="0" u="none" strike="noStrike" cap="none" baseline="0" dirty="0">
+              <a:t>sheet (for </a:t>
+            </a:r>
+            <a:r>
+              <a:rPr lang="en-US" sz="2200" b="0" i="0" u="none" strike="noStrike" cap="none" baseline="0" dirty="0" err="1" smtClean="0">
                 <a:solidFill>
                   <a:schemeClr val="dk1"/>
                 </a:solidFill>
@@ -15271,25 +14727,7 @@
                 <a:sym typeface="Arial"/>
                 <a:rtl val="0"/>
               </a:rPr>
-              <a:t>” sheet containing a</a:t>
-            </a:r>
-            <a:r>
-              <a:rPr lang="en-US" sz="2200" dirty="0">
-                <a:solidFill>
-                  <a:schemeClr val="dk1"/>
-                </a:solidFill>
-                <a:rtl val="0"/>
-              </a:rPr>
-              <a:t> symmetrical or </a:t>
-            </a:r>
-            <a:r>
-              <a:rPr lang="en-US" sz="2200" dirty="0" smtClean="0">
-                <a:solidFill>
-                  <a:schemeClr val="dk1"/>
-                </a:solidFill>
-                <a:rtl val="0"/>
-              </a:rPr>
-              <a:t>asymmetrical</a:t>
+              <a:t>unweighted</a:t>
             </a:r>
             <a:r>
               <a:rPr lang="en-US" sz="2200" b="0" i="0" u="none" strike="noStrike" cap="none" baseline="0" dirty="0" smtClean="0">
@@ -15302,10 +14740,10 @@
                 <a:sym typeface="Arial"/>
                 <a:rtl val="0"/>
               </a:rPr>
-              <a:t> </a:t>
-            </a:r>
-            <a:r>
-              <a:rPr lang="en-US" sz="2200" b="0" i="0" u="none" strike="noStrike" cap="none" baseline="0" dirty="0">
+              <a:t> graphs) or a “</a:t>
+            </a:r>
+            <a:r>
+              <a:rPr lang="en-US" sz="2200" b="0" i="0" u="none" strike="noStrike" cap="none" baseline="0" dirty="0" err="1" smtClean="0">
                 <a:solidFill>
                   <a:schemeClr val="dk1"/>
                 </a:solidFill>
@@ -15315,39 +14753,10 @@
                 <a:sym typeface="Arial"/>
                 <a:rtl val="0"/>
               </a:rPr>
-              <a:t>adjacency matrix. </a:t>
-            </a:r>
-            <a:endParaRPr lang="en-US" sz="2200" b="0" i="0" u="none" strike="noStrike" cap="none" baseline="0" dirty="0" smtClean="0">
-              <a:solidFill>
-                <a:schemeClr val="dk1"/>
-              </a:solidFill>
-              <a:latin typeface="Arial"/>
-              <a:ea typeface="Arial"/>
-              <a:cs typeface="Arial"/>
-              <a:sym typeface="Arial"/>
-              <a:rtl val="0"/>
-            </a:endParaRPr>
-          </a:p>
-          <a:p>
-            <a:pPr marL="342900" marR="0" lvl="0" indent="-342900" algn="l" rtl="0">
-              <a:lnSpc>
-                <a:spcPct val="100000"/>
-              </a:lnSpc>
-              <a:spcBef>
-                <a:spcPts val="0"/>
-              </a:spcBef>
-              <a:spcAft>
-                <a:spcPts val="0"/>
-              </a:spcAft>
-              <a:buClr>
-                <a:schemeClr val="dk1"/>
-              </a:buClr>
-              <a:buSzPct val="100000"/>
-              <a:buFont typeface="Arial"/>
-              <a:buChar char="•"/>
-            </a:pPr>
-            <a:r>
-              <a:rPr lang="en-US" sz="2200" b="0" i="0" u="none" strike="noStrike" cap="none" baseline="0" dirty="0" err="1" smtClean="0">
+              <a:t>network_optimized_weights</a:t>
+            </a:r>
+            <a:r>
+              <a:rPr lang="en-US" sz="2200" b="0" i="0" u="none" strike="noStrike" cap="none" baseline="0" dirty="0">
                 <a:solidFill>
                   <a:schemeClr val="dk1"/>
                 </a:solidFill>
@@ -15357,7 +14766,7 @@
                 <a:sym typeface="Arial"/>
                 <a:rtl val="0"/>
               </a:rPr>
-              <a:t>GRNmap</a:t>
+              <a:t>” sheet </a:t>
             </a:r>
             <a:r>
               <a:rPr lang="en-US" sz="2200" b="0" i="0" u="none" strike="noStrike" cap="none" baseline="0" dirty="0" smtClean="0">
@@ -15370,10 +14779,10 @@
                 <a:sym typeface="Arial"/>
                 <a:rtl val="0"/>
               </a:rPr>
-              <a:t> </a:t>
-            </a:r>
-            <a:r>
-              <a:rPr lang="en-US" sz="2200" b="0" i="0" u="none" strike="noStrike" cap="none" baseline="0" dirty="0">
+              <a:t>(for</a:t>
+            </a:r>
+            <a:r>
+              <a:rPr lang="en-US" sz="2200" b="0" i="0" u="none" strike="noStrike" cap="none" dirty="0" smtClean="0">
                 <a:solidFill>
                   <a:schemeClr val="dk1"/>
                 </a:solidFill>
@@ -15383,11 +14792,11 @@
                 <a:sym typeface="Arial"/>
                 <a:rtl val="0"/>
               </a:rPr>
-              <a:t>input and output spreadsheets are accepted without adjustment.</a:t>
-            </a:r>
-          </a:p>
-          <a:p>
-            <a:pPr marL="342900" marR="0" lvl="0" indent="-342900" algn="l" rtl="0">
+              <a:t> weighted graphs).</a:t>
+            </a:r>
+          </a:p>
+          <a:p>
+            <a:pPr marL="236538" marR="0" lvl="0" indent="-236538" algn="l" rtl="0">
               <a:lnSpc>
                 <a:spcPct val="100000"/>
               </a:lnSpc>
@@ -15405,7 +14814,50 @@
               <a:buChar char="•"/>
             </a:pPr>
             <a:r>
-              <a:rPr lang="en-US" sz="2200" b="0" i="0" u="none" strike="noStrike" cap="none" baseline="0" dirty="0">
+              <a:rPr lang="en-US" sz="2200" baseline="0" dirty="0" smtClean="0">
+                <a:solidFill>
+                  <a:schemeClr val="dk1"/>
+                </a:solidFill>
+              </a:rPr>
+              <a:t>The</a:t>
+            </a:r>
+            <a:r>
+              <a:rPr lang="en-US" sz="2200" dirty="0" smtClean="0">
+                <a:solidFill>
+                  <a:schemeClr val="dk1"/>
+                </a:solidFill>
+              </a:rPr>
+              <a:t> adjacency matrix can be </a:t>
+            </a:r>
+            <a:r>
+              <a:rPr lang="en-US" sz="2200" dirty="0" smtClean="0">
+                <a:solidFill>
+                  <a:schemeClr val="dk1"/>
+                </a:solidFill>
+                <a:rtl val="0"/>
+              </a:rPr>
+              <a:t>symmetrical </a:t>
+            </a:r>
+            <a:r>
+              <a:rPr lang="en-US" sz="2200" dirty="0">
+                <a:solidFill>
+                  <a:schemeClr val="dk1"/>
+                </a:solidFill>
+                <a:rtl val="0"/>
+              </a:rPr>
+              <a:t>or </a:t>
+            </a:r>
+            <a:r>
+              <a:rPr lang="en-US" sz="2200" dirty="0" smtClean="0">
+                <a:solidFill>
+                  <a:schemeClr val="dk1"/>
+                </a:solidFill>
+                <a:rtl val="0"/>
+              </a:rPr>
+              <a:t>asymmetrical</a:t>
+            </a:r>
+            <a:r>
+              <a:rPr lang="en-US" sz="2200" b="0" i="0" u="none" strike="noStrike" cap="none" baseline="0" dirty="0" smtClean="0">
                 <a:solidFill>
                   <a:schemeClr val="dk1"/>
                 </a:solidFill>
@@ -15415,10 +14867,29 @@
                 <a:sym typeface="Arial"/>
                 <a:rtl val="0"/>
               </a:rPr>
-              <a:t>Spreadsheets from databases such as YEASTRACT can be used with some modification</a:t>
-            </a:r>
-            <a:r>
-              <a:rPr lang="en-US" sz="2200" b="0" i="0" u="none" strike="noStrike" cap="none" baseline="0" dirty="0" smtClean="0">
+              <a:t>. </a:t>
+            </a:r>
+          </a:p>
+          <a:p>
+            <a:pPr marL="236538" marR="0" lvl="0" indent="-236538" algn="l" rtl="0">
+              <a:lnSpc>
+                <a:spcPct val="100000"/>
+              </a:lnSpc>
+              <a:spcBef>
+                <a:spcPts val="0"/>
+              </a:spcBef>
+              <a:spcAft>
+                <a:spcPts val="0"/>
+              </a:spcAft>
+              <a:buClr>
+                <a:schemeClr val="dk1"/>
+              </a:buClr>
+              <a:buSzPct val="100000"/>
+              <a:buFont typeface="Arial"/>
+              <a:buChar char="•"/>
+            </a:pPr>
+            <a:r>
+              <a:rPr lang="en-US" sz="2200" b="0" i="0" u="none" strike="noStrike" cap="none" baseline="0" dirty="0" err="1" smtClean="0">
                 <a:solidFill>
                   <a:schemeClr val="dk1"/>
                 </a:solidFill>
@@ -15428,64 +14899,170 @@
                 <a:sym typeface="Arial"/>
                 <a:rtl val="0"/>
               </a:rPr>
+              <a:t>GRNmap</a:t>
+            </a:r>
+            <a:r>
+              <a:rPr lang="en-US" sz="2200" b="0" i="0" u="none" strike="noStrike" cap="none" baseline="0" dirty="0" smtClean="0">
+                <a:solidFill>
+                  <a:schemeClr val="dk1"/>
+                </a:solidFill>
+                <a:latin typeface="Arial"/>
+                <a:ea typeface="Arial"/>
+                <a:cs typeface="Arial"/>
+                <a:sym typeface="Arial"/>
+                <a:rtl val="0"/>
+              </a:rPr>
+              <a:t> </a:t>
+            </a:r>
+            <a:r>
+              <a:rPr lang="en-US" sz="2200" b="0" i="0" u="none" strike="noStrike" cap="none" baseline="0" dirty="0">
+                <a:solidFill>
+                  <a:schemeClr val="dk1"/>
+                </a:solidFill>
+                <a:latin typeface="Arial"/>
+                <a:ea typeface="Arial"/>
+                <a:cs typeface="Arial"/>
+                <a:sym typeface="Arial"/>
+                <a:rtl val="0"/>
+              </a:rPr>
+              <a:t>input and output </a:t>
+            </a:r>
+            <a:r>
+              <a:rPr lang="en-US" sz="2200" b="0" i="0" u="none" strike="noStrike" cap="none" baseline="0" dirty="0" smtClean="0">
+                <a:solidFill>
+                  <a:schemeClr val="dk1"/>
+                </a:solidFill>
+                <a:latin typeface="Arial"/>
+                <a:ea typeface="Arial"/>
+                <a:cs typeface="Arial"/>
+                <a:sym typeface="Arial"/>
+                <a:rtl val="0"/>
+              </a:rPr>
+              <a:t>workbooks </a:t>
+            </a:r>
+            <a:r>
+              <a:rPr lang="en-US" sz="2200" b="0" i="0" u="none" strike="noStrike" cap="none" baseline="0" dirty="0">
+                <a:solidFill>
+                  <a:schemeClr val="dk1"/>
+                </a:solidFill>
+                <a:latin typeface="Arial"/>
+                <a:ea typeface="Arial"/>
+                <a:cs typeface="Arial"/>
+                <a:sym typeface="Arial"/>
+                <a:rtl val="0"/>
+              </a:rPr>
+              <a:t>are accepted without adjustment.</a:t>
+            </a:r>
+          </a:p>
+          <a:p>
+            <a:pPr marL="236538" marR="0" lvl="0" indent="-236538" algn="l" rtl="0">
+              <a:lnSpc>
+                <a:spcPct val="100000"/>
+              </a:lnSpc>
+              <a:spcBef>
+                <a:spcPts val="0"/>
+              </a:spcBef>
+              <a:spcAft>
+                <a:spcPts val="0"/>
+              </a:spcAft>
+              <a:buClr>
+                <a:schemeClr val="dk1"/>
+              </a:buClr>
+              <a:buSzPct val="100000"/>
+              <a:buFont typeface="Arial"/>
+              <a:buChar char="•"/>
+            </a:pPr>
+            <a:r>
+              <a:rPr lang="en-US" sz="2200" b="0" i="0" u="none" strike="noStrike" cap="none" baseline="0" dirty="0" smtClean="0">
+                <a:solidFill>
+                  <a:schemeClr val="dk1"/>
+                </a:solidFill>
+                <a:latin typeface="Arial"/>
+                <a:ea typeface="Arial"/>
+                <a:cs typeface="Arial"/>
+                <a:sym typeface="Arial"/>
+                <a:rtl val="0"/>
+              </a:rPr>
+              <a:t>Adjacency matrices generated </a:t>
+            </a:r>
+            <a:r>
+              <a:rPr lang="en-US" sz="2200" b="0" i="0" u="none" strike="noStrike" cap="none" baseline="0" dirty="0">
+                <a:solidFill>
+                  <a:schemeClr val="dk1"/>
+                </a:solidFill>
+                <a:latin typeface="Arial"/>
+                <a:ea typeface="Arial"/>
+                <a:cs typeface="Arial"/>
+                <a:sym typeface="Arial"/>
+                <a:rtl val="0"/>
+              </a:rPr>
+              <a:t>from </a:t>
+            </a:r>
+            <a:r>
+              <a:rPr lang="en-US" sz="2200" b="0" i="0" u="none" strike="noStrike" cap="none" baseline="0" dirty="0" smtClean="0">
+                <a:solidFill>
+                  <a:schemeClr val="dk1"/>
+                </a:solidFill>
+                <a:latin typeface="Arial"/>
+                <a:ea typeface="Arial"/>
+                <a:cs typeface="Arial"/>
+                <a:sym typeface="Arial"/>
+                <a:rtl val="0"/>
+              </a:rPr>
+              <a:t>other databases, </a:t>
+            </a:r>
+            <a:r>
+              <a:rPr lang="en-US" sz="2200" b="0" i="0" u="none" strike="noStrike" cap="none" baseline="0" dirty="0">
+                <a:solidFill>
+                  <a:schemeClr val="dk1"/>
+                </a:solidFill>
+                <a:latin typeface="Arial"/>
+                <a:ea typeface="Arial"/>
+                <a:cs typeface="Arial"/>
+                <a:sym typeface="Arial"/>
+                <a:rtl val="0"/>
+              </a:rPr>
+              <a:t>such as </a:t>
+            </a:r>
+            <a:r>
+              <a:rPr lang="en-US" sz="2200" b="0" i="0" u="none" strike="noStrike" cap="none" baseline="0" dirty="0" smtClean="0">
+                <a:solidFill>
+                  <a:schemeClr val="dk1"/>
+                </a:solidFill>
+                <a:latin typeface="Arial"/>
+                <a:ea typeface="Arial"/>
+                <a:cs typeface="Arial"/>
+                <a:sym typeface="Arial"/>
+                <a:rtl val="0"/>
+              </a:rPr>
+              <a:t>YEASTRACT, </a:t>
+            </a:r>
+            <a:r>
+              <a:rPr lang="en-US" sz="2200" b="0" i="0" u="none" strike="noStrike" cap="none" baseline="0" dirty="0">
+                <a:solidFill>
+                  <a:schemeClr val="dk1"/>
+                </a:solidFill>
+                <a:latin typeface="Arial"/>
+                <a:ea typeface="Arial"/>
+                <a:cs typeface="Arial"/>
+                <a:sym typeface="Arial"/>
+                <a:rtl val="0"/>
+              </a:rPr>
+              <a:t>can be used with some modification</a:t>
+            </a:r>
+            <a:r>
+              <a:rPr lang="en-US" sz="2200" b="0" i="0" u="none" strike="noStrike" cap="none" baseline="0" dirty="0" smtClean="0">
+                <a:solidFill>
+                  <a:schemeClr val="dk1"/>
+                </a:solidFill>
+                <a:latin typeface="Arial"/>
+                <a:ea typeface="Arial"/>
+                <a:cs typeface="Arial"/>
+                <a:sym typeface="Arial"/>
+                <a:rtl val="0"/>
+              </a:rPr>
               <a:t>.</a:t>
             </a:r>
-          </a:p>
-          <a:p>
-            <a:pPr marL="342900" marR="0" lvl="0" indent="-342900" algn="l" rtl="0">
-              <a:lnSpc>
-                <a:spcPct val="100000"/>
-              </a:lnSpc>
-              <a:spcBef>
-                <a:spcPts val="0"/>
-              </a:spcBef>
-              <a:spcAft>
-                <a:spcPts val="0"/>
-              </a:spcAft>
-              <a:buClr>
-                <a:schemeClr val="dk1"/>
-              </a:buClr>
-              <a:buSzPct val="100000"/>
-              <a:buFont typeface="Arial"/>
-              <a:buChar char="•"/>
-            </a:pPr>
-            <a:r>
-              <a:rPr lang="en-US" sz="2200" dirty="0" smtClean="0">
-                <a:solidFill>
-                  <a:schemeClr val="dk1"/>
-                </a:solidFill>
-              </a:rPr>
-              <a:t>Gene names are arranged along the top and side of the matrix</a:t>
-            </a:r>
-          </a:p>
-          <a:p>
-            <a:pPr marL="342900" marR="0" lvl="0" indent="-342900" algn="l" rtl="0">
-              <a:lnSpc>
-                <a:spcPct val="100000"/>
-              </a:lnSpc>
-              <a:spcBef>
-                <a:spcPts val="0"/>
-              </a:spcBef>
-              <a:spcAft>
-                <a:spcPts val="0"/>
-              </a:spcAft>
-              <a:buClr>
-                <a:schemeClr val="dk1"/>
-              </a:buClr>
-              <a:buSzPct val="100000"/>
-              <a:buFont typeface="Arial"/>
-              <a:buChar char="•"/>
-            </a:pPr>
-            <a:endParaRPr lang="en-US" sz="2200" b="0" i="0" u="none" strike="noStrike" cap="none" baseline="0" dirty="0">
-              <a:solidFill>
-                <a:schemeClr val="dk1"/>
-              </a:solidFill>
-              <a:latin typeface="Arial"/>
-              <a:ea typeface="Arial"/>
-              <a:cs typeface="Arial"/>
-              <a:sym typeface="Arial"/>
-              <a:rtl val="0"/>
-            </a:endParaRPr>
           </a:p>
         </p:txBody>
       </p:sp>
@@ -15753,7 +15330,7 @@
           </a:bodyPr>
           <a:lstStyle/>
           <a:p>
-            <a:pPr marL="342900" marR="0" lvl="0" indent="-342900" algn="l" rtl="0">
+            <a:pPr marL="236538" marR="0" lvl="0" indent="-236538" algn="l" rtl="0">
               <a:lnSpc>
                 <a:spcPct val="100000"/>
               </a:lnSpc>
@@ -15771,7 +15348,7 @@
               <a:buChar char="•"/>
             </a:pPr>
             <a:r>
-              <a:rPr lang="en-US" sz="2200">
+              <a:rPr lang="en-US" sz="2200" dirty="0">
                 <a:solidFill>
                   <a:schemeClr val="dk1"/>
                 </a:solidFill>
@@ -15780,7 +15357,7 @@
             </a:r>
           </a:p>
           <a:p>
-            <a:pPr marL="342900" marR="0" lvl="0" indent="-342900" algn="l" rtl="0">
+            <a:pPr marL="236538" marR="0" lvl="0" indent="-236538" algn="l" rtl="0">
               <a:lnSpc>
                 <a:spcPct val="100000"/>
               </a:lnSpc>
@@ -15798,7 +15375,7 @@
               <a:buChar char="•"/>
             </a:pPr>
             <a:r>
-              <a:rPr lang="en-US" sz="2200" b="0" i="0" u="none" strike="noStrike" cap="none" baseline="0">
+              <a:rPr lang="en-US" sz="2200" b="0" i="0" u="none" strike="noStrike" cap="none" baseline="0" dirty="0">
                 <a:solidFill>
                   <a:schemeClr val="dk1"/>
                 </a:solidFill>
@@ -15812,7 +15389,7 @@
             </a:r>
           </a:p>
           <a:p>
-            <a:pPr marL="342900" marR="0" lvl="0" indent="-342900" algn="l" rtl="0">
+            <a:pPr marL="236538" marR="0" lvl="0" indent="-236538" algn="l" rtl="0">
               <a:lnSpc>
                 <a:spcPct val="100000"/>
               </a:lnSpc>
@@ -15830,7 +15407,7 @@
               <a:buChar char="•"/>
             </a:pPr>
             <a:r>
-              <a:rPr lang="en-US" sz="2200" b="0" i="0" u="none" strike="noStrike" cap="none" baseline="0">
+              <a:rPr lang="en-US" sz="2200" b="0" i="0" u="none" strike="noStrike" cap="none" baseline="0" dirty="0">
                 <a:solidFill>
                   <a:schemeClr val="dk1"/>
                 </a:solidFill>
@@ -15844,7 +15421,7 @@
             </a:r>
           </a:p>
           <a:p>
-            <a:pPr marL="342900" marR="0" lvl="0" indent="-342900" algn="l" rtl="0">
+            <a:pPr marL="236538" marR="0" lvl="0" indent="-236538" algn="l" rtl="0">
               <a:lnSpc>
                 <a:spcPct val="100000"/>
               </a:lnSpc>
@@ -15862,13 +15439,31 @@
               <a:buChar char="•"/>
             </a:pPr>
             <a:r>
-              <a:rPr lang="en-US" sz="2200">
+              <a:rPr lang="en-US" sz="2200" dirty="0">
                 <a:solidFill>
                   <a:schemeClr val="dk1"/>
                 </a:solidFill>
                 <a:rtl val="0"/>
               </a:rPr>
-              <a:t>Implement draggable edges to allow further graph customization.</a:t>
+              <a:t>Implement </a:t>
+            </a:r>
+            <a:r>
+              <a:rPr lang="en-US" sz="2200" dirty="0" err="1">
+                <a:solidFill>
+                  <a:schemeClr val="dk1"/>
+                </a:solidFill>
+                <a:rtl val="0"/>
+              </a:rPr>
+              <a:t>draggable</a:t>
+            </a:r>
+            <a:r>
+              <a:rPr lang="en-US" sz="2200" dirty="0">
+                <a:solidFill>
+                  <a:schemeClr val="dk1"/>
+                </a:solidFill>
+                <a:rtl val="0"/>
+              </a:rPr>
+              <a:t> edges to allow further graph customization.</a:t>
             </a:r>
           </a:p>
         </p:txBody>
@@ -15962,7 +15557,7 @@
           </a:bodyPr>
           <a:lstStyle/>
           <a:p>
-            <a:pPr marL="457200" marR="0" lvl="0" indent="-342900" algn="l" rtl="0">
+            <a:pPr marL="236538" marR="0" lvl="0" indent="-231775" algn="l" rtl="0">
               <a:lnSpc>
                 <a:spcPct val="100000"/>
               </a:lnSpc>
@@ -16017,7 +15612,7 @@
             </a:endParaRPr>
           </a:p>
           <a:p>
-            <a:pPr marL="457200" marR="0" lvl="0" indent="-342900" algn="l" rtl="0">
+            <a:pPr marL="236538" marR="0" lvl="0" indent="-231775" algn="l" rtl="0">
               <a:lnSpc>
                 <a:spcPct val="100000"/>
               </a:lnSpc>
@@ -16075,7 +15670,7 @@
             </a:r>
           </a:p>
           <a:p>
-            <a:pPr marL="457200" marR="0" lvl="0" indent="-342900" algn="l" rtl="0">
+            <a:pPr marL="236538" marR="0" lvl="0" indent="-231775" algn="l" rtl="0">
               <a:lnSpc>
                 <a:spcPct val="100000"/>
               </a:lnSpc>
@@ -16146,7 +15741,7 @@
             </a:r>
           </a:p>
           <a:p>
-            <a:pPr marL="457200" marR="0" lvl="0" indent="-342900" algn="l" rtl="0">
+            <a:pPr marL="236538" marR="0" lvl="0" indent="-231775" algn="l" rtl="0">
               <a:lnSpc>
                 <a:spcPct val="100000"/>
               </a:lnSpc>
@@ -16169,7 +15764,7 @@
                   <a:schemeClr val="dk1"/>
                 </a:solidFill>
               </a:rPr>
-              <a:t>Usage is being tracked through Google Analytics</a:t>
+              <a:t>Usage is being tracked through Google Analytics.</a:t>
             </a:r>
             <a:endParaRPr lang="en-US" sz="2200" b="0" i="0" u="none" strike="noStrike" cap="none" baseline="0" dirty="0">
               <a:solidFill>
@@ -16211,7 +15806,7 @@
           </a:bodyPr>
           <a:lstStyle/>
           <a:p>
-            <a:pPr marL="457200" marR="0" lvl="0" indent="-342900" algn="l" rtl="0">
+            <a:pPr marL="236538" marR="0" lvl="0" indent="-233363" algn="l" rtl="0">
               <a:lnSpc>
                 <a:spcPct val="100000"/>
               </a:lnSpc>
@@ -16349,7 +15944,7 @@
           </a:bodyPr>
           <a:lstStyle/>
           <a:p>
-            <a:pPr marL="342900" indent="-342900">
+            <a:pPr marL="236538" indent="-236538">
               <a:buClr>
                 <a:srgbClr val="003700"/>
               </a:buClr>
@@ -16381,7 +15976,7 @@
             </a:endParaRPr>
           </a:p>
           <a:p>
-            <a:pPr marL="342900" marR="0" lvl="0" indent="-342900" algn="l" rtl="0">
+            <a:pPr marL="236538" marR="0" lvl="0" indent="-236538" algn="l" rtl="0">
               <a:lnSpc>
                 <a:spcPct val="100000"/>
               </a:lnSpc>
@@ -16426,7 +16021,7 @@
             </a:r>
           </a:p>
           <a:p>
-            <a:pPr marL="342900" marR="0" lvl="0" indent="-342900" algn="l" rtl="0">
+            <a:pPr marL="236538" marR="0" lvl="0" indent="-236538" algn="l" rtl="0">
               <a:lnSpc>
                 <a:spcPct val="100000"/>
               </a:lnSpc>
@@ -16484,7 +16079,7 @@
             </a:r>
           </a:p>
           <a:p>
-            <a:pPr marL="342900" marR="0" lvl="0" indent="-342900" algn="l" rtl="0">
+            <a:pPr marL="236538" marR="0" lvl="0" indent="-236538" algn="l" rtl="0">
               <a:lnSpc>
                 <a:spcPct val="100000"/>
               </a:lnSpc>
@@ -16516,7 +16111,7 @@
             </a:r>
           </a:p>
           <a:p>
-            <a:pPr marL="342900" marR="0" lvl="0" indent="-342900" algn="l" rtl="0">
+            <a:pPr marL="236538" marR="0" lvl="0" indent="-236538" algn="l" rtl="0">
               <a:lnSpc>
                 <a:spcPct val="100000"/>
               </a:lnSpc>
@@ -16613,7 +16208,7 @@
             </a:r>
           </a:p>
           <a:p>
-            <a:pPr marL="342900" marR="0" lvl="0" indent="-342900" algn="l" rtl="0">
+            <a:pPr marL="236538" marR="0" lvl="0" indent="-236538" algn="l" rtl="0">
               <a:lnSpc>
                 <a:spcPct val="100000"/>
               </a:lnSpc>
@@ -16631,7 +16226,7 @@
               <a:buChar char="•"/>
             </a:pPr>
             <a:r>
-              <a:rPr lang="en-US" sz="2200" b="0" i="0" u="none" strike="noStrike" cap="none" baseline="0" dirty="0" err="1">
+              <a:rPr lang="en-US" sz="2200" b="0" i="0" u="none" strike="noStrike" cap="none" baseline="0" dirty="0" err="1" smtClean="0">
                 <a:solidFill>
                   <a:srgbClr val="000000"/>
                 </a:solidFill>
@@ -16641,7 +16236,7 @@
                 <a:sym typeface="Arial"/>
                 <a:rtl val="0"/>
               </a:rPr>
-              <a:t>Node.js</a:t>
+              <a:t>node.js</a:t>
             </a:r>
             <a:r>
               <a:rPr lang="en-US" sz="2200" b="0" i="0" u="none" strike="noStrike" cap="none" baseline="0" dirty="0">
@@ -16671,7 +16266,7 @@
             </a:r>
           </a:p>
           <a:p>
-            <a:pPr marL="342900" marR="0" lvl="0" indent="-342900" algn="l" rtl="0">
+            <a:pPr marL="236538" marR="0" lvl="0" indent="-236538" algn="l" rtl="0">
               <a:lnSpc>
                 <a:spcPct val="100000"/>
               </a:lnSpc>
@@ -16788,7 +16383,7 @@
                 <a:sym typeface="Arial"/>
                 <a:rtl val="0"/>
               </a:rPr>
-              <a:t>Implemented Mocha Unit-testing Framework</a:t>
+              <a:t>Implemented Mocha Unit Testing Framework</a:t>
             </a:r>
             <a:endParaRPr lang="en-US" sz="3600" b="0" i="0" u="none" strike="noStrike" cap="none" baseline="0" dirty="0">
               <a:solidFill>
@@ -16811,7 +16406,7 @@
         </p:nvSpPr>
         <p:spPr>
           <a:xfrm>
-            <a:off x="33121125" y="7098164"/>
+            <a:off x="33121125" y="7098140"/>
             <a:ext cx="9921300" cy="11317258"/>
           </a:xfrm>
           <a:prstGeom prst="rect">
@@ -16830,7 +16425,19 @@
           </a:bodyPr>
           <a:lstStyle/>
           <a:p>
-            <a:pPr marL="342900" lvl="0" indent="-342900">
+            <a:pPr lvl="0">
+              <a:buClr>
+                <a:srgbClr val="000000"/>
+              </a:buClr>
+              <a:buSzPct val="25000"/>
+            </a:pPr>
+            <a:r>
+              <a:rPr lang="en-US" sz="2200" b="1" dirty="0"/>
+              <a:t>Beta Version Allows for Testing of New Features</a:t>
+            </a:r>
+          </a:p>
+          <a:p>
+            <a:pPr marL="236538" lvl="0" indent="-236538">
               <a:buClr>
                 <a:srgbClr val="000000"/>
               </a:buClr>
@@ -16839,176 +16446,87 @@
               <a:buChar char="•"/>
             </a:pPr>
             <a:r>
-              <a:rPr lang="en-US" sz="2200" dirty="0" smtClean="0">
-                <a:rtl val="0"/>
-              </a:rPr>
-              <a:t>Unit testing is a software testing method where source code can be teste</a:t>
+              <a:rPr lang="en-US" sz="2200" dirty="0"/>
+              <a:t>A beta version </a:t>
             </a:r>
             <a:r>
               <a:rPr lang="en-US" sz="2200" dirty="0" smtClean="0"/>
-              <a:t>d through a unit interface to ensure that it is error free, and fit for use.</a:t>
-            </a:r>
-            <a:r>
-              <a:rPr lang="en-US" sz="2200" dirty="0" smtClean="0">
-                <a:rtl val="0"/>
-              </a:rPr>
-              <a:t> </a:t>
-            </a:r>
-          </a:p>
-          <a:p>
-            <a:pPr marL="0" marR="0" lvl="0" indent="0" algn="l" rtl="0">
-              <a:lnSpc>
-                <a:spcPct val="100000"/>
-              </a:lnSpc>
-              <a:spcBef>
-                <a:spcPts val="0"/>
-              </a:spcBef>
-              <a:spcAft>
-                <a:spcPts val="0"/>
-              </a:spcAft>
-              <a:buClr>
-                <a:srgbClr val="000000"/>
-              </a:buClr>
-              <a:buSzPct val="25000"/>
-              <a:buFont typeface="Arial"/>
-              <a:buNone/>
-            </a:pPr>
-            <a:endParaRPr lang="en-US" sz="1600" b="1" dirty="0"/>
-          </a:p>
-          <a:p>
-            <a:pPr marL="0" marR="0" lvl="0" indent="0" algn="l" rtl="0">
-              <a:lnSpc>
-                <a:spcPct val="100000"/>
-              </a:lnSpc>
-              <a:spcBef>
-                <a:spcPts val="0"/>
-              </a:spcBef>
-              <a:spcAft>
-                <a:spcPts val="0"/>
-              </a:spcAft>
-              <a:buClr>
-                <a:srgbClr val="000000"/>
-              </a:buClr>
-              <a:buSzPct val="25000"/>
-              <a:buFont typeface="Arial"/>
-              <a:buNone/>
-            </a:pPr>
-            <a:r>
-              <a:rPr lang="en-US" sz="2200" b="1" i="0" u="none" strike="noStrike" cap="none" baseline="0" dirty="0" smtClean="0">
-                <a:solidFill>
-                  <a:srgbClr val="000000"/>
-                </a:solidFill>
-                <a:latin typeface="Arial"/>
-                <a:ea typeface="Arial"/>
-                <a:cs typeface="Arial"/>
-                <a:sym typeface="Arial"/>
-                <a:rtl val="0"/>
-              </a:rPr>
-              <a:t>Error </a:t>
-            </a:r>
-            <a:r>
-              <a:rPr lang="en-US" sz="2200" b="1" i="0" u="none" strike="noStrike" cap="none" baseline="0" dirty="0">
-                <a:solidFill>
-                  <a:srgbClr val="000000"/>
-                </a:solidFill>
-                <a:latin typeface="Arial"/>
-                <a:ea typeface="Arial"/>
-                <a:cs typeface="Arial"/>
-                <a:sym typeface="Arial"/>
-                <a:rtl val="0"/>
-              </a:rPr>
-              <a:t>Catching was Greatly </a:t>
-            </a:r>
-            <a:r>
-              <a:rPr lang="en-US" sz="2200" b="1" i="0" u="none" strike="noStrike" cap="none" baseline="0" dirty="0" smtClean="0">
-                <a:solidFill>
-                  <a:srgbClr val="000000"/>
-                </a:solidFill>
-                <a:latin typeface="Arial"/>
-                <a:ea typeface="Arial"/>
-                <a:cs typeface="Arial"/>
-                <a:sym typeface="Arial"/>
-                <a:rtl val="0"/>
-              </a:rPr>
-              <a:t>Improved </a:t>
-            </a:r>
-            <a:endParaRPr lang="en-US" sz="2200" b="1" i="0" u="none" strike="noStrike" cap="none" baseline="0" dirty="0">
-              <a:solidFill>
-                <a:srgbClr val="000000"/>
-              </a:solidFill>
-              <a:latin typeface="Arial"/>
-              <a:ea typeface="Arial"/>
-              <a:cs typeface="Arial"/>
-              <a:sym typeface="Arial"/>
-              <a:rtl val="0"/>
-            </a:endParaRPr>
-          </a:p>
-          <a:p>
-            <a:pPr marL="342900" marR="0" lvl="0" indent="-342900" algn="l" rtl="0">
-              <a:lnSpc>
-                <a:spcPct val="100000"/>
-              </a:lnSpc>
-              <a:spcBef>
-                <a:spcPts val="0"/>
-              </a:spcBef>
-              <a:spcAft>
-                <a:spcPts val="0"/>
-              </a:spcAft>
+              <a:t>of </a:t>
+            </a:r>
+            <a:r>
+              <a:rPr lang="en-US" sz="2200" dirty="0" err="1" smtClean="0"/>
+              <a:t>GRNsight</a:t>
+            </a:r>
+            <a:r>
+              <a:rPr lang="en-US" sz="2200" dirty="0" smtClean="0"/>
+              <a:t> was </a:t>
+            </a:r>
+            <a:r>
+              <a:rPr lang="en-US" sz="2200" dirty="0"/>
+              <a:t>created to allow for testing of new features and catching any potential new errors before releasing to </a:t>
+            </a:r>
+            <a:r>
+              <a:rPr lang="en-US" sz="2200" dirty="0" smtClean="0"/>
+              <a:t>the master set of code.</a:t>
+            </a:r>
+            <a:endParaRPr lang="en-US" sz="2200" dirty="0"/>
+          </a:p>
+          <a:p>
+            <a:pPr>
               <a:buClr>
                 <a:srgbClr val="000000"/>
               </a:buClr>
               <a:buSzPct val="100000"/>
+            </a:pPr>
+            <a:r>
+              <a:rPr lang="en-US" sz="2200" b="1" dirty="0" smtClean="0">
+                <a:solidFill>
+                  <a:schemeClr val="dk1"/>
+                </a:solidFill>
+              </a:rPr>
+              <a:t>New </a:t>
+            </a:r>
+            <a:r>
+              <a:rPr lang="en-US" sz="2200" b="1" dirty="0">
+                <a:solidFill>
+                  <a:schemeClr val="dk1"/>
+                </a:solidFill>
+              </a:rPr>
+              <a:t>Unit Testing Framework Implemented</a:t>
+            </a:r>
+          </a:p>
+          <a:p>
+            <a:pPr marL="236538" lvl="0" indent="-236538">
+              <a:buClr>
+                <a:srgbClr val="000000"/>
+              </a:buClr>
+              <a:buSzPct val="100000"/>
               <a:buFont typeface="Arial"/>
               <a:buChar char="•"/>
             </a:pPr>
             <a:r>
-              <a:rPr lang="en-US" sz="2200" b="0" i="0" u="none" strike="noStrike" cap="none" baseline="0" dirty="0">
-                <a:solidFill>
-                  <a:srgbClr val="000000"/>
-                </a:solidFill>
-                <a:latin typeface="Arial"/>
-                <a:ea typeface="Arial"/>
-                <a:cs typeface="Arial"/>
-                <a:sym typeface="Arial"/>
-                <a:rtl val="0"/>
-              </a:rPr>
-              <a:t>Robustness was greatly </a:t>
-            </a:r>
-            <a:r>
-              <a:rPr lang="en-US" sz="2200" b="0" i="0" u="none" strike="noStrike" cap="none" baseline="0" dirty="0" smtClean="0">
-                <a:solidFill>
-                  <a:srgbClr val="000000"/>
-                </a:solidFill>
-                <a:latin typeface="Arial"/>
-                <a:ea typeface="Arial"/>
-                <a:cs typeface="Arial"/>
-                <a:sym typeface="Arial"/>
-                <a:rtl val="0"/>
-              </a:rPr>
-              <a:t>extended.</a:t>
-            </a:r>
-            <a:endParaRPr lang="en-US" sz="2200" b="0" i="0" u="none" strike="noStrike" cap="none" baseline="0" dirty="0">
-              <a:solidFill>
-                <a:srgbClr val="000000"/>
-              </a:solidFill>
-              <a:latin typeface="Arial"/>
-              <a:ea typeface="Arial"/>
-              <a:cs typeface="Arial"/>
-              <a:sym typeface="Arial"/>
-              <a:rtl val="0"/>
-            </a:endParaRPr>
-          </a:p>
-          <a:p>
-            <a:pPr marL="342900" marR="0" lvl="0" indent="-342900" algn="l" rtl="0">
-              <a:lnSpc>
-                <a:spcPct val="100000"/>
-              </a:lnSpc>
-              <a:spcBef>
-                <a:spcPts val="0"/>
-              </a:spcBef>
-              <a:spcAft>
-                <a:spcPts val="0"/>
-              </a:spcAft>
+              <a:rPr lang="en-US" sz="2200" dirty="0" smtClean="0"/>
+              <a:t>Unit </a:t>
+            </a:r>
+            <a:r>
+              <a:rPr lang="en-US" sz="2200" dirty="0"/>
+              <a:t>testing is a software testing method by which individual units of source </a:t>
+            </a:r>
+            <a:r>
+              <a:rPr lang="en-US" sz="2200" dirty="0" smtClean="0"/>
+              <a:t>code </a:t>
+            </a:r>
+            <a:r>
+              <a:rPr lang="en-US" sz="2200" dirty="0"/>
+              <a:t>are tested to determine whether they are fit for use</a:t>
+            </a:r>
+            <a:r>
+              <a:rPr lang="en-US" sz="2200" dirty="0" smtClean="0"/>
+              <a:t>.</a:t>
+            </a:r>
+          </a:p>
+          <a:p>
+            <a:pPr marL="236538" indent="-236538">
               <a:buClr>
                 <a:srgbClr val="000000"/>
               </a:buClr>
@@ -17017,56 +16535,28 @@
               <a:buChar char="•"/>
             </a:pPr>
             <a:r>
-              <a:rPr lang="en-US" sz="2200" b="0" i="0" u="none" strike="noStrike" cap="none" baseline="0" dirty="0">
-                <a:solidFill>
-                  <a:srgbClr val="000000"/>
-                </a:solidFill>
-                <a:latin typeface="Arial"/>
-                <a:ea typeface="Arial"/>
-                <a:cs typeface="Arial"/>
-                <a:sym typeface="Arial"/>
-                <a:rtl val="0"/>
-              </a:rPr>
-              <a:t>Instead of crashing when given an improperly formatted or incorrect file, </a:t>
-            </a:r>
-            <a:r>
-              <a:rPr lang="en-US" sz="2200" b="0" i="0" u="none" strike="noStrike" cap="none" baseline="0" dirty="0" err="1">
-                <a:solidFill>
-                  <a:srgbClr val="000000"/>
-                </a:solidFill>
-                <a:latin typeface="Arial"/>
-                <a:ea typeface="Arial"/>
-                <a:cs typeface="Arial"/>
-                <a:sym typeface="Arial"/>
-                <a:rtl val="0"/>
-              </a:rPr>
-              <a:t>GRNsight</a:t>
-            </a:r>
-            <a:r>
-              <a:rPr lang="en-US" sz="2200" b="0" i="0" u="none" strike="noStrike" cap="none" baseline="0" dirty="0">
-                <a:solidFill>
-                  <a:srgbClr val="000000"/>
-                </a:solidFill>
-                <a:latin typeface="Arial"/>
-                <a:ea typeface="Arial"/>
-                <a:cs typeface="Arial"/>
-                <a:sym typeface="Arial"/>
-                <a:rtl val="0"/>
-              </a:rPr>
-              <a:t> returns an error.</a:t>
-            </a:r>
-          </a:p>
-          <a:p>
-            <a:pPr marL="342900" marR="0" lvl="0" indent="-342900" algn="l" rtl="0">
-              <a:lnSpc>
-                <a:spcPct val="100000"/>
-              </a:lnSpc>
-              <a:spcBef>
-                <a:spcPts val="0"/>
-              </a:spcBef>
-              <a:spcAft>
-                <a:spcPts val="0"/>
-              </a:spcAft>
+              <a:rPr lang="en-US" sz="2200" dirty="0"/>
+              <a:t>Prior </a:t>
+            </a:r>
+            <a:r>
+              <a:rPr lang="en-US" sz="2200" dirty="0" smtClean="0"/>
+              <a:t>to implementing the </a:t>
+            </a:r>
+            <a:r>
+              <a:rPr lang="en-US" sz="2200" dirty="0"/>
+              <a:t>unit testing framework, each </a:t>
+            </a:r>
+            <a:r>
+              <a:rPr lang="en-US" sz="2200" dirty="0" smtClean="0"/>
+              <a:t>test spreadsheet was </a:t>
+            </a:r>
+            <a:r>
+              <a:rPr lang="en-US" sz="2200" dirty="0"/>
+              <a:t>manually uploaded onto the website to test for errors.</a:t>
+            </a:r>
+          </a:p>
+          <a:p>
+            <a:pPr marL="236538" lvl="0" indent="-236538">
               <a:buClr>
                 <a:srgbClr val="000000"/>
               </a:buClr>
@@ -17075,880 +16565,57 @@
               <a:buChar char="•"/>
             </a:pPr>
             <a:r>
-              <a:rPr lang="en-US" sz="2200" b="0" i="0" u="none" strike="noStrike" cap="none" baseline="0" dirty="0">
-                <a:solidFill>
-                  <a:srgbClr val="000000"/>
-                </a:solidFill>
-                <a:latin typeface="Arial"/>
-                <a:ea typeface="Arial"/>
-                <a:cs typeface="Arial"/>
-                <a:sym typeface="Arial"/>
-                <a:rtl val="0"/>
-              </a:rPr>
-              <a:t>Information about the error is returned in a modal without crashing the server</a:t>
-            </a:r>
-            <a:r>
-              <a:rPr lang="en-US" sz="2200" b="0" i="0" u="none" strike="noStrike" cap="none" baseline="0" dirty="0" smtClean="0">
-                <a:solidFill>
-                  <a:srgbClr val="000000"/>
-                </a:solidFill>
-                <a:latin typeface="Arial"/>
-                <a:ea typeface="Arial"/>
-                <a:cs typeface="Arial"/>
-                <a:sym typeface="Arial"/>
-                <a:rtl val="0"/>
-              </a:rPr>
+              <a:rPr lang="en-US" sz="2200" dirty="0" smtClean="0"/>
+              <a:t>Unit </a:t>
+            </a:r>
+            <a:r>
+              <a:rPr lang="en-US" sz="2200" dirty="0"/>
+              <a:t>testing </a:t>
+            </a:r>
+            <a:r>
+              <a:rPr lang="en-US" sz="2200" dirty="0" smtClean="0"/>
+              <a:t>is now executed </a:t>
+            </a:r>
+            <a:r>
+              <a:rPr lang="en-US" sz="2200" dirty="0"/>
+              <a:t>through Mocha, a JavaScript test framework running on node.js.</a:t>
+            </a:r>
+          </a:p>
+          <a:p>
+            <a:pPr marL="236538" indent="-236538">
+              <a:buClr>
+                <a:srgbClr val="000000"/>
+              </a:buClr>
+              <a:buSzPct val="100000"/>
+              <a:buFont typeface="Arial"/>
+              <a:buChar char="•"/>
+            </a:pPr>
+            <a:r>
+              <a:rPr lang="en-US" sz="2200" dirty="0"/>
+              <a:t>All tests are written in Chai, a behavior-driven development/test-driven development assertion library for </a:t>
+            </a:r>
+            <a:r>
+              <a:rPr lang="en-US" sz="2200" dirty="0" err="1" smtClean="0"/>
+              <a:t>node.js</a:t>
+            </a:r>
+            <a:r>
+              <a:rPr lang="en-US" sz="2200" dirty="0" smtClean="0"/>
               <a:t>.</a:t>
             </a:r>
-          </a:p>
-          <a:p>
-            <a:pPr marL="342900" marR="0" lvl="0" indent="-342900" algn="l" rtl="0">
-              <a:lnSpc>
-                <a:spcPct val="100000"/>
-              </a:lnSpc>
-              <a:spcBef>
-                <a:spcPts val="0"/>
-              </a:spcBef>
-              <a:spcAft>
-                <a:spcPts val="0"/>
-              </a:spcAft>
+            <a:endParaRPr lang="en-US" sz="2200" dirty="0" smtClean="0"/>
+          </a:p>
+          <a:p>
+            <a:pPr>
               <a:buClr>
                 <a:srgbClr val="000000"/>
               </a:buClr>
               <a:buSzPct val="100000"/>
-              <a:buFont typeface="Arial"/>
-              <a:buChar char="•"/>
-            </a:pPr>
-            <a:endParaRPr lang="en-US" sz="2200" dirty="0"/>
-          </a:p>
-          <a:p>
-            <a:pPr marL="342900" marR="0" lvl="0" indent="-342900" algn="l" rtl="0">
-              <a:lnSpc>
-                <a:spcPct val="100000"/>
-              </a:lnSpc>
-              <a:spcBef>
-                <a:spcPts val="0"/>
-              </a:spcBef>
-              <a:spcAft>
-                <a:spcPts val="0"/>
-              </a:spcAft>
-              <a:buClr>
-                <a:srgbClr val="000000"/>
-              </a:buClr>
-              <a:buSzPct val="100000"/>
-              <a:buFont typeface="Arial"/>
-              <a:buChar char="•"/>
-            </a:pPr>
-            <a:endParaRPr lang="en-US" sz="2200" b="0" i="0" u="none" strike="noStrike" cap="none" baseline="0" dirty="0" smtClean="0">
-              <a:solidFill>
-                <a:srgbClr val="000000"/>
-              </a:solidFill>
-              <a:latin typeface="Arial"/>
-              <a:ea typeface="Arial"/>
-              <a:cs typeface="Arial"/>
-              <a:sym typeface="Arial"/>
-              <a:rtl val="0"/>
-            </a:endParaRPr>
-          </a:p>
-          <a:p>
-            <a:pPr marL="342900" marR="0" lvl="0" indent="-342900" algn="l" rtl="0">
-              <a:lnSpc>
-                <a:spcPct val="100000"/>
-              </a:lnSpc>
-              <a:spcBef>
-                <a:spcPts val="0"/>
-              </a:spcBef>
-              <a:spcAft>
-                <a:spcPts val="0"/>
-              </a:spcAft>
-              <a:buClr>
-                <a:srgbClr val="000000"/>
-              </a:buClr>
-              <a:buSzPct val="100000"/>
-              <a:buFont typeface="Arial"/>
-              <a:buChar char="•"/>
-            </a:pPr>
-            <a:endParaRPr lang="en-US" sz="2200" dirty="0"/>
-          </a:p>
-          <a:p>
-            <a:pPr marL="342900" marR="0" lvl="0" indent="-342900" algn="l" rtl="0">
-              <a:lnSpc>
-                <a:spcPct val="100000"/>
-              </a:lnSpc>
-              <a:spcBef>
-                <a:spcPts val="0"/>
-              </a:spcBef>
-              <a:spcAft>
-                <a:spcPts val="0"/>
-              </a:spcAft>
-              <a:buClr>
-                <a:srgbClr val="000000"/>
-              </a:buClr>
-              <a:buSzPct val="100000"/>
-              <a:buFont typeface="Arial"/>
-              <a:buChar char="•"/>
-            </a:pPr>
-            <a:endParaRPr lang="en-US" sz="2200" b="0" i="0" u="none" strike="noStrike" cap="none" baseline="0" dirty="0" smtClean="0">
-              <a:solidFill>
-                <a:srgbClr val="000000"/>
-              </a:solidFill>
-              <a:latin typeface="Arial"/>
-              <a:ea typeface="Arial"/>
-              <a:cs typeface="Arial"/>
-              <a:sym typeface="Arial"/>
-              <a:rtl val="0"/>
-            </a:endParaRPr>
-          </a:p>
-          <a:p>
-            <a:pPr marL="342900" marR="0" lvl="0" indent="-342900" algn="l" rtl="0">
-              <a:lnSpc>
-                <a:spcPct val="100000"/>
-              </a:lnSpc>
-              <a:spcBef>
-                <a:spcPts val="0"/>
-              </a:spcBef>
-              <a:spcAft>
-                <a:spcPts val="0"/>
-              </a:spcAft>
-              <a:buClr>
-                <a:srgbClr val="000000"/>
-              </a:buClr>
-              <a:buSzPct val="100000"/>
-              <a:buFont typeface="Arial"/>
-              <a:buChar char="•"/>
-            </a:pPr>
-            <a:endParaRPr lang="en-US" sz="2200" dirty="0"/>
-          </a:p>
-          <a:p>
-            <a:pPr marL="342900" marR="0" lvl="0" indent="-342900" algn="l" rtl="0">
-              <a:lnSpc>
-                <a:spcPct val="100000"/>
-              </a:lnSpc>
-              <a:spcBef>
-                <a:spcPts val="0"/>
-              </a:spcBef>
-              <a:spcAft>
-                <a:spcPts val="0"/>
-              </a:spcAft>
-              <a:buClr>
-                <a:srgbClr val="000000"/>
-              </a:buClr>
-              <a:buSzPct val="100000"/>
-              <a:buFont typeface="Arial"/>
-              <a:buChar char="•"/>
-            </a:pPr>
-            <a:endParaRPr lang="en-US" sz="2200" b="0" i="0" u="none" strike="noStrike" cap="none" baseline="0" dirty="0" smtClean="0">
-              <a:solidFill>
-                <a:srgbClr val="000000"/>
-              </a:solidFill>
-              <a:latin typeface="Arial"/>
-              <a:ea typeface="Arial"/>
-              <a:cs typeface="Arial"/>
-              <a:sym typeface="Arial"/>
-              <a:rtl val="0"/>
-            </a:endParaRPr>
-          </a:p>
-          <a:p>
-            <a:pPr marL="342900" marR="0" lvl="0" indent="-342900" algn="l" rtl="0">
-              <a:lnSpc>
-                <a:spcPct val="100000"/>
-              </a:lnSpc>
-              <a:spcBef>
-                <a:spcPts val="0"/>
-              </a:spcBef>
-              <a:spcAft>
-                <a:spcPts val="0"/>
-              </a:spcAft>
-              <a:buClr>
-                <a:srgbClr val="000000"/>
-              </a:buClr>
-              <a:buSzPct val="100000"/>
-              <a:buFont typeface="Arial"/>
-              <a:buChar char="•"/>
-            </a:pPr>
-            <a:endParaRPr lang="en-US" sz="2200" dirty="0"/>
-          </a:p>
-          <a:p>
-            <a:pPr marL="342900" marR="0" lvl="0" indent="-342900" algn="l" rtl="0">
-              <a:lnSpc>
-                <a:spcPct val="100000"/>
-              </a:lnSpc>
-              <a:spcBef>
-                <a:spcPts val="0"/>
-              </a:spcBef>
-              <a:spcAft>
-                <a:spcPts val="0"/>
-              </a:spcAft>
-              <a:buClr>
-                <a:srgbClr val="000000"/>
-              </a:buClr>
-              <a:buSzPct val="100000"/>
-              <a:buFont typeface="Arial"/>
-              <a:buChar char="•"/>
-            </a:pPr>
-            <a:endParaRPr lang="en-US" sz="2200" b="0" i="0" u="none" strike="noStrike" cap="none" baseline="0" dirty="0" smtClean="0">
-              <a:solidFill>
-                <a:srgbClr val="000000"/>
-              </a:solidFill>
-              <a:latin typeface="Arial"/>
-              <a:ea typeface="Arial"/>
-              <a:cs typeface="Arial"/>
-              <a:sym typeface="Arial"/>
-              <a:rtl val="0"/>
-            </a:endParaRPr>
-          </a:p>
-          <a:p>
-            <a:pPr marL="342900" marR="0" lvl="0" indent="-342900" algn="l" rtl="0">
-              <a:lnSpc>
-                <a:spcPct val="100000"/>
-              </a:lnSpc>
-              <a:spcBef>
-                <a:spcPts val="0"/>
-              </a:spcBef>
-              <a:spcAft>
-                <a:spcPts val="0"/>
-              </a:spcAft>
-              <a:buClr>
-                <a:srgbClr val="000000"/>
-              </a:buClr>
-              <a:buSzPct val="100000"/>
-              <a:buFont typeface="Arial"/>
-              <a:buChar char="•"/>
-            </a:pPr>
-            <a:endParaRPr lang="en-US" sz="2200" dirty="0"/>
-          </a:p>
-          <a:p>
-            <a:pPr marL="342900" marR="0" lvl="0" indent="-342900" algn="l" rtl="0">
-              <a:lnSpc>
-                <a:spcPct val="100000"/>
-              </a:lnSpc>
-              <a:spcBef>
-                <a:spcPts val="0"/>
-              </a:spcBef>
-              <a:spcAft>
-                <a:spcPts val="0"/>
-              </a:spcAft>
-              <a:buClr>
-                <a:srgbClr val="000000"/>
-              </a:buClr>
-              <a:buSzPct val="100000"/>
-              <a:buFont typeface="Arial"/>
-              <a:buChar char="•"/>
-            </a:pPr>
-            <a:endParaRPr lang="en-US" sz="2200" b="0" i="0" u="none" strike="noStrike" cap="none" baseline="0" dirty="0" smtClean="0">
-              <a:solidFill>
-                <a:srgbClr val="000000"/>
-              </a:solidFill>
-              <a:latin typeface="Arial"/>
-              <a:ea typeface="Arial"/>
-              <a:cs typeface="Arial"/>
-              <a:sym typeface="Arial"/>
-              <a:rtl val="0"/>
-            </a:endParaRPr>
-          </a:p>
-          <a:p>
-            <a:pPr marL="342900" marR="0" lvl="0" indent="-342900" algn="l" rtl="0">
-              <a:lnSpc>
-                <a:spcPct val="100000"/>
-              </a:lnSpc>
-              <a:spcBef>
-                <a:spcPts val="0"/>
-              </a:spcBef>
-              <a:spcAft>
-                <a:spcPts val="0"/>
-              </a:spcAft>
-              <a:buClr>
-                <a:srgbClr val="000000"/>
-              </a:buClr>
-              <a:buSzPct val="100000"/>
-              <a:buFont typeface="Arial"/>
-              <a:buChar char="•"/>
-            </a:pPr>
-            <a:endParaRPr lang="en-US" sz="2200" dirty="0"/>
-          </a:p>
-          <a:p>
-            <a:pPr marL="342900" marR="0" lvl="0" indent="-342900" algn="l" rtl="0">
-              <a:lnSpc>
-                <a:spcPct val="100000"/>
-              </a:lnSpc>
-              <a:spcBef>
-                <a:spcPts val="0"/>
-              </a:spcBef>
-              <a:spcAft>
-                <a:spcPts val="0"/>
-              </a:spcAft>
-              <a:buClr>
-                <a:srgbClr val="000000"/>
-              </a:buClr>
-              <a:buSzPct val="100000"/>
-              <a:buFont typeface="Arial"/>
-              <a:buChar char="•"/>
-            </a:pPr>
-            <a:endParaRPr lang="en-US" sz="2200" b="0" i="0" u="none" strike="noStrike" cap="none" baseline="0" dirty="0" smtClean="0">
-              <a:solidFill>
-                <a:srgbClr val="000000"/>
-              </a:solidFill>
-              <a:latin typeface="Arial"/>
-              <a:ea typeface="Arial"/>
-              <a:cs typeface="Arial"/>
-              <a:sym typeface="Arial"/>
-              <a:rtl val="0"/>
-            </a:endParaRPr>
-          </a:p>
-          <a:p>
-            <a:pPr marL="342900" marR="0" lvl="0" indent="-342900" algn="l" rtl="0">
-              <a:lnSpc>
-                <a:spcPct val="100000"/>
-              </a:lnSpc>
-              <a:spcBef>
-                <a:spcPts val="0"/>
-              </a:spcBef>
-              <a:spcAft>
-                <a:spcPts val="0"/>
-              </a:spcAft>
-              <a:buClr>
-                <a:srgbClr val="000000"/>
-              </a:buClr>
-              <a:buSzPct val="100000"/>
-              <a:buFont typeface="Arial"/>
-              <a:buChar char="•"/>
-            </a:pPr>
-            <a:endParaRPr lang="en-US" sz="2200" dirty="0"/>
-          </a:p>
-          <a:p>
-            <a:pPr marR="0" lvl="0" algn="l" rtl="0">
-              <a:lnSpc>
-                <a:spcPct val="100000"/>
-              </a:lnSpc>
-              <a:spcBef>
-                <a:spcPts val="0"/>
-              </a:spcBef>
-              <a:spcAft>
-                <a:spcPts val="0"/>
-              </a:spcAft>
-              <a:buClr>
-                <a:srgbClr val="000000"/>
-              </a:buClr>
-              <a:buSzPct val="100000"/>
-            </a:pPr>
-            <a:endParaRPr lang="en-US" sz="500" b="1" i="0" u="none" strike="noStrike" cap="none" baseline="0" dirty="0" smtClean="0">
-              <a:solidFill>
-                <a:srgbClr val="000000"/>
-              </a:solidFill>
-              <a:latin typeface="Arial"/>
-              <a:ea typeface="Arial"/>
-              <a:cs typeface="Arial"/>
-              <a:sym typeface="Arial"/>
-              <a:rtl val="0"/>
-            </a:endParaRPr>
-          </a:p>
-          <a:p>
-            <a:pPr marR="0" lvl="0" algn="l" rtl="0">
-              <a:lnSpc>
-                <a:spcPct val="100000"/>
-              </a:lnSpc>
-              <a:spcBef>
-                <a:spcPts val="0"/>
-              </a:spcBef>
-              <a:spcAft>
-                <a:spcPts val="0"/>
-              </a:spcAft>
-              <a:buClr>
-                <a:srgbClr val="000000"/>
-              </a:buClr>
-              <a:buSzPct val="100000"/>
-            </a:pPr>
-            <a:r>
-              <a:rPr lang="en-US" sz="2200" b="1" i="0" u="none" strike="noStrike" cap="none" baseline="0" dirty="0" smtClean="0">
-                <a:solidFill>
-                  <a:srgbClr val="000000"/>
-                </a:solidFill>
-                <a:latin typeface="Arial"/>
-                <a:ea typeface="Arial"/>
-                <a:cs typeface="Arial"/>
-                <a:sym typeface="Arial"/>
-                <a:rtl val="0"/>
-              </a:rPr>
+            </a:pPr>
+            <a:r>
+              <a:rPr lang="en-US" sz="2200" b="1" dirty="0" smtClean="0"/>
               <a:t>Sample Code</a:t>
             </a:r>
-            <a:endParaRPr lang="en-US" sz="2200" b="1" i="0" u="none" strike="noStrike" cap="none" baseline="0" dirty="0" smtClean="0">
-              <a:solidFill>
-                <a:srgbClr val="000000"/>
-              </a:solidFill>
-              <a:latin typeface="Arial"/>
-              <a:ea typeface="Arial"/>
-              <a:cs typeface="Arial"/>
-              <a:sym typeface="Arial"/>
-              <a:rtl val="0"/>
-            </a:endParaRPr>
-          </a:p>
-          <a:p>
-            <a:pPr marR="0" lvl="0" algn="l" rtl="0">
-              <a:lnSpc>
-                <a:spcPct val="100000"/>
-              </a:lnSpc>
-              <a:spcBef>
-                <a:spcPts val="0"/>
-              </a:spcBef>
-              <a:spcAft>
-                <a:spcPts val="0"/>
-              </a:spcAft>
-              <a:buClr>
-                <a:srgbClr val="000000"/>
-              </a:buClr>
-              <a:buSzPct val="100000"/>
-            </a:pPr>
-            <a:endParaRPr lang="en-US" sz="2200" dirty="0"/>
-          </a:p>
-          <a:p>
-            <a:pPr marL="342900" marR="0" lvl="0" indent="-342900" algn="l" rtl="0">
-              <a:lnSpc>
-                <a:spcPct val="100000"/>
-              </a:lnSpc>
-              <a:spcBef>
-                <a:spcPts val="0"/>
-              </a:spcBef>
-              <a:spcAft>
-                <a:spcPts val="0"/>
-              </a:spcAft>
-              <a:buClr>
-                <a:srgbClr val="000000"/>
-              </a:buClr>
-              <a:buSzPct val="100000"/>
-              <a:buFont typeface="Arial"/>
-              <a:buChar char="•"/>
-            </a:pPr>
-            <a:endParaRPr lang="en-US" sz="2200" b="0" i="0" u="none" strike="noStrike" cap="none" baseline="0" dirty="0" smtClean="0">
-              <a:solidFill>
-                <a:srgbClr val="000000"/>
-              </a:solidFill>
-              <a:latin typeface="Arial"/>
-              <a:ea typeface="Arial"/>
-              <a:cs typeface="Arial"/>
-              <a:sym typeface="Arial"/>
-              <a:rtl val="0"/>
-            </a:endParaRPr>
-          </a:p>
-          <a:p>
-            <a:pPr marL="342900" marR="0" lvl="0" indent="-342900" algn="l" rtl="0">
-              <a:lnSpc>
-                <a:spcPct val="100000"/>
-              </a:lnSpc>
-              <a:spcBef>
-                <a:spcPts val="0"/>
-              </a:spcBef>
-              <a:spcAft>
-                <a:spcPts val="0"/>
-              </a:spcAft>
-              <a:buClr>
-                <a:srgbClr val="000000"/>
-              </a:buClr>
-              <a:buSzPct val="100000"/>
-              <a:buFont typeface="Arial"/>
-              <a:buChar char="•"/>
-            </a:pPr>
-            <a:endParaRPr lang="en-US" sz="2200" dirty="0"/>
-          </a:p>
-          <a:p>
-            <a:pPr marL="342900" marR="0" lvl="0" indent="-342900" algn="l" rtl="0">
-              <a:lnSpc>
-                <a:spcPct val="100000"/>
-              </a:lnSpc>
-              <a:spcBef>
-                <a:spcPts val="0"/>
-              </a:spcBef>
-              <a:spcAft>
-                <a:spcPts val="0"/>
-              </a:spcAft>
-              <a:buClr>
-                <a:srgbClr val="000000"/>
-              </a:buClr>
-              <a:buSzPct val="100000"/>
-              <a:buFont typeface="Arial"/>
-              <a:buChar char="•"/>
-            </a:pPr>
-            <a:endParaRPr lang="en-US" sz="2200" b="0" i="0" u="none" strike="noStrike" cap="none" baseline="0" dirty="0" smtClean="0">
-              <a:solidFill>
-                <a:srgbClr val="000000"/>
-              </a:solidFill>
-              <a:latin typeface="Arial"/>
-              <a:ea typeface="Arial"/>
-              <a:cs typeface="Arial"/>
-              <a:sym typeface="Arial"/>
-              <a:rtl val="0"/>
-            </a:endParaRPr>
-          </a:p>
-          <a:p>
-            <a:pPr marL="342900" marR="0" lvl="0" indent="-342900" algn="l" rtl="0">
-              <a:lnSpc>
-                <a:spcPct val="100000"/>
-              </a:lnSpc>
-              <a:spcBef>
-                <a:spcPts val="0"/>
-              </a:spcBef>
-              <a:spcAft>
-                <a:spcPts val="0"/>
-              </a:spcAft>
-              <a:buClr>
-                <a:srgbClr val="000000"/>
-              </a:buClr>
-              <a:buSzPct val="100000"/>
-              <a:buFont typeface="Arial"/>
-              <a:buChar char="•"/>
-            </a:pPr>
-            <a:endParaRPr lang="en-US" sz="2200" dirty="0"/>
-          </a:p>
-          <a:p>
-            <a:pPr marL="342900" marR="0" lvl="0" indent="-342900" algn="l" rtl="0">
-              <a:lnSpc>
-                <a:spcPct val="100000"/>
-              </a:lnSpc>
-              <a:spcBef>
-                <a:spcPts val="0"/>
-              </a:spcBef>
-              <a:spcAft>
-                <a:spcPts val="0"/>
-              </a:spcAft>
-              <a:buClr>
-                <a:srgbClr val="000000"/>
-              </a:buClr>
-              <a:buSzPct val="100000"/>
-              <a:buFont typeface="Arial"/>
-              <a:buChar char="•"/>
-            </a:pPr>
-            <a:endParaRPr lang="en-US" sz="2200" b="0" i="0" u="none" strike="noStrike" cap="none" baseline="0" dirty="0" smtClean="0">
-              <a:solidFill>
-                <a:srgbClr val="000000"/>
-              </a:solidFill>
-              <a:latin typeface="Arial"/>
-              <a:ea typeface="Arial"/>
-              <a:cs typeface="Arial"/>
-              <a:sym typeface="Arial"/>
-              <a:rtl val="0"/>
-            </a:endParaRPr>
-          </a:p>
-          <a:p>
-            <a:pPr marL="342900" marR="0" lvl="0" indent="-342900" algn="l" rtl="0">
-              <a:lnSpc>
-                <a:spcPct val="100000"/>
-              </a:lnSpc>
-              <a:spcBef>
-                <a:spcPts val="0"/>
-              </a:spcBef>
-              <a:spcAft>
-                <a:spcPts val="0"/>
-              </a:spcAft>
-              <a:buClr>
-                <a:srgbClr val="000000"/>
-              </a:buClr>
-              <a:buSzPct val="100000"/>
-              <a:buFont typeface="Arial"/>
-              <a:buChar char="•"/>
-            </a:pPr>
-            <a:endParaRPr lang="en-US" sz="2200" dirty="0"/>
-          </a:p>
-          <a:p>
-            <a:pPr marL="342900" marR="0" lvl="0" indent="-203200" algn="l" rtl="0">
-              <a:lnSpc>
-                <a:spcPct val="100000"/>
-              </a:lnSpc>
-              <a:spcBef>
-                <a:spcPts val="0"/>
-              </a:spcBef>
-              <a:spcAft>
-                <a:spcPts val="0"/>
-              </a:spcAft>
-              <a:buClr>
-                <a:srgbClr val="000000"/>
-              </a:buClr>
-              <a:buFont typeface="Arial"/>
-              <a:buNone/>
-            </a:pPr>
-            <a:endParaRPr sz="2200" b="0" i="0" u="none" strike="noStrike" cap="none" baseline="0" dirty="0">
-              <a:solidFill>
-                <a:srgbClr val="000000"/>
-              </a:solidFill>
-              <a:latin typeface="Arial"/>
-              <a:ea typeface="Arial"/>
-              <a:cs typeface="Arial"/>
-              <a:sym typeface="Arial"/>
-              <a:rtl val="0"/>
-            </a:endParaRPr>
-          </a:p>
-          <a:p>
-            <a:pPr marL="342900" marR="0" lvl="0" indent="-203200" algn="l" rtl="0">
-              <a:lnSpc>
-                <a:spcPct val="100000"/>
-              </a:lnSpc>
-              <a:spcBef>
-                <a:spcPts val="0"/>
-              </a:spcBef>
-              <a:spcAft>
-                <a:spcPts val="0"/>
-              </a:spcAft>
-              <a:buClr>
-                <a:srgbClr val="000000"/>
-              </a:buClr>
-              <a:buFont typeface="Arial"/>
-              <a:buNone/>
-            </a:pPr>
-            <a:endParaRPr sz="2200" b="0" i="0" u="none" strike="noStrike" cap="none" baseline="0" dirty="0">
-              <a:solidFill>
-                <a:srgbClr val="000000"/>
-              </a:solidFill>
-              <a:latin typeface="Arial"/>
-              <a:ea typeface="Arial"/>
-              <a:cs typeface="Arial"/>
-              <a:sym typeface="Arial"/>
-              <a:rtl val="0"/>
-            </a:endParaRPr>
-          </a:p>
-          <a:p>
-            <a:pPr marL="342900" marR="0" lvl="0" indent="-203200" algn="l" rtl="0">
-              <a:lnSpc>
-                <a:spcPct val="100000"/>
-              </a:lnSpc>
-              <a:spcBef>
-                <a:spcPts val="0"/>
-              </a:spcBef>
-              <a:spcAft>
-                <a:spcPts val="0"/>
-              </a:spcAft>
-              <a:buClr>
-                <a:srgbClr val="000000"/>
-              </a:buClr>
-              <a:buFont typeface="Arial"/>
-              <a:buNone/>
-            </a:pPr>
-            <a:endParaRPr sz="2200" b="0" i="0" u="none" strike="noStrike" cap="none" baseline="0" dirty="0">
-              <a:solidFill>
-                <a:srgbClr val="000000"/>
-              </a:solidFill>
-              <a:latin typeface="Arial"/>
-              <a:ea typeface="Arial"/>
-              <a:cs typeface="Arial"/>
-              <a:sym typeface="Arial"/>
-              <a:rtl val="0"/>
-            </a:endParaRPr>
-          </a:p>
-          <a:p>
-            <a:pPr marL="342900" marR="0" lvl="0" indent="-203200" algn="l" rtl="0">
-              <a:lnSpc>
-                <a:spcPct val="100000"/>
-              </a:lnSpc>
-              <a:spcBef>
-                <a:spcPts val="0"/>
-              </a:spcBef>
-              <a:spcAft>
-                <a:spcPts val="0"/>
-              </a:spcAft>
-              <a:buClr>
-                <a:srgbClr val="000000"/>
-              </a:buClr>
-              <a:buFont typeface="Arial"/>
-              <a:buNone/>
-            </a:pPr>
-            <a:endParaRPr sz="2200" b="0" i="0" u="none" strike="noStrike" cap="none" baseline="0" dirty="0">
-              <a:solidFill>
-                <a:srgbClr val="000000"/>
-              </a:solidFill>
-              <a:latin typeface="Arial"/>
-              <a:ea typeface="Arial"/>
-              <a:cs typeface="Arial"/>
-              <a:sym typeface="Arial"/>
-              <a:rtl val="0"/>
-            </a:endParaRPr>
-          </a:p>
-        </p:txBody>
-      </p:sp>
-      <p:sp>
-        <p:nvSpPr>
-          <p:cNvPr id="83" name="Shape 110"/>
-          <p:cNvSpPr txBox="1"/>
-          <p:nvPr/>
-        </p:nvSpPr>
-        <p:spPr>
-          <a:xfrm>
-            <a:off x="33102453" y="10159119"/>
-            <a:ext cx="6907200" cy="2067357"/>
-          </a:xfrm>
-          <a:prstGeom prst="rect">
-            <a:avLst/>
-          </a:prstGeom>
-          <a:noFill/>
-          <a:ln>
-            <a:noFill/>
-          </a:ln>
-        </p:spPr>
-        <p:txBody>
-          <a:bodyPr lIns="91425" tIns="45700" rIns="91425" bIns="45700" anchor="t" anchorCtr="0">
-            <a:noAutofit/>
-          </a:bodyPr>
-          <a:lstStyle/>
-          <a:p>
-            <a:pPr marL="0" marR="0" lvl="0" indent="0" algn="l" rtl="0">
-              <a:lnSpc>
-                <a:spcPct val="100000"/>
-              </a:lnSpc>
-              <a:spcBef>
-                <a:spcPts val="0"/>
-              </a:spcBef>
-              <a:spcAft>
-                <a:spcPts val="0"/>
-              </a:spcAft>
-              <a:buClr>
-                <a:srgbClr val="000000"/>
-              </a:buClr>
-              <a:buSzPct val="25000"/>
-              <a:buFont typeface="Arial"/>
-              <a:buNone/>
-            </a:pPr>
-            <a:r>
-              <a:rPr lang="en-US" sz="2200" b="1" i="0" u="none" strike="noStrike" cap="none" baseline="0" dirty="0" smtClean="0">
-                <a:solidFill>
-                  <a:srgbClr val="000000"/>
-                </a:solidFill>
-                <a:latin typeface="Arial"/>
-                <a:ea typeface="Arial"/>
-                <a:cs typeface="Arial"/>
-                <a:sym typeface="Arial"/>
-                <a:rtl val="0"/>
-              </a:rPr>
-              <a:t>Beta </a:t>
-            </a:r>
-            <a:r>
-              <a:rPr lang="en-US" sz="2200" b="1" i="0" u="none" strike="noStrike" cap="none" baseline="0" dirty="0">
-                <a:solidFill>
-                  <a:srgbClr val="000000"/>
-                </a:solidFill>
-                <a:latin typeface="Arial"/>
-                <a:ea typeface="Arial"/>
-                <a:cs typeface="Arial"/>
-                <a:sym typeface="Arial"/>
-                <a:rtl val="0"/>
-              </a:rPr>
-              <a:t>Version Allows for Testing of New Features</a:t>
-            </a:r>
-          </a:p>
-          <a:p>
-            <a:pPr marL="342900" marR="0" lvl="0" indent="-342900" algn="l" rtl="0">
-              <a:lnSpc>
-                <a:spcPct val="100000"/>
-              </a:lnSpc>
-              <a:spcBef>
-                <a:spcPts val="0"/>
-              </a:spcBef>
-              <a:spcAft>
-                <a:spcPts val="0"/>
-              </a:spcAft>
-              <a:buClr>
-                <a:srgbClr val="000000"/>
-              </a:buClr>
-              <a:buSzPct val="100000"/>
-              <a:buFont typeface="Arial"/>
-              <a:buChar char="•"/>
-            </a:pPr>
-            <a:r>
-              <a:rPr lang="en-US" sz="2200" b="0" i="0" u="none" strike="noStrike" cap="none" baseline="0" dirty="0">
-                <a:solidFill>
-                  <a:srgbClr val="000000"/>
-                </a:solidFill>
-                <a:latin typeface="Arial"/>
-                <a:ea typeface="Arial"/>
-                <a:cs typeface="Arial"/>
-                <a:sym typeface="Arial"/>
-                <a:rtl val="0"/>
-              </a:rPr>
-              <a:t>A beta version was created to allow for testing of new features and catching any potential new errors before releasing to master</a:t>
-            </a:r>
-            <a:r>
-              <a:rPr lang="en-US" sz="2200" b="0" i="0" u="none" strike="noStrike" cap="none" baseline="0" dirty="0" smtClean="0">
-                <a:solidFill>
-                  <a:srgbClr val="000000"/>
-                </a:solidFill>
-                <a:latin typeface="Arial"/>
-                <a:ea typeface="Arial"/>
-                <a:cs typeface="Arial"/>
-                <a:sym typeface="Arial"/>
-                <a:rtl val="0"/>
-              </a:rPr>
-              <a:t>.</a:t>
-            </a:r>
-          </a:p>
-          <a:p>
-            <a:pPr marL="342900" marR="0" lvl="0" indent="-342900" algn="l" rtl="0">
-              <a:lnSpc>
-                <a:spcPct val="100000"/>
-              </a:lnSpc>
-              <a:spcBef>
-                <a:spcPts val="0"/>
-              </a:spcBef>
-              <a:spcAft>
-                <a:spcPts val="0"/>
-              </a:spcAft>
-              <a:buClr>
-                <a:srgbClr val="000000"/>
-              </a:buClr>
-              <a:buSzPct val="100000"/>
-              <a:buFont typeface="Arial"/>
-              <a:buChar char="•"/>
-            </a:pPr>
-            <a:endParaRPr lang="en-US" sz="2200" dirty="0"/>
-          </a:p>
-          <a:p>
-            <a:pPr marR="0" lvl="0" algn="l" rtl="0">
-              <a:lnSpc>
-                <a:spcPct val="100000"/>
-              </a:lnSpc>
-              <a:spcBef>
-                <a:spcPts val="0"/>
-              </a:spcBef>
-              <a:spcAft>
-                <a:spcPts val="0"/>
-              </a:spcAft>
-              <a:buClr>
-                <a:srgbClr val="000000"/>
-              </a:buClr>
-              <a:buSzPct val="100000"/>
-            </a:pPr>
-            <a:endParaRPr lang="en-US" sz="2200" b="0" i="0" u="none" strike="noStrike" cap="none" baseline="0" dirty="0">
-              <a:solidFill>
-                <a:srgbClr val="000000"/>
-              </a:solidFill>
-              <a:latin typeface="Arial"/>
-              <a:ea typeface="Arial"/>
-              <a:cs typeface="Arial"/>
-              <a:sym typeface="Arial"/>
-              <a:rtl val="0"/>
-            </a:endParaRPr>
-          </a:p>
-          <a:p>
-            <a:pPr marL="342900" marR="0" lvl="0" indent="-203200" algn="l" rtl="0">
-              <a:lnSpc>
-                <a:spcPct val="100000"/>
-              </a:lnSpc>
-              <a:spcBef>
-                <a:spcPts val="0"/>
-              </a:spcBef>
-              <a:spcAft>
-                <a:spcPts val="0"/>
-              </a:spcAft>
-              <a:buClr>
-                <a:srgbClr val="000000"/>
-              </a:buClr>
-              <a:buFont typeface="Arial"/>
-              <a:buNone/>
-            </a:pPr>
-            <a:endParaRPr sz="2200" b="0" i="0" u="none" strike="noStrike" cap="none" baseline="0" dirty="0">
-              <a:solidFill>
-                <a:srgbClr val="000000"/>
-              </a:solidFill>
-              <a:latin typeface="Arial"/>
-              <a:ea typeface="Arial"/>
-              <a:cs typeface="Arial"/>
-              <a:sym typeface="Arial"/>
-              <a:rtl val="0"/>
-            </a:endParaRPr>
+            <a:endParaRPr lang="en-US" sz="2200" b="1" dirty="0"/>
           </a:p>
         </p:txBody>
       </p:sp>
@@ -17968,7 +16635,7 @@
         </p:blipFill>
         <p:spPr>
           <a:xfrm>
-            <a:off x="40112360" y="10022884"/>
+            <a:off x="40112360" y="15329588"/>
             <a:ext cx="2339430" cy="3073050"/>
           </a:xfrm>
           <a:prstGeom prst="rect">
@@ -17980,115 +16647,6 @@
           </a:ln>
         </p:spPr>
       </p:pic>
-      <p:sp>
-        <p:nvSpPr>
-          <p:cNvPr id="136" name="Shape 121"/>
-          <p:cNvSpPr/>
-          <p:nvPr/>
-        </p:nvSpPr>
-        <p:spPr>
-          <a:xfrm>
-            <a:off x="33121125" y="11592423"/>
-            <a:ext cx="6991235" cy="1922850"/>
-          </a:xfrm>
-          <a:prstGeom prst="rect">
-            <a:avLst/>
-          </a:prstGeom>
-          <a:solidFill>
-            <a:schemeClr val="lt1"/>
-          </a:solidFill>
-          <a:ln>
-            <a:noFill/>
-          </a:ln>
-        </p:spPr>
-        <p:txBody>
-          <a:bodyPr lIns="91425" tIns="45700" rIns="91425" bIns="45700" anchor="t" anchorCtr="0">
-            <a:noAutofit/>
-          </a:bodyPr>
-          <a:lstStyle/>
-          <a:p>
-            <a:pPr marL="0" marR="0" lvl="0" indent="0" algn="l" rtl="0">
-              <a:lnSpc>
-                <a:spcPct val="100000"/>
-              </a:lnSpc>
-              <a:spcBef>
-                <a:spcPts val="0"/>
-              </a:spcBef>
-              <a:spcAft>
-                <a:spcPts val="0"/>
-              </a:spcAft>
-              <a:buClr>
-                <a:schemeClr val="dk1"/>
-              </a:buClr>
-              <a:buSzPct val="25000"/>
-              <a:buFont typeface="Arial"/>
-              <a:buNone/>
-            </a:pPr>
-            <a:r>
-              <a:rPr lang="en-US" sz="2200" b="1" i="0" u="none" strike="noStrike" cap="none" baseline="0" dirty="0" smtClean="0">
-                <a:solidFill>
-                  <a:schemeClr val="dk1"/>
-                </a:solidFill>
-                <a:latin typeface="Arial"/>
-                <a:ea typeface="Arial"/>
-                <a:cs typeface="Arial"/>
-                <a:sym typeface="Arial"/>
-                <a:rtl val="0"/>
-              </a:rPr>
-              <a:t>New Unit Testing Framework Implemented</a:t>
-            </a:r>
-          </a:p>
-          <a:p>
-            <a:pPr marL="342900" lvl="0" indent="-342900">
-              <a:buClr>
-                <a:srgbClr val="000000"/>
-              </a:buClr>
-              <a:buSzPct val="100000"/>
-              <a:buFont typeface="Arial"/>
-              <a:buChar char="•"/>
-            </a:pPr>
-            <a:r>
-              <a:rPr lang="en-US" sz="2200" dirty="0" smtClean="0"/>
-              <a:t>Unit testing executed through Mocha, a JavaScript test framework running on </a:t>
-            </a:r>
-            <a:r>
-              <a:rPr lang="en-US" sz="2200" dirty="0" err="1" smtClean="0"/>
-              <a:t>node.js</a:t>
-            </a:r>
-            <a:r>
-              <a:rPr lang="en-US" sz="2200" dirty="0" smtClean="0"/>
-              <a:t>.</a:t>
-            </a:r>
-            <a:endParaRPr lang="en-US" sz="2200" dirty="0" smtClean="0"/>
-          </a:p>
-          <a:p>
-            <a:pPr marL="342900" indent="-342900">
-              <a:buClr>
-                <a:srgbClr val="000000"/>
-              </a:buClr>
-              <a:buSzPct val="100000"/>
-              <a:buFont typeface="Arial"/>
-              <a:buChar char="•"/>
-            </a:pPr>
-            <a:r>
-              <a:rPr lang="en-US" sz="2200" dirty="0" smtClean="0"/>
-              <a:t>All tests are written in Chai, a </a:t>
-            </a:r>
-            <a:r>
-              <a:rPr lang="en-US" sz="2200" dirty="0" smtClean="0"/>
-              <a:t>behavior-driven development/test-driven development </a:t>
-            </a:r>
-            <a:r>
-              <a:rPr lang="en-US" sz="2200" dirty="0" smtClean="0"/>
-              <a:t>assertion library for </a:t>
-            </a:r>
-            <a:r>
-              <a:rPr lang="en-US" sz="2200" dirty="0" smtClean="0"/>
-              <a:t>node.</a:t>
-            </a:r>
-          </a:p>
-        </p:txBody>
-      </p:sp>
       <p:sp>
         <p:nvSpPr>
           <p:cNvPr id="137" name="Shape 99"/>
@@ -18159,33 +16717,7 @@
                 <a:sym typeface="Arial"/>
                 <a:rtl val="0"/>
               </a:rPr>
-              <a:t> Networks Can Be Illustrated </a:t>
-            </a:r>
-            <a:r>
-              <a:rPr lang="en-US" sz="3600" b="0" i="0" u="none" strike="noStrike" cap="none" dirty="0" smtClean="0">
-                <a:solidFill>
-                  <a:srgbClr val="017C00"/>
-                </a:solidFill>
-                <a:latin typeface="Arial"/>
-                <a:ea typeface="Arial"/>
-                <a:cs typeface="Arial"/>
-                <a:sym typeface="Arial"/>
-                <a:rtl val="0"/>
-              </a:rPr>
-              <a:t>by </a:t>
-            </a:r>
-            <a:r>
-              <a:rPr lang="en-US" sz="3600" b="0" i="0" u="none" strike="noStrike" cap="none" dirty="0" smtClean="0">
-                <a:solidFill>
-                  <a:srgbClr val="017C00"/>
-                </a:solidFill>
-                <a:latin typeface="Arial"/>
-                <a:ea typeface="Arial"/>
-                <a:cs typeface="Arial"/>
-                <a:sym typeface="Arial"/>
-                <a:rtl val="0"/>
-              </a:rPr>
-              <a:t>Directed Graphs</a:t>
+              <a:t> Networks Can Be Illustrated by Directed Graphs</a:t>
             </a:r>
             <a:endParaRPr lang="en-US" sz="3600" b="0" i="0" u="none" strike="noStrike" cap="none" baseline="0" dirty="0">
               <a:solidFill>
@@ -18293,7 +16825,7 @@
         </p:nvSpPr>
         <p:spPr>
           <a:xfrm>
-            <a:off x="11494515" y="7087436"/>
+            <a:off x="11430621" y="7087436"/>
             <a:ext cx="20660887" cy="11605499"/>
           </a:xfrm>
           <a:prstGeom prst="rect">
@@ -18550,7 +17082,20 @@
                 <a:sym typeface="Arial"/>
                 <a:rtl val="0"/>
               </a:rPr>
-              <a:t>rchitecture and Follows Open </a:t>
+              <a:t>rchitecture and Follows </a:t>
+            </a:r>
+            <a:r>
+              <a:rPr lang="en-US" sz="3600" b="0" i="0" u="none" strike="noStrike" cap="none" dirty="0" smtClean="0">
+                <a:solidFill>
+                  <a:srgbClr val="017C00"/>
+                </a:solidFill>
+                <a:latin typeface="Arial"/>
+                <a:ea typeface="Arial"/>
+                <a:cs typeface="Arial"/>
+                <a:sym typeface="Arial"/>
+                <a:rtl val="0"/>
+              </a:rPr>
+              <a:t>Open Source </a:t>
             </a:r>
             <a:r>
               <a:rPr lang="en-US" sz="3600" dirty="0">
@@ -18594,7 +17139,7 @@
         </p:nvSpPr>
         <p:spPr>
           <a:xfrm>
-            <a:off x="11500251" y="6159261"/>
+            <a:off x="11424051" y="6159261"/>
             <a:ext cx="20660886" cy="935227"/>
           </a:xfrm>
           <a:prstGeom prst="rect">
@@ -18680,15 +17225,7 @@
               <a:t>ut </a:t>
             </a:r>
             <a:r>
-              <a:rPr lang="en-US" sz="3600" dirty="0">
-                <a:solidFill>
-                  <a:srgbClr val="017C00"/>
-                </a:solidFill>
-              </a:rPr>
-              <a:t>W</a:t>
-            </a:r>
-            <a:r>
-              <a:rPr lang="en-US" sz="3600" b="0" i="0" u="none" strike="noStrike" cap="none" baseline="0" dirty="0" smtClean="0">
+              <a:rPr lang="en-US" sz="3600" b="0" i="0" u="none" strike="noStrike" cap="none" baseline="0" dirty="0" err="1" smtClean="0">
                 <a:solidFill>
                   <a:srgbClr val="017C00"/>
                 </a:solidFill>
@@ -18698,18 +17235,10 @@
                 <a:sym typeface="Arial"/>
                 <a:rtl val="0"/>
               </a:rPr>
-              <a:t>eighted and </a:t>
-            </a:r>
-            <a:r>
-              <a:rPr lang="en-US" sz="3600" dirty="0" err="1">
-                <a:solidFill>
-                  <a:srgbClr val="017C00"/>
-                </a:solidFill>
-              </a:rPr>
-              <a:t>U</a:t>
-            </a:r>
-            <a:r>
-              <a:rPr lang="en-US" sz="3600" b="0" i="0" u="none" strike="noStrike" cap="none" baseline="0" dirty="0" err="1" smtClean="0">
+              <a:t>Unweighted</a:t>
+            </a:r>
+            <a:r>
+              <a:rPr lang="en-US" sz="3600" b="0" i="0" u="none" strike="noStrike" cap="none" baseline="0" dirty="0" smtClean="0">
                 <a:solidFill>
                   <a:srgbClr val="017C00"/>
                 </a:solidFill>
@@ -18719,20 +17248,7 @@
                 <a:sym typeface="Arial"/>
                 <a:rtl val="0"/>
               </a:rPr>
-              <a:t>nweighted</a:t>
-            </a:r>
-            <a:r>
-              <a:rPr lang="en-US" sz="3600" b="0" i="0" u="none" strike="noStrike" cap="none" baseline="0" dirty="0" smtClean="0">
-                <a:solidFill>
-                  <a:srgbClr val="017C00"/>
-                </a:solidFill>
-                <a:latin typeface="Arial"/>
-                <a:ea typeface="Arial"/>
-                <a:cs typeface="Arial"/>
-                <a:sym typeface="Arial"/>
-                <a:rtl val="0"/>
-              </a:rPr>
-              <a:t> Networks</a:t>
+              <a:t> and Weighted Networks</a:t>
             </a:r>
             <a:endParaRPr lang="en-US" sz="3600" b="0" i="0" u="none" strike="noStrike" cap="none" baseline="0" dirty="0">
               <a:solidFill>
@@ -18846,7 +17362,7 @@
             </a:r>
           </a:p>
           <a:p>
-            <a:pPr marL="457200" lvl="0" indent="-457200">
+            <a:pPr marL="236538" lvl="0" indent="-236538">
               <a:buClr>
                 <a:schemeClr val="dk1"/>
               </a:buClr>
@@ -18872,7 +17388,7 @@
             </a:r>
           </a:p>
           <a:p>
-            <a:pPr marL="457200" lvl="0" indent="-457200">
+            <a:pPr marL="236538" lvl="0" indent="-236538">
               <a:buClr>
                 <a:schemeClr val="dk1"/>
               </a:buClr>
@@ -18889,12 +17405,20 @@
               <a:t>The server uses the </a:t>
             </a:r>
             <a:r>
-              <a:rPr lang="en-US" sz="2200" dirty="0" err="1">
+              <a:rPr lang="en-US" sz="2200" dirty="0" err="1" smtClean="0">
                 <a:solidFill>
                   <a:schemeClr val="dk1"/>
                 </a:solidFill>
               </a:rPr>
-              <a:t>Node.js</a:t>
+              <a:t>node.js</a:t>
+            </a:r>
+            <a:r>
+              <a:rPr lang="en-US" sz="2200" dirty="0" smtClean="0">
+                <a:solidFill>
+                  <a:schemeClr val="dk1"/>
+                </a:solidFill>
+              </a:rPr>
+              <a:t> </a:t>
             </a:r>
             <a:r>
               <a:rPr lang="en-US" sz="2200" dirty="0">
@@ -18902,11 +17426,11 @@
                   <a:schemeClr val="dk1"/>
                 </a:solidFill>
               </a:rPr>
-              <a:t> framework to receive and parse the Excel spreadsheet uploaded by the user.</a:t>
-            </a:r>
-          </a:p>
-          <a:p>
-            <a:pPr marL="457200" lvl="0" indent="-457200">
+              <a:t>framework to receive and parse the Excel spreadsheet uploaded by the user.</a:t>
+            </a:r>
+          </a:p>
+          <a:p>
+            <a:pPr marL="236538" lvl="0" indent="-236538">
               <a:buClr>
                 <a:schemeClr val="dk1"/>
               </a:buClr>
@@ -18948,13 +17472,13 @@
         </p:nvPicPr>
         <p:blipFill rotWithShape="1">
           <a:blip r:embed="rId12"/>
-          <a:srcRect t="2820" b="8677"/>
+          <a:srcRect t="24190" r="6556" b="40704"/>
           <a:stretch/>
         </p:blipFill>
         <p:spPr>
           <a:xfrm>
-            <a:off x="11889093" y="8217635"/>
-            <a:ext cx="3455514" cy="1911406"/>
+            <a:off x="11591913" y="8423909"/>
+            <a:ext cx="4257659" cy="999731"/>
           </a:xfrm>
           <a:prstGeom prst="rect">
             <a:avLst/>
@@ -18976,7 +17500,7 @@
         </p:blipFill>
         <p:spPr>
           <a:xfrm>
-            <a:off x="28067396" y="8553099"/>
+            <a:off x="27895916" y="8553099"/>
             <a:ext cx="3532692" cy="1704276"/>
           </a:xfrm>
           <a:prstGeom prst="rect">
@@ -19019,8 +17543,8 @@
         </p:nvCxnSpPr>
         <p:spPr>
           <a:xfrm>
-            <a:off x="15344607" y="8548245"/>
-            <a:ext cx="1155375" cy="4854"/>
+            <a:off x="15858400" y="8553099"/>
+            <a:ext cx="641582" cy="0"/>
           </a:xfrm>
           <a:prstGeom prst="straightConnector1">
             <a:avLst/>
@@ -19085,7 +17609,7 @@
         </p:nvSpPr>
         <p:spPr>
           <a:xfrm>
-            <a:off x="12301755" y="7786748"/>
+            <a:off x="12339855" y="7958198"/>
             <a:ext cx="2693791" cy="430887"/>
           </a:xfrm>
           <a:prstGeom prst="rect">
@@ -19115,8 +17639,8 @@
         </p:nvSpPr>
         <p:spPr>
           <a:xfrm>
-            <a:off x="28067396" y="7859369"/>
-            <a:ext cx="3407057" cy="769441"/>
+            <a:off x="27370526" y="7859369"/>
+            <a:ext cx="4583473" cy="769441"/>
           </a:xfrm>
           <a:prstGeom prst="rect">
             <a:avLst/>
@@ -19132,7 +17656,23 @@
             <a:pPr algn="ctr"/>
             <a:r>
               <a:rPr lang="en-US" sz="2200" b="1" dirty="0" smtClean="0"/>
-              <a:t>Manual Network Graph via Adobe Illustrator</a:t>
+              <a:t> </a:t>
+            </a:r>
+            <a:r>
+              <a:rPr lang="en-US" sz="2200" b="1" dirty="0" err="1" smtClean="0"/>
+              <a:t>Unweighted</a:t>
+            </a:r>
+            <a:r>
+              <a:rPr lang="en-US" sz="2200" b="1" dirty="0" smtClean="0"/>
+              <a:t> Graph </a:t>
+            </a:r>
+            <a:r>
+              <a:rPr lang="en-US" sz="2200" b="1" dirty="0" smtClean="0"/>
+              <a:t>drawn </a:t>
+            </a:r>
+            <a:r>
+              <a:rPr lang="en-US" sz="2200" b="1" dirty="0" smtClean="0"/>
+              <a:t>manually with Adobe Illustrator</a:t>
             </a:r>
             <a:endParaRPr lang="en-US" sz="2200" b="1" dirty="0"/>
           </a:p>
@@ -19177,7 +17717,7 @@
         </p:nvSpPr>
         <p:spPr>
           <a:xfrm>
-            <a:off x="28108469" y="10149745"/>
+            <a:off x="27937543" y="10149745"/>
             <a:ext cx="3449438" cy="430887"/>
           </a:xfrm>
           <a:prstGeom prst="rect">
@@ -19223,36 +17763,6 @@
           </a:prstGeom>
         </p:spPr>
       </p:pic>
-      <p:sp>
-        <p:nvSpPr>
-          <p:cNvPr id="18" name="TextBox 17"/>
-          <p:cNvSpPr txBox="1"/>
-          <p:nvPr/>
-        </p:nvSpPr>
-        <p:spPr>
-          <a:xfrm>
-            <a:off x="23518506" y="7861958"/>
-            <a:ext cx="384365" cy="523220"/>
-          </a:xfrm>
-          <a:prstGeom prst="rect">
-            <a:avLst/>
-          </a:prstGeom>
-          <a:noFill/>
-        </p:spPr>
-        <p:txBody>
-          <a:bodyPr wrap="none" rtlCol="0">
-            <a:spAutoFit/>
-          </a:bodyPr>
-          <a:lstStyle/>
-          <a:p>
-            <a:r>
-              <a:rPr lang="en-US" sz="2800" b="1" dirty="0" smtClean="0"/>
-              <a:t>1</a:t>
-            </a:r>
-            <a:endParaRPr lang="en-US" sz="2800" b="1" dirty="0"/>
-          </a:p>
-        </p:txBody>
-      </p:sp>
       <p:sp>
         <p:nvSpPr>
           <p:cNvPr id="155" name="Rectangle 154"/>
@@ -19305,7 +17815,7 @@
         </p:nvSpPr>
         <p:spPr>
           <a:xfrm>
-            <a:off x="17945752" y="12833121"/>
+            <a:off x="16277163" y="9859409"/>
             <a:ext cx="384365" cy="523220"/>
           </a:xfrm>
           <a:prstGeom prst="rect">
@@ -19334,8 +17844,8 @@
         </p:nvSpPr>
         <p:spPr>
           <a:xfrm>
-            <a:off x="11589048" y="14078629"/>
-            <a:ext cx="4688116" cy="4493537"/>
+            <a:off x="11550948" y="13754779"/>
+            <a:ext cx="4688116" cy="4708981"/>
           </a:xfrm>
           <a:prstGeom prst="rect">
             <a:avLst/>
@@ -19396,7 +17906,7 @@
             </a:endParaRPr>
           </a:p>
           <a:p>
-            <a:pPr marL="342900" lvl="0" indent="-342900">
+            <a:pPr marL="457200" lvl="0" indent="-236538">
               <a:buClr>
                 <a:schemeClr val="dk1"/>
               </a:buClr>
@@ -19405,24 +17915,50 @@
               <a:buChar char="•"/>
             </a:pPr>
             <a:r>
-              <a:rPr lang="en-US" sz="2200" dirty="0" smtClean="0">
+              <a:rPr lang="en-US" sz="2000" dirty="0" smtClean="0">
                 <a:solidFill>
                   <a:schemeClr val="dk1"/>
                 </a:solidFill>
               </a:rPr>
-              <a:t>L</a:t>
-            </a:r>
-            <a:r>
-              <a:rPr lang="en-US" sz="2200" dirty="0" smtClean="0">
+              <a:t>Link distance determines the minimum distance between nodes.</a:t>
+            </a:r>
+          </a:p>
+          <a:p>
+            <a:pPr marL="457200" lvl="0" indent="-236538">
+              <a:buClr>
+                <a:schemeClr val="dk1"/>
+              </a:buClr>
+              <a:buSzPct val="100000"/>
+              <a:buFont typeface="Arial"/>
+              <a:buChar char="•"/>
+            </a:pPr>
+            <a:r>
+              <a:rPr lang="en-US" sz="2000" dirty="0" smtClean="0">
                 <a:solidFill>
                   <a:schemeClr val="dk1"/>
                 </a:solidFill>
               </a:rPr>
-              <a:t>ink distance determines the minimum distance between nodes.</a:t>
-            </a:r>
-          </a:p>
-          <a:p>
-            <a:pPr marL="342900" lvl="0" indent="-342900">
+              <a:t>Nodes </a:t>
+            </a:r>
+            <a:r>
+              <a:rPr lang="en-US" sz="2000" dirty="0">
+                <a:solidFill>
+                  <a:schemeClr val="dk1"/>
+                </a:solidFill>
+              </a:rPr>
+              <a:t>have a charge, which repels or attracts other </a:t>
+            </a:r>
+            <a:r>
+              <a:rPr lang="en-US" sz="2000" dirty="0" smtClean="0">
+                <a:solidFill>
+                  <a:schemeClr val="dk1"/>
+                </a:solidFill>
+              </a:rPr>
+              <a:t>nodes.</a:t>
+            </a:r>
+          </a:p>
+          <a:p>
+            <a:pPr marL="457200" lvl="0" indent="-236538">
               <a:buClr>
                 <a:schemeClr val="dk1"/>
               </a:buClr>
@@ -19431,32 +17967,48 @@
               <a:buChar char="•"/>
             </a:pPr>
             <a:r>
-              <a:rPr lang="en-US" sz="2200" dirty="0" smtClean="0">
+              <a:rPr lang="en-US" sz="2000" dirty="0" smtClean="0">
                 <a:solidFill>
                   <a:schemeClr val="dk1"/>
                 </a:solidFill>
               </a:rPr>
-              <a:t>Nodes </a:t>
-            </a:r>
-            <a:r>
-              <a:rPr lang="en-US" sz="2200" dirty="0">
+              <a:t>The </a:t>
+            </a:r>
+            <a:r>
+              <a:rPr lang="en-US" sz="2000" dirty="0">
                 <a:solidFill>
                   <a:schemeClr val="dk1"/>
                 </a:solidFill>
               </a:rPr>
-              <a:t>have a charge, which repels or attracts other </a:t>
-            </a:r>
-            <a:r>
-              <a:rPr lang="en-US" sz="2200" dirty="0" smtClean="0">
+              <a:t>charge distance determines </a:t>
+            </a:r>
+            <a:r>
+              <a:rPr lang="en-US" sz="2000" dirty="0" smtClean="0">
                 <a:solidFill>
                   <a:schemeClr val="dk1"/>
                 </a:solidFill>
               </a:rPr>
-              <a:t>nodes.</a:t>
-            </a:r>
-          </a:p>
-          <a:p>
-            <a:pPr marL="342900" lvl="0" indent="-342900">
+              <a:t>at what range </a:t>
+            </a:r>
+            <a:r>
+              <a:rPr lang="en-US" sz="2000" dirty="0">
+                <a:solidFill>
+                  <a:schemeClr val="dk1"/>
+                </a:solidFill>
+              </a:rPr>
+              <a:t>a node’s charge will affect other nodes</a:t>
+            </a:r>
+            <a:r>
+              <a:rPr lang="en-US" sz="2000" dirty="0" smtClean="0">
+                <a:solidFill>
+                  <a:schemeClr val="dk1"/>
+                </a:solidFill>
+              </a:rPr>
+              <a:t>.</a:t>
+            </a:r>
+          </a:p>
+          <a:p>
+            <a:pPr marL="457200" lvl="0" indent="-236538">
               <a:buClr>
                 <a:schemeClr val="dk1"/>
               </a:buClr>
@@ -19465,82 +18017,51 @@
               <a:buChar char="•"/>
             </a:pPr>
             <a:r>
-              <a:rPr lang="en-US" sz="2200" dirty="0" smtClean="0">
+              <a:rPr lang="en-US" sz="2000" dirty="0"/>
+              <a:t>Gravity determines the strength of the force holding the nodes to the center of the graph.</a:t>
+            </a:r>
+            <a:endParaRPr lang="en-US" sz="2000" dirty="0" smtClean="0">
+              <a:solidFill>
+                <a:schemeClr val="dk1"/>
+              </a:solidFill>
+            </a:endParaRPr>
+          </a:p>
+          <a:p>
+            <a:pPr marL="457200" lvl="0" indent="-236538">
+              <a:buClr>
+                <a:schemeClr val="dk1"/>
+              </a:buClr>
+              <a:buSzPct val="100000"/>
+              <a:buFont typeface="Arial"/>
+              <a:buChar char="•"/>
+            </a:pPr>
+            <a:r>
+              <a:rPr lang="en-US" sz="2000" dirty="0" smtClean="0">
                 <a:solidFill>
                   <a:schemeClr val="dk1"/>
                 </a:solidFill>
               </a:rPr>
-              <a:t>The </a:t>
-            </a:r>
-            <a:r>
-              <a:rPr lang="en-US" sz="2200" dirty="0">
+              <a:t>Reset functionality sets all parameters to default settings</a:t>
+            </a:r>
+          </a:p>
+          <a:p>
+            <a:pPr marL="457200" lvl="0" indent="-236538">
+              <a:buClr>
+                <a:schemeClr val="dk1"/>
+              </a:buClr>
+              <a:buSzPct val="100000"/>
+              <a:buFont typeface="Arial"/>
+              <a:buChar char="•"/>
+            </a:pPr>
+            <a:r>
+              <a:rPr lang="en-US" sz="2000" dirty="0" smtClean="0">
                 <a:solidFill>
                   <a:schemeClr val="dk1"/>
                 </a:solidFill>
               </a:rPr>
-              <a:t>charge distance determines </a:t>
-            </a:r>
-            <a:r>
-              <a:rPr lang="en-US" sz="2200" dirty="0" smtClean="0">
-                <a:solidFill>
-                  <a:schemeClr val="dk1"/>
-                </a:solidFill>
-              </a:rPr>
-              <a:t>at what range </a:t>
-            </a:r>
-            <a:r>
-              <a:rPr lang="en-US" sz="2200" dirty="0">
-                <a:solidFill>
-                  <a:schemeClr val="dk1"/>
-                </a:solidFill>
-              </a:rPr>
-              <a:t>a node’s charge will affect other nodes</a:t>
-            </a:r>
-            <a:r>
-              <a:rPr lang="en-US" sz="2200" dirty="0" smtClean="0">
-                <a:solidFill>
-                  <a:schemeClr val="dk1"/>
-                </a:solidFill>
-              </a:rPr>
-              <a:t>.</a:t>
-            </a:r>
-          </a:p>
-          <a:p>
-            <a:pPr marL="342900" lvl="0" indent="-342900">
-              <a:buClr>
-                <a:schemeClr val="dk1"/>
-              </a:buClr>
-              <a:buSzPct val="100000"/>
-              <a:buFont typeface="Arial"/>
-              <a:buChar char="•"/>
-            </a:pPr>
-            <a:r>
-              <a:rPr lang="en-US" sz="2200" dirty="0" smtClean="0">
-                <a:solidFill>
-                  <a:schemeClr val="dk1"/>
-                </a:solidFill>
-              </a:rPr>
-              <a:t>Reset functionality sets all parameters to default settings</a:t>
-            </a:r>
-          </a:p>
-          <a:p>
-            <a:pPr marL="342900" lvl="0" indent="-342900">
-              <a:buClr>
-                <a:schemeClr val="dk1"/>
-              </a:buClr>
-              <a:buSzPct val="100000"/>
-              <a:buFont typeface="Arial"/>
-              <a:buChar char="•"/>
-            </a:pPr>
-            <a:r>
-              <a:rPr lang="en-US" sz="2200" dirty="0" smtClean="0">
-                <a:solidFill>
-                  <a:schemeClr val="dk1"/>
-                </a:solidFill>
-              </a:rPr>
               <a:t>Locking the parameters prevents any further changes </a:t>
             </a:r>
-            <a:endParaRPr lang="en-US" sz="2200" dirty="0">
+            <a:endParaRPr lang="en-US" sz="2000" dirty="0">
               <a:solidFill>
                 <a:schemeClr val="dk1"/>
               </a:solidFill>
@@ -19556,8 +18077,8 @@
         </p:nvSpPr>
         <p:spPr>
           <a:xfrm>
-            <a:off x="11515922" y="10363853"/>
-            <a:ext cx="4761241" cy="3816429"/>
+            <a:off x="11515922" y="9582803"/>
+            <a:ext cx="4761241" cy="3785652"/>
           </a:xfrm>
           <a:prstGeom prst="rect">
             <a:avLst/>
@@ -19581,12 +18102,15 @@
             </a:r>
             <a:r>
               <a:rPr lang="en-US" sz="2200" b="1" dirty="0"/>
-              <a:t>Bar </a:t>
-            </a:r>
-            <a:endParaRPr lang="en-US" sz="2200" b="1" dirty="0"/>
-          </a:p>
-          <a:p>
-            <a:pPr marL="342900" lvl="0" indent="-342900">
+              <a:t>Bar</a:t>
+            </a:r>
+            <a:r>
+              <a:rPr lang="en-US" sz="2000" b="1" dirty="0"/>
+              <a:t> </a:t>
+            </a:r>
+          </a:p>
+          <a:p>
+            <a:pPr marL="457200" lvl="0" indent="-236538">
               <a:buClr>
                 <a:srgbClr val="000000"/>
               </a:buClr>
@@ -19595,13 +18119,12 @@
               <a:buChar char="•"/>
             </a:pPr>
             <a:r>
-              <a:rPr lang="en-US" sz="2200" dirty="0" smtClean="0"/>
-              <a:t>Four demos in the “Demo” menu.</a:t>
-            </a:r>
-            <a:endParaRPr lang="en-US" sz="2200" dirty="0" smtClean="0"/>
-          </a:p>
-          <a:p>
-            <a:pPr marL="342900" indent="-342900">
+              <a:rPr lang="en-US" sz="2000" dirty="0" smtClean="0"/>
+              <a:t>Four demo files can be found in the “Demo” menu for users who do not have their own data.</a:t>
+            </a:r>
+          </a:p>
+          <a:p>
+            <a:pPr marL="457200" indent="-236538">
               <a:buClr>
                 <a:srgbClr val="000000"/>
               </a:buClr>
@@ -19610,29 +18133,28 @@
               <a:buChar char="•"/>
             </a:pPr>
             <a:r>
-              <a:rPr lang="en-US" sz="2200" dirty="0" smtClean="0"/>
+              <a:rPr lang="en-US" sz="2000" dirty="0" smtClean="0"/>
               <a:t>Print </a:t>
             </a:r>
             <a:r>
-              <a:rPr lang="en-US" sz="2200" dirty="0"/>
+              <a:rPr lang="en-US" sz="2000" dirty="0"/>
               <a:t>functionality </a:t>
             </a:r>
             <a:r>
-              <a:rPr lang="en-US" sz="2200" dirty="0" smtClean="0"/>
-              <a:t>in </a:t>
-            </a:r>
-            <a:r>
-              <a:rPr lang="en-US" sz="2200" dirty="0"/>
-              <a:t>the “File” menu option</a:t>
-            </a:r>
-            <a:r>
-              <a:rPr lang="en-US" sz="2200" dirty="0" smtClean="0"/>
+              <a:rPr lang="en-US" sz="2000" dirty="0" smtClean="0"/>
+              <a:t>is accessed from the </a:t>
+            </a:r>
+            <a:r>
+              <a:rPr lang="en-US" sz="2000" dirty="0"/>
+              <a:t>“File” menu option</a:t>
+            </a:r>
+            <a:r>
+              <a:rPr lang="en-US" sz="2000" dirty="0" smtClean="0"/>
               <a:t>.</a:t>
             </a:r>
-            <a:endParaRPr lang="en-US" sz="2200" dirty="0" smtClean="0"/>
-          </a:p>
-          <a:p>
-            <a:pPr marL="342900" indent="-342900">
+          </a:p>
+          <a:p>
+            <a:pPr marL="457200" indent="-236538">
               <a:buClr>
                 <a:srgbClr val="000000"/>
               </a:buClr>
@@ -19641,136 +18163,120 @@
               <a:buChar char="•"/>
             </a:pPr>
             <a:r>
-              <a:rPr lang="en-US" sz="2200" dirty="0">
+              <a:rPr lang="en-US" sz="2000" dirty="0" smtClean="0">
                 <a:solidFill>
                   <a:schemeClr val="dk1"/>
                 </a:solidFill>
               </a:rPr>
-              <a:t>The </a:t>
-            </a:r>
-            <a:r>
-              <a:rPr lang="en-US" sz="2200" dirty="0" smtClean="0">
+              <a:t>“File &gt; Reload” </a:t>
+            </a:r>
+            <a:r>
+              <a:rPr lang="en-US" sz="2000" dirty="0">
                 <a:solidFill>
                   <a:schemeClr val="dk1"/>
                 </a:solidFill>
               </a:rPr>
-              <a:t>“R</a:t>
-            </a:r>
-            <a:r>
-              <a:rPr lang="en-US" sz="2200" dirty="0" smtClean="0">
+              <a:t>reloads the current graph with the active settings</a:t>
+            </a:r>
+            <a:r>
+              <a:rPr lang="en-US" sz="2000" dirty="0" smtClean="0">
                 <a:solidFill>
                   <a:schemeClr val="dk1"/>
                 </a:solidFill>
               </a:rPr>
-              <a:t>eload” option </a:t>
-            </a:r>
-            <a:r>
-              <a:rPr lang="en-US" sz="2200" dirty="0">
+              <a:t>.</a:t>
+            </a:r>
+          </a:p>
+          <a:p>
+            <a:pPr marL="457200" lvl="0" indent="-236538">
+              <a:buClr>
+                <a:schemeClr val="dk1"/>
+              </a:buClr>
+              <a:buSzPct val="100000"/>
+              <a:buFont typeface="Arial"/>
+              <a:buChar char="•"/>
+            </a:pPr>
+            <a:r>
+              <a:rPr lang="en-US" sz="2000" dirty="0">
                 <a:solidFill>
                   <a:schemeClr val="dk1"/>
                 </a:solidFill>
               </a:rPr>
-              <a:t>under “File” reloads the current graph with the active settings</a:t>
-            </a:r>
-            <a:r>
-              <a:rPr lang="en-US" sz="2200" dirty="0" smtClean="0">
+              <a:t>In the </a:t>
+            </a:r>
+            <a:r>
+              <a:rPr lang="en-US" sz="2000" dirty="0" smtClean="0">
                 <a:solidFill>
                   <a:schemeClr val="dk1"/>
                 </a:solidFill>
               </a:rPr>
-              <a:t>.</a:t>
-            </a:r>
-          </a:p>
-          <a:p>
-            <a:pPr marL="342900" lvl="0" indent="-342900">
-              <a:buClr>
-                <a:schemeClr val="dk1"/>
-              </a:buClr>
-              <a:buSzPct val="100000"/>
-              <a:buFont typeface="Arial"/>
-              <a:buChar char="•"/>
-            </a:pPr>
-            <a:r>
-              <a:rPr lang="en-US" sz="2200" dirty="0">
+              <a:t>“Edit </a:t>
+            </a:r>
+            <a:r>
+              <a:rPr lang="en-US" sz="2000" dirty="0">
                 <a:solidFill>
                   <a:schemeClr val="dk1"/>
                 </a:solidFill>
               </a:rPr>
-              <a:t>In the Edit &gt; Preferences menu,</a:t>
-            </a:r>
-          </a:p>
-          <a:p>
-            <a:pPr lvl="0">
-              <a:buClr>
-                <a:schemeClr val="dk1"/>
-              </a:buClr>
-              <a:buSzPct val="25000"/>
-            </a:pPr>
-            <a:r>
-              <a:rPr lang="en-US" sz="2200" dirty="0">
+              <a:t>&gt; </a:t>
+            </a:r>
+            <a:r>
+              <a:rPr lang="en-US" sz="2000" dirty="0" smtClean="0">
                 <a:solidFill>
                   <a:schemeClr val="dk1"/>
                 </a:solidFill>
               </a:rPr>
-              <a:t>     the user can select for weighted</a:t>
-            </a:r>
-          </a:p>
-          <a:p>
-            <a:pPr lvl="0">
-              <a:buClr>
-                <a:schemeClr val="dk1"/>
-              </a:buClr>
-              <a:buSzPct val="25000"/>
-            </a:pPr>
-            <a:r>
-              <a:rPr lang="en-US" sz="2200" dirty="0">
+              <a:t>Preferences” menu, the </a:t>
+            </a:r>
+            <a:r>
+              <a:rPr lang="en-US" sz="2000" dirty="0">
                 <a:solidFill>
                   <a:schemeClr val="dk1"/>
                 </a:solidFill>
               </a:rPr>
-              <a:t>     graphs to be displayed as </a:t>
-            </a:r>
-          </a:p>
-          <a:p>
-            <a:pPr lvl="0">
-              <a:buClr>
-                <a:schemeClr val="dk1"/>
-              </a:buClr>
-              <a:buSzPct val="25000"/>
-            </a:pPr>
-            <a:r>
-              <a:rPr lang="en-US" sz="2200" dirty="0">
+              <a:t>user can select for </a:t>
+            </a:r>
+            <a:r>
+              <a:rPr lang="en-US" sz="2000" dirty="0" smtClean="0">
                 <a:solidFill>
                   <a:schemeClr val="dk1"/>
                 </a:solidFill>
               </a:rPr>
-              <a:t>     </a:t>
-            </a:r>
-            <a:r>
-              <a:rPr lang="en-US" sz="2200" dirty="0" err="1">
+              <a:t>weighted </a:t>
+            </a:r>
+            <a:r>
+              <a:rPr lang="en-US" sz="2000" dirty="0">
                 <a:solidFill>
                   <a:schemeClr val="dk1"/>
                 </a:solidFill>
               </a:rPr>
+              <a:t>graphs to be displayed as </a:t>
+            </a:r>
+            <a:r>
+              <a:rPr lang="en-US" sz="2000" dirty="0" err="1" smtClean="0">
+                <a:solidFill>
+                  <a:schemeClr val="dk1"/>
+                </a:solidFill>
+              </a:rPr>
               <a:t>unweighted</a:t>
             </a:r>
             <a:r>
-              <a:rPr lang="en-US" sz="2200" dirty="0">
+              <a:rPr lang="en-US" sz="2000" dirty="0">
                 <a:solidFill>
                   <a:schemeClr val="dk1"/>
                 </a:solidFill>
               </a:rPr>
-              <a:t> graphs</a:t>
-            </a:r>
-            <a:r>
-              <a:rPr lang="en-US" sz="2200" dirty="0" smtClean="0">
+              <a:t> </a:t>
+            </a:r>
+            <a:r>
+              <a:rPr lang="en-US" sz="2000" dirty="0" smtClean="0">
                 <a:solidFill>
                   <a:schemeClr val="dk1"/>
                 </a:solidFill>
               </a:rPr>
-              <a:t>.</a:t>
-            </a:r>
-            <a:endParaRPr lang="en-US" sz="2200" dirty="0">
+              <a:t>graphs.</a:t>
+            </a:r>
+            <a:endParaRPr lang="en-US" sz="2000" dirty="0">
               <a:solidFill>
                 <a:schemeClr val="dk1"/>
               </a:solidFill>
@@ -19801,414 +18307,56 @@
           </a:prstGeom>
         </p:spPr>
       </p:pic>
+      <p:pic>
+        <p:nvPicPr>
+          <p:cNvPr id="2" name="Picture 1"/>
+          <p:cNvPicPr>
+            <a:picLocks noChangeAspect="1"/>
+          </p:cNvPicPr>
+          <p:nvPr/>
+        </p:nvPicPr>
+        <p:blipFill rotWithShape="1">
+          <a:blip r:embed="rId15"/>
+          <a:srcRect l="-1" t="36170" r="16347" b="-811"/>
+          <a:stretch/>
+        </p:blipFill>
+        <p:spPr>
+          <a:xfrm>
+            <a:off x="1880464" y="23377584"/>
+            <a:ext cx="7579132" cy="2161769"/>
+          </a:xfrm>
+          <a:prstGeom prst="rect">
+            <a:avLst/>
+          </a:prstGeom>
+        </p:spPr>
+      </p:pic>
       <p:sp>
         <p:nvSpPr>
-          <p:cNvPr id="162" name="Shape 125"/>
-          <p:cNvSpPr/>
+          <p:cNvPr id="77" name="TextBox 76"/>
+          <p:cNvSpPr txBox="1"/>
           <p:nvPr/>
         </p:nvSpPr>
         <p:spPr>
           <a:xfrm>
-            <a:off x="16277164" y="14451014"/>
-            <a:ext cx="12045548" cy="4157107"/>
+            <a:off x="18430067" y="8423909"/>
+            <a:ext cx="7074373" cy="523220"/>
           </a:xfrm>
           <a:prstGeom prst="rect">
             <a:avLst/>
           </a:prstGeom>
-          <a:solidFill>
-            <a:srgbClr val="FFFFFF"/>
-          </a:solidFill>
-          <a:ln>
-            <a:noFill/>
-          </a:ln>
+          <a:noFill/>
         </p:spPr>
         <p:txBody>
-          <a:bodyPr lIns="91425" tIns="45700" rIns="91425" bIns="45700" anchor="t" anchorCtr="0">
-            <a:noAutofit/>
+          <a:bodyPr wrap="none" rtlCol="0">
+            <a:spAutoFit/>
           </a:bodyPr>
           <a:lstStyle/>
           <a:p>
-            <a:pPr marL="0" marR="0" lvl="0" indent="0" rtl="0">
-              <a:lnSpc>
-                <a:spcPct val="100000"/>
-              </a:lnSpc>
-              <a:spcBef>
-                <a:spcPts val="0"/>
-              </a:spcBef>
-              <a:spcAft>
-                <a:spcPts val="0"/>
-              </a:spcAft>
-              <a:buClr>
-                <a:srgbClr val="FF0000"/>
-              </a:buClr>
-              <a:buSzPct val="25000"/>
-              <a:buFont typeface="Arial"/>
-              <a:buNone/>
-            </a:pPr>
-            <a:r>
-              <a:rPr lang="en-US" sz="2200" b="1" dirty="0" smtClean="0">
-                <a:solidFill>
-                  <a:schemeClr val="dk1"/>
-                </a:solidFill>
-              </a:rPr>
-              <a:t>3. Nodes, </a:t>
-            </a:r>
-            <a:r>
-              <a:rPr lang="en-US" sz="2200" b="1" i="0" u="none" strike="noStrike" cap="none" baseline="0" dirty="0" smtClean="0">
-                <a:solidFill>
-                  <a:schemeClr val="dk1"/>
-                </a:solidFill>
-                <a:latin typeface="Arial"/>
-                <a:ea typeface="Arial"/>
-                <a:cs typeface="Arial"/>
-                <a:sym typeface="Arial"/>
-                <a:rtl val="0"/>
-              </a:rPr>
-              <a:t>Edges,</a:t>
-            </a:r>
-            <a:r>
-              <a:rPr lang="en-US" sz="2200" b="1" i="0" u="none" strike="noStrike" cap="none" dirty="0" smtClean="0">
-                <a:solidFill>
-                  <a:schemeClr val="dk1"/>
-                </a:solidFill>
-                <a:latin typeface="Arial"/>
-                <a:ea typeface="Arial"/>
-                <a:cs typeface="Arial"/>
-                <a:sym typeface="Arial"/>
-                <a:rtl val="0"/>
-              </a:rPr>
-              <a:t> </a:t>
-            </a:r>
-            <a:r>
-              <a:rPr lang="en-US" sz="2200" b="1" i="0" u="none" strike="noStrike" cap="none" baseline="0" dirty="0" smtClean="0">
-                <a:solidFill>
-                  <a:schemeClr val="dk1"/>
-                </a:solidFill>
-                <a:latin typeface="Arial"/>
-                <a:ea typeface="Arial"/>
-                <a:cs typeface="Arial"/>
-                <a:sym typeface="Arial"/>
-                <a:rtl val="0"/>
-              </a:rPr>
-              <a:t>and Arrows </a:t>
-            </a:r>
-          </a:p>
-          <a:p>
-            <a:pPr marL="0" marR="0" lvl="0" indent="0" algn="l" rtl="0">
-              <a:lnSpc>
-                <a:spcPct val="100000"/>
-              </a:lnSpc>
-              <a:spcBef>
-                <a:spcPts val="0"/>
-              </a:spcBef>
-              <a:spcAft>
-                <a:spcPts val="0"/>
-              </a:spcAft>
-              <a:buClr>
-                <a:srgbClr val="FF0000"/>
-              </a:buClr>
-              <a:buSzPct val="25000"/>
-              <a:buFont typeface="Arial"/>
-              <a:buNone/>
-            </a:pPr>
-            <a:endParaRPr lang="en-US" sz="900" b="1" dirty="0" smtClean="0">
-              <a:solidFill>
-                <a:schemeClr val="dk1"/>
-              </a:solidFill>
-            </a:endParaRPr>
-          </a:p>
-          <a:p>
-            <a:pPr marL="0" marR="0" lvl="0" indent="0" algn="l" rtl="0">
-              <a:lnSpc>
-                <a:spcPct val="100000"/>
-              </a:lnSpc>
-              <a:spcBef>
-                <a:spcPts val="0"/>
-              </a:spcBef>
-              <a:spcAft>
-                <a:spcPts val="0"/>
-              </a:spcAft>
-              <a:buClr>
-                <a:srgbClr val="FF0000"/>
-              </a:buClr>
-              <a:buSzPct val="25000"/>
-              <a:buFont typeface="Arial"/>
-              <a:buNone/>
-            </a:pPr>
-            <a:endParaRPr lang="en-US" sz="900" b="1" dirty="0">
-              <a:solidFill>
-                <a:schemeClr val="dk1"/>
-              </a:solidFill>
-            </a:endParaRPr>
-          </a:p>
-          <a:p>
-            <a:pPr marL="0" marR="0" lvl="0" indent="0" algn="l" rtl="0">
-              <a:lnSpc>
-                <a:spcPct val="100000"/>
-              </a:lnSpc>
-              <a:spcBef>
-                <a:spcPts val="0"/>
-              </a:spcBef>
-              <a:spcAft>
-                <a:spcPts val="0"/>
-              </a:spcAft>
-              <a:buClr>
-                <a:srgbClr val="FF0000"/>
-              </a:buClr>
-              <a:buSzPct val="25000"/>
-              <a:buFont typeface="Arial"/>
-              <a:buNone/>
-            </a:pPr>
-            <a:endParaRPr lang="en-US" sz="900" b="1" dirty="0">
-              <a:solidFill>
-                <a:schemeClr val="dk1"/>
-              </a:solidFill>
-            </a:endParaRPr>
-          </a:p>
-          <a:p>
-            <a:pPr marL="0" marR="0" lvl="0" indent="0" algn="l" rtl="0">
-              <a:lnSpc>
-                <a:spcPct val="100000"/>
-              </a:lnSpc>
-              <a:spcBef>
-                <a:spcPts val="0"/>
-              </a:spcBef>
-              <a:spcAft>
-                <a:spcPts val="0"/>
-              </a:spcAft>
-              <a:buClr>
-                <a:srgbClr val="FF0000"/>
-              </a:buClr>
-              <a:buSzPct val="25000"/>
-              <a:buFont typeface="Arial"/>
-              <a:buNone/>
-            </a:pPr>
-            <a:endParaRPr lang="en-US" sz="2200" b="1" i="0" u="none" strike="noStrike" cap="none" baseline="0" dirty="0" smtClean="0">
-              <a:solidFill>
-                <a:schemeClr val="dk1"/>
-              </a:solidFill>
-              <a:latin typeface="Arial"/>
-              <a:ea typeface="Arial"/>
-              <a:cs typeface="Arial"/>
-              <a:sym typeface="Arial"/>
-              <a:rtl val="0"/>
-            </a:endParaRPr>
-          </a:p>
-          <a:p>
-            <a:pPr marL="0" marR="0" lvl="0" indent="0" algn="l" rtl="0">
-              <a:lnSpc>
-                <a:spcPct val="100000"/>
-              </a:lnSpc>
-              <a:spcBef>
-                <a:spcPts val="0"/>
-              </a:spcBef>
-              <a:spcAft>
-                <a:spcPts val="0"/>
-              </a:spcAft>
-              <a:buClr>
-                <a:srgbClr val="FF0000"/>
-              </a:buClr>
-              <a:buSzPct val="25000"/>
-              <a:buFont typeface="Arial"/>
-              <a:buNone/>
-            </a:pPr>
-            <a:endParaRPr lang="en-US" sz="2200" b="1" dirty="0">
-              <a:solidFill>
-                <a:schemeClr val="dk1"/>
-              </a:solidFill>
-            </a:endParaRPr>
-          </a:p>
-          <a:p>
-            <a:pPr marL="0" marR="0" lvl="0" indent="0" algn="l" rtl="0">
-              <a:lnSpc>
-                <a:spcPct val="100000"/>
-              </a:lnSpc>
-              <a:spcBef>
-                <a:spcPts val="0"/>
-              </a:spcBef>
-              <a:spcAft>
-                <a:spcPts val="0"/>
-              </a:spcAft>
-              <a:buClr>
-                <a:srgbClr val="FF0000"/>
-              </a:buClr>
-              <a:buSzPct val="25000"/>
-              <a:buFont typeface="Arial"/>
-              <a:buNone/>
-            </a:pPr>
-            <a:endParaRPr lang="en-US" sz="2200" b="1" i="0" u="none" strike="noStrike" cap="none" baseline="0" dirty="0">
-              <a:solidFill>
-                <a:schemeClr val="dk1"/>
-              </a:solidFill>
-              <a:latin typeface="Arial"/>
-              <a:ea typeface="Arial"/>
-              <a:cs typeface="Arial"/>
-              <a:sym typeface="Arial"/>
-              <a:rtl val="0"/>
-            </a:endParaRPr>
-          </a:p>
-          <a:p>
-            <a:pPr marL="342900" marR="0" lvl="0" indent="-342900" algn="l" rtl="0">
-              <a:lnSpc>
-                <a:spcPct val="100000"/>
-              </a:lnSpc>
-              <a:spcBef>
-                <a:spcPts val="0"/>
-              </a:spcBef>
-              <a:spcAft>
-                <a:spcPts val="0"/>
-              </a:spcAft>
-              <a:buClr>
-                <a:schemeClr val="dk1"/>
-              </a:buClr>
-              <a:buSzPct val="100000"/>
-              <a:buFont typeface="Arial"/>
-              <a:buChar char="•"/>
-            </a:pPr>
-            <a:r>
-              <a:rPr lang="en-US" sz="2200" b="0" i="0" u="none" strike="noStrike" cap="none" baseline="0" dirty="0">
-                <a:solidFill>
-                  <a:schemeClr val="dk1"/>
-                </a:solidFill>
-                <a:latin typeface="Arial"/>
-                <a:ea typeface="Arial"/>
-                <a:cs typeface="Arial"/>
-                <a:sym typeface="Arial"/>
-                <a:rtl val="0"/>
-              </a:rPr>
-              <a:t>Edge thickness </a:t>
-            </a:r>
-            <a:r>
-              <a:rPr lang="en-US" sz="2200" b="0" i="0" u="none" strike="noStrike" cap="none" baseline="0" dirty="0" smtClean="0">
-                <a:solidFill>
-                  <a:schemeClr val="dk1"/>
-                </a:solidFill>
-                <a:latin typeface="Arial"/>
-                <a:ea typeface="Arial"/>
-                <a:cs typeface="Arial"/>
-                <a:sym typeface="Arial"/>
-                <a:rtl val="0"/>
-              </a:rPr>
-              <a:t>is based </a:t>
-            </a:r>
-            <a:r>
-              <a:rPr lang="en-US" sz="2200" b="0" i="0" u="none" strike="noStrike" cap="none" baseline="0" dirty="0">
-                <a:solidFill>
-                  <a:schemeClr val="dk1"/>
-                </a:solidFill>
-                <a:latin typeface="Arial"/>
-                <a:ea typeface="Arial"/>
-                <a:cs typeface="Arial"/>
-                <a:sym typeface="Arial"/>
-                <a:rtl val="0"/>
-              </a:rPr>
-              <a:t>on a linear </a:t>
-            </a:r>
-            <a:r>
-              <a:rPr lang="en-US" sz="2200" b="0" i="0" u="none" strike="noStrike" cap="none" baseline="0" dirty="0" smtClean="0">
-                <a:solidFill>
-                  <a:schemeClr val="dk1"/>
-                </a:solidFill>
-                <a:latin typeface="Arial"/>
-                <a:ea typeface="Arial"/>
-                <a:cs typeface="Arial"/>
-                <a:sym typeface="Arial"/>
-                <a:rtl val="0"/>
-              </a:rPr>
-              <a:t>scale.</a:t>
-            </a:r>
-            <a:r>
-              <a:rPr lang="en-US" sz="2200" b="0" i="0" u="none" strike="noStrike" cap="none" baseline="0" dirty="0" smtClean="0">
-                <a:solidFill>
-                  <a:srgbClr val="000000"/>
-                </a:solidFill>
-                <a:latin typeface="Arial"/>
-                <a:ea typeface="Arial"/>
-                <a:cs typeface="Arial"/>
-                <a:sym typeface="Arial"/>
-                <a:rtl val="0"/>
-              </a:rPr>
-              <a:t> </a:t>
-            </a:r>
-            <a:endParaRPr lang="en-US" sz="2200" dirty="0"/>
-          </a:p>
-          <a:p>
-            <a:pPr marL="342900" marR="0" lvl="0" indent="-342900" algn="l" rtl="0">
-              <a:lnSpc>
-                <a:spcPct val="100000"/>
-              </a:lnSpc>
-              <a:spcBef>
-                <a:spcPts val="0"/>
-              </a:spcBef>
-              <a:spcAft>
-                <a:spcPts val="0"/>
-              </a:spcAft>
-              <a:buClr>
-                <a:schemeClr val="dk1"/>
-              </a:buClr>
-              <a:buSzPct val="100000"/>
-              <a:buFont typeface="Arial"/>
-              <a:buChar char="•"/>
-            </a:pPr>
-            <a:r>
-              <a:rPr lang="en-US" sz="2200" b="0" i="0" u="none" strike="noStrike" cap="none" baseline="0" dirty="0" smtClean="0">
-                <a:solidFill>
-                  <a:srgbClr val="000000"/>
-                </a:solidFill>
-                <a:latin typeface="Arial"/>
-                <a:ea typeface="Arial"/>
-                <a:cs typeface="Arial"/>
-                <a:sym typeface="Arial"/>
-                <a:rtl val="0"/>
-              </a:rPr>
-              <a:t>The </a:t>
-            </a:r>
-            <a:r>
-              <a:rPr lang="en-US" sz="2200" b="0" i="0" u="none" strike="noStrike" cap="none" baseline="0" dirty="0">
-                <a:solidFill>
-                  <a:srgbClr val="000000"/>
-                </a:solidFill>
-                <a:latin typeface="Arial"/>
-                <a:ea typeface="Arial"/>
-                <a:cs typeface="Arial"/>
-                <a:sym typeface="Arial"/>
-                <a:rtl val="0"/>
-              </a:rPr>
-              <a:t>weight values are normalized to between 0 and 1, then the thicknesses of the lines are adjusted to vary continuously from the minimum thickness (for normalized weights near zero) to the maximum thickness (weights of 1). </a:t>
-            </a:r>
-            <a:endParaRPr lang="en-US" sz="2200" dirty="0"/>
-          </a:p>
-          <a:p>
-            <a:pPr marL="342900" marR="0" lvl="0" indent="-342900" algn="l" rtl="0">
-              <a:lnSpc>
-                <a:spcPct val="100000"/>
-              </a:lnSpc>
-              <a:spcBef>
-                <a:spcPts val="0"/>
-              </a:spcBef>
-              <a:spcAft>
-                <a:spcPts val="0"/>
-              </a:spcAft>
-              <a:buClr>
-                <a:schemeClr val="dk1"/>
-              </a:buClr>
-              <a:buSzPct val="100000"/>
-              <a:buFont typeface="Arial"/>
-              <a:buChar char="•"/>
-            </a:pPr>
-            <a:r>
-              <a:rPr lang="en-US" sz="2200" dirty="0" smtClean="0">
-                <a:solidFill>
-                  <a:schemeClr val="dk1"/>
-                </a:solidFill>
-              </a:rPr>
-              <a:t>Green edges indicate negative relationships, pink edges signify positive relationships, and grey edges signify near 0 relationships.</a:t>
-            </a:r>
-            <a:endParaRPr lang="en-US" sz="2200" dirty="0">
-              <a:solidFill>
-                <a:schemeClr val="dk1"/>
-              </a:solidFill>
-            </a:endParaRPr>
+            <a:r>
+              <a:rPr lang="en-US" sz="2800" b="1" dirty="0" smtClean="0"/>
+              <a:t>3. Weighted graph laid out automatically</a:t>
+            </a:r>
+            <a:endParaRPr lang="en-US" sz="2800" b="1" dirty="0"/>
           </a:p>
         </p:txBody>
       </p:sp>
@@ -20219,7 +18367,7 @@
           <p:nvPr/>
         </p:nvPicPr>
         <p:blipFill rotWithShape="1">
-          <a:blip r:embed="rId15">
+          <a:blip r:embed="rId16">
             <a:alphaModFix/>
           </a:blip>
           <a:srcRect l="51219" t="35156" b="33193"/>
@@ -20227,7 +18375,7 @@
         </p:blipFill>
         <p:spPr>
           <a:xfrm>
-            <a:off x="18874695" y="14938909"/>
+            <a:off x="18874695" y="17243959"/>
             <a:ext cx="3223666" cy="1384145"/>
           </a:xfrm>
           <a:prstGeom prst="rect">
@@ -20246,7 +18394,7 @@
           <p:nvPr/>
         </p:nvPicPr>
         <p:blipFill rotWithShape="1">
-          <a:blip r:embed="rId15">
+          <a:blip r:embed="rId16">
             <a:alphaModFix/>
           </a:blip>
           <a:srcRect t="68506" r="36449"/>
@@ -20254,7 +18402,7 @@
         </p:blipFill>
         <p:spPr>
           <a:xfrm>
-            <a:off x="21692663" y="14907820"/>
+            <a:off x="21692663" y="17212870"/>
             <a:ext cx="4136889" cy="1415234"/>
           </a:xfrm>
           <a:prstGeom prst="rect">
@@ -20273,7 +18421,7 @@
           <p:nvPr/>
         </p:nvPicPr>
         <p:blipFill rotWithShape="1">
-          <a:blip r:embed="rId15">
+          <a:blip r:embed="rId16">
             <a:alphaModFix/>
           </a:blip>
           <a:srcRect l="66784" t="68506"/>
@@ -20281,7 +18429,7 @@
         </p:blipFill>
         <p:spPr>
           <a:xfrm>
-            <a:off x="25764060" y="14907820"/>
+            <a:off x="25764060" y="17212870"/>
             <a:ext cx="2162231" cy="1415234"/>
           </a:xfrm>
           <a:prstGeom prst="rect">
@@ -20300,7 +18448,7 @@
           <p:nvPr/>
         </p:nvPicPr>
         <p:blipFill rotWithShape="1">
-          <a:blip r:embed="rId15">
+          <a:blip r:embed="rId16">
             <a:alphaModFix/>
           </a:blip>
           <a:srcRect t="35156" r="56613" b="33193"/>
@@ -20308,7 +18456,7 @@
         </p:blipFill>
         <p:spPr>
           <a:xfrm>
-            <a:off x="16060542" y="14866424"/>
+            <a:off x="16060542" y="17171474"/>
             <a:ext cx="2867225" cy="1384145"/>
           </a:xfrm>
           <a:prstGeom prst="rect">
@@ -20320,59 +18468,6 @@
           </a:ln>
         </p:spPr>
       </p:pic>
-      <p:pic>
-        <p:nvPicPr>
-          <p:cNvPr id="2" name="Picture 1"/>
-          <p:cNvPicPr>
-            <a:picLocks noChangeAspect="1"/>
-          </p:cNvPicPr>
-          <p:nvPr/>
-        </p:nvPicPr>
-        <p:blipFill rotWithShape="1">
-          <a:blip r:embed="rId16"/>
-          <a:srcRect b="21858"/>
-          <a:stretch/>
-        </p:blipFill>
-        <p:spPr>
-          <a:xfrm>
-            <a:off x="1168053" y="25398167"/>
-            <a:ext cx="9060020" cy="2613281"/>
-          </a:xfrm>
-          <a:prstGeom prst="rect">
-            <a:avLst/>
-          </a:prstGeom>
-        </p:spPr>
-      </p:pic>
-      <p:sp>
-        <p:nvSpPr>
-          <p:cNvPr id="77" name="TextBox 76"/>
-          <p:cNvSpPr txBox="1"/>
-          <p:nvPr/>
-        </p:nvSpPr>
-        <p:spPr>
-          <a:xfrm>
-            <a:off x="18359405" y="13464377"/>
-            <a:ext cx="384365" cy="523220"/>
-          </a:xfrm>
-          <a:prstGeom prst="rect">
-            <a:avLst/>
-          </a:prstGeom>
-          <a:noFill/>
-        </p:spPr>
-        <p:txBody>
-          <a:bodyPr wrap="none" rtlCol="0">
-            <a:spAutoFit/>
-          </a:bodyPr>
-          <a:lstStyle/>
-          <a:p>
-            <a:r>
-              <a:rPr lang="en-US" sz="2800" b="1" dirty="0"/>
-              <a:t>3</a:t>
-            </a:r>
-            <a:endParaRPr lang="en-US" sz="2800" b="1" dirty="0"/>
-          </a:p>
-        </p:txBody>
-      </p:sp>
       <p:pic>
         <p:nvPicPr>
           <p:cNvPr id="8" name="Picture 7"/>
@@ -20448,8 +18543,8 @@
         </p:nvSpPr>
         <p:spPr>
           <a:xfrm>
-            <a:off x="27869849" y="10854669"/>
-            <a:ext cx="3929112" cy="769441"/>
+            <a:off x="27338155" y="10740369"/>
+            <a:ext cx="4648214" cy="1107996"/>
           </a:xfrm>
           <a:prstGeom prst="rect">
             <a:avLst/>
@@ -20465,27 +18560,19 @@
             <a:pPr algn="ctr"/>
             <a:r>
               <a:rPr lang="en-US" sz="2200" b="1" dirty="0" err="1" smtClean="0"/>
+              <a:t>Unweighted</a:t>
+            </a:r>
+            <a:r>
+              <a:rPr lang="en-US" sz="2200" b="1" dirty="0" smtClean="0"/>
+              <a:t> graph laid out automatically by </a:t>
+            </a:r>
+            <a:r>
+              <a:rPr lang="en-US" sz="2200" b="1" dirty="0" err="1" smtClean="0"/>
               <a:t>GRNsight</a:t>
             </a:r>
             <a:r>
               <a:rPr lang="en-US" sz="2200" b="1" dirty="0" smtClean="0"/>
-              <a:t> Adjusted </a:t>
-            </a:r>
-            <a:r>
-              <a:rPr lang="en-US" sz="2200" b="1" dirty="0" err="1" smtClean="0"/>
-              <a:t>Unw</a:t>
-            </a:r>
-            <a:r>
-              <a:rPr lang="en-US" sz="2200" b="1" dirty="0" err="1" smtClean="0"/>
-              <a:t>eighted</a:t>
-            </a:r>
-            <a:r>
-              <a:rPr lang="en-US" sz="2200" b="1" dirty="0" smtClean="0"/>
-              <a:t> Network </a:t>
-            </a:r>
-            <a:r>
-              <a:rPr lang="en-US" sz="2200" b="1" dirty="0" smtClean="0"/>
-              <a:t>Graph</a:t>
+              <a:t> and adjusted by hand</a:t>
             </a:r>
             <a:endParaRPr lang="en-US" sz="2200" b="1" dirty="0"/>
           </a:p>
@@ -20507,7 +18594,7 @@
         </p:blipFill>
         <p:spPr>
           <a:xfrm>
-            <a:off x="28055253" y="11644081"/>
+            <a:off x="27896733" y="11834581"/>
             <a:ext cx="3531058" cy="1772242"/>
           </a:xfrm>
           <a:prstGeom prst="rect">
@@ -20523,7 +18610,7 @@
         </p:nvSpPr>
         <p:spPr>
           <a:xfrm>
-            <a:off x="27598308" y="13328118"/>
+            <a:off x="27468232" y="13575768"/>
             <a:ext cx="4388061" cy="430887"/>
           </a:xfrm>
           <a:prstGeom prst="rect">
@@ -20540,35 +18627,12 @@
             <a:pPr algn="ctr"/>
             <a:r>
               <a:rPr lang="en-US" sz="2200" dirty="0" smtClean="0"/>
-              <a:t>Produced in ~10 milliseconds</a:t>
+              <a:t>Produced in ~5 minutes</a:t>
             </a:r>
             <a:endParaRPr lang="en-US" sz="2200" dirty="0"/>
           </a:p>
         </p:txBody>
       </p:sp>
-      <p:pic>
-        <p:nvPicPr>
-          <p:cNvPr id="6" name="Picture 5"/>
-          <p:cNvPicPr>
-            <a:picLocks noChangeAspect="1"/>
-          </p:cNvPicPr>
-          <p:nvPr/>
-        </p:nvPicPr>
-        <p:blipFill rotWithShape="1">
-          <a:blip r:embed="rId19"/>
-          <a:srcRect l="19671" t="8977" r="944" b="10451"/>
-          <a:stretch/>
-        </p:blipFill>
-        <p:spPr>
-          <a:xfrm>
-            <a:off x="28005123" y="14657826"/>
-            <a:ext cx="3532692" cy="2010441"/>
-          </a:xfrm>
-          <a:prstGeom prst="rect">
-            <a:avLst/>
-          </a:prstGeom>
-        </p:spPr>
-      </p:pic>
       <p:sp>
         <p:nvSpPr>
           <p:cNvPr id="150" name="TextBox 149"/>
@@ -20577,8 +18641,8 @@
         </p:nvSpPr>
         <p:spPr>
           <a:xfrm>
-            <a:off x="27939143" y="14076257"/>
-            <a:ext cx="3793237" cy="769441"/>
+            <a:off x="27918044" y="14114357"/>
+            <a:ext cx="3793237" cy="1107996"/>
           </a:xfrm>
           <a:prstGeom prst="rect">
             <a:avLst/>
@@ -20593,20 +18657,16 @@
           <a:p>
             <a:pPr algn="ctr"/>
             <a:r>
+              <a:rPr lang="en-US" sz="2200" b="1" dirty="0" smtClean="0"/>
+              <a:t>Weighted graph laid out automatically by </a:t>
+            </a:r>
+            <a:r>
               <a:rPr lang="en-US" sz="2200" b="1" dirty="0" err="1" smtClean="0"/>
               <a:t>GRNsight</a:t>
             </a:r>
             <a:r>
               <a:rPr lang="en-US" sz="2200" b="1" dirty="0" smtClean="0"/>
-              <a:t> Adjusted </a:t>
-            </a:r>
-            <a:r>
-              <a:rPr lang="en-US" sz="2200" b="1" dirty="0" smtClean="0"/>
-              <a:t>Weighted Network </a:t>
-            </a:r>
-            <a:r>
-              <a:rPr lang="en-US" sz="2200" b="1" dirty="0" smtClean="0"/>
-              <a:t>Graph</a:t>
+              <a:t> and adjusted by hand</a:t>
             </a:r>
             <a:endParaRPr lang="en-US" sz="2200" b="1" dirty="0"/>
           </a:p>
@@ -20620,7 +18680,7 @@
         </p:nvSpPr>
         <p:spPr>
           <a:xfrm>
-            <a:off x="28167292" y="16483128"/>
+            <a:off x="27958734" y="17111778"/>
             <a:ext cx="3407057" cy="430887"/>
           </a:xfrm>
           <a:prstGeom prst="rect">
@@ -20643,163 +18703,93 @@
           </a:p>
         </p:txBody>
       </p:sp>
-      <p:cxnSp>
-        <p:nvCxnSpPr>
-          <p:cNvPr id="85" name="Straight Arrow Connector 84"/>
-          <p:cNvCxnSpPr>
-            <a:endCxn id="150" idx="1"/>
-          </p:cNvCxnSpPr>
+      <p:grpSp>
+        <p:nvGrpSpPr>
+          <p:cNvPr id="22" name="Group 21"/>
+          <p:cNvGrpSpPr/>
           <p:nvPr/>
-        </p:nvCxnSpPr>
-        <p:spPr>
+        </p:nvGrpSpPr>
+        <p:grpSpPr>
           <a:xfrm>
-            <a:off x="27338155" y="14020127"/>
-            <a:ext cx="600988" cy="440851"/>
+            <a:off x="33277121" y="12029197"/>
+            <a:ext cx="9549872" cy="3240080"/>
+            <a:chOff x="33277121" y="12791197"/>
+            <a:chExt cx="9549872" cy="3240080"/>
           </a:xfrm>
-          <a:prstGeom prst="straightConnector1">
-            <a:avLst/>
-          </a:prstGeom>
-          <a:ln>
-            <a:tailEnd type="arrow"/>
-          </a:ln>
-        </p:spPr>
-        <p:style>
-          <a:lnRef idx="1">
-            <a:schemeClr val="dk1"/>
-          </a:lnRef>
-          <a:fillRef idx="0">
-            <a:schemeClr val="dk1"/>
-          </a:fillRef>
-          <a:effectRef idx="0">
-            <a:schemeClr val="dk1"/>
-          </a:effectRef>
-          <a:fontRef idx="minor">
-            <a:schemeClr val="tx1"/>
-          </a:fontRef>
-        </p:style>
-      </p:cxnSp>
-      <p:sp>
-        <p:nvSpPr>
-          <p:cNvPr id="31" name="Rectangle 30"/>
-          <p:cNvSpPr/>
-          <p:nvPr/>
-        </p:nvSpPr>
-        <p:spPr>
-          <a:xfrm>
-            <a:off x="33122121" y="13438352"/>
-            <a:ext cx="9704872" cy="984885"/>
-          </a:xfrm>
-          <a:prstGeom prst="rect">
-            <a:avLst/>
-          </a:prstGeom>
-        </p:spPr>
-        <p:txBody>
-          <a:bodyPr wrap="square">
-            <a:spAutoFit/>
-          </a:bodyPr>
-          <a:lstStyle/>
-          <a:p>
-            <a:pPr lvl="0">
-              <a:buClr>
-                <a:srgbClr val="000000"/>
-              </a:buClr>
-              <a:buSzPct val="100000"/>
-            </a:pPr>
-            <a:endParaRPr lang="en-US" dirty="0" smtClean="0"/>
-          </a:p>
-          <a:p>
-            <a:pPr marL="342900" lvl="0" indent="-342900">
-              <a:buClr>
-                <a:srgbClr val="000000"/>
-              </a:buClr>
-              <a:buSzPct val="100000"/>
-              <a:buFont typeface="Arial"/>
-              <a:buChar char="•"/>
-            </a:pPr>
-            <a:r>
-              <a:rPr lang="en-US" sz="2200" dirty="0" smtClean="0"/>
-              <a:t>Prior </a:t>
-            </a:r>
-            <a:r>
-              <a:rPr lang="en-US" sz="2200" dirty="0"/>
-              <a:t>to unit testing framework, each unit test was manually uploaded onto the website to test for errors.</a:t>
-            </a:r>
-            <a:endParaRPr lang="en-US" sz="2200" dirty="0"/>
-          </a:p>
-        </p:txBody>
-      </p:sp>
-      <p:pic>
-        <p:nvPicPr>
-          <p:cNvPr id="32" name="Picture 31"/>
-          <p:cNvPicPr>
-            <a:picLocks noChangeAspect="1"/>
-          </p:cNvPicPr>
-          <p:nvPr/>
-        </p:nvPicPr>
-        <p:blipFill>
-          <a:blip r:embed="rId20"/>
-          <a:stretch>
-            <a:fillRect/>
-          </a:stretch>
-        </p:blipFill>
-        <p:spPr>
-          <a:xfrm>
-            <a:off x="33277121" y="14981947"/>
-            <a:ext cx="9549872" cy="3240080"/>
-          </a:xfrm>
-          <a:prstGeom prst="rect">
-            <a:avLst/>
-          </a:prstGeom>
-        </p:spPr>
-      </p:pic>
-      <p:pic>
-        <p:nvPicPr>
-          <p:cNvPr id="33" name="Picture 32"/>
-          <p:cNvPicPr>
-            <a:picLocks noChangeAspect="1"/>
-          </p:cNvPicPr>
-          <p:nvPr/>
-        </p:nvPicPr>
-        <p:blipFill>
-          <a:blip r:embed="rId21"/>
-          <a:stretch>
-            <a:fillRect/>
-          </a:stretch>
-        </p:blipFill>
-        <p:spPr>
-          <a:xfrm>
-            <a:off x="33277121" y="15010905"/>
-            <a:ext cx="5622300" cy="2005480"/>
-          </a:xfrm>
-          <a:prstGeom prst="rect">
-            <a:avLst/>
-          </a:prstGeom>
-        </p:spPr>
-      </p:pic>
-      <p:pic>
-        <p:nvPicPr>
-          <p:cNvPr id="34" name="Picture 33"/>
-          <p:cNvPicPr>
-            <a:picLocks noChangeAspect="1"/>
-          </p:cNvPicPr>
-          <p:nvPr/>
-        </p:nvPicPr>
-        <p:blipFill>
-          <a:blip r:embed="rId22"/>
-          <a:stretch>
-            <a:fillRect/>
-          </a:stretch>
-        </p:blipFill>
-        <p:spPr>
-          <a:xfrm>
-            <a:off x="33428778" y="16933890"/>
-            <a:ext cx="8520612" cy="1288137"/>
-          </a:xfrm>
-          <a:prstGeom prst="rect">
-            <a:avLst/>
-          </a:prstGeom>
-        </p:spPr>
-      </p:pic>
+        </p:grpSpPr>
+        <p:pic>
+          <p:nvPicPr>
+            <p:cNvPr id="32" name="Picture 31"/>
+            <p:cNvPicPr>
+              <a:picLocks noChangeAspect="1"/>
+            </p:cNvPicPr>
+            <p:nvPr/>
+          </p:nvPicPr>
+          <p:blipFill>
+            <a:blip r:embed="rId19"/>
+            <a:stretch>
+              <a:fillRect/>
+            </a:stretch>
+          </p:blipFill>
+          <p:spPr>
+            <a:xfrm>
+              <a:off x="33277121" y="12791197"/>
+              <a:ext cx="9549872" cy="3240080"/>
+            </a:xfrm>
+            <a:prstGeom prst="rect">
+              <a:avLst/>
+            </a:prstGeom>
+          </p:spPr>
+        </p:pic>
+        <p:pic>
+          <p:nvPicPr>
+            <p:cNvPr id="33" name="Picture 32"/>
+            <p:cNvPicPr>
+              <a:picLocks noChangeAspect="1"/>
+            </p:cNvPicPr>
+            <p:nvPr/>
+          </p:nvPicPr>
+          <p:blipFill>
+            <a:blip r:embed="rId20"/>
+            <a:stretch>
+              <a:fillRect/>
+            </a:stretch>
+          </p:blipFill>
+          <p:spPr>
+            <a:xfrm>
+              <a:off x="33277121" y="12801105"/>
+              <a:ext cx="5622300" cy="2005480"/>
+            </a:xfrm>
+            <a:prstGeom prst="rect">
+              <a:avLst/>
+            </a:prstGeom>
+          </p:spPr>
+        </p:pic>
+        <p:pic>
+          <p:nvPicPr>
+            <p:cNvPr id="34" name="Picture 33"/>
+            <p:cNvPicPr>
+              <a:picLocks noChangeAspect="1"/>
+            </p:cNvPicPr>
+            <p:nvPr/>
+          </p:nvPicPr>
+          <p:blipFill>
+            <a:blip r:embed="rId21"/>
+            <a:stretch>
+              <a:fillRect/>
+            </a:stretch>
+          </p:blipFill>
+          <p:spPr>
+            <a:xfrm>
+              <a:off x="33428778" y="14743140"/>
+              <a:ext cx="8520612" cy="1288137"/>
+            </a:xfrm>
+            <a:prstGeom prst="rect">
+              <a:avLst/>
+            </a:prstGeom>
+          </p:spPr>
+        </p:pic>
+      </p:grpSp>
       <p:pic>
         <p:nvPicPr>
           <p:cNvPr id="36" name="Picture 35"/>
@@ -20809,7 +18799,7 @@
           <p:nvPr/>
         </p:nvPicPr>
         <p:blipFill>
-          <a:blip r:embed="rId23"/>
+          <a:blip r:embed="rId22"/>
           <a:stretch>
             <a:fillRect/>
           </a:stretch>
@@ -20877,7 +18867,7 @@
         <p:spPr>
           <a:xfrm>
             <a:off x="17138103" y="27010349"/>
-            <a:ext cx="14660858" cy="4154983"/>
+            <a:ext cx="14660858" cy="4154984"/>
           </a:xfrm>
           <a:prstGeom prst="rect">
             <a:avLst/>
@@ -20889,208 +18879,227 @@
           </a:bodyPr>
           <a:lstStyle/>
           <a:p>
+            <a:pPr>
+              <a:buClr>
+                <a:schemeClr val="dk1"/>
+              </a:buClr>
+              <a:buSzPct val="100000"/>
+            </a:pPr>
+            <a:r>
+              <a:rPr lang="en-US" sz="2200" b="1" dirty="0" smtClean="0"/>
+              <a:t>The </a:t>
+            </a:r>
+            <a:r>
+              <a:rPr lang="en-US" sz="2200" b="1" dirty="0"/>
+              <a:t>User Interface is Compatible with Firefox and Chrome Browsers</a:t>
+            </a:r>
+          </a:p>
+          <a:p>
+            <a:pPr marL="236538" lvl="0" indent="-236538">
+              <a:buClr>
+                <a:schemeClr val="dk1"/>
+              </a:buClr>
+              <a:buSzPct val="100000"/>
+              <a:buFont typeface="Arial"/>
+              <a:buChar char="•"/>
+            </a:pPr>
+            <a:r>
+              <a:rPr lang="en-US" sz="2200" dirty="0">
+                <a:solidFill>
+                  <a:schemeClr val="dk1"/>
+                </a:solidFill>
+              </a:rPr>
+              <a:t>File upload is through a simple HTML form element.</a:t>
+            </a:r>
+          </a:p>
+          <a:p>
+            <a:pPr marL="236538" lvl="0" indent="-236538">
+              <a:buClr>
+                <a:schemeClr val="dk1"/>
+              </a:buClr>
+              <a:buSzPct val="100000"/>
+              <a:buFont typeface="Arial"/>
+              <a:buChar char="•"/>
+            </a:pPr>
+            <a:r>
+              <a:rPr lang="en-US" sz="2200" dirty="0">
+                <a:solidFill>
+                  <a:schemeClr val="dk1"/>
+                </a:solidFill>
+              </a:rPr>
+              <a:t>Nodes are displayed as interactive HTML elements, and can be clicked and moved. </a:t>
+            </a:r>
+          </a:p>
+          <a:p>
             <a:pPr lvl="0">
               <a:buClr>
                 <a:schemeClr val="dk1"/>
               </a:buClr>
               <a:buSzPct val="25000"/>
             </a:pPr>
-            <a:r>
-              <a:rPr lang="en-US" sz="2200" b="1" dirty="0" err="1">
-                <a:solidFill>
-                  <a:schemeClr val="dk1"/>
-                </a:solidFill>
-              </a:rPr>
-              <a:t>GRNsight</a:t>
-            </a:r>
-            <a:r>
-              <a:rPr lang="en-US" sz="2200" b="1" dirty="0">
-                <a:solidFill>
-                  <a:schemeClr val="dk1"/>
-                </a:solidFill>
-              </a:rPr>
-              <a:t> implementation takes advantage of other open source tools</a:t>
-            </a:r>
-          </a:p>
-          <a:p>
-            <a:pPr marL="457200" lvl="0" indent="-457200">
-              <a:buClr>
-                <a:schemeClr val="dk1"/>
-              </a:buClr>
-              <a:buSzPct val="100000"/>
-              <a:buFont typeface="Arial"/>
-              <a:buChar char="•"/>
-            </a:pPr>
-            <a:r>
-              <a:rPr lang="en-US" sz="2200" dirty="0" err="1">
-                <a:solidFill>
-                  <a:schemeClr val="dk1"/>
-                </a:solidFill>
-              </a:rPr>
-              <a:t>GRNsight</a:t>
-            </a:r>
-            <a:r>
-              <a:rPr lang="en-US" sz="2200" dirty="0">
-                <a:solidFill>
-                  <a:schemeClr val="dk1"/>
-                </a:solidFill>
-              </a:rPr>
-              <a:t> uses the Data-Driven Documents (D3) JavaScript library to generate a graph derived from input network data.</a:t>
-            </a:r>
-          </a:p>
-          <a:p>
-            <a:pPr marL="457200" lvl="0" indent="-457200">
-              <a:buClr>
-                <a:schemeClr val="dk1"/>
-              </a:buClr>
-              <a:buSzPct val="100000"/>
-              <a:buFont typeface="Arial"/>
-              <a:buChar char="•"/>
-            </a:pPr>
-            <a:r>
-              <a:rPr lang="en-US" sz="2200" dirty="0">
-                <a:solidFill>
-                  <a:schemeClr val="dk1"/>
-                </a:solidFill>
-              </a:rPr>
-              <a:t>D3 dynamically manipulates HTML and Scalable Vector Graphics (SVG) to form the elements of the graph.</a:t>
-            </a:r>
-          </a:p>
-          <a:p>
-            <a:pPr marL="1141413" lvl="1" indent="-455613">
-              <a:buClr>
-                <a:schemeClr val="dk1"/>
-              </a:buClr>
-              <a:buSzPct val="100000"/>
-              <a:buFont typeface="Arial"/>
-              <a:buChar char="•"/>
-            </a:pPr>
-            <a:r>
-              <a:rPr lang="en-US" sz="2200" dirty="0" err="1">
-                <a:solidFill>
-                  <a:schemeClr val="dk1"/>
-                </a:solidFill>
-              </a:rPr>
-              <a:t>GRNsight</a:t>
-            </a:r>
-            <a:r>
-              <a:rPr lang="en-US" sz="2200" dirty="0">
-                <a:solidFill>
-                  <a:schemeClr val="dk1"/>
-                </a:solidFill>
-              </a:rPr>
-              <a:t> implements D3’s force layout which applies a physics-based simulation to the graph.</a:t>
-            </a:r>
-          </a:p>
-          <a:p>
-            <a:pPr marL="457200" lvl="0" indent="-457200">
-              <a:buClr>
-                <a:schemeClr val="dk1"/>
-              </a:buClr>
-              <a:buSzPct val="100000"/>
-              <a:buFont typeface="Arial"/>
-              <a:buChar char="•"/>
-            </a:pPr>
-            <a:r>
-              <a:rPr lang="en-US" sz="2200" dirty="0">
-                <a:solidFill>
-                  <a:schemeClr val="dk1"/>
-                </a:solidFill>
-              </a:rPr>
-              <a:t>D3 also allows for the fine tuning of Cascading Style Sheets (CSS), the code that styles web pages.</a:t>
-            </a:r>
-          </a:p>
-          <a:p>
-            <a:pPr marL="457200" indent="-457200">
-              <a:buClr>
-                <a:schemeClr val="dk1"/>
-              </a:buClr>
-              <a:buSzPct val="100000"/>
-              <a:buFont typeface="Arial"/>
-              <a:buChar char="•"/>
-            </a:pPr>
-            <a:r>
-              <a:rPr lang="en-US" sz="2200" dirty="0" err="1"/>
-              <a:t>GRNsight</a:t>
-            </a:r>
-            <a:r>
-              <a:rPr lang="en-US" sz="2200" dirty="0"/>
-              <a:t> follows an open development model using an open source </a:t>
-            </a:r>
-            <a:r>
-              <a:rPr lang="en-US" sz="2200" dirty="0" err="1"/>
-              <a:t>github.com</a:t>
-            </a:r>
-            <a:r>
-              <a:rPr lang="en-US" sz="2200" dirty="0"/>
-              <a:t> code repository and issue tracking</a:t>
-            </a:r>
-            <a:r>
-              <a:rPr lang="en-US" sz="2200" dirty="0" smtClean="0"/>
-              <a:t>.</a:t>
-            </a:r>
-          </a:p>
-          <a:p>
-            <a:pPr>
-              <a:buClr>
-                <a:schemeClr val="dk1"/>
-              </a:buClr>
-              <a:buSzPct val="100000"/>
-            </a:pPr>
-            <a:endParaRPr lang="en-US" sz="1600" dirty="0"/>
-          </a:p>
-          <a:p>
-            <a:pPr>
-              <a:buClr>
-                <a:schemeClr val="dk1"/>
-              </a:buClr>
-              <a:buSzPct val="100000"/>
-            </a:pPr>
-            <a:r>
-              <a:rPr lang="en-US" sz="2200" b="1" dirty="0" smtClean="0"/>
-              <a:t>The User Interface is Compatible with Firefox and Chrome Browsers</a:t>
-            </a:r>
-          </a:p>
-          <a:p>
-            <a:pPr marL="457200" lvl="0" indent="-457200">
-              <a:buClr>
-                <a:schemeClr val="dk1"/>
-              </a:buClr>
-              <a:buSzPct val="100000"/>
-              <a:buFont typeface="Arial"/>
-              <a:buChar char="•"/>
-            </a:pPr>
-            <a:r>
-              <a:rPr lang="en-US" sz="2200" dirty="0" smtClean="0">
-                <a:solidFill>
-                  <a:schemeClr val="dk1"/>
-                </a:solidFill>
-              </a:rPr>
-              <a:t>File upload is through simple HTML form element.</a:t>
-            </a:r>
-          </a:p>
-          <a:p>
-            <a:pPr marL="457200" lvl="0" indent="-457200">
-              <a:buClr>
-                <a:schemeClr val="dk1"/>
-              </a:buClr>
-              <a:buSzPct val="100000"/>
-              <a:buFont typeface="Arial"/>
-              <a:buChar char="•"/>
-            </a:pPr>
-            <a:r>
-              <a:rPr lang="en-US" sz="2200" dirty="0" smtClean="0">
-                <a:solidFill>
-                  <a:schemeClr val="dk1"/>
-                </a:solidFill>
-              </a:rPr>
-              <a:t>Nodes are displayed as interactive HTML elements, and can be clicked and moved. </a:t>
-            </a:r>
-            <a:endParaRPr lang="en-US" sz="2200" dirty="0">
+            <a:endParaRPr lang="en-US" sz="2200" b="1" dirty="0" smtClean="0">
               <a:solidFill>
                 <a:schemeClr val="dk1"/>
               </a:solidFill>
             </a:endParaRPr>
+          </a:p>
+          <a:p>
+            <a:pPr lvl="0">
+              <a:buClr>
+                <a:schemeClr val="dk1"/>
+              </a:buClr>
+              <a:buSzPct val="25000"/>
+            </a:pPr>
+            <a:r>
+              <a:rPr lang="en-US" sz="2200" b="1" dirty="0" err="1" smtClean="0">
+                <a:solidFill>
+                  <a:schemeClr val="dk1"/>
+                </a:solidFill>
+              </a:rPr>
+              <a:t>GRNsight</a:t>
+            </a:r>
+            <a:r>
+              <a:rPr lang="en-US" sz="2200" b="1" dirty="0" smtClean="0">
+                <a:solidFill>
+                  <a:schemeClr val="dk1"/>
+                </a:solidFill>
+              </a:rPr>
+              <a:t> </a:t>
+            </a:r>
+            <a:r>
+              <a:rPr lang="en-US" sz="2200" b="1" dirty="0">
+                <a:solidFill>
+                  <a:schemeClr val="dk1"/>
+                </a:solidFill>
+              </a:rPr>
+              <a:t>implementation takes advantage of other open source tools</a:t>
+            </a:r>
+          </a:p>
+          <a:p>
+            <a:pPr marL="236538" lvl="0" indent="-236538">
+              <a:buClr>
+                <a:schemeClr val="dk1"/>
+              </a:buClr>
+              <a:buSzPct val="100000"/>
+              <a:buFont typeface="Arial"/>
+              <a:buChar char="•"/>
+            </a:pPr>
+            <a:r>
+              <a:rPr lang="en-US" sz="2200" dirty="0" err="1">
+                <a:solidFill>
+                  <a:schemeClr val="dk1"/>
+                </a:solidFill>
+              </a:rPr>
+              <a:t>GRNsight</a:t>
+            </a:r>
+            <a:r>
+              <a:rPr lang="en-US" sz="2200" dirty="0">
+                <a:solidFill>
+                  <a:schemeClr val="dk1"/>
+                </a:solidFill>
+              </a:rPr>
+              <a:t> uses the Data-Driven Documents (D3) JavaScript library to generate a graph derived from input network data.</a:t>
+            </a:r>
+          </a:p>
+          <a:p>
+            <a:pPr marL="236538" lvl="0" indent="-236538">
+              <a:buClr>
+                <a:schemeClr val="dk1"/>
+              </a:buClr>
+              <a:buSzPct val="100000"/>
+              <a:buFont typeface="Arial"/>
+              <a:buChar char="•"/>
+            </a:pPr>
+            <a:r>
+              <a:rPr lang="en-US" sz="2200" dirty="0">
+                <a:solidFill>
+                  <a:schemeClr val="dk1"/>
+                </a:solidFill>
+              </a:rPr>
+              <a:t>D3 dynamically manipulates HTML and Scalable Vector Graphics (SVG) to form the elements of the graph.</a:t>
+            </a:r>
+          </a:p>
+          <a:p>
+            <a:pPr marL="236538" lvl="2" indent="-236538">
+              <a:buClr>
+                <a:schemeClr val="dk1"/>
+              </a:buClr>
+              <a:buSzPct val="100000"/>
+              <a:buFont typeface="Arial"/>
+              <a:buChar char="•"/>
+            </a:pPr>
+            <a:r>
+              <a:rPr lang="en-US" sz="2200" dirty="0" err="1">
+                <a:solidFill>
+                  <a:schemeClr val="dk1"/>
+                </a:solidFill>
+              </a:rPr>
+              <a:t>GRNsight</a:t>
+            </a:r>
+            <a:r>
+              <a:rPr lang="en-US" sz="2200" dirty="0">
+                <a:solidFill>
+                  <a:schemeClr val="dk1"/>
+                </a:solidFill>
+              </a:rPr>
+              <a:t> implements D3’s force layout </a:t>
+            </a:r>
+            <a:r>
+              <a:rPr lang="en-US" sz="2200" dirty="0" smtClean="0">
+                <a:solidFill>
+                  <a:schemeClr val="dk1"/>
+                </a:solidFill>
+              </a:rPr>
+              <a:t>algorithm which </a:t>
+            </a:r>
+            <a:r>
+              <a:rPr lang="en-US" sz="2200" dirty="0">
+                <a:solidFill>
+                  <a:schemeClr val="dk1"/>
+                </a:solidFill>
+              </a:rPr>
+              <a:t>applies a physics-based simulation to the graph.</a:t>
+            </a:r>
+          </a:p>
+          <a:p>
+            <a:pPr marL="236538" lvl="0" indent="-236538">
+              <a:buClr>
+                <a:schemeClr val="dk1"/>
+              </a:buClr>
+              <a:buSzPct val="100000"/>
+              <a:buFont typeface="Arial"/>
+              <a:buChar char="•"/>
+            </a:pPr>
+            <a:r>
+              <a:rPr lang="en-US" sz="2200" dirty="0">
+                <a:solidFill>
+                  <a:schemeClr val="dk1"/>
+                </a:solidFill>
+              </a:rPr>
+              <a:t>D3 also allows for the fine tuning of Cascading Style Sheets (CSS), the code that styles web pages.</a:t>
+            </a:r>
+          </a:p>
+          <a:p>
+            <a:pPr marL="236538" indent="-236538">
+              <a:buClr>
+                <a:schemeClr val="dk1"/>
+              </a:buClr>
+              <a:buSzPct val="100000"/>
+              <a:buFont typeface="Arial"/>
+              <a:buChar char="•"/>
+            </a:pPr>
+            <a:r>
+              <a:rPr lang="en-US" sz="2200" dirty="0" err="1"/>
+              <a:t>GRNsight</a:t>
+            </a:r>
+            <a:r>
+              <a:rPr lang="en-US" sz="2200" dirty="0"/>
+              <a:t> follows an open development model using an open source github.com code repository and issue tracking</a:t>
+            </a:r>
+            <a:r>
+              <a:rPr lang="en-US" sz="2200" dirty="0" smtClean="0"/>
+              <a:t>.</a:t>
+            </a:r>
           </a:p>
         </p:txBody>
       </p:sp>
@@ -21103,7 +19112,7 @@
           <p:nvPr/>
         </p:nvPicPr>
         <p:blipFill>
-          <a:blip r:embed="rId24"/>
+          <a:blip r:embed="rId23"/>
           <a:stretch>
             <a:fillRect/>
           </a:stretch>
@@ -21118,6 +19127,735 @@
           </a:prstGeom>
         </p:spPr>
       </p:pic>
+      <p:sp>
+        <p:nvSpPr>
+          <p:cNvPr id="162" name="Shape 125"/>
+          <p:cNvSpPr/>
+          <p:nvPr/>
+        </p:nvSpPr>
+        <p:spPr>
+          <a:xfrm>
+            <a:off x="16277164" y="14451015"/>
+            <a:ext cx="11727959" cy="2960686"/>
+          </a:xfrm>
+          <a:prstGeom prst="rect">
+            <a:avLst/>
+          </a:prstGeom>
+          <a:solidFill>
+            <a:srgbClr val="FFFFFF"/>
+          </a:solidFill>
+          <a:ln>
+            <a:noFill/>
+          </a:ln>
+        </p:spPr>
+        <p:txBody>
+          <a:bodyPr lIns="91425" tIns="45700" rIns="91425" bIns="45700" anchor="t" anchorCtr="0">
+            <a:noAutofit/>
+          </a:bodyPr>
+          <a:lstStyle/>
+          <a:p>
+            <a:pPr marL="0" marR="0" lvl="0" indent="0" rtl="0">
+              <a:lnSpc>
+                <a:spcPct val="100000"/>
+              </a:lnSpc>
+              <a:spcBef>
+                <a:spcPts val="0"/>
+              </a:spcBef>
+              <a:spcAft>
+                <a:spcPts val="0"/>
+              </a:spcAft>
+              <a:buClr>
+                <a:srgbClr val="FF0000"/>
+              </a:buClr>
+              <a:buSzPct val="25000"/>
+              <a:buFont typeface="Arial"/>
+              <a:buNone/>
+            </a:pPr>
+            <a:r>
+              <a:rPr lang="en-US" sz="2200" b="1" dirty="0" smtClean="0">
+                <a:solidFill>
+                  <a:schemeClr val="dk1"/>
+                </a:solidFill>
+              </a:rPr>
+              <a:t>3. Nodes, </a:t>
+            </a:r>
+            <a:r>
+              <a:rPr lang="en-US" sz="2200" b="1" i="0" u="none" strike="noStrike" cap="none" baseline="0" dirty="0" smtClean="0">
+                <a:solidFill>
+                  <a:schemeClr val="dk1"/>
+                </a:solidFill>
+                <a:sym typeface="Arial"/>
+                <a:rtl val="0"/>
+              </a:rPr>
+              <a:t>Edges,</a:t>
+            </a:r>
+            <a:r>
+              <a:rPr lang="en-US" sz="2200" b="1" i="0" u="none" strike="noStrike" cap="none" dirty="0" smtClean="0">
+                <a:solidFill>
+                  <a:schemeClr val="dk1"/>
+                </a:solidFill>
+                <a:sym typeface="Arial"/>
+                <a:rtl val="0"/>
+              </a:rPr>
+              <a:t> </a:t>
+            </a:r>
+            <a:r>
+              <a:rPr lang="en-US" sz="2200" b="1" i="0" u="none" strike="noStrike" cap="none" baseline="0" dirty="0" smtClean="0">
+                <a:solidFill>
+                  <a:schemeClr val="dk1"/>
+                </a:solidFill>
+                <a:sym typeface="Arial"/>
+                <a:rtl val="0"/>
+              </a:rPr>
+              <a:t>and Arrows </a:t>
+            </a:r>
+          </a:p>
+          <a:p>
+            <a:pPr marL="228600" indent="-228600">
+              <a:buClr>
+                <a:schemeClr val="dk1"/>
+              </a:buClr>
+              <a:buSzPct val="100000"/>
+              <a:buFont typeface="Arial" panose="020B0604020202020204" pitchFamily="34" charset="0"/>
+              <a:buChar char="•"/>
+            </a:pPr>
+            <a:r>
+              <a:rPr lang="en-US" sz="2000" dirty="0">
+                <a:solidFill>
+                  <a:schemeClr val="dk1"/>
+                </a:solidFill>
+              </a:rPr>
+              <a:t>Edge thickness is based on a linear scale.</a:t>
+            </a:r>
+            <a:r>
+              <a:rPr lang="en-US" sz="2000" dirty="0"/>
+              <a:t> </a:t>
+            </a:r>
+            <a:endParaRPr lang="en-US" sz="2000" b="0" i="0" u="none" strike="noStrike" cap="none" baseline="0" dirty="0" smtClean="0">
+              <a:solidFill>
+                <a:srgbClr val="000000"/>
+              </a:solidFill>
+              <a:sym typeface="Arial"/>
+              <a:rtl val="0"/>
+            </a:endParaRPr>
+          </a:p>
+          <a:p>
+            <a:pPr marL="228600" marR="0" lvl="0" indent="-228600" algn="l" rtl="0">
+              <a:lnSpc>
+                <a:spcPct val="100000"/>
+              </a:lnSpc>
+              <a:spcBef>
+                <a:spcPts val="0"/>
+              </a:spcBef>
+              <a:spcAft>
+                <a:spcPts val="0"/>
+              </a:spcAft>
+              <a:buClr>
+                <a:schemeClr val="dk1"/>
+              </a:buClr>
+              <a:buSzPct val="100000"/>
+              <a:buFont typeface="Arial" panose="020B0604020202020204" pitchFamily="34" charset="0"/>
+              <a:buChar char="•"/>
+            </a:pPr>
+            <a:r>
+              <a:rPr lang="en-US" sz="2000" b="0" i="0" u="none" strike="noStrike" cap="none" baseline="0" dirty="0" smtClean="0">
+                <a:solidFill>
+                  <a:srgbClr val="000000"/>
+                </a:solidFill>
+                <a:sym typeface="Arial"/>
+                <a:rtl val="0"/>
+              </a:rPr>
+              <a:t>The absolute value of each weight</a:t>
+            </a:r>
+            <a:r>
+              <a:rPr lang="en-US" sz="2000" b="0" i="0" u="none" strike="noStrike" cap="none" dirty="0" smtClean="0">
+                <a:solidFill>
+                  <a:srgbClr val="000000"/>
+                </a:solidFill>
+                <a:sym typeface="Arial"/>
+                <a:rtl val="0"/>
+              </a:rPr>
+              <a:t> parameter is</a:t>
+            </a:r>
+            <a:r>
+              <a:rPr lang="en-US" sz="2000" b="0" i="0" u="none" strike="noStrike" cap="none" baseline="0" dirty="0" smtClean="0">
+                <a:solidFill>
+                  <a:srgbClr val="000000"/>
+                </a:solidFill>
+                <a:sym typeface="Arial"/>
+                <a:rtl val="0"/>
+              </a:rPr>
+              <a:t> </a:t>
+            </a:r>
+            <a:r>
+              <a:rPr lang="en-US" sz="2000" b="0" i="0" u="none" strike="noStrike" cap="none" baseline="0" dirty="0">
+                <a:solidFill>
+                  <a:srgbClr val="000000"/>
+                </a:solidFill>
+                <a:sym typeface="Arial"/>
+                <a:rtl val="0"/>
+              </a:rPr>
+              <a:t>normalized to </a:t>
+            </a:r>
+            <a:r>
+              <a:rPr lang="en-US" sz="2000" b="0" i="0" u="none" strike="noStrike" cap="none" baseline="0" dirty="0" smtClean="0">
+                <a:solidFill>
+                  <a:srgbClr val="000000"/>
+                </a:solidFill>
+                <a:sym typeface="Arial"/>
+                <a:rtl val="0"/>
+              </a:rPr>
+              <a:t>a value between </a:t>
+            </a:r>
+            <a:r>
+              <a:rPr lang="en-US" sz="2000" b="0" i="0" u="none" strike="noStrike" cap="none" baseline="0" dirty="0">
+                <a:solidFill>
+                  <a:srgbClr val="000000"/>
+                </a:solidFill>
+                <a:sym typeface="Arial"/>
+                <a:rtl val="0"/>
+              </a:rPr>
+              <a:t>0 and </a:t>
+            </a:r>
+            <a:r>
+              <a:rPr lang="en-US" sz="2000" b="0" i="0" u="none" strike="noStrike" cap="none" baseline="0" dirty="0" smtClean="0">
+                <a:solidFill>
+                  <a:srgbClr val="000000"/>
+                </a:solidFill>
+                <a:sym typeface="Arial"/>
+                <a:rtl val="0"/>
+              </a:rPr>
+              <a:t>1.</a:t>
+            </a:r>
+            <a:r>
+              <a:rPr lang="en-US" sz="2000" b="0" i="0" u="none" strike="noStrike" cap="none" dirty="0" smtClean="0">
+                <a:solidFill>
+                  <a:srgbClr val="000000"/>
+                </a:solidFill>
+                <a:sym typeface="Arial"/>
+                <a:rtl val="0"/>
+              </a:rPr>
+              <a:t>  T</a:t>
+            </a:r>
+            <a:r>
+              <a:rPr lang="en-US" sz="2000" b="0" i="0" u="none" strike="noStrike" cap="none" baseline="0" dirty="0" smtClean="0">
+                <a:solidFill>
+                  <a:srgbClr val="000000"/>
+                </a:solidFill>
+                <a:sym typeface="Arial"/>
+                <a:rtl val="0"/>
+              </a:rPr>
+              <a:t>hen </a:t>
+            </a:r>
+            <a:r>
+              <a:rPr lang="en-US" sz="2000" b="0" i="0" u="none" strike="noStrike" cap="none" baseline="0" dirty="0">
+                <a:solidFill>
+                  <a:srgbClr val="000000"/>
+                </a:solidFill>
+                <a:sym typeface="Arial"/>
+                <a:rtl val="0"/>
+              </a:rPr>
+              <a:t>the thicknesses of the lines are adjusted to vary continuously from the minimum thickness (for normalized weights near zero) to the maximum thickness (weights of 1). </a:t>
+            </a:r>
+            <a:endParaRPr lang="en-US" sz="2000" dirty="0"/>
+          </a:p>
+          <a:p>
+            <a:pPr marL="228600" marR="0" lvl="0" indent="-228600" algn="l" rtl="0">
+              <a:lnSpc>
+                <a:spcPct val="100000"/>
+              </a:lnSpc>
+              <a:spcBef>
+                <a:spcPts val="0"/>
+              </a:spcBef>
+              <a:spcAft>
+                <a:spcPts val="0"/>
+              </a:spcAft>
+              <a:buClr>
+                <a:schemeClr val="dk1"/>
+              </a:buClr>
+              <a:buSzPct val="100000"/>
+              <a:buFont typeface="Arial" panose="020B0604020202020204" pitchFamily="34" charset="0"/>
+              <a:buChar char="•"/>
+            </a:pPr>
+            <a:r>
+              <a:rPr lang="en-US" sz="2000" dirty="0" smtClean="0">
+                <a:solidFill>
+                  <a:schemeClr val="dk1"/>
+                </a:solidFill>
+              </a:rPr>
+              <a:t>Edges with negative weights (repression) are colored cyan; edges positive weights (activation) are colored magenta.</a:t>
+            </a:r>
+          </a:p>
+          <a:p>
+            <a:pPr marL="228600" marR="0" lvl="0" indent="-228600" algn="l" rtl="0">
+              <a:lnSpc>
+                <a:spcPct val="100000"/>
+              </a:lnSpc>
+              <a:spcBef>
+                <a:spcPts val="0"/>
+              </a:spcBef>
+              <a:spcAft>
+                <a:spcPts val="0"/>
+              </a:spcAft>
+              <a:buClr>
+                <a:schemeClr val="dk1"/>
+              </a:buClr>
+              <a:buSzPct val="100000"/>
+              <a:buFont typeface="Arial" panose="020B0604020202020204" pitchFamily="34" charset="0"/>
+              <a:buChar char="•"/>
+            </a:pPr>
+            <a:r>
+              <a:rPr lang="en-US" sz="2000" dirty="0" smtClean="0">
+                <a:solidFill>
+                  <a:schemeClr val="dk1"/>
+                </a:solidFill>
+              </a:rPr>
+              <a:t>Edges with normalized weight values between -0.05 and 0.05 are colored grey to signify a weak influence on the target gene.</a:t>
+            </a:r>
+            <a:endParaRPr lang="en-US" sz="2000" dirty="0">
+              <a:solidFill>
+                <a:schemeClr val="dk1"/>
+              </a:solidFill>
+            </a:endParaRPr>
+          </a:p>
+        </p:txBody>
+      </p:sp>
+      <p:sp>
+        <p:nvSpPr>
+          <p:cNvPr id="5" name="TextBox 4"/>
+          <p:cNvSpPr txBox="1"/>
+          <p:nvPr/>
+        </p:nvSpPr>
+        <p:spPr>
+          <a:xfrm>
+            <a:off x="909196" y="25653045"/>
+            <a:ext cx="9680821" cy="2677656"/>
+          </a:xfrm>
+          <a:prstGeom prst="rect">
+            <a:avLst/>
+          </a:prstGeom>
+          <a:noFill/>
+        </p:spPr>
+        <p:txBody>
+          <a:bodyPr wrap="square" rtlCol="0">
+            <a:spAutoFit/>
+          </a:bodyPr>
+          <a:lstStyle/>
+          <a:p>
+            <a:pPr marL="236538" lvl="0" indent="-236538">
+              <a:buClr>
+                <a:schemeClr val="dk1"/>
+              </a:buClr>
+              <a:buSzPct val="100000"/>
+              <a:buFont typeface="Arial"/>
+              <a:buChar char="•"/>
+            </a:pPr>
+            <a:r>
+              <a:rPr lang="en-US" sz="2200" dirty="0" smtClean="0">
+                <a:solidFill>
+                  <a:schemeClr val="dk1"/>
+                </a:solidFill>
+              </a:rPr>
+              <a:t>0 </a:t>
+            </a:r>
+            <a:r>
+              <a:rPr lang="en-US" sz="2200" dirty="0">
+                <a:solidFill>
+                  <a:schemeClr val="dk1"/>
+                </a:solidFill>
+              </a:rPr>
+              <a:t>represents no </a:t>
+            </a:r>
+            <a:r>
+              <a:rPr lang="en-US" sz="2200" dirty="0" smtClean="0">
+                <a:solidFill>
+                  <a:schemeClr val="dk1"/>
+                </a:solidFill>
+              </a:rPr>
+              <a:t>relationship.</a:t>
+            </a:r>
+          </a:p>
+          <a:p>
+            <a:pPr marL="236538" lvl="0" indent="-236538">
+              <a:buClr>
+                <a:schemeClr val="dk1"/>
+              </a:buClr>
+              <a:buSzPct val="100000"/>
+              <a:buFont typeface="Arial"/>
+              <a:buChar char="•"/>
+            </a:pPr>
+            <a:r>
+              <a:rPr lang="en-US" sz="2200" dirty="0" smtClean="0">
+                <a:solidFill>
+                  <a:schemeClr val="dk1"/>
+                </a:solidFill>
+              </a:rPr>
+              <a:t>Initially, 1 represents a regulatory relationship where the gene specified by the column controls the gene specified by the rows.</a:t>
+            </a:r>
+            <a:endParaRPr lang="en-US" sz="2200" dirty="0">
+              <a:solidFill>
+                <a:schemeClr val="dk1"/>
+              </a:solidFill>
+            </a:endParaRPr>
+          </a:p>
+          <a:p>
+            <a:pPr marL="236538" lvl="0" indent="-236538">
+              <a:buClr>
+                <a:schemeClr val="dk1"/>
+              </a:buClr>
+              <a:buSzPct val="100000"/>
+              <a:buFont typeface="Arial"/>
+              <a:buChar char="•"/>
+            </a:pPr>
+            <a:r>
+              <a:rPr lang="en-US" sz="2200" dirty="0" smtClean="0">
+                <a:solidFill>
+                  <a:schemeClr val="dk1"/>
+                </a:solidFill>
+              </a:rPr>
+              <a:t>After the parameters have been estimated, a </a:t>
+            </a:r>
+            <a:r>
+              <a:rPr lang="en-US" sz="2200" dirty="0">
+                <a:solidFill>
+                  <a:schemeClr val="dk1"/>
+                </a:solidFill>
+              </a:rPr>
+              <a:t>positive weight value indicates </a:t>
+            </a:r>
+            <a:r>
+              <a:rPr lang="en-US" sz="2200" dirty="0" smtClean="0">
+                <a:solidFill>
+                  <a:schemeClr val="dk1"/>
+                </a:solidFill>
+              </a:rPr>
+              <a:t>activation and a </a:t>
+            </a:r>
+            <a:r>
+              <a:rPr lang="en-US" sz="2200" dirty="0">
+                <a:solidFill>
+                  <a:schemeClr val="dk1"/>
+                </a:solidFill>
+              </a:rPr>
+              <a:t>negative weight value indicates repression.</a:t>
+            </a:r>
+          </a:p>
+          <a:p>
+            <a:pPr marL="236538" lvl="0" indent="-236538">
+              <a:buClr>
+                <a:schemeClr val="dk1"/>
+              </a:buClr>
+              <a:buSzPct val="100000"/>
+              <a:buFont typeface="Arial"/>
+              <a:buChar char="•"/>
+            </a:pPr>
+            <a:r>
+              <a:rPr lang="en-US" sz="2200" dirty="0">
+                <a:solidFill>
+                  <a:schemeClr val="dk1"/>
+                </a:solidFill>
+              </a:rPr>
+              <a:t>The magnitude of the weight defines the strength of the relationship</a:t>
+            </a:r>
+            <a:r>
+              <a:rPr lang="en-US" sz="2200" dirty="0" smtClean="0">
+                <a:solidFill>
+                  <a:schemeClr val="dk1"/>
+                </a:solidFill>
+              </a:rPr>
+              <a:t>.</a:t>
+            </a:r>
+          </a:p>
+          <a:p>
+            <a:pPr>
+              <a:buClr>
+                <a:schemeClr val="dk1"/>
+              </a:buClr>
+              <a:buSzPct val="100000"/>
+            </a:pPr>
+            <a:r>
+              <a:rPr lang="en-US" sz="2200" b="1" dirty="0">
+                <a:solidFill>
+                  <a:schemeClr val="dk1"/>
+                </a:solidFill>
+              </a:rPr>
+              <a:t>However, </a:t>
+            </a:r>
+            <a:r>
+              <a:rPr lang="en-US" sz="2200" b="1" dirty="0" err="1">
+                <a:solidFill>
+                  <a:schemeClr val="dk1"/>
+                </a:solidFill>
+              </a:rPr>
+              <a:t>GRNmap</a:t>
+            </a:r>
+            <a:r>
+              <a:rPr lang="en-US" sz="2200" b="1" dirty="0">
+                <a:solidFill>
+                  <a:schemeClr val="dk1"/>
+                </a:solidFill>
+              </a:rPr>
+              <a:t> does not generate a visual representation of </a:t>
+            </a:r>
+            <a:r>
+              <a:rPr lang="en-US" sz="2200" b="1" dirty="0" smtClean="0">
+                <a:solidFill>
+                  <a:schemeClr val="dk1"/>
+                </a:solidFill>
+              </a:rPr>
+              <a:t>GRNs</a:t>
+            </a:r>
+            <a:endParaRPr lang="en-US" sz="2200" dirty="0">
+              <a:solidFill>
+                <a:schemeClr val="dk1"/>
+              </a:solidFill>
+            </a:endParaRPr>
+          </a:p>
+          <a:p>
+            <a:endParaRPr lang="en-US" dirty="0"/>
+          </a:p>
+        </p:txBody>
+      </p:sp>
+      <p:sp>
+        <p:nvSpPr>
+          <p:cNvPr id="18" name="TextBox 17"/>
+          <p:cNvSpPr txBox="1"/>
+          <p:nvPr/>
+        </p:nvSpPr>
+        <p:spPr>
+          <a:xfrm>
+            <a:off x="16166205" y="7883403"/>
+            <a:ext cx="385042" cy="523220"/>
+          </a:xfrm>
+          <a:prstGeom prst="rect">
+            <a:avLst/>
+          </a:prstGeom>
+          <a:noFill/>
+        </p:spPr>
+        <p:txBody>
+          <a:bodyPr wrap="none" rtlCol="0">
+            <a:spAutoFit/>
+          </a:bodyPr>
+          <a:lstStyle/>
+          <a:p>
+            <a:r>
+              <a:rPr lang="en-US" sz="2800" b="1" dirty="0" smtClean="0"/>
+              <a:t>1</a:t>
+            </a:r>
+            <a:endParaRPr lang="en-US" sz="2800" b="1" dirty="0"/>
+          </a:p>
+        </p:txBody>
+      </p:sp>
+      <p:pic>
+        <p:nvPicPr>
+          <p:cNvPr id="6" name="Picture 5"/>
+          <p:cNvPicPr>
+            <a:picLocks noChangeAspect="1"/>
+          </p:cNvPicPr>
+          <p:nvPr/>
+        </p:nvPicPr>
+        <p:blipFill rotWithShape="1">
+          <a:blip r:embed="rId24"/>
+          <a:srcRect l="19671" t="8977" r="944" b="10451"/>
+          <a:stretch/>
+        </p:blipFill>
+        <p:spPr>
+          <a:xfrm>
+            <a:off x="27895916" y="15191226"/>
+            <a:ext cx="3532692" cy="2010441"/>
+          </a:xfrm>
+          <a:prstGeom prst="rect">
+            <a:avLst/>
+          </a:prstGeom>
+        </p:spPr>
+      </p:pic>
+      <p:cxnSp>
+        <p:nvCxnSpPr>
+          <p:cNvPr id="85" name="Straight Arrow Connector 84"/>
+          <p:cNvCxnSpPr/>
+          <p:nvPr/>
+        </p:nvCxnSpPr>
+        <p:spPr>
+          <a:xfrm>
+            <a:off x="27338155" y="14058227"/>
+            <a:ext cx="770314" cy="1164126"/>
+          </a:xfrm>
+          <a:prstGeom prst="straightConnector1">
+            <a:avLst/>
+          </a:prstGeom>
+          <a:ln>
+            <a:tailEnd type="arrow"/>
+          </a:ln>
+        </p:spPr>
+        <p:style>
+          <a:lnRef idx="1">
+            <a:schemeClr val="dk1"/>
+          </a:lnRef>
+          <a:fillRef idx="0">
+            <a:schemeClr val="dk1"/>
+          </a:fillRef>
+          <a:effectRef idx="0">
+            <a:schemeClr val="dk1"/>
+          </a:effectRef>
+          <a:fontRef idx="minor">
+            <a:schemeClr val="tx1"/>
+          </a:fontRef>
+        </p:style>
+      </p:cxnSp>
+      <p:sp>
+        <p:nvSpPr>
+          <p:cNvPr id="21" name="TextBox 20"/>
+          <p:cNvSpPr txBox="1"/>
+          <p:nvPr/>
+        </p:nvSpPr>
+        <p:spPr>
+          <a:xfrm>
+            <a:off x="33125971" y="15377084"/>
+            <a:ext cx="6986389" cy="2123658"/>
+          </a:xfrm>
+          <a:prstGeom prst="rect">
+            <a:avLst/>
+          </a:prstGeom>
+          <a:noFill/>
+        </p:spPr>
+        <p:txBody>
+          <a:bodyPr wrap="square" rtlCol="0">
+            <a:spAutoFit/>
+          </a:bodyPr>
+          <a:lstStyle/>
+          <a:p>
+            <a:pPr lvl="0">
+              <a:buClr>
+                <a:srgbClr val="000000"/>
+              </a:buClr>
+              <a:buSzPct val="25000"/>
+            </a:pPr>
+            <a:r>
+              <a:rPr lang="en-US" sz="2200" b="1" dirty="0"/>
+              <a:t>Error Catching was Greatly Improved </a:t>
+            </a:r>
+          </a:p>
+          <a:p>
+            <a:pPr marL="236538" lvl="0" indent="-236538">
+              <a:buClr>
+                <a:srgbClr val="000000"/>
+              </a:buClr>
+              <a:buSzPct val="100000"/>
+              <a:buFont typeface="Arial"/>
+              <a:buChar char="•"/>
+            </a:pPr>
+            <a:r>
+              <a:rPr lang="en-US" sz="2200" dirty="0"/>
+              <a:t>Robustness was greatly extended.</a:t>
+            </a:r>
+          </a:p>
+          <a:p>
+            <a:pPr marL="236538" lvl="0" indent="-236538">
+              <a:buClr>
+                <a:srgbClr val="000000"/>
+              </a:buClr>
+              <a:buSzPct val="100000"/>
+              <a:buFont typeface="Arial"/>
+              <a:buChar char="•"/>
+            </a:pPr>
+            <a:r>
+              <a:rPr lang="en-US" sz="2200" dirty="0"/>
+              <a:t>Instead of crashing when given an improperly formatted or incorrect file, </a:t>
+            </a:r>
+            <a:r>
+              <a:rPr lang="en-US" sz="2200" dirty="0" err="1"/>
+              <a:t>GRNsight</a:t>
+            </a:r>
+            <a:r>
+              <a:rPr lang="en-US" sz="2200" dirty="0"/>
+              <a:t> returns an error.</a:t>
+            </a:r>
+          </a:p>
+          <a:p>
+            <a:pPr marL="236538" lvl="0" indent="-236538">
+              <a:buClr>
+                <a:srgbClr val="000000"/>
+              </a:buClr>
+              <a:buSzPct val="100000"/>
+              <a:buFont typeface="Arial"/>
+              <a:buChar char="•"/>
+            </a:pPr>
+            <a:r>
+              <a:rPr lang="en-US" sz="2200" dirty="0"/>
+              <a:t>Information about the error is returned </a:t>
+            </a:r>
+            <a:r>
+              <a:rPr lang="en-US" sz="2200" dirty="0" smtClean="0"/>
+              <a:t>to the user in </a:t>
+            </a:r>
+            <a:r>
+              <a:rPr lang="en-US" sz="2200" dirty="0"/>
+              <a:t>a </a:t>
+            </a:r>
+            <a:r>
+              <a:rPr lang="en-US" sz="2200" dirty="0" smtClean="0"/>
+              <a:t>modal window, </a:t>
+            </a:r>
+            <a:r>
+              <a:rPr lang="en-US" sz="2200" dirty="0"/>
+              <a:t>without crashing the server</a:t>
+            </a:r>
+            <a:r>
+              <a:rPr lang="en-US" sz="2200" dirty="0" smtClean="0"/>
+              <a:t>.</a:t>
+            </a:r>
+            <a:endParaRPr lang="en-US" sz="2200" dirty="0"/>
+          </a:p>
+        </p:txBody>
+      </p:sp>
+      <p:sp>
+        <p:nvSpPr>
+          <p:cNvPr id="23" name="TextBox 22"/>
+          <p:cNvSpPr txBox="1"/>
+          <p:nvPr/>
+        </p:nvSpPr>
+        <p:spPr>
+          <a:xfrm>
+            <a:off x="40647544" y="23998051"/>
+            <a:ext cx="1847849" cy="523220"/>
+          </a:xfrm>
+          <a:prstGeom prst="rect">
+            <a:avLst/>
+          </a:prstGeom>
+          <a:noFill/>
+        </p:spPr>
+        <p:txBody>
+          <a:bodyPr wrap="square" rtlCol="0">
+            <a:spAutoFit/>
+          </a:bodyPr>
+          <a:lstStyle/>
+          <a:p>
+            <a:r>
+              <a:rPr lang="en-US" dirty="0" smtClean="0">
+                <a:solidFill>
+                  <a:schemeClr val="bg1"/>
+                </a:solidFill>
+              </a:rPr>
+              <a:t>504 total visitors </a:t>
+            </a:r>
+          </a:p>
+          <a:p>
+            <a:r>
+              <a:rPr lang="en-US" dirty="0" smtClean="0">
+                <a:solidFill>
+                  <a:schemeClr val="bg1"/>
+                </a:solidFill>
+              </a:rPr>
+              <a:t>as of 19 March 2015</a:t>
+            </a:r>
+            <a:endParaRPr lang="en-US" dirty="0">
+              <a:solidFill>
+                <a:schemeClr val="bg1"/>
+              </a:solidFill>
+            </a:endParaRPr>
+          </a:p>
+        </p:txBody>
+      </p:sp>
     </p:spTree>
     <p:extLst>
       <p:ext uri="{BB962C8B-B14F-4D97-AF65-F5344CB8AC3E}">
@@ -21131,6 +19869,13 @@
   <p:transition xmlns:p14="http://schemas.microsoft.com/office/powerpoint/2010/main" spd="slow">
     <p:cut/>
   </p:transition>
+  <p:timing>
+    <p:tnLst>
+      <p:par>
+        <p:cTn xmlns:p14="http://schemas.microsoft.com/office/powerpoint/2010/main" id="1" dur="indefinite" restart="never" nodeType="tmRoot"/>
+      </p:par>
+    </p:tnLst>
+  </p:timing>
 </p:sld>
 </file>
 
